--- a/Temp/EMB本部_中村洋太_290863_[HPC解析_CC&ECサービス].pptx
+++ b/Temp/EMB本部_中村洋太_290863_[HPC解析_CC&ECサービス].pptx
@@ -2370,7 +2370,7 @@
             <a:fld id="{C47A164C-7D3B-40C1-96D6-1066CEBC9CC4}" type="datetimeFigureOut">
               <a:rPr kumimoji="1" lang="ja-JP" altLang="en-US" smtClean="0"/>
               <a:pPr/>
-              <a:t>2024/2/4</a:t>
+              <a:t>2024/2/5</a:t>
             </a:fld>
             <a:endParaRPr kumimoji="1" lang="ja-JP" altLang="en-US"/>
           </a:p>
@@ -2850,7 +2850,7 @@
             <a:fld id="{7C487D4C-40C5-A840-B7BB-DC35E4823E0E}" type="datetimeFigureOut">
               <a:rPr kumimoji="1" lang="ja-JP" altLang="en-US" smtClean="0"/>
               <a:pPr/>
-              <a:t>2024/2/4</a:t>
+              <a:t>2024/2/5</a:t>
             </a:fld>
             <a:endParaRPr kumimoji="1" lang="ja-JP" altLang="en-US"/>
           </a:p>
@@ -3052,7 +3052,7 @@
             <a:fld id="{7C487D4C-40C5-A840-B7BB-DC35E4823E0E}" type="datetimeFigureOut">
               <a:rPr kumimoji="1" lang="ja-JP" altLang="en-US" smtClean="0"/>
               <a:pPr/>
-              <a:t>2024/2/4</a:t>
+              <a:t>2024/2/5</a:t>
             </a:fld>
             <a:endParaRPr kumimoji="1" lang="ja-JP" altLang="en-US"/>
           </a:p>
@@ -3264,7 +3264,7 @@
             <a:fld id="{7C487D4C-40C5-A840-B7BB-DC35E4823E0E}" type="datetimeFigureOut">
               <a:rPr kumimoji="1" lang="ja-JP" altLang="en-US" smtClean="0"/>
               <a:pPr/>
-              <a:t>2024/2/4</a:t>
+              <a:t>2024/2/5</a:t>
             </a:fld>
             <a:endParaRPr kumimoji="1" lang="ja-JP" altLang="en-US"/>
           </a:p>
@@ -3580,7 +3580,7 @@
             <a:fld id="{7C487D4C-40C5-A840-B7BB-DC35E4823E0E}" type="datetimeFigureOut">
               <a:rPr kumimoji="1" lang="ja-JP" altLang="en-US" smtClean="0"/>
               <a:pPr/>
-              <a:t>2024/2/4</a:t>
+              <a:t>2024/2/5</a:t>
             </a:fld>
             <a:endParaRPr kumimoji="1" lang="ja-JP" altLang="en-US"/>
           </a:p>
@@ -3827,7 +3827,7 @@
             <a:fld id="{7C487D4C-40C5-A840-B7BB-DC35E4823E0E}" type="datetimeFigureOut">
               <a:rPr kumimoji="1" lang="ja-JP" altLang="en-US" smtClean="0"/>
               <a:pPr/>
-              <a:t>2024/2/4</a:t>
+              <a:t>2024/2/5</a:t>
             </a:fld>
             <a:endParaRPr kumimoji="1" lang="ja-JP" altLang="en-US"/>
           </a:p>
@@ -4178,7 +4178,7 @@
             <a:fld id="{7C487D4C-40C5-A840-B7BB-DC35E4823E0E}" type="datetimeFigureOut">
               <a:rPr kumimoji="1" lang="ja-JP" altLang="en-US" smtClean="0"/>
               <a:pPr/>
-              <a:t>2024/2/4</a:t>
+              <a:t>2024/2/5</a:t>
             </a:fld>
             <a:endParaRPr kumimoji="1" lang="ja-JP" altLang="en-US"/>
           </a:p>
@@ -4663,7 +4663,7 @@
             <a:fld id="{7C487D4C-40C5-A840-B7BB-DC35E4823E0E}" type="datetimeFigureOut">
               <a:rPr kumimoji="1" lang="ja-JP" altLang="en-US" smtClean="0"/>
               <a:pPr/>
-              <a:t>2024/2/4</a:t>
+              <a:t>2024/2/5</a:t>
             </a:fld>
             <a:endParaRPr kumimoji="1" lang="ja-JP" altLang="en-US"/>
           </a:p>
@@ -4782,7 +4782,7 @@
             <a:fld id="{7C487D4C-40C5-A840-B7BB-DC35E4823E0E}" type="datetimeFigureOut">
               <a:rPr kumimoji="1" lang="ja-JP" altLang="en-US" smtClean="0"/>
               <a:pPr/>
-              <a:t>2024/2/4</a:t>
+              <a:t>2024/2/5</a:t>
             </a:fld>
             <a:endParaRPr kumimoji="1" lang="ja-JP" altLang="en-US"/>
           </a:p>
@@ -4879,7 +4879,7 @@
             <a:fld id="{D0604C82-F11D-4FF3-8197-129AFFCF8FE1}" type="datetime1">
               <a:rPr kumimoji="1" lang="ja-JP" altLang="en-US" smtClean="0"/>
               <a:pPr/>
-              <a:t>2024/2/4</a:t>
+              <a:t>2024/2/5</a:t>
             </a:fld>
             <a:endParaRPr kumimoji="1" lang="ja-JP" altLang="en-US"/>
           </a:p>
@@ -5249,7 +5249,7 @@
             <a:fld id="{7C487D4C-40C5-A840-B7BB-DC35E4823E0E}" type="datetimeFigureOut">
               <a:rPr kumimoji="1" lang="ja-JP" altLang="en-US" smtClean="0"/>
               <a:pPr/>
-              <a:t>2024/2/4</a:t>
+              <a:t>2024/2/5</a:t>
             </a:fld>
             <a:endParaRPr kumimoji="1" lang="ja-JP" altLang="en-US"/>
           </a:p>
@@ -5503,7 +5503,7 @@
             <a:fld id="{7C487D4C-40C5-A840-B7BB-DC35E4823E0E}" type="datetimeFigureOut">
               <a:rPr kumimoji="1" lang="ja-JP" altLang="en-US" smtClean="0"/>
               <a:pPr/>
-              <a:t>2024/2/4</a:t>
+              <a:t>2024/2/5</a:t>
             </a:fld>
             <a:endParaRPr kumimoji="1" lang="ja-JP" altLang="en-US"/>
           </a:p>
@@ -5748,7 +5748,7 @@
             <a:fld id="{7C487D4C-40C5-A840-B7BB-DC35E4823E0E}" type="datetimeFigureOut">
               <a:rPr kumimoji="1" lang="ja-JP" altLang="en-US" smtClean="0"/>
               <a:pPr/>
-              <a:t>2024/2/4</a:t>
+              <a:t>2024/2/5</a:t>
             </a:fld>
             <a:endParaRPr kumimoji="1" lang="ja-JP" altLang="en-US"/>
           </a:p>
@@ -7571,53 +7571,43 @@
         </p:nvSpPr>
         <p:spPr/>
         <p:txBody>
-          <a:bodyPr/>
+          <a:bodyPr>
+            <a:normAutofit fontScale="92500" lnSpcReduction="20000"/>
+          </a:bodyPr>
           <a:lstStyle/>
           <a:p>
             <a:r>
               <a:rPr lang="ja-JP" altLang="en-US" dirty="0"/>
-              <a:t>スパコンは先着順の予約形式</a:t>
+              <a:t>スパコンは先着順の予約形式のため必要なタイミングで必要なリソースを確保できない可能性あり</a:t>
             </a:r>
             <a:endParaRPr lang="en-US" altLang="ja-JP" dirty="0"/>
           </a:p>
           <a:p>
             <a:r>
-              <a:rPr lang="ja-JP" altLang="en-US"/>
+              <a:rPr lang="ja-JP" altLang="en-US" dirty="0"/>
               <a:t>プログラムおよび並列化処理は自前での準備が必要</a:t>
             </a:r>
-            <a:endParaRPr lang="en-US" altLang="ja-JP"/>
-          </a:p>
-          <a:p>
-            <a:r>
-              <a:rPr lang="en-US" altLang="ja-JP" dirty="0"/>
-              <a:t>HPC</a:t>
-            </a:r>
+            <a:endParaRPr lang="en-US" altLang="ja-JP" dirty="0"/>
+          </a:p>
+          <a:p>
             <a:r>
               <a:rPr lang="ja-JP" altLang="en-US" dirty="0"/>
-              <a:t>解析環境なし</a:t>
+              <a:t>河川の氾濫など目視確認している</a:t>
             </a:r>
             <a:endParaRPr lang="en-US" altLang="ja-JP" dirty="0"/>
           </a:p>
           <a:p>
             <a:r>
-              <a:rPr lang="en-US" altLang="ja-JP" dirty="0"/>
-              <a:t>CC&amp;EC</a:t>
-            </a:r>
-            <a:r>
               <a:rPr lang="ja-JP" altLang="en-US" dirty="0"/>
-              <a:t>環境なし</a:t>
+              <a:t>冬季など道路状況は設定されている大通りに設置されているカメラ頼りのため生活道路の状況などがわかりづらい</a:t>
             </a:r>
             <a:endParaRPr lang="en-US" altLang="ja-JP" dirty="0"/>
           </a:p>
           <a:p>
             <a:r>
               <a:rPr lang="ja-JP" altLang="en-US" dirty="0"/>
-              <a:t>競合あり</a:t>
-            </a:r>
-            <a:endParaRPr lang="en-US" altLang="ja-JP" dirty="0"/>
-          </a:p>
-          <a:p>
-            <a:endParaRPr lang="ja-JP" altLang="en-US" dirty="0"/>
+              <a:t>冬季の通勤時間帯は渋滞するためどれだけ早く出ればいいか不明確</a:t>
+            </a:r>
           </a:p>
         </p:txBody>
       </p:sp>
@@ -7848,7 +7838,7 @@
         <p:spPr/>
         <p:txBody>
           <a:bodyPr>
-            <a:normAutofit fontScale="92500" lnSpcReduction="10000"/>
+            <a:normAutofit fontScale="70000" lnSpcReduction="20000"/>
           </a:bodyPr>
           <a:lstStyle/>
           <a:p>
@@ -7865,29 +7855,44 @@
           <a:p>
             <a:r>
               <a:rPr lang="ja-JP" altLang="en-US" dirty="0"/>
-              <a:t>スパコン並みの処理能力ハイスペックサーバの</a:t>
+              <a:t>スパコン相当の処理能力が必要</a:t>
+            </a:r>
+            <a:endParaRPr lang="en-US" altLang="ja-JP" dirty="0"/>
+          </a:p>
+          <a:p>
+            <a:r>
+              <a:rPr lang="ja-JP" altLang="en-US" dirty="0"/>
+              <a:t>数百台以上の高スペックサーバマシンの格納スペースが必要</a:t>
+            </a:r>
+            <a:endParaRPr lang="en-US" altLang="ja-JP" dirty="0"/>
+          </a:p>
+          <a:p>
+            <a:r>
+              <a:rPr lang="ja-JP" altLang="en-US" dirty="0"/>
+              <a:t>複数種類の解析対象の並列プログラム提供が必要</a:t>
+            </a:r>
+            <a:endParaRPr lang="en-US" altLang="ja-JP" dirty="0"/>
+          </a:p>
+          <a:p>
+            <a:r>
+              <a:rPr lang="ja-JP" altLang="en-US" dirty="0"/>
+              <a:t>解析状況のモニタリング</a:t>
             </a:r>
             <a:r>
               <a:rPr lang="en-US" altLang="ja-JP" dirty="0"/>
-              <a:t>PC</a:t>
+              <a:t>/</a:t>
             </a:r>
             <a:r>
               <a:rPr lang="ja-JP" altLang="en-US" dirty="0"/>
-              <a:t>クラスタ構築</a:t>
-            </a:r>
-            <a:endParaRPr lang="en-US" altLang="ja-JP" dirty="0"/>
-          </a:p>
-          <a:p>
+              <a:t>空き状況</a:t>
+            </a:r>
+            <a:r>
+              <a:rPr lang="en-US" altLang="ja-JP" dirty="0"/>
+              <a:t>/</a:t>
+            </a:r>
             <a:r>
               <a:rPr lang="ja-JP" altLang="en-US" dirty="0"/>
-              <a:t>複数種類の解析対象のプログラム提供</a:t>
-            </a:r>
-            <a:endParaRPr lang="en-US" altLang="ja-JP" dirty="0"/>
-          </a:p>
-          <a:p>
-            <a:r>
-              <a:rPr lang="ja-JP" altLang="en-US" dirty="0"/>
-              <a:t>買い手及び売り込み方</a:t>
+              <a:t>予定の把握が必要</a:t>
             </a:r>
             <a:endParaRPr lang="en-US" altLang="ja-JP" dirty="0"/>
           </a:p>
@@ -7900,22 +7905,62 @@
           <a:p>
             <a:r>
               <a:rPr lang="ja-JP" altLang="en-US" dirty="0"/>
-              <a:t>エッジデバイスの設置</a:t>
+              <a:t>長時間室外で動作可能なエッジデバイスが必要</a:t>
             </a:r>
             <a:endParaRPr lang="en-US" altLang="ja-JP" dirty="0"/>
           </a:p>
           <a:p>
             <a:r>
               <a:rPr lang="ja-JP" altLang="en-US" dirty="0"/>
-              <a:t>監視対象の選定</a:t>
+              <a:t>広大なフィールドに対してエッジデバイスの不足</a:t>
             </a:r>
             <a:endParaRPr lang="en-US" altLang="ja-JP" dirty="0"/>
           </a:p>
           <a:p>
             <a:r>
               <a:rPr lang="ja-JP" altLang="en-US" dirty="0"/>
-              <a:t>サーバの</a:t>
-            </a:r>
+              <a:t>カメラ等センサーの対象物認識及び測定精度</a:t>
+            </a:r>
+            <a:endParaRPr lang="en-US" altLang="ja-JP" dirty="0"/>
+          </a:p>
+          <a:p>
+            <a:r>
+              <a:rPr lang="ja-JP" altLang="en-US" dirty="0"/>
+              <a:t>消耗品提供企業</a:t>
+            </a:r>
+            <a:r>
+              <a:rPr lang="en-US" altLang="ja-JP" dirty="0"/>
+              <a:t>/</a:t>
+            </a:r>
+            <a:r>
+              <a:rPr lang="ja-JP" altLang="en-US" dirty="0"/>
+              <a:t>配達企業との提携及び連動システム構築</a:t>
+            </a:r>
+            <a:endParaRPr lang="en-US" altLang="ja-JP" dirty="0"/>
+          </a:p>
+          <a:p>
+            <a:r>
+              <a:rPr lang="ja-JP" altLang="en-US" dirty="0"/>
+              <a:t>最適な補給タイミングでの配達</a:t>
+            </a:r>
+            <a:endParaRPr lang="en-US" altLang="ja-JP" dirty="0"/>
+          </a:p>
+          <a:p>
+            <a:r>
+              <a:rPr lang="ja-JP" altLang="en-US" dirty="0"/>
+              <a:t>医療機関との連動システム</a:t>
+            </a:r>
+            <a:endParaRPr lang="en-US" altLang="ja-JP" dirty="0"/>
+          </a:p>
+          <a:p>
+            <a:r>
+              <a:rPr lang="ja-JP" altLang="en-US" dirty="0"/>
+              <a:t>すべての道路状況の詳細把握は困難</a:t>
+            </a:r>
+            <a:endParaRPr lang="en-US" altLang="ja-JP" dirty="0"/>
+          </a:p>
+          <a:p>
+            <a:endParaRPr lang="ja-JP" altLang="en-US" dirty="0"/>
           </a:p>
         </p:txBody>
       </p:sp>
@@ -8104,6 +8149,101 @@
       </p:grpSp>
       <p:sp>
         <p:nvSpPr>
+          <p:cNvPr id="7" name="タイトル 6">
+            <a:extLst>
+              <a:ext uri="{FF2B5EF4-FFF2-40B4-BE49-F238E27FC236}">
+                <a16:creationId xmlns:a16="http://schemas.microsoft.com/office/drawing/2014/main" id="{05E816C1-BA47-489D-D6A0-747D36FC2672}"/>
+              </a:ext>
+            </a:extLst>
+          </p:cNvPr>
+          <p:cNvSpPr>
+            <a:spLocks noGrp="1"/>
+          </p:cNvSpPr>
+          <p:nvPr>
+            <p:ph type="title"/>
+          </p:nvPr>
+        </p:nvSpPr>
+        <p:spPr/>
+        <p:txBody>
+          <a:bodyPr/>
+          <a:lstStyle/>
+          <a:p>
+            <a:endParaRPr lang="ja-JP" altLang="en-US"/>
+          </a:p>
+        </p:txBody>
+      </p:sp>
+      <p:sp>
+        <p:nvSpPr>
+          <p:cNvPr id="8" name="コンテンツ プレースホルダー 7">
+            <a:extLst>
+              <a:ext uri="{FF2B5EF4-FFF2-40B4-BE49-F238E27FC236}">
+                <a16:creationId xmlns:a16="http://schemas.microsoft.com/office/drawing/2014/main" id="{E4FD10A8-50FE-AAB1-7D7C-FE6CDD26B0A8}"/>
+              </a:ext>
+            </a:extLst>
+          </p:cNvPr>
+          <p:cNvSpPr>
+            <a:spLocks noGrp="1"/>
+          </p:cNvSpPr>
+          <p:nvPr>
+            <p:ph idx="1"/>
+          </p:nvPr>
+        </p:nvSpPr>
+        <p:spPr/>
+        <p:txBody>
+          <a:bodyPr/>
+          <a:lstStyle/>
+          <a:p>
+            <a:r>
+              <a:rPr lang="en-US" altLang="ja-JP" dirty="0"/>
+              <a:t>IDC</a:t>
+            </a:r>
+            <a:r>
+              <a:rPr lang="ja-JP" altLang="en-US" dirty="0"/>
+              <a:t>に</a:t>
+            </a:r>
+            <a:r>
+              <a:rPr lang="en-US" altLang="ja-JP" dirty="0"/>
+              <a:t>PC</a:t>
+            </a:r>
+            <a:r>
+              <a:rPr lang="ja-JP" altLang="en-US" dirty="0"/>
+              <a:t>クラスタを構築しお手軽お手頃な解析環境一式を提供する。</a:t>
+            </a:r>
+            <a:endParaRPr lang="en-US" altLang="ja-JP" dirty="0"/>
+          </a:p>
+          <a:p>
+            <a:r>
+              <a:rPr lang="ja-JP" altLang="en-US" dirty="0"/>
+              <a:t>並列で大規模な解析処理を行うには解析プログラムのチューニングが必要なためサポートする。</a:t>
+            </a:r>
+            <a:endParaRPr lang="en-US" altLang="ja-JP" dirty="0"/>
+          </a:p>
+          <a:p>
+            <a:r>
+              <a:rPr lang="en-US" altLang="ja-JP" dirty="0"/>
+              <a:t>NS/NSS</a:t>
+            </a:r>
+            <a:r>
+              <a:rPr lang="ja-JP" altLang="en-US" dirty="0"/>
+              <a:t>と連携しエッジデバイスの開発</a:t>
+            </a:r>
+            <a:r>
+              <a:rPr lang="en-US" altLang="ja-JP" dirty="0"/>
+              <a:t>/</a:t>
+            </a:r>
+            <a:r>
+              <a:rPr lang="ja-JP" altLang="en-US" dirty="0"/>
+              <a:t>消耗品配達を実施</a:t>
+            </a:r>
+            <a:endParaRPr lang="en-US" altLang="ja-JP"/>
+          </a:p>
+          <a:p>
+            <a:endParaRPr lang="ja-JP" altLang="en-US" dirty="0"/>
+          </a:p>
+        </p:txBody>
+      </p:sp>
+      <p:sp>
+        <p:nvSpPr>
           <p:cNvPr id="6" name="スライド番号プレースホルダー 5"/>
           <p:cNvSpPr>
             <a:spLocks noGrp="1"/>
@@ -8285,6 +8425,108 @@
           </p:txBody>
         </p:sp>
       </p:grpSp>
+      <p:sp>
+        <p:nvSpPr>
+          <p:cNvPr id="7" name="タイトル 6">
+            <a:extLst>
+              <a:ext uri="{FF2B5EF4-FFF2-40B4-BE49-F238E27FC236}">
+                <a16:creationId xmlns:a16="http://schemas.microsoft.com/office/drawing/2014/main" id="{37F6499B-6B5F-EA3D-060E-1D9DB9556F73}"/>
+              </a:ext>
+            </a:extLst>
+          </p:cNvPr>
+          <p:cNvSpPr>
+            <a:spLocks noGrp="1"/>
+          </p:cNvSpPr>
+          <p:nvPr>
+            <p:ph type="title"/>
+          </p:nvPr>
+        </p:nvSpPr>
+        <p:spPr/>
+        <p:txBody>
+          <a:bodyPr/>
+          <a:lstStyle/>
+          <a:p>
+            <a:endParaRPr lang="ja-JP" altLang="en-US"/>
+          </a:p>
+        </p:txBody>
+      </p:sp>
+      <p:sp>
+        <p:nvSpPr>
+          <p:cNvPr id="8" name="コンテンツ プレースホルダー 7">
+            <a:extLst>
+              <a:ext uri="{FF2B5EF4-FFF2-40B4-BE49-F238E27FC236}">
+                <a16:creationId xmlns:a16="http://schemas.microsoft.com/office/drawing/2014/main" id="{2C16A347-7717-1B4B-D2BF-B21A4763B391}"/>
+              </a:ext>
+            </a:extLst>
+          </p:cNvPr>
+          <p:cNvSpPr>
+            <a:spLocks noGrp="1"/>
+          </p:cNvSpPr>
+          <p:nvPr>
+            <p:ph idx="1"/>
+          </p:nvPr>
+        </p:nvSpPr>
+        <p:spPr/>
+        <p:txBody>
+          <a:bodyPr/>
+          <a:lstStyle/>
+          <a:p>
+            <a:r>
+              <a:rPr lang="en-US" altLang="ja-JP" dirty="0"/>
+              <a:t>HPC</a:t>
+            </a:r>
+            <a:r>
+              <a:rPr lang="ja-JP" altLang="en-US" dirty="0"/>
+              <a:t>解析</a:t>
+            </a:r>
+            <a:endParaRPr lang="en-US" altLang="ja-JP" dirty="0"/>
+          </a:p>
+          <a:p>
+            <a:r>
+              <a:rPr lang="ja-JP" altLang="en-US" dirty="0"/>
+              <a:t>リソースに応じた従量制</a:t>
+            </a:r>
+            <a:r>
+              <a:rPr lang="en-US" altLang="ja-JP" dirty="0"/>
+              <a:t>/</a:t>
+            </a:r>
+            <a:r>
+              <a:rPr lang="ja-JP" altLang="en-US" dirty="0"/>
+              <a:t>サブスクで一定期間占有でインフラを提供</a:t>
+            </a:r>
+            <a:endParaRPr lang="en-US" altLang="ja-JP" dirty="0"/>
+          </a:p>
+          <a:p>
+            <a:r>
+              <a:rPr lang="en-US" altLang="ja-JP" dirty="0"/>
+              <a:t>CC&amp;EC</a:t>
+            </a:r>
+            <a:r>
+              <a:rPr lang="ja-JP" altLang="en-US" dirty="0"/>
+              <a:t>サービス</a:t>
+            </a:r>
+            <a:endParaRPr lang="en-US" altLang="ja-JP" dirty="0"/>
+          </a:p>
+          <a:p>
+            <a:r>
+              <a:rPr lang="en-US" altLang="ja-JP" dirty="0"/>
+              <a:t>EC</a:t>
+            </a:r>
+            <a:r>
+              <a:rPr lang="ja-JP" altLang="en-US" dirty="0"/>
+              <a:t>デバイスのリース</a:t>
+            </a:r>
+            <a:r>
+              <a:rPr lang="en-US" altLang="ja-JP" dirty="0"/>
+              <a:t>/</a:t>
+            </a:r>
+            <a:r>
+              <a:rPr lang="ja-JP" altLang="en-US" dirty="0"/>
+              <a:t>統合情報アプリの課金</a:t>
+            </a:r>
+          </a:p>
+        </p:txBody>
+      </p:sp>
       <p:sp>
         <p:nvSpPr>
           <p:cNvPr id="6" name="スライド番号プレースホルダー 5"/>
@@ -8754,6 +8996,56 @@
           </p:txBody>
         </p:sp>
       </p:grpSp>
+      <p:sp>
+        <p:nvSpPr>
+          <p:cNvPr id="7" name="タイトル 6">
+            <a:extLst>
+              <a:ext uri="{FF2B5EF4-FFF2-40B4-BE49-F238E27FC236}">
+                <a16:creationId xmlns:a16="http://schemas.microsoft.com/office/drawing/2014/main" id="{4960A96D-47EA-0111-BA62-753296105212}"/>
+              </a:ext>
+            </a:extLst>
+          </p:cNvPr>
+          <p:cNvSpPr>
+            <a:spLocks noGrp="1"/>
+          </p:cNvSpPr>
+          <p:nvPr>
+            <p:ph type="title"/>
+          </p:nvPr>
+        </p:nvSpPr>
+        <p:spPr/>
+        <p:txBody>
+          <a:bodyPr/>
+          <a:lstStyle/>
+          <a:p>
+            <a:endParaRPr lang="ja-JP" altLang="en-US"/>
+          </a:p>
+        </p:txBody>
+      </p:sp>
+      <p:sp>
+        <p:nvSpPr>
+          <p:cNvPr id="8" name="コンテンツ プレースホルダー 7">
+            <a:extLst>
+              <a:ext uri="{FF2B5EF4-FFF2-40B4-BE49-F238E27FC236}">
+                <a16:creationId xmlns:a16="http://schemas.microsoft.com/office/drawing/2014/main" id="{8C3942E0-6739-A0A3-C760-C3324F53000D}"/>
+              </a:ext>
+            </a:extLst>
+          </p:cNvPr>
+          <p:cNvSpPr>
+            <a:spLocks noGrp="1"/>
+          </p:cNvSpPr>
+          <p:nvPr>
+            <p:ph idx="1"/>
+          </p:nvPr>
+        </p:nvSpPr>
+        <p:spPr/>
+        <p:txBody>
+          <a:bodyPr/>
+          <a:lstStyle/>
+          <a:p>
+            <a:endParaRPr lang="ja-JP" altLang="en-US"/>
+          </a:p>
+        </p:txBody>
+      </p:sp>
       <p:sp>
         <p:nvSpPr>
           <p:cNvPr id="6" name="スライド番号プレースホルダー 5"/>
@@ -9362,9 +9654,12 @@
 </file>
 
 <file path=customXml/item1.xml><?xml version="1.0" encoding="utf-8"?>
-<p:properties xmlns:p="http://schemas.microsoft.com/office/2006/metadata/properties" xmlns:xsi="http://www.w3.org/2001/XMLSchema-instance" xmlns:pc="http://schemas.microsoft.com/office/infopath/2007/PartnerControls">
-  <documentManagement/>
-</p:properties>
+<?mso-contentType ?>
+<FormTemplates xmlns="http://schemas.microsoft.com/sharepoint/v3/contenttype/forms">
+  <Display>DocumentLibraryForm</Display>
+  <Edit>DocumentLibraryForm</Edit>
+  <New>DocumentLibraryForm</New>
+</FormTemplates>
 </file>
 
 <file path=customXml/item2.xml><?xml version="1.0" encoding="utf-8"?>
@@ -9512,27 +9807,15 @@
 </file>
 
 <file path=customXml/item3.xml><?xml version="1.0" encoding="utf-8"?>
-<?mso-contentType ?>
-<FormTemplates xmlns="http://schemas.microsoft.com/sharepoint/v3/contenttype/forms">
-  <Display>DocumentLibraryForm</Display>
-  <Edit>DocumentLibraryForm</Edit>
-  <New>DocumentLibraryForm</New>
-</FormTemplates>
+<p:properties xmlns:p="http://schemas.microsoft.com/office/2006/metadata/properties" xmlns:xsi="http://www.w3.org/2001/XMLSchema-instance" xmlns:pc="http://schemas.microsoft.com/office/infopath/2007/PartnerControls">
+  <documentManagement/>
+</p:properties>
 </file>
 
 <file path=customXml/itemProps1.xml><?xml version="1.0" encoding="utf-8"?>
-<ds:datastoreItem xmlns:ds="http://schemas.openxmlformats.org/officeDocument/2006/customXml" ds:itemID="{42ECF84E-BC38-4F74-AFC3-C5959B4DF479}">
+<ds:datastoreItem xmlns:ds="http://schemas.openxmlformats.org/officeDocument/2006/customXml" ds:itemID="{DE0C6FCC-D117-4483-8DEF-6D7839D43390}">
   <ds:schemaRefs>
-    <ds:schemaRef ds:uri="http://purl.org/dc/terms/"/>
-    <ds:schemaRef ds:uri="http://schemas.openxmlformats.org/package/2006/metadata/core-properties"/>
-    <ds:schemaRef ds:uri="http://purl.org/dc/dcmitype/"/>
-    <ds:schemaRef ds:uri="http://schemas.microsoft.com/office/infopath/2007/PartnerControls"/>
-    <ds:schemaRef ds:uri="http://purl.org/dc/elements/1.1/"/>
-    <ds:schemaRef ds:uri="http://schemas.microsoft.com/office/2006/metadata/properties"/>
-    <ds:schemaRef ds:uri="http://schemas.microsoft.com/office/2006/documentManagement/types"/>
-    <ds:schemaRef ds:uri="743be6eb-25c2-4da9-9fe1-7f1bf8fbe095"/>
-    <ds:schemaRef ds:uri="370397f0-7372-4438-83a9-d56962dada60"/>
-    <ds:schemaRef ds:uri="http://www.w3.org/XML/1998/namespace"/>
+    <ds:schemaRef ds:uri="http://schemas.microsoft.com/sharepoint/v3/contenttype/forms"/>
   </ds:schemaRefs>
 </ds:datastoreItem>
 </file>
@@ -9556,9 +9839,18 @@
 </file>
 
 <file path=customXml/itemProps3.xml><?xml version="1.0" encoding="utf-8"?>
-<ds:datastoreItem xmlns:ds="http://schemas.openxmlformats.org/officeDocument/2006/customXml" ds:itemID="{DE0C6FCC-D117-4483-8DEF-6D7839D43390}">
+<ds:datastoreItem xmlns:ds="http://schemas.openxmlformats.org/officeDocument/2006/customXml" ds:itemID="{42ECF84E-BC38-4F74-AFC3-C5959B4DF479}">
   <ds:schemaRefs>
-    <ds:schemaRef ds:uri="http://schemas.microsoft.com/sharepoint/v3/contenttype/forms"/>
+    <ds:schemaRef ds:uri="http://purl.org/dc/terms/"/>
+    <ds:schemaRef ds:uri="http://schemas.openxmlformats.org/package/2006/metadata/core-properties"/>
+    <ds:schemaRef ds:uri="http://purl.org/dc/dcmitype/"/>
+    <ds:schemaRef ds:uri="http://schemas.microsoft.com/office/infopath/2007/PartnerControls"/>
+    <ds:schemaRef ds:uri="http://purl.org/dc/elements/1.1/"/>
+    <ds:schemaRef ds:uri="http://schemas.microsoft.com/office/2006/metadata/properties"/>
+    <ds:schemaRef ds:uri="http://schemas.microsoft.com/office/2006/documentManagement/types"/>
+    <ds:schemaRef ds:uri="743be6eb-25c2-4da9-9fe1-7f1bf8fbe095"/>
+    <ds:schemaRef ds:uri="370397f0-7372-4438-83a9-d56962dada60"/>
+    <ds:schemaRef ds:uri="http://www.w3.org/XML/1998/namespace"/>
   </ds:schemaRefs>
 </ds:datastoreItem>
 </file>
--- a/Temp/EMB本部_中村洋太_290863_[HPC解析_CC&ECサービス].pptx
+++ b/Temp/EMB本部_中村洋太_290863_[HPC解析_CC&ECサービス].pptx
@@ -5,7 +5,7 @@
     <p:sldMasterId id="2147483744" r:id="rId4"/>
   </p:sldMasterIdLst>
   <p:notesMasterIdLst>
-    <p:notesMasterId r:id="rId14"/>
+    <p:notesMasterId r:id="rId16"/>
   </p:notesMasterIdLst>
   <p:sldIdLst>
     <p:sldId id="573" r:id="rId5"/>
@@ -14,9 +14,11 @@
     <p:sldId id="1154" r:id="rId8"/>
     <p:sldId id="1155" r:id="rId9"/>
     <p:sldId id="1156" r:id="rId10"/>
-    <p:sldId id="1157" r:id="rId11"/>
-    <p:sldId id="1159" r:id="rId12"/>
-    <p:sldId id="1158" r:id="rId13"/>
+    <p:sldId id="1160" r:id="rId11"/>
+    <p:sldId id="1157" r:id="rId12"/>
+    <p:sldId id="1159" r:id="rId13"/>
+    <p:sldId id="1161" r:id="rId14"/>
+    <p:sldId id="1158" r:id="rId15"/>
   </p:sldIdLst>
   <p:sldSz cx="9144000" cy="6858000" type="screen4x3"/>
   <p:notesSz cx="6735763" cy="9866313"/>
@@ -2370,7 +2372,7 @@
             <a:fld id="{C47A164C-7D3B-40C1-96D6-1066CEBC9CC4}" type="datetimeFigureOut">
               <a:rPr kumimoji="1" lang="ja-JP" altLang="en-US" smtClean="0"/>
               <a:pPr/>
-              <a:t>2024/2/5</a:t>
+              <a:t>2024/2/14</a:t>
             </a:fld>
             <a:endParaRPr kumimoji="1" lang="ja-JP" altLang="en-US"/>
           </a:p>
@@ -2850,7 +2852,7 @@
             <a:fld id="{7C487D4C-40C5-A840-B7BB-DC35E4823E0E}" type="datetimeFigureOut">
               <a:rPr kumimoji="1" lang="ja-JP" altLang="en-US" smtClean="0"/>
               <a:pPr/>
-              <a:t>2024/2/5</a:t>
+              <a:t>2024/2/14</a:t>
             </a:fld>
             <a:endParaRPr kumimoji="1" lang="ja-JP" altLang="en-US"/>
           </a:p>
@@ -3052,7 +3054,7 @@
             <a:fld id="{7C487D4C-40C5-A840-B7BB-DC35E4823E0E}" type="datetimeFigureOut">
               <a:rPr kumimoji="1" lang="ja-JP" altLang="en-US" smtClean="0"/>
               <a:pPr/>
-              <a:t>2024/2/5</a:t>
+              <a:t>2024/2/14</a:t>
             </a:fld>
             <a:endParaRPr kumimoji="1" lang="ja-JP" altLang="en-US"/>
           </a:p>
@@ -3264,7 +3266,7 @@
             <a:fld id="{7C487D4C-40C5-A840-B7BB-DC35E4823E0E}" type="datetimeFigureOut">
               <a:rPr kumimoji="1" lang="ja-JP" altLang="en-US" smtClean="0"/>
               <a:pPr/>
-              <a:t>2024/2/5</a:t>
+              <a:t>2024/2/14</a:t>
             </a:fld>
             <a:endParaRPr kumimoji="1" lang="ja-JP" altLang="en-US"/>
           </a:p>
@@ -3580,7 +3582,7 @@
             <a:fld id="{7C487D4C-40C5-A840-B7BB-DC35E4823E0E}" type="datetimeFigureOut">
               <a:rPr kumimoji="1" lang="ja-JP" altLang="en-US" smtClean="0"/>
               <a:pPr/>
-              <a:t>2024/2/5</a:t>
+              <a:t>2024/2/14</a:t>
             </a:fld>
             <a:endParaRPr kumimoji="1" lang="ja-JP" altLang="en-US"/>
           </a:p>
@@ -3827,7 +3829,7 @@
             <a:fld id="{7C487D4C-40C5-A840-B7BB-DC35E4823E0E}" type="datetimeFigureOut">
               <a:rPr kumimoji="1" lang="ja-JP" altLang="en-US" smtClean="0"/>
               <a:pPr/>
-              <a:t>2024/2/5</a:t>
+              <a:t>2024/2/14</a:t>
             </a:fld>
             <a:endParaRPr kumimoji="1" lang="ja-JP" altLang="en-US"/>
           </a:p>
@@ -4178,7 +4180,7 @@
             <a:fld id="{7C487D4C-40C5-A840-B7BB-DC35E4823E0E}" type="datetimeFigureOut">
               <a:rPr kumimoji="1" lang="ja-JP" altLang="en-US" smtClean="0"/>
               <a:pPr/>
-              <a:t>2024/2/5</a:t>
+              <a:t>2024/2/14</a:t>
             </a:fld>
             <a:endParaRPr kumimoji="1" lang="ja-JP" altLang="en-US"/>
           </a:p>
@@ -4663,7 +4665,7 @@
             <a:fld id="{7C487D4C-40C5-A840-B7BB-DC35E4823E0E}" type="datetimeFigureOut">
               <a:rPr kumimoji="1" lang="ja-JP" altLang="en-US" smtClean="0"/>
               <a:pPr/>
-              <a:t>2024/2/5</a:t>
+              <a:t>2024/2/14</a:t>
             </a:fld>
             <a:endParaRPr kumimoji="1" lang="ja-JP" altLang="en-US"/>
           </a:p>
@@ -4782,7 +4784,7 @@
             <a:fld id="{7C487D4C-40C5-A840-B7BB-DC35E4823E0E}" type="datetimeFigureOut">
               <a:rPr kumimoji="1" lang="ja-JP" altLang="en-US" smtClean="0"/>
               <a:pPr/>
-              <a:t>2024/2/5</a:t>
+              <a:t>2024/2/14</a:t>
             </a:fld>
             <a:endParaRPr kumimoji="1" lang="ja-JP" altLang="en-US"/>
           </a:p>
@@ -4879,7 +4881,7 @@
             <a:fld id="{D0604C82-F11D-4FF3-8197-129AFFCF8FE1}" type="datetime1">
               <a:rPr kumimoji="1" lang="ja-JP" altLang="en-US" smtClean="0"/>
               <a:pPr/>
-              <a:t>2024/2/5</a:t>
+              <a:t>2024/2/14</a:t>
             </a:fld>
             <a:endParaRPr kumimoji="1" lang="ja-JP" altLang="en-US"/>
           </a:p>
@@ -5249,7 +5251,7 @@
             <a:fld id="{7C487D4C-40C5-A840-B7BB-DC35E4823E0E}" type="datetimeFigureOut">
               <a:rPr kumimoji="1" lang="ja-JP" altLang="en-US" smtClean="0"/>
               <a:pPr/>
-              <a:t>2024/2/5</a:t>
+              <a:t>2024/2/14</a:t>
             </a:fld>
             <a:endParaRPr kumimoji="1" lang="ja-JP" altLang="en-US"/>
           </a:p>
@@ -5503,7 +5505,7 @@
             <a:fld id="{7C487D4C-40C5-A840-B7BB-DC35E4823E0E}" type="datetimeFigureOut">
               <a:rPr kumimoji="1" lang="ja-JP" altLang="en-US" smtClean="0"/>
               <a:pPr/>
-              <a:t>2024/2/5</a:t>
+              <a:t>2024/2/14</a:t>
             </a:fld>
             <a:endParaRPr kumimoji="1" lang="ja-JP" altLang="en-US"/>
           </a:p>
@@ -5748,7 +5750,7 @@
             <a:fld id="{7C487D4C-40C5-A840-B7BB-DC35E4823E0E}" type="datetimeFigureOut">
               <a:rPr kumimoji="1" lang="ja-JP" altLang="en-US" smtClean="0"/>
               <a:pPr/>
-              <a:t>2024/2/5</a:t>
+              <a:t>2024/2/14</a:t>
             </a:fld>
             <a:endParaRPr kumimoji="1" lang="ja-JP" altLang="en-US"/>
           </a:p>
@@ -6549,6 +6551,668 @@
 </p:sld>
 </file>
 
+<file path=ppt/slides/slide10.xml><?xml version="1.0" encoding="utf-8"?>
+<p:sld xmlns:a="http://schemas.openxmlformats.org/drawingml/2006/main" xmlns:r="http://schemas.openxmlformats.org/officeDocument/2006/relationships" xmlns:p="http://schemas.openxmlformats.org/presentationml/2006/main">
+  <p:cSld>
+    <p:spTree>
+      <p:nvGrpSpPr>
+        <p:cNvPr id="1" name=""/>
+        <p:cNvGrpSpPr/>
+        <p:nvPr/>
+      </p:nvGrpSpPr>
+      <p:grpSpPr>
+        <a:xfrm>
+          <a:off x="0" y="0"/>
+          <a:ext cx="0" cy="0"/>
+          <a:chOff x="0" y="0"/>
+          <a:chExt cx="0" cy="0"/>
+        </a:xfrm>
+      </p:grpSpPr>
+      <p:grpSp>
+        <p:nvGrpSpPr>
+          <p:cNvPr id="2" name="図形グループ 9"/>
+          <p:cNvGrpSpPr/>
+          <p:nvPr/>
+        </p:nvGrpSpPr>
+        <p:grpSpPr>
+          <a:xfrm>
+            <a:off x="431800" y="333028"/>
+            <a:ext cx="8280400" cy="461665"/>
+            <a:chOff x="611560" y="942628"/>
+            <a:chExt cx="7920880" cy="461665"/>
+          </a:xfrm>
+        </p:grpSpPr>
+        <p:cxnSp>
+          <p:nvCxnSpPr>
+            <p:cNvPr id="3" name="直線コネクタ 2"/>
+            <p:cNvCxnSpPr/>
+            <p:nvPr/>
+          </p:nvCxnSpPr>
+          <p:spPr>
+            <a:xfrm>
+              <a:off x="611560" y="1340768"/>
+              <a:ext cx="7920880" cy="0"/>
+            </a:xfrm>
+            <a:prstGeom prst="line">
+              <a:avLst/>
+            </a:prstGeom>
+            <a:ln w="9525" cmpd="sng">
+              <a:solidFill>
+                <a:srgbClr val="3366FF"/>
+              </a:solidFill>
+            </a:ln>
+            <a:effectLst/>
+          </p:spPr>
+          <p:style>
+            <a:lnRef idx="2">
+              <a:schemeClr val="accent1"/>
+            </a:lnRef>
+            <a:fillRef idx="0">
+              <a:schemeClr val="accent1"/>
+            </a:fillRef>
+            <a:effectRef idx="1">
+              <a:schemeClr val="accent1"/>
+            </a:effectRef>
+            <a:fontRef idx="minor">
+              <a:schemeClr val="tx1"/>
+            </a:fontRef>
+          </p:style>
+        </p:cxnSp>
+        <p:sp>
+          <p:nvSpPr>
+            <p:cNvPr id="4" name="正方形/長方形 3"/>
+            <p:cNvSpPr/>
+            <p:nvPr/>
+          </p:nvSpPr>
+          <p:spPr>
+            <a:xfrm>
+              <a:off x="611560" y="980728"/>
+              <a:ext cx="72008" cy="360040"/>
+            </a:xfrm>
+            <a:prstGeom prst="rect">
+              <a:avLst/>
+            </a:prstGeom>
+            <a:solidFill>
+              <a:srgbClr val="3366FF"/>
+            </a:solidFill>
+            <a:ln>
+              <a:noFill/>
+            </a:ln>
+            <a:effectLst/>
+          </p:spPr>
+          <p:style>
+            <a:lnRef idx="1">
+              <a:schemeClr val="accent1"/>
+            </a:lnRef>
+            <a:fillRef idx="3">
+              <a:schemeClr val="accent1"/>
+            </a:fillRef>
+            <a:effectRef idx="2">
+              <a:schemeClr val="accent1"/>
+            </a:effectRef>
+            <a:fontRef idx="minor">
+              <a:schemeClr val="lt1"/>
+            </a:fontRef>
+          </p:style>
+          <p:txBody>
+            <a:bodyPr rtlCol="0" anchor="ctr"/>
+            <a:lstStyle/>
+            <a:p>
+              <a:pPr algn="ctr"/>
+              <a:endParaRPr kumimoji="1" lang="ja-JP" altLang="en-US" dirty="0"/>
+            </a:p>
+          </p:txBody>
+        </p:sp>
+        <p:sp>
+          <p:nvSpPr>
+            <p:cNvPr id="5" name="テキスト ボックス 4"/>
+            <p:cNvSpPr txBox="1"/>
+            <p:nvPr/>
+          </p:nvSpPr>
+          <p:spPr>
+            <a:xfrm>
+              <a:off x="683568" y="942628"/>
+              <a:ext cx="7848872" cy="461665"/>
+            </a:xfrm>
+            <a:prstGeom prst="rect">
+              <a:avLst/>
+            </a:prstGeom>
+            <a:noFill/>
+          </p:spPr>
+          <p:txBody>
+            <a:bodyPr wrap="square" rtlCol="0">
+              <a:spAutoFit/>
+            </a:bodyPr>
+            <a:lstStyle/>
+            <a:p>
+              <a:r>
+                <a:rPr lang="ja-JP" altLang="en-US" sz="2400" b="1" dirty="0">
+                  <a:latin typeface="Meiryo UI" panose="020B0604030504040204" pitchFamily="50" charset="-128"/>
+                  <a:ea typeface="Meiryo UI" panose="020B0604030504040204" pitchFamily="50" charset="-128"/>
+                  <a:cs typeface="Meiryo UI" panose="020B0604030504040204" pitchFamily="50" charset="-128"/>
+                </a:rPr>
+                <a:t>強み、市場優位性</a:t>
+              </a:r>
+            </a:p>
+          </p:txBody>
+        </p:sp>
+      </p:grpSp>
+      <p:sp>
+        <p:nvSpPr>
+          <p:cNvPr id="7" name="タイトル 6">
+            <a:extLst>
+              <a:ext uri="{FF2B5EF4-FFF2-40B4-BE49-F238E27FC236}">
+                <a16:creationId xmlns:a16="http://schemas.microsoft.com/office/drawing/2014/main" id="{1FB69CFC-51D3-82AC-4E7B-A4BE46371F6C}"/>
+              </a:ext>
+            </a:extLst>
+          </p:cNvPr>
+          <p:cNvSpPr>
+            <a:spLocks noGrp="1"/>
+          </p:cNvSpPr>
+          <p:nvPr>
+            <p:ph type="title"/>
+          </p:nvPr>
+        </p:nvSpPr>
+        <p:spPr/>
+        <p:txBody>
+          <a:bodyPr>
+            <a:normAutofit fontScale="90000"/>
+          </a:bodyPr>
+          <a:lstStyle/>
+          <a:p>
+            <a:pPr algn="l"/>
+            <a:br>
+              <a:rPr lang="en-US" altLang="ja-JP" dirty="0"/>
+            </a:br>
+            <a:r>
+              <a:rPr lang="ja-JP" altLang="en-US" dirty="0"/>
+              <a:t>■</a:t>
+            </a:r>
+            <a:r>
+              <a:rPr lang="en-US" altLang="ja-JP" dirty="0"/>
+              <a:t>CC&amp;EC</a:t>
+            </a:r>
+            <a:endParaRPr lang="ja-JP" altLang="en-US" dirty="0"/>
+          </a:p>
+        </p:txBody>
+      </p:sp>
+      <p:sp>
+        <p:nvSpPr>
+          <p:cNvPr id="8" name="コンテンツ プレースホルダー 7">
+            <a:extLst>
+              <a:ext uri="{FF2B5EF4-FFF2-40B4-BE49-F238E27FC236}">
+                <a16:creationId xmlns:a16="http://schemas.microsoft.com/office/drawing/2014/main" id="{2F9993A4-510E-2740-4DA3-2A621E4CA1A3}"/>
+              </a:ext>
+            </a:extLst>
+          </p:cNvPr>
+          <p:cNvSpPr>
+            <a:spLocks noGrp="1"/>
+          </p:cNvSpPr>
+          <p:nvPr>
+            <p:ph idx="1"/>
+          </p:nvPr>
+        </p:nvSpPr>
+        <p:spPr/>
+        <p:txBody>
+          <a:bodyPr>
+            <a:normAutofit fontScale="85000" lnSpcReduction="20000"/>
+          </a:bodyPr>
+          <a:lstStyle/>
+          <a:p>
+            <a:r>
+              <a:rPr lang="ja-JP" altLang="en-US" dirty="0"/>
+              <a:t>食料品</a:t>
+            </a:r>
+            <a:r>
+              <a:rPr lang="en-US" altLang="ja-JP" dirty="0"/>
+              <a:t>/</a:t>
+            </a:r>
+            <a:r>
+              <a:rPr lang="ja-JP" altLang="en-US" dirty="0"/>
+              <a:t>日用品を一括購入できる地域密着サービスの競合はなし。</a:t>
+            </a:r>
+            <a:endParaRPr lang="en-US" altLang="ja-JP" dirty="0"/>
+          </a:p>
+          <a:p>
+            <a:r>
+              <a:rPr lang="ja-JP" altLang="en-US" dirty="0"/>
+              <a:t>高齢化</a:t>
+            </a:r>
+            <a:r>
+              <a:rPr lang="en-US" altLang="ja-JP" dirty="0"/>
+              <a:t>/</a:t>
+            </a:r>
+            <a:r>
+              <a:rPr lang="ja-JP" altLang="en-US" dirty="0"/>
+              <a:t>過疎化地域は今後増加するため、県内全域に販路の拡大可能。</a:t>
+            </a:r>
+            <a:endParaRPr lang="en-US" altLang="ja-JP" dirty="0"/>
+          </a:p>
+          <a:p>
+            <a:r>
+              <a:rPr lang="ja-JP" altLang="en-US" dirty="0"/>
+              <a:t>簡易診察サービスは自宅のタブレット端末で診察し薬を処方できるため、軽度な症状であれば医療機関まで足を運ぶ必要がなくなる。</a:t>
+            </a:r>
+          </a:p>
+          <a:p>
+            <a:r>
+              <a:rPr lang="ja-JP" altLang="en-US" dirty="0"/>
+              <a:t>物資配達サービスにより、物資の計画的管理が可能。</a:t>
+            </a:r>
+            <a:endParaRPr lang="en-US" altLang="ja-JP" dirty="0"/>
+          </a:p>
+          <a:p>
+            <a:r>
+              <a:rPr lang="ja-JP" altLang="en-US" dirty="0"/>
+              <a:t>災害時の被害状況</a:t>
+            </a:r>
+            <a:r>
+              <a:rPr lang="en-US" altLang="ja-JP" dirty="0"/>
+              <a:t>/</a:t>
+            </a:r>
+            <a:r>
+              <a:rPr lang="ja-JP" altLang="en-US" dirty="0"/>
+              <a:t>避難経路</a:t>
+            </a:r>
+            <a:r>
+              <a:rPr lang="en-US" altLang="ja-JP" dirty="0"/>
+              <a:t>/</a:t>
+            </a:r>
+            <a:r>
+              <a:rPr lang="ja-JP" altLang="en-US" dirty="0"/>
+              <a:t>救援物資の手配の把握がスムーズに行える。</a:t>
+            </a:r>
+          </a:p>
+          <a:p>
+            <a:r>
+              <a:rPr lang="ja-JP" altLang="en-US" dirty="0"/>
+              <a:t>天候状況や冬季の道路の路面状態の把握にも活用可能。</a:t>
+            </a:r>
+          </a:p>
+          <a:p>
+            <a:endParaRPr lang="en-US" altLang="ja-JP" dirty="0"/>
+          </a:p>
+          <a:p>
+            <a:endParaRPr lang="ja-JP" altLang="en-US" dirty="0"/>
+          </a:p>
+        </p:txBody>
+      </p:sp>
+      <p:sp>
+        <p:nvSpPr>
+          <p:cNvPr id="6" name="スライド番号プレースホルダー 5"/>
+          <p:cNvSpPr>
+            <a:spLocks noGrp="1"/>
+          </p:cNvSpPr>
+          <p:nvPr>
+            <p:ph type="sldNum" sz="quarter" idx="12"/>
+          </p:nvPr>
+        </p:nvSpPr>
+        <p:spPr/>
+        <p:txBody>
+          <a:bodyPr/>
+          <a:lstStyle/>
+          <a:p>
+            <a:fld id="{C4F1D116-AAC6-F342-B192-4E8E92DD0B7F}" type="slidenum">
+              <a:rPr lang="ja-JP" altLang="en-US" smtClean="0"/>
+              <a:pPr/>
+              <a:t>10</a:t>
+            </a:fld>
+            <a:endParaRPr lang="ja-JP" altLang="en-US" dirty="0"/>
+          </a:p>
+        </p:txBody>
+      </p:sp>
+    </p:spTree>
+    <p:extLst>
+      <p:ext uri="{BB962C8B-B14F-4D97-AF65-F5344CB8AC3E}">
+        <p14:creationId xmlns:p14="http://schemas.microsoft.com/office/powerpoint/2010/main" val="1528121366"/>
+      </p:ext>
+    </p:extLst>
+  </p:cSld>
+  <p:clrMapOvr>
+    <a:masterClrMapping/>
+  </p:clrMapOvr>
+</p:sld>
+</file>
+
+<file path=ppt/slides/slide11.xml><?xml version="1.0" encoding="utf-8"?>
+<p:sld xmlns:a="http://schemas.openxmlformats.org/drawingml/2006/main" xmlns:r="http://schemas.openxmlformats.org/officeDocument/2006/relationships" xmlns:p="http://schemas.openxmlformats.org/presentationml/2006/main">
+  <p:cSld>
+    <p:spTree>
+      <p:nvGrpSpPr>
+        <p:cNvPr id="1" name=""/>
+        <p:cNvGrpSpPr/>
+        <p:nvPr/>
+      </p:nvGrpSpPr>
+      <p:grpSpPr>
+        <a:xfrm>
+          <a:off x="0" y="0"/>
+          <a:ext cx="0" cy="0"/>
+          <a:chOff x="0" y="0"/>
+          <a:chExt cx="0" cy="0"/>
+        </a:xfrm>
+      </p:grpSpPr>
+      <p:grpSp>
+        <p:nvGrpSpPr>
+          <p:cNvPr id="2" name="図形グループ 9"/>
+          <p:cNvGrpSpPr/>
+          <p:nvPr/>
+        </p:nvGrpSpPr>
+        <p:grpSpPr>
+          <a:xfrm>
+            <a:off x="431800" y="333028"/>
+            <a:ext cx="8280400" cy="461665"/>
+            <a:chOff x="611560" y="942628"/>
+            <a:chExt cx="7920880" cy="461665"/>
+          </a:xfrm>
+        </p:grpSpPr>
+        <p:cxnSp>
+          <p:nvCxnSpPr>
+            <p:cNvPr id="3" name="直線コネクタ 2"/>
+            <p:cNvCxnSpPr/>
+            <p:nvPr/>
+          </p:nvCxnSpPr>
+          <p:spPr>
+            <a:xfrm>
+              <a:off x="611560" y="1340768"/>
+              <a:ext cx="7920880" cy="0"/>
+            </a:xfrm>
+            <a:prstGeom prst="line">
+              <a:avLst/>
+            </a:prstGeom>
+            <a:ln w="9525" cmpd="sng">
+              <a:solidFill>
+                <a:srgbClr val="3366FF"/>
+              </a:solidFill>
+            </a:ln>
+            <a:effectLst/>
+          </p:spPr>
+          <p:style>
+            <a:lnRef idx="2">
+              <a:schemeClr val="accent1"/>
+            </a:lnRef>
+            <a:fillRef idx="0">
+              <a:schemeClr val="accent1"/>
+            </a:fillRef>
+            <a:effectRef idx="1">
+              <a:schemeClr val="accent1"/>
+            </a:effectRef>
+            <a:fontRef idx="minor">
+              <a:schemeClr val="tx1"/>
+            </a:fontRef>
+          </p:style>
+        </p:cxnSp>
+        <p:sp>
+          <p:nvSpPr>
+            <p:cNvPr id="4" name="正方形/長方形 3"/>
+            <p:cNvSpPr/>
+            <p:nvPr/>
+          </p:nvSpPr>
+          <p:spPr>
+            <a:xfrm>
+              <a:off x="611560" y="980728"/>
+              <a:ext cx="72008" cy="360040"/>
+            </a:xfrm>
+            <a:prstGeom prst="rect">
+              <a:avLst/>
+            </a:prstGeom>
+            <a:solidFill>
+              <a:srgbClr val="3366FF"/>
+            </a:solidFill>
+            <a:ln>
+              <a:noFill/>
+            </a:ln>
+            <a:effectLst/>
+          </p:spPr>
+          <p:style>
+            <a:lnRef idx="1">
+              <a:schemeClr val="accent1"/>
+            </a:lnRef>
+            <a:fillRef idx="3">
+              <a:schemeClr val="accent1"/>
+            </a:fillRef>
+            <a:effectRef idx="2">
+              <a:schemeClr val="accent1"/>
+            </a:effectRef>
+            <a:fontRef idx="minor">
+              <a:schemeClr val="lt1"/>
+            </a:fontRef>
+          </p:style>
+          <p:txBody>
+            <a:bodyPr rtlCol="0" anchor="ctr"/>
+            <a:lstStyle/>
+            <a:p>
+              <a:pPr algn="ctr"/>
+              <a:endParaRPr kumimoji="1" lang="ja-JP" altLang="en-US" dirty="0"/>
+            </a:p>
+          </p:txBody>
+        </p:sp>
+        <p:sp>
+          <p:nvSpPr>
+            <p:cNvPr id="5" name="テキスト ボックス 4"/>
+            <p:cNvSpPr txBox="1"/>
+            <p:nvPr/>
+          </p:nvSpPr>
+          <p:spPr>
+            <a:xfrm>
+              <a:off x="683568" y="942628"/>
+              <a:ext cx="7848872" cy="461665"/>
+            </a:xfrm>
+            <a:prstGeom prst="rect">
+              <a:avLst/>
+            </a:prstGeom>
+            <a:noFill/>
+          </p:spPr>
+          <p:txBody>
+            <a:bodyPr wrap="square" rtlCol="0">
+              <a:spAutoFit/>
+            </a:bodyPr>
+            <a:lstStyle/>
+            <a:p>
+              <a:r>
+                <a:rPr lang="ja-JP" altLang="en-US" sz="2400" b="1" dirty="0">
+                  <a:latin typeface="Meiryo UI" panose="020B0604030504040204" pitchFamily="50" charset="-128"/>
+                  <a:ea typeface="Meiryo UI" panose="020B0604030504040204" pitchFamily="50" charset="-128"/>
+                  <a:cs typeface="Meiryo UI" panose="020B0604030504040204" pitchFamily="50" charset="-128"/>
+                </a:rPr>
+                <a:t>収支計画、その根拠</a:t>
+              </a:r>
+            </a:p>
+          </p:txBody>
+        </p:sp>
+      </p:grpSp>
+      <p:sp>
+        <p:nvSpPr>
+          <p:cNvPr id="9" name="タイトル 8">
+            <a:extLst>
+              <a:ext uri="{FF2B5EF4-FFF2-40B4-BE49-F238E27FC236}">
+                <a16:creationId xmlns:a16="http://schemas.microsoft.com/office/drawing/2014/main" id="{B2926043-AA21-8626-B0E1-C73A3C869B50}"/>
+              </a:ext>
+            </a:extLst>
+          </p:cNvPr>
+          <p:cNvSpPr>
+            <a:spLocks noGrp="1"/>
+          </p:cNvSpPr>
+          <p:nvPr>
+            <p:ph type="title"/>
+          </p:nvPr>
+        </p:nvSpPr>
+        <p:spPr/>
+        <p:txBody>
+          <a:bodyPr>
+            <a:normAutofit fontScale="90000"/>
+          </a:bodyPr>
+          <a:lstStyle/>
+          <a:p>
+            <a:br>
+              <a:rPr lang="en-US" altLang="ja-JP" dirty="0"/>
+            </a:br>
+            <a:r>
+              <a:rPr lang="ja-JP" altLang="en-US" dirty="0"/>
+              <a:t>支出</a:t>
+            </a:r>
+          </a:p>
+        </p:txBody>
+      </p:sp>
+      <p:sp>
+        <p:nvSpPr>
+          <p:cNvPr id="10" name="コンテンツ プレースホルダー 9">
+            <a:extLst>
+              <a:ext uri="{FF2B5EF4-FFF2-40B4-BE49-F238E27FC236}">
+                <a16:creationId xmlns:a16="http://schemas.microsoft.com/office/drawing/2014/main" id="{73877EDE-01E7-7F96-F696-8A2B674327A2}"/>
+              </a:ext>
+            </a:extLst>
+          </p:cNvPr>
+          <p:cNvSpPr>
+            <a:spLocks noGrp="1"/>
+          </p:cNvSpPr>
+          <p:nvPr>
+            <p:ph sz="half" idx="1"/>
+          </p:nvPr>
+        </p:nvSpPr>
+        <p:spPr/>
+        <p:txBody>
+          <a:bodyPr/>
+          <a:lstStyle/>
+          <a:p>
+            <a:r>
+              <a:rPr lang="ja-JP" altLang="en-US" dirty="0"/>
+              <a:t>開発費</a:t>
+            </a:r>
+            <a:endParaRPr lang="en-US" altLang="ja-JP" dirty="0"/>
+          </a:p>
+          <a:p>
+            <a:r>
+              <a:rPr lang="en-US" altLang="ja-JP" dirty="0"/>
+              <a:t>Xeon</a:t>
+            </a:r>
+            <a:r>
+              <a:rPr lang="ja-JP" altLang="en-US" dirty="0"/>
+              <a:t>サーバ購入</a:t>
+            </a:r>
+            <a:endParaRPr lang="en-US" altLang="ja-JP" dirty="0"/>
+          </a:p>
+          <a:p>
+            <a:r>
+              <a:rPr lang="en-US" altLang="ja-JP" dirty="0"/>
+              <a:t>HPC</a:t>
+            </a:r>
+            <a:r>
+              <a:rPr lang="ja-JP" altLang="en-US" dirty="0"/>
+              <a:t>インフラ構築工数</a:t>
+            </a:r>
+            <a:endParaRPr lang="en-US" altLang="ja-JP" dirty="0"/>
+          </a:p>
+          <a:p>
+            <a:r>
+              <a:rPr lang="ja-JP" altLang="en-US" dirty="0"/>
+              <a:t>簡易診断サービス</a:t>
+            </a:r>
+            <a:endParaRPr lang="en-US" altLang="ja-JP" dirty="0"/>
+          </a:p>
+          <a:p>
+            <a:endParaRPr lang="ja-JP" altLang="en-US" dirty="0"/>
+          </a:p>
+        </p:txBody>
+      </p:sp>
+      <p:sp>
+        <p:nvSpPr>
+          <p:cNvPr id="11" name="コンテンツ プレースホルダー 10">
+            <a:extLst>
+              <a:ext uri="{FF2B5EF4-FFF2-40B4-BE49-F238E27FC236}">
+                <a16:creationId xmlns:a16="http://schemas.microsoft.com/office/drawing/2014/main" id="{E2EC41B7-C843-00AD-AF73-121C73786224}"/>
+              </a:ext>
+            </a:extLst>
+          </p:cNvPr>
+          <p:cNvSpPr>
+            <a:spLocks noGrp="1"/>
+          </p:cNvSpPr>
+          <p:nvPr>
+            <p:ph sz="half" idx="2"/>
+          </p:nvPr>
+        </p:nvSpPr>
+        <p:spPr/>
+        <p:txBody>
+          <a:bodyPr/>
+          <a:lstStyle/>
+          <a:p>
+            <a:r>
+              <a:rPr lang="ja-JP" altLang="en-US" dirty="0"/>
+              <a:t>運用</a:t>
+            </a:r>
+            <a:r>
+              <a:rPr lang="en-US" altLang="ja-JP" dirty="0"/>
+              <a:t>/</a:t>
+            </a:r>
+            <a:r>
+              <a:rPr lang="ja-JP" altLang="en-US" dirty="0"/>
+              <a:t>保守</a:t>
+            </a:r>
+            <a:endParaRPr lang="en-US" altLang="ja-JP" dirty="0"/>
+          </a:p>
+          <a:p>
+            <a:r>
+              <a:rPr lang="ja-JP" altLang="en-US" dirty="0"/>
+              <a:t>サーバ管理ソフト（</a:t>
+            </a:r>
+            <a:r>
+              <a:rPr lang="en-US" altLang="ja-JP" dirty="0"/>
+              <a:t>mackerel</a:t>
+            </a:r>
+            <a:r>
+              <a:rPr lang="ja-JP" altLang="en-US" dirty="0"/>
+              <a:t>）</a:t>
+            </a:r>
+            <a:endParaRPr lang="en-US" altLang="ja-JP" dirty="0"/>
+          </a:p>
+          <a:p>
+            <a:r>
+              <a:rPr lang="ja-JP" altLang="en-US" dirty="0"/>
+              <a:t>タブレット端末リース</a:t>
+            </a:r>
+            <a:endParaRPr lang="en-US" altLang="ja-JP" dirty="0"/>
+          </a:p>
+          <a:p>
+            <a:endParaRPr lang="en-US" altLang="ja-JP" dirty="0"/>
+          </a:p>
+        </p:txBody>
+      </p:sp>
+      <p:sp>
+        <p:nvSpPr>
+          <p:cNvPr id="6" name="スライド番号プレースホルダー 5"/>
+          <p:cNvSpPr>
+            <a:spLocks noGrp="1"/>
+          </p:cNvSpPr>
+          <p:nvPr>
+            <p:ph type="sldNum" sz="quarter" idx="12"/>
+          </p:nvPr>
+        </p:nvSpPr>
+        <p:spPr/>
+        <p:txBody>
+          <a:bodyPr/>
+          <a:lstStyle/>
+          <a:p>
+            <a:fld id="{C4F1D116-AAC6-F342-B192-4E8E92DD0B7F}" type="slidenum">
+              <a:rPr lang="ja-JP" altLang="en-US" smtClean="0"/>
+              <a:pPr/>
+              <a:t>11</a:t>
+            </a:fld>
+            <a:endParaRPr lang="ja-JP" altLang="en-US" dirty="0"/>
+          </a:p>
+        </p:txBody>
+      </p:sp>
+    </p:spTree>
+    <p:extLst>
+      <p:ext uri="{BB962C8B-B14F-4D97-AF65-F5344CB8AC3E}">
+        <p14:creationId xmlns:p14="http://schemas.microsoft.com/office/powerpoint/2010/main" val="1639543782"/>
+      </p:ext>
+    </p:extLst>
+  </p:cSld>
+  <p:clrMapOvr>
+    <a:masterClrMapping/>
+  </p:clrMapOvr>
+</p:sld>
+</file>
+
 <file path=ppt/slides/slide2.xml><?xml version="1.0" encoding="utf-8"?>
 <p:sld xmlns:a="http://schemas.openxmlformats.org/drawingml/2006/main" xmlns:r="http://schemas.openxmlformats.org/officeDocument/2006/relationships" xmlns:p="http://schemas.openxmlformats.org/presentationml/2006/main">
   <p:cSld>
@@ -6713,10 +7377,27 @@
         </p:nvSpPr>
         <p:spPr/>
         <p:txBody>
-          <a:bodyPr/>
+          <a:bodyPr>
+            <a:normAutofit fontScale="90000"/>
+          </a:bodyPr>
           <a:lstStyle/>
           <a:p>
-            <a:endParaRPr lang="ja-JP" altLang="en-US"/>
+            <a:pPr algn="l"/>
+            <a:br>
+              <a:rPr lang="en-US" altLang="ja-JP" dirty="0"/>
+            </a:br>
+            <a:r>
+              <a:rPr lang="ja-JP" altLang="en-US" sz="2700" dirty="0"/>
+              <a:t>地域連携と</a:t>
+            </a:r>
+            <a:r>
+              <a:rPr lang="en-US" altLang="ja-JP" sz="2700" dirty="0"/>
+              <a:t>IT</a:t>
+            </a:r>
+            <a:r>
+              <a:rPr lang="ja-JP" altLang="en-US" sz="2700" dirty="0"/>
+              <a:t>サービスを組み合わせ社会の課題を解決する</a:t>
+            </a:r>
           </a:p>
         </p:txBody>
       </p:sp>
@@ -6928,7 +7609,7 @@
             </a:pPr>
             <a:r>
               <a:rPr lang="ja-JP" altLang="en-US" dirty="0"/>
-              <a:t>　　　　 遠隔地間のコミュニケーション：家族の見守りシステム</a:t>
+              <a:t>　　　　 簡易診察サービス（自宅の端末から医療機関</a:t>
             </a:r>
             <a:r>
               <a:rPr lang="en-US" altLang="ja-JP" dirty="0"/>
@@ -6936,7 +7617,7 @@
             </a:r>
             <a:r>
               <a:rPr lang="ja-JP" altLang="en-US" dirty="0"/>
-              <a:t>カメラ越しの簡易診察</a:t>
+              <a:t>薬局へ接続）</a:t>
             </a:r>
             <a:endParaRPr lang="en-US" altLang="ja-JP" dirty="0"/>
           </a:p>
@@ -7223,21 +7904,78 @@
         <p:spPr/>
         <p:txBody>
           <a:bodyPr>
-            <a:normAutofit lnSpcReduction="10000"/>
+            <a:normAutofit/>
           </a:bodyPr>
           <a:lstStyle/>
           <a:p>
             <a:r>
+              <a:rPr lang="ja-JP" altLang="en-US" sz="1800" dirty="0"/>
+              <a:t>■</a:t>
+            </a:r>
+            <a:r>
               <a:rPr lang="en-US" altLang="ja-JP" sz="1800" dirty="0"/>
               <a:t>HPC</a:t>
             </a:r>
             <a:r>
               <a:rPr lang="ja-JP" altLang="en-US" sz="1800" dirty="0"/>
-              <a:t>解析</a:t>
+              <a:t>解析の必要性</a:t>
+            </a:r>
+            <a:endParaRPr lang="en-US" altLang="ja-JP" sz="1800" dirty="0"/>
+          </a:p>
+          <a:p>
+            <a:r>
+              <a:rPr lang="ja-JP" altLang="en-US" sz="1800" dirty="0"/>
+              <a:t>下記の様々な解析処理には大規模な演算処理を行える仕組みが必要。</a:t>
+            </a:r>
+            <a:endParaRPr lang="en-US" altLang="ja-JP" sz="1800" dirty="0"/>
+          </a:p>
+          <a:p>
+            <a:r>
+              <a:rPr lang="ja-JP" altLang="en-US" sz="1800" dirty="0"/>
+              <a:t>ウイルスの構造解析やワクチン開発</a:t>
+            </a:r>
+            <a:endParaRPr lang="en-US" altLang="ja-JP" sz="1800" dirty="0"/>
+          </a:p>
+          <a:p>
+            <a:r>
+              <a:rPr lang="ja-JP" altLang="en-US" sz="1800" dirty="0"/>
+              <a:t>災害予測や被害状況の把握</a:t>
+            </a:r>
+            <a:endParaRPr lang="en-US" altLang="ja-JP" sz="1800" dirty="0"/>
+          </a:p>
+          <a:p>
+            <a:r>
+              <a:rPr lang="ja-JP" altLang="en-US" sz="1800" dirty="0"/>
+              <a:t>機械産業（自動車開発</a:t>
             </a:r>
             <a:r>
               <a:rPr lang="en-US" altLang="ja-JP" sz="1800" dirty="0"/>
-              <a:t>/CC&amp;EC</a:t>
+              <a:t>/</a:t>
+            </a:r>
+            <a:r>
+              <a:rPr lang="ja-JP" altLang="en-US" sz="1800" dirty="0"/>
+              <a:t>工場の生産システム）の効率化</a:t>
+            </a:r>
+            <a:endParaRPr lang="en-US" altLang="ja-JP" sz="1800" dirty="0"/>
+          </a:p>
+          <a:p>
+            <a:r>
+              <a:rPr lang="ja-JP" altLang="en-US" sz="1800" dirty="0"/>
+              <a:t>顧客の消費動向・予測のデータ分析によるニーズの把握</a:t>
+            </a:r>
+            <a:endParaRPr lang="en-US" altLang="ja-JP" sz="1800" dirty="0"/>
+          </a:p>
+          <a:p>
+            <a:endParaRPr lang="en-US" altLang="ja-JP" sz="1800" dirty="0"/>
+          </a:p>
+          <a:p>
+            <a:r>
+              <a:rPr lang="ja-JP" altLang="en-US" sz="1800" dirty="0"/>
+              <a:t>■</a:t>
+            </a:r>
+            <a:r>
+              <a:rPr lang="en-US" altLang="ja-JP" sz="1800" dirty="0"/>
+              <a:t>CC&amp;EC</a:t>
             </a:r>
             <a:r>
               <a:rPr lang="ja-JP" altLang="en-US" sz="1800" dirty="0"/>
@@ -7248,100 +7986,50 @@
           <a:p>
             <a:r>
               <a:rPr lang="ja-JP" altLang="en-US" sz="1800" dirty="0"/>
-              <a:t>近年コロナウイルスや大地震など重大な生命の危機にさらされており、</a:t>
+              <a:t>高齢化</a:t>
+            </a:r>
+            <a:r>
+              <a:rPr lang="en-US" altLang="ja-JP" sz="1800" dirty="0"/>
+              <a:t>/</a:t>
+            </a:r>
+            <a:r>
+              <a:rPr lang="ja-JP" altLang="en-US" sz="1800" dirty="0"/>
+              <a:t>過疎化が進む地域では、買い物や医療機関の受診が困難。</a:t>
             </a:r>
             <a:endParaRPr lang="en-US" altLang="ja-JP" sz="1800" dirty="0"/>
           </a:p>
           <a:p>
             <a:r>
               <a:rPr lang="ja-JP" altLang="en-US" sz="1800" dirty="0"/>
-              <a:t>ウイルスの原因やワクチンの開発、災害の予測や状況把握など</a:t>
+              <a:t>消耗品等の物資配達や自宅で簡易診察を行える仕組みが必要。</a:t>
             </a:r>
             <a:endParaRPr lang="en-US" altLang="ja-JP" sz="1800" dirty="0"/>
           </a:p>
           <a:p>
             <a:r>
               <a:rPr lang="ja-JP" altLang="en-US" sz="1800" dirty="0"/>
-              <a:t>可及的速やかに情報を解析する手段が必要不可欠となっている。</a:t>
+              <a:t>災害時の避難指示や最適な救助ルートの把握に防災</a:t>
+            </a:r>
+            <a:r>
+              <a:rPr lang="en-US" altLang="ja-JP" sz="1800" dirty="0"/>
+              <a:t>/</a:t>
+            </a:r>
+            <a:r>
+              <a:rPr lang="ja-JP" altLang="en-US" sz="1800" dirty="0"/>
+              <a:t>気象</a:t>
+            </a:r>
+            <a:r>
+              <a:rPr lang="en-US" altLang="ja-JP" sz="1800" dirty="0"/>
+              <a:t>/</a:t>
+            </a:r>
+            <a:r>
+              <a:rPr lang="ja-JP" altLang="en-US" sz="1800" dirty="0"/>
+              <a:t>交通情報が必要。</a:t>
             </a:r>
             <a:endParaRPr lang="en-US" altLang="ja-JP" sz="1800" dirty="0"/>
           </a:p>
           <a:p>
-            <a:r>
-              <a:rPr lang="ja-JP" altLang="en-US" sz="1800" dirty="0"/>
-              <a:t>複雑かつ大規模な解析には通常スーパーコンピュータを用いるが、</a:t>
-            </a:r>
             <a:endParaRPr lang="en-US" altLang="ja-JP" sz="1800" dirty="0"/>
-          </a:p>
-          <a:p>
-            <a:r>
-              <a:rPr lang="ja-JP" altLang="en-US" sz="1800" dirty="0"/>
-              <a:t>いつでもだれでも自由に使えるわけではないため、</a:t>
-            </a:r>
-            <a:endParaRPr lang="en-US" altLang="ja-JP" sz="1800" dirty="0"/>
-          </a:p>
-          <a:p>
-            <a:r>
-              <a:rPr lang="ja-JP" altLang="en-US" sz="1800" dirty="0"/>
-              <a:t>制限なく身近に利用可能な</a:t>
-            </a:r>
-            <a:r>
-              <a:rPr lang="en-US" altLang="ja-JP" sz="1800" dirty="0"/>
-              <a:t>HPC</a:t>
-            </a:r>
-            <a:r>
-              <a:rPr lang="ja-JP" altLang="en-US" sz="1800" dirty="0"/>
-              <a:t>解析を行う仕組みが必要。</a:t>
-            </a:r>
-            <a:endParaRPr lang="en-US" altLang="ja-JP" sz="1800" dirty="0"/>
-          </a:p>
-          <a:p>
-            <a:r>
-              <a:rPr lang="ja-JP" altLang="en-US" sz="1800" dirty="0"/>
-              <a:t>高齢化過疎化が進む地域では簡単に買い物に行けず、</a:t>
-            </a:r>
-            <a:endParaRPr lang="en-US" altLang="ja-JP" sz="1800" dirty="0"/>
-          </a:p>
-          <a:p>
-            <a:r>
-              <a:rPr lang="ja-JP" altLang="en-US" sz="1800" dirty="0"/>
-              <a:t>消耗品等の物資の調達が難しいため、</a:t>
-            </a:r>
-            <a:endParaRPr lang="en-US" altLang="ja-JP" sz="1800" dirty="0"/>
-          </a:p>
-          <a:p>
-            <a:r>
-              <a:rPr lang="ja-JP" altLang="en-US" sz="1800" dirty="0"/>
-              <a:t>不足物資を適切なタイミングで把握できる仕組みが必要不可欠。</a:t>
-            </a:r>
-            <a:endParaRPr lang="en-US" altLang="ja-JP" sz="1800" dirty="0"/>
-          </a:p>
-          <a:p>
-            <a:r>
-              <a:rPr lang="ja-JP" altLang="en-US" sz="1800" dirty="0"/>
-              <a:t>また、コミュニケーション不足に陥りがちなため、</a:t>
-            </a:r>
-            <a:endParaRPr lang="en-US" altLang="ja-JP" sz="1800" dirty="0"/>
-          </a:p>
-          <a:p>
-            <a:r>
-              <a:rPr lang="ja-JP" altLang="en-US" sz="1800" dirty="0"/>
-              <a:t>離れて暮らす家族が見守ったり、カメラを通じて簡易診察を行える仕組みが必要。</a:t>
-            </a:r>
-            <a:endParaRPr lang="en-US" altLang="ja-JP" sz="1800" dirty="0"/>
-          </a:p>
-          <a:p>
-            <a:r>
-              <a:rPr lang="ja-JP" altLang="en-US" sz="1800" dirty="0"/>
-              <a:t>河川や道路状況のリアルタイム監視により、気象情報と組み合わせた防災情報として提供することで避難指示や最適な救助ルートの確保に生かすことができる。</a:t>
-            </a:r>
-            <a:endParaRPr lang="en-US" altLang="ja-JP" sz="1800" dirty="0"/>
-          </a:p>
-          <a:p>
-            <a:endParaRPr lang="en-US" altLang="ja-JP" sz="1800" dirty="0"/>
-          </a:p>
-          <a:p>
-            <a:endParaRPr lang="ja-JP" altLang="en-US" dirty="0"/>
           </a:p>
         </p:txBody>
       </p:sp>
@@ -7572,42 +8260,162 @@
         <p:spPr/>
         <p:txBody>
           <a:bodyPr>
-            <a:normAutofit fontScale="92500" lnSpcReduction="20000"/>
+            <a:normAutofit fontScale="55000" lnSpcReduction="20000"/>
           </a:bodyPr>
           <a:lstStyle/>
           <a:p>
             <a:r>
-              <a:rPr lang="ja-JP" altLang="en-US" dirty="0"/>
-              <a:t>スパコンは先着順の予約形式のため必要なタイミングで必要なリソースを確保できない可能性あり</a:t>
+              <a:rPr lang="ja-JP" altLang="en-US" sz="3200" dirty="0"/>
+              <a:t>■</a:t>
+            </a:r>
+            <a:r>
+              <a:rPr lang="en-US" altLang="ja-JP" sz="3200" dirty="0"/>
+              <a:t>HPC</a:t>
+            </a:r>
+            <a:r>
+              <a:rPr lang="ja-JP" altLang="en-US" sz="3200" dirty="0"/>
+              <a:t>解析</a:t>
             </a:r>
             <a:endParaRPr lang="en-US" altLang="ja-JP" dirty="0"/>
           </a:p>
           <a:p>
             <a:r>
               <a:rPr lang="ja-JP" altLang="en-US" dirty="0"/>
-              <a:t>プログラムおよび並列化処理は自前での準備が必要</a:t>
+              <a:t>スパコン利用にはリソース</a:t>
+            </a:r>
+            <a:r>
+              <a:rPr lang="en-US" altLang="ja-JP" dirty="0"/>
+              <a:t>/</a:t>
+            </a:r>
+            <a:r>
+              <a:rPr lang="ja-JP" altLang="en-US" dirty="0"/>
+              <a:t>占有期間の指定予約が必要。</a:t>
             </a:r>
             <a:endParaRPr lang="en-US" altLang="ja-JP" dirty="0"/>
           </a:p>
           <a:p>
             <a:r>
               <a:rPr lang="ja-JP" altLang="en-US" dirty="0"/>
-              <a:t>河川の氾濫など目視確認している</a:t>
+              <a:t>大学等の研究機関</a:t>
+            </a:r>
+            <a:r>
+              <a:rPr lang="en-US" altLang="ja-JP" dirty="0"/>
+              <a:t>/</a:t>
+            </a:r>
+            <a:r>
+              <a:rPr lang="ja-JP" altLang="en-US" dirty="0"/>
+              <a:t>大企業を中心に利用されている。</a:t>
             </a:r>
             <a:endParaRPr lang="en-US" altLang="ja-JP" dirty="0"/>
           </a:p>
           <a:p>
             <a:r>
               <a:rPr lang="ja-JP" altLang="en-US" dirty="0"/>
-              <a:t>冬季など道路状況は設定されている大通りに設置されているカメラ頼りのため生活道路の状況などがわかりづらい</a:t>
+              <a:t>インフラ構築・保守が大変なため、提供サービスの利用が一般的だが高コスト。</a:t>
             </a:r>
             <a:endParaRPr lang="en-US" altLang="ja-JP" dirty="0"/>
           </a:p>
           <a:p>
             <a:r>
               <a:rPr lang="ja-JP" altLang="en-US" dirty="0"/>
-              <a:t>冬季の通勤時間帯は渋滞するためどれだけ早く出ればいいか不明確</a:t>
-            </a:r>
+              <a:t>解析対象のシミュレーションプログラムを作成できることが前提条件。</a:t>
+            </a:r>
+            <a:endParaRPr lang="en-US" altLang="ja-JP" dirty="0"/>
+          </a:p>
+          <a:p>
+            <a:r>
+              <a:rPr lang="ja-JP" altLang="en-US" dirty="0"/>
+              <a:t>スパコン利用時は成果の公開を求められるケースもあり。</a:t>
+            </a:r>
+            <a:endParaRPr lang="en-US" altLang="ja-JP" dirty="0"/>
+          </a:p>
+          <a:p>
+            <a:endParaRPr lang="en-US" altLang="ja-JP" dirty="0"/>
+          </a:p>
+          <a:p>
+            <a:endParaRPr lang="en-US" altLang="ja-JP" dirty="0"/>
+          </a:p>
+          <a:p>
+            <a:r>
+              <a:rPr lang="ja-JP" altLang="en-US" sz="3200" dirty="0"/>
+              <a:t>■</a:t>
+            </a:r>
+            <a:r>
+              <a:rPr lang="en-US" altLang="ja-JP" sz="3200" dirty="0"/>
+              <a:t>CC&amp;EC</a:t>
+            </a:r>
+            <a:endParaRPr lang="en-US" altLang="ja-JP" dirty="0"/>
+          </a:p>
+          <a:p>
+            <a:r>
+              <a:rPr lang="ja-JP" altLang="en-US" dirty="0"/>
+              <a:t>食料品</a:t>
+            </a:r>
+            <a:r>
+              <a:rPr lang="en-US" altLang="ja-JP" dirty="0"/>
+              <a:t>/</a:t>
+            </a:r>
+            <a:r>
+              <a:rPr lang="ja-JP" altLang="en-US" sz="3200" dirty="0"/>
+              <a:t>日用品の購入はネットショッピングの利用が可能。</a:t>
+            </a:r>
+            <a:endParaRPr lang="en-US" altLang="ja-JP" sz="3200" dirty="0"/>
+          </a:p>
+          <a:p>
+            <a:r>
+              <a:rPr lang="ja-JP" altLang="en-US" dirty="0"/>
+              <a:t>食料品を積んだ移動販売車を提供する地域もあり。</a:t>
+            </a:r>
+            <a:endParaRPr lang="en-US" altLang="ja-JP" sz="3200" dirty="0"/>
+          </a:p>
+          <a:p>
+            <a:r>
+              <a:rPr lang="ja-JP" altLang="en-US" dirty="0"/>
+              <a:t>冬季に必須な灯油の配達</a:t>
+            </a:r>
+            <a:r>
+              <a:rPr lang="ja-JP" altLang="en-US" sz="3200" dirty="0"/>
+              <a:t>サービスは</a:t>
+            </a:r>
+            <a:r>
+              <a:rPr lang="en-US" altLang="ja-JP" sz="3200" dirty="0"/>
+              <a:t>GS/</a:t>
+            </a:r>
+            <a:r>
+              <a:rPr lang="ja-JP" altLang="en-US" sz="3200" dirty="0"/>
+              <a:t>ホームセンターも提供。</a:t>
+            </a:r>
+            <a:endParaRPr lang="en-US" altLang="ja-JP" sz="3200" dirty="0"/>
+          </a:p>
+          <a:p>
+            <a:r>
+              <a:rPr lang="ja-JP" altLang="en-US" dirty="0"/>
+              <a:t>防災</a:t>
+            </a:r>
+            <a:r>
+              <a:rPr lang="en-US" altLang="ja-JP" dirty="0"/>
+              <a:t>/</a:t>
+            </a:r>
+            <a:r>
+              <a:rPr lang="ja-JP" altLang="en-US" dirty="0"/>
+              <a:t>気象</a:t>
+            </a:r>
+            <a:r>
+              <a:rPr lang="en-US" altLang="ja-JP" dirty="0"/>
+              <a:t>/</a:t>
+            </a:r>
+            <a:r>
+              <a:rPr lang="ja-JP" altLang="en-US" dirty="0"/>
+              <a:t>交通情報は個別に提供されており統合情報はない。</a:t>
+            </a:r>
+            <a:endParaRPr lang="en-US" altLang="ja-JP" dirty="0"/>
+          </a:p>
+          <a:p>
+            <a:r>
+              <a:rPr lang="ja-JP" altLang="en-US" dirty="0"/>
+              <a:t>既存の道路情報は幹線道路中心で生活道路状況を把握できない。</a:t>
+            </a:r>
+            <a:endParaRPr lang="en-US" altLang="ja-JP" dirty="0"/>
           </a:p>
         </p:txBody>
       </p:sp>
@@ -7843,6 +8651,10 @@
           <a:lstStyle/>
           <a:p>
             <a:r>
+              <a:rPr lang="ja-JP" altLang="en-US" dirty="0"/>
+              <a:t>■</a:t>
+            </a:r>
+            <a:r>
               <a:rPr lang="en-US" altLang="ja-JP" dirty="0"/>
               <a:t>HPC</a:t>
             </a:r>
@@ -7854,29 +8666,60 @@
           </a:p>
           <a:p>
             <a:r>
-              <a:rPr lang="ja-JP" altLang="en-US" dirty="0"/>
-              <a:t>スパコン相当の処理能力が必要</a:t>
+              <a:rPr lang="en-US" altLang="ja-JP" dirty="0"/>
+              <a:t>HPC</a:t>
+            </a:r>
+            <a:r>
+              <a:rPr lang="ja-JP" altLang="en-US" dirty="0"/>
+              <a:t>解析用</a:t>
+            </a:r>
+            <a:r>
+              <a:rPr lang="en-US" altLang="ja-JP" dirty="0"/>
+              <a:t>PC</a:t>
+            </a:r>
+            <a:r>
+              <a:rPr lang="ja-JP" altLang="en-US" dirty="0"/>
+              <a:t>クラスタの構築</a:t>
             </a:r>
             <a:endParaRPr lang="en-US" altLang="ja-JP" dirty="0"/>
           </a:p>
           <a:p>
             <a:r>
               <a:rPr lang="ja-JP" altLang="en-US" dirty="0"/>
-              <a:t>数百台以上の高スペックサーバマシンの格納スペースが必要</a:t>
+              <a:t>多数のサーバマシンの</a:t>
+            </a:r>
+            <a:r>
+              <a:rPr lang="en-US" altLang="ja-JP" dirty="0"/>
+              <a:t>IDC</a:t>
+            </a:r>
+            <a:r>
+              <a:rPr lang="ja-JP" altLang="en-US" dirty="0"/>
+              <a:t>格納スペース確保</a:t>
             </a:r>
             <a:endParaRPr lang="en-US" altLang="ja-JP" dirty="0"/>
           </a:p>
           <a:p>
             <a:r>
               <a:rPr lang="ja-JP" altLang="en-US" dirty="0"/>
-              <a:t>複数種類の解析対象の並列プログラム提供が必要</a:t>
+              <a:t>解析対象に応じた並列化プログラムの提供</a:t>
             </a:r>
             <a:endParaRPr lang="en-US" altLang="ja-JP" dirty="0"/>
           </a:p>
           <a:p>
             <a:r>
               <a:rPr lang="ja-JP" altLang="en-US" dirty="0"/>
-              <a:t>解析状況のモニタリング</a:t>
+              <a:t>解析に必要なソフトウェアパッケージの対応</a:t>
+            </a:r>
+            <a:endParaRPr lang="en-US" altLang="ja-JP" dirty="0"/>
+          </a:p>
+          <a:p>
+            <a:r>
+              <a:rPr lang="en-US" altLang="ja-JP" dirty="0"/>
+              <a:t>PC</a:t>
+            </a:r>
+            <a:r>
+              <a:rPr lang="ja-JP" altLang="en-US" dirty="0"/>
+              <a:t>クラスタのモニタリング機能（解析状態</a:t>
             </a:r>
             <a:r>
               <a:rPr lang="en-US" altLang="ja-JP" dirty="0"/>
@@ -7884,7 +8727,27 @@
             </a:r>
             <a:r>
               <a:rPr lang="ja-JP" altLang="en-US" dirty="0"/>
-              <a:t>空き状況</a:t>
+              <a:t>空き状態と予約管理）</a:t>
+            </a:r>
+            <a:endParaRPr lang="en-US" altLang="ja-JP" dirty="0"/>
+          </a:p>
+          <a:p>
+            <a:endParaRPr lang="en-US" altLang="ja-JP" dirty="0"/>
+          </a:p>
+          <a:p>
+            <a:r>
+              <a:rPr lang="ja-JP" altLang="en-US" dirty="0"/>
+              <a:t>■</a:t>
+            </a:r>
+            <a:r>
+              <a:rPr lang="en-US" altLang="ja-JP" dirty="0"/>
+              <a:t>CC&amp;EC</a:t>
+            </a:r>
+          </a:p>
+          <a:p>
+            <a:r>
+              <a:rPr lang="ja-JP" altLang="en-US" dirty="0"/>
+              <a:t>消耗品提供企業</a:t>
             </a:r>
             <a:r>
               <a:rPr lang="en-US" altLang="ja-JP" dirty="0"/>
@@ -7892,41 +8755,14 @@
             </a:r>
             <a:r>
               <a:rPr lang="ja-JP" altLang="en-US" dirty="0"/>
-              <a:t>予定の把握が必要</a:t>
+              <a:t>配達企業との提携</a:t>
             </a:r>
             <a:endParaRPr lang="en-US" altLang="ja-JP" dirty="0"/>
           </a:p>
           <a:p>
             <a:r>
-              <a:rPr lang="en-US" altLang="ja-JP" dirty="0"/>
-              <a:t>CC&amp;EC</a:t>
-            </a:r>
-          </a:p>
-          <a:p>
-            <a:r>
-              <a:rPr lang="ja-JP" altLang="en-US" dirty="0"/>
-              <a:t>長時間室外で動作可能なエッジデバイスが必要</a:t>
-            </a:r>
-            <a:endParaRPr lang="en-US" altLang="ja-JP" dirty="0"/>
-          </a:p>
-          <a:p>
-            <a:r>
-              <a:rPr lang="ja-JP" altLang="en-US" dirty="0"/>
-              <a:t>広大なフィールドに対してエッジデバイスの不足</a:t>
-            </a:r>
-            <a:endParaRPr lang="en-US" altLang="ja-JP" dirty="0"/>
-          </a:p>
-          <a:p>
-            <a:r>
-              <a:rPr lang="ja-JP" altLang="en-US" dirty="0"/>
-              <a:t>カメラ等センサーの対象物認識及び測定精度</a:t>
-            </a:r>
-            <a:endParaRPr lang="en-US" altLang="ja-JP" dirty="0"/>
-          </a:p>
-          <a:p>
-            <a:r>
-              <a:rPr lang="ja-JP" altLang="en-US" dirty="0"/>
-              <a:t>消耗品提供企業</a:t>
+              <a:rPr lang="ja-JP" altLang="en-US" dirty="0"/>
+              <a:t>消費者側と企業側の食料品</a:t>
             </a:r>
             <a:r>
               <a:rPr lang="en-US" altLang="ja-JP" dirty="0"/>
@@ -7934,28 +8770,52 @@
             </a:r>
             <a:r>
               <a:rPr lang="ja-JP" altLang="en-US" dirty="0"/>
-              <a:t>配達企業との提携及び連動システム構築</a:t>
+              <a:t>日用品の情報共有方法の検討</a:t>
             </a:r>
             <a:endParaRPr lang="en-US" altLang="ja-JP" dirty="0"/>
           </a:p>
           <a:p>
             <a:r>
               <a:rPr lang="ja-JP" altLang="en-US" dirty="0"/>
-              <a:t>最適な補給タイミングでの配達</a:t>
+              <a:t>医療機関への簡易診察システムの構築</a:t>
+            </a:r>
+            <a:r>
+              <a:rPr lang="en-US" altLang="ja-JP" dirty="0"/>
+              <a:t>/</a:t>
+            </a:r>
+            <a:r>
+              <a:rPr lang="ja-JP" altLang="en-US" dirty="0"/>
+              <a:t>導入</a:t>
             </a:r>
             <a:endParaRPr lang="en-US" altLang="ja-JP" dirty="0"/>
           </a:p>
           <a:p>
             <a:r>
               <a:rPr lang="ja-JP" altLang="en-US" dirty="0"/>
-              <a:t>医療機関との連動システム</a:t>
+              <a:t>防災</a:t>
+            </a:r>
+            <a:r>
+              <a:rPr lang="en-US" altLang="ja-JP" dirty="0"/>
+              <a:t>/</a:t>
+            </a:r>
+            <a:r>
+              <a:rPr lang="ja-JP" altLang="en-US" dirty="0"/>
+              <a:t>気象</a:t>
+            </a:r>
+            <a:r>
+              <a:rPr lang="en-US" altLang="ja-JP" dirty="0"/>
+              <a:t>/</a:t>
+            </a:r>
+            <a:r>
+              <a:rPr lang="ja-JP" altLang="en-US" dirty="0"/>
+              <a:t>交通の統合情報提供アプリの検討</a:t>
             </a:r>
             <a:endParaRPr lang="en-US" altLang="ja-JP" dirty="0"/>
           </a:p>
           <a:p>
             <a:r>
               <a:rPr lang="ja-JP" altLang="en-US" dirty="0"/>
-              <a:t>すべての道路状況の詳細把握は困難</a:t>
+              <a:t>生活道路状況を把握する方法の検討</a:t>
             </a:r>
             <a:endParaRPr lang="en-US" altLang="ja-JP" dirty="0"/>
           </a:p>
@@ -8165,10 +9025,27 @@
         </p:nvSpPr>
         <p:spPr/>
         <p:txBody>
-          <a:bodyPr/>
+          <a:bodyPr>
+            <a:normAutofit fontScale="90000"/>
+          </a:bodyPr>
           <a:lstStyle/>
           <a:p>
-            <a:endParaRPr lang="ja-JP" altLang="en-US"/>
+            <a:pPr algn="l"/>
+            <a:br>
+              <a:rPr lang="en-US" altLang="ja-JP" dirty="0"/>
+            </a:br>
+            <a:r>
+              <a:rPr lang="ja-JP" altLang="en-US" dirty="0"/>
+              <a:t>■</a:t>
+            </a:r>
+            <a:r>
+              <a:rPr lang="en-US" altLang="ja-JP" dirty="0"/>
+              <a:t>HPC</a:t>
+            </a:r>
+            <a:r>
+              <a:rPr lang="ja-JP" altLang="en-US" dirty="0"/>
+              <a:t>解析</a:t>
+            </a:r>
           </a:p>
         </p:txBody>
       </p:sp>
@@ -8190,16 +9067,18 @@
         </p:nvSpPr>
         <p:spPr/>
         <p:txBody>
-          <a:bodyPr/>
+          <a:bodyPr>
+            <a:normAutofit fontScale="62500" lnSpcReduction="20000"/>
+          </a:bodyPr>
           <a:lstStyle/>
           <a:p>
             <a:r>
               <a:rPr lang="en-US" altLang="ja-JP" dirty="0"/>
-              <a:t>IDC</a:t>
-            </a:r>
-            <a:r>
-              <a:rPr lang="ja-JP" altLang="en-US" dirty="0"/>
-              <a:t>に</a:t>
+              <a:t>HPC</a:t>
+            </a:r>
+            <a:r>
+              <a:rPr lang="ja-JP" altLang="en-US" dirty="0"/>
+              <a:t>解析用</a:t>
             </a:r>
             <a:r>
               <a:rPr lang="en-US" altLang="ja-JP" dirty="0"/>
@@ -8207,25 +9086,63 @@
             </a:r>
             <a:r>
               <a:rPr lang="ja-JP" altLang="en-US" dirty="0"/>
-              <a:t>クラスタを構築しお手軽お手頃な解析環境一式を提供する。</a:t>
+              <a:t>クラスタの構築</a:t>
             </a:r>
             <a:endParaRPr lang="en-US" altLang="ja-JP" dirty="0"/>
           </a:p>
           <a:p>
             <a:r>
               <a:rPr lang="ja-JP" altLang="en-US" dirty="0"/>
-              <a:t>並列で大規模な解析処理を行うには解析プログラムのチューニングが必要なためサポートする。</a:t>
+              <a:t>⇒</a:t>
+            </a:r>
+            <a:r>
+              <a:rPr lang="en-US" altLang="ja-JP" dirty="0"/>
+              <a:t> HPC</a:t>
+            </a:r>
+            <a:r>
+              <a:rPr lang="ja-JP" altLang="en-US" dirty="0"/>
+              <a:t>研究で実績のある</a:t>
+            </a:r>
+            <a:r>
+              <a:rPr lang="en-US" altLang="ja-JP" dirty="0"/>
+              <a:t>KIT</a:t>
+            </a:r>
+            <a:r>
+              <a:rPr lang="ja-JP" altLang="en-US" dirty="0"/>
+              <a:t>と産学連携し、</a:t>
             </a:r>
             <a:endParaRPr lang="en-US" altLang="ja-JP" dirty="0"/>
           </a:p>
           <a:p>
             <a:r>
+              <a:rPr lang="ja-JP" altLang="en-US" dirty="0"/>
+              <a:t>　  </a:t>
+            </a:r>
+            <a:r>
               <a:rPr lang="en-US" altLang="ja-JP" dirty="0"/>
-              <a:t>NS/NSS</a:t>
-            </a:r>
-            <a:r>
-              <a:rPr lang="ja-JP" altLang="en-US" dirty="0"/>
-              <a:t>と連携しエッジデバイスの開発</a:t>
+              <a:t>Xeon</a:t>
+            </a:r>
+            <a:r>
+              <a:rPr lang="ja-JP" altLang="en-US" dirty="0"/>
+              <a:t>等のサーバを複数台組み合わせて</a:t>
+            </a:r>
+            <a:r>
+              <a:rPr lang="en-US" altLang="ja-JP" dirty="0"/>
+              <a:t>PC</a:t>
+            </a:r>
+            <a:r>
+              <a:rPr lang="ja-JP" altLang="en-US" dirty="0"/>
+              <a:t>クラスタを構築。</a:t>
+            </a:r>
+            <a:endParaRPr lang="en-US" altLang="ja-JP" dirty="0"/>
+          </a:p>
+          <a:p>
+            <a:endParaRPr lang="en-US" altLang="ja-JP" dirty="0"/>
+          </a:p>
+          <a:p>
+            <a:r>
+              <a:rPr lang="ja-JP" altLang="en-US" dirty="0"/>
+              <a:t>解析対象に応じた並列化プログラム</a:t>
             </a:r>
             <a:r>
               <a:rPr lang="en-US" altLang="ja-JP" dirty="0"/>
@@ -8233,9 +9150,116 @@
             </a:r>
             <a:r>
               <a:rPr lang="ja-JP" altLang="en-US" dirty="0"/>
-              <a:t>消耗品配達を実施</a:t>
-            </a:r>
-            <a:endParaRPr lang="en-US" altLang="ja-JP"/>
+              <a:t>解析シミュレーションの提供</a:t>
+            </a:r>
+            <a:endParaRPr lang="en-US" altLang="ja-JP" dirty="0"/>
+          </a:p>
+          <a:p>
+            <a:r>
+              <a:rPr lang="ja-JP" altLang="en-US" dirty="0"/>
+              <a:t>⇒</a:t>
+            </a:r>
+            <a:r>
+              <a:rPr lang="en-US" altLang="ja-JP" dirty="0"/>
+              <a:t>HPC</a:t>
+            </a:r>
+            <a:r>
+              <a:rPr lang="ja-JP" altLang="en-US" dirty="0"/>
+              <a:t>分野</a:t>
+            </a:r>
+            <a:r>
+              <a:rPr lang="en-US" altLang="ja-JP" dirty="0"/>
+              <a:t>/</a:t>
+            </a:r>
+            <a:r>
+              <a:rPr lang="ja-JP" altLang="en-US" dirty="0"/>
+              <a:t>解析対象分野の人材（学生含む）を積極的に採用し、</a:t>
+            </a:r>
+            <a:endParaRPr lang="en-US" altLang="ja-JP" dirty="0"/>
+          </a:p>
+          <a:p>
+            <a:r>
+              <a:rPr lang="ja-JP" altLang="en-US" dirty="0"/>
+              <a:t>　 解析プログラムのチューニングサポート担当</a:t>
+            </a:r>
+            <a:r>
+              <a:rPr lang="en-US" altLang="ja-JP" dirty="0"/>
+              <a:t>T</a:t>
+            </a:r>
+            <a:r>
+              <a:rPr lang="ja-JP" altLang="en-US" dirty="0"/>
+              <a:t>を設立。</a:t>
+            </a:r>
+            <a:endParaRPr lang="en-US" altLang="ja-JP" dirty="0"/>
+          </a:p>
+          <a:p>
+            <a:endParaRPr lang="en-US" altLang="ja-JP" dirty="0"/>
+          </a:p>
+          <a:p>
+            <a:r>
+              <a:rPr lang="ja-JP" altLang="en-US" dirty="0"/>
+              <a:t>解析に必要なソフトウェアパッケージの対応</a:t>
+            </a:r>
+            <a:endParaRPr lang="en-US" altLang="ja-JP" dirty="0"/>
+          </a:p>
+          <a:p>
+            <a:r>
+              <a:rPr lang="ja-JP" altLang="en-US" dirty="0"/>
+              <a:t>⇒解析対象に応じて必要なソフトウェアパッケージは異なるため、</a:t>
+            </a:r>
+            <a:endParaRPr lang="en-US" altLang="ja-JP" dirty="0"/>
+          </a:p>
+          <a:p>
+            <a:r>
+              <a:rPr lang="ja-JP" altLang="en-US" dirty="0"/>
+              <a:t>　  コンテナ化し仮想環境を構築して対応する。</a:t>
+            </a:r>
+            <a:endParaRPr lang="en-US" altLang="ja-JP" dirty="0"/>
+          </a:p>
+          <a:p>
+            <a:endParaRPr lang="en-US" altLang="ja-JP" dirty="0"/>
+          </a:p>
+          <a:p>
+            <a:r>
+              <a:rPr lang="en-US" altLang="ja-JP" dirty="0"/>
+              <a:t>PC</a:t>
+            </a:r>
+            <a:r>
+              <a:rPr lang="ja-JP" altLang="en-US" dirty="0"/>
+              <a:t>クラスタのモニタリング機能（解析状態</a:t>
+            </a:r>
+            <a:r>
+              <a:rPr lang="en-US" altLang="ja-JP" dirty="0"/>
+              <a:t>/</a:t>
+            </a:r>
+            <a:r>
+              <a:rPr lang="ja-JP" altLang="en-US" dirty="0"/>
+              <a:t>空き状態と予約管理）</a:t>
+            </a:r>
+            <a:endParaRPr lang="en-US" altLang="ja-JP" dirty="0"/>
+          </a:p>
+          <a:p>
+            <a:r>
+              <a:rPr lang="ja-JP" altLang="en-US" dirty="0"/>
+              <a:t>⇒</a:t>
+            </a:r>
+            <a:r>
+              <a:rPr lang="en-US" altLang="ja-JP" dirty="0"/>
+              <a:t>mackerel</a:t>
+            </a:r>
+            <a:r>
+              <a:rPr lang="ja-JP" altLang="en-US" dirty="0"/>
+              <a:t>によるサーバ監視 </a:t>
+            </a:r>
+            <a:r>
+              <a:rPr lang="en-US" altLang="ja-JP" dirty="0"/>
+              <a:t>+ </a:t>
+            </a:r>
+            <a:r>
+              <a:rPr lang="ja-JP" altLang="en-US" dirty="0"/>
+              <a:t>予約管理システムの構築</a:t>
+            </a:r>
+            <a:endParaRPr lang="en-US" altLang="ja-JP" dirty="0"/>
           </a:p>
           <a:p>
             <a:endParaRPr lang="ja-JP" altLang="en-US" dirty="0"/>
@@ -8280,6 +9304,491 @@
 </file>
 
 <file path=ppt/slides/slide7.xml><?xml version="1.0" encoding="utf-8"?>
+<p:sld xmlns:a="http://schemas.openxmlformats.org/drawingml/2006/main" xmlns:r="http://schemas.openxmlformats.org/officeDocument/2006/relationships" xmlns:p="http://schemas.openxmlformats.org/presentationml/2006/main">
+  <p:cSld>
+    <p:spTree>
+      <p:nvGrpSpPr>
+        <p:cNvPr id="1" name=""/>
+        <p:cNvGrpSpPr/>
+        <p:nvPr/>
+      </p:nvGrpSpPr>
+      <p:grpSpPr>
+        <a:xfrm>
+          <a:off x="0" y="0"/>
+          <a:ext cx="0" cy="0"/>
+          <a:chOff x="0" y="0"/>
+          <a:chExt cx="0" cy="0"/>
+        </a:xfrm>
+      </p:grpSpPr>
+      <p:grpSp>
+        <p:nvGrpSpPr>
+          <p:cNvPr id="2" name="図形グループ 9"/>
+          <p:cNvGrpSpPr/>
+          <p:nvPr/>
+        </p:nvGrpSpPr>
+        <p:grpSpPr>
+          <a:xfrm>
+            <a:off x="431800" y="333028"/>
+            <a:ext cx="8280400" cy="461665"/>
+            <a:chOff x="611560" y="942628"/>
+            <a:chExt cx="7920880" cy="461665"/>
+          </a:xfrm>
+        </p:grpSpPr>
+        <p:cxnSp>
+          <p:nvCxnSpPr>
+            <p:cNvPr id="3" name="直線コネクタ 2"/>
+            <p:cNvCxnSpPr/>
+            <p:nvPr/>
+          </p:nvCxnSpPr>
+          <p:spPr>
+            <a:xfrm>
+              <a:off x="611560" y="1340768"/>
+              <a:ext cx="7920880" cy="0"/>
+            </a:xfrm>
+            <a:prstGeom prst="line">
+              <a:avLst/>
+            </a:prstGeom>
+            <a:ln w="9525" cmpd="sng">
+              <a:solidFill>
+                <a:srgbClr val="3366FF"/>
+              </a:solidFill>
+            </a:ln>
+            <a:effectLst/>
+          </p:spPr>
+          <p:style>
+            <a:lnRef idx="2">
+              <a:schemeClr val="accent1"/>
+            </a:lnRef>
+            <a:fillRef idx="0">
+              <a:schemeClr val="accent1"/>
+            </a:fillRef>
+            <a:effectRef idx="1">
+              <a:schemeClr val="accent1"/>
+            </a:effectRef>
+            <a:fontRef idx="minor">
+              <a:schemeClr val="tx1"/>
+            </a:fontRef>
+          </p:style>
+        </p:cxnSp>
+        <p:sp>
+          <p:nvSpPr>
+            <p:cNvPr id="4" name="正方形/長方形 3"/>
+            <p:cNvSpPr/>
+            <p:nvPr/>
+          </p:nvSpPr>
+          <p:spPr>
+            <a:xfrm>
+              <a:off x="611560" y="980728"/>
+              <a:ext cx="72008" cy="360040"/>
+            </a:xfrm>
+            <a:prstGeom prst="rect">
+              <a:avLst/>
+            </a:prstGeom>
+            <a:solidFill>
+              <a:srgbClr val="3366FF"/>
+            </a:solidFill>
+            <a:ln>
+              <a:noFill/>
+            </a:ln>
+            <a:effectLst/>
+          </p:spPr>
+          <p:style>
+            <a:lnRef idx="1">
+              <a:schemeClr val="accent1"/>
+            </a:lnRef>
+            <a:fillRef idx="3">
+              <a:schemeClr val="accent1"/>
+            </a:fillRef>
+            <a:effectRef idx="2">
+              <a:schemeClr val="accent1"/>
+            </a:effectRef>
+            <a:fontRef idx="minor">
+              <a:schemeClr val="lt1"/>
+            </a:fontRef>
+          </p:style>
+          <p:txBody>
+            <a:bodyPr rtlCol="0" anchor="ctr"/>
+            <a:lstStyle/>
+            <a:p>
+              <a:pPr algn="ctr"/>
+              <a:endParaRPr kumimoji="1" lang="ja-JP" altLang="en-US" dirty="0"/>
+            </a:p>
+          </p:txBody>
+        </p:sp>
+        <p:sp>
+          <p:nvSpPr>
+            <p:cNvPr id="5" name="テキスト ボックス 4"/>
+            <p:cNvSpPr txBox="1"/>
+            <p:nvPr/>
+          </p:nvSpPr>
+          <p:spPr>
+            <a:xfrm>
+              <a:off x="683568" y="942628"/>
+              <a:ext cx="7848872" cy="461665"/>
+            </a:xfrm>
+            <a:prstGeom prst="rect">
+              <a:avLst/>
+            </a:prstGeom>
+            <a:noFill/>
+          </p:spPr>
+          <p:txBody>
+            <a:bodyPr wrap="square" rtlCol="0">
+              <a:spAutoFit/>
+            </a:bodyPr>
+            <a:lstStyle/>
+            <a:p>
+              <a:r>
+                <a:rPr lang="ja-JP" altLang="en-US" sz="2400" b="1" dirty="0">
+                  <a:latin typeface="Meiryo UI" panose="020B0604030504040204" pitchFamily="50" charset="-128"/>
+                  <a:ea typeface="Meiryo UI" panose="020B0604030504040204" pitchFamily="50" charset="-128"/>
+                  <a:cs typeface="Meiryo UI" panose="020B0604030504040204" pitchFamily="50" charset="-128"/>
+                </a:rPr>
+                <a:t>課題解決方針</a:t>
+              </a:r>
+            </a:p>
+          </p:txBody>
+        </p:sp>
+      </p:grpSp>
+      <p:sp>
+        <p:nvSpPr>
+          <p:cNvPr id="7" name="タイトル 6">
+            <a:extLst>
+              <a:ext uri="{FF2B5EF4-FFF2-40B4-BE49-F238E27FC236}">
+                <a16:creationId xmlns:a16="http://schemas.microsoft.com/office/drawing/2014/main" id="{05E816C1-BA47-489D-D6A0-747D36FC2672}"/>
+              </a:ext>
+            </a:extLst>
+          </p:cNvPr>
+          <p:cNvSpPr>
+            <a:spLocks noGrp="1"/>
+          </p:cNvSpPr>
+          <p:nvPr>
+            <p:ph type="title"/>
+          </p:nvPr>
+        </p:nvSpPr>
+        <p:spPr/>
+        <p:txBody>
+          <a:bodyPr>
+            <a:normAutofit fontScale="90000"/>
+          </a:bodyPr>
+          <a:lstStyle/>
+          <a:p>
+            <a:pPr algn="l"/>
+            <a:br>
+              <a:rPr lang="en-US" altLang="ja-JP" dirty="0"/>
+            </a:br>
+            <a:r>
+              <a:rPr lang="ja-JP" altLang="en-US" dirty="0"/>
+              <a:t>■</a:t>
+            </a:r>
+            <a:r>
+              <a:rPr lang="en-US" altLang="ja-JP" dirty="0"/>
+              <a:t>CC&amp;EC</a:t>
+            </a:r>
+            <a:endParaRPr lang="ja-JP" altLang="en-US" dirty="0"/>
+          </a:p>
+        </p:txBody>
+      </p:sp>
+      <p:sp>
+        <p:nvSpPr>
+          <p:cNvPr id="8" name="コンテンツ プレースホルダー 7">
+            <a:extLst>
+              <a:ext uri="{FF2B5EF4-FFF2-40B4-BE49-F238E27FC236}">
+                <a16:creationId xmlns:a16="http://schemas.microsoft.com/office/drawing/2014/main" id="{E4FD10A8-50FE-AAB1-7D7C-FE6CDD26B0A8}"/>
+              </a:ext>
+            </a:extLst>
+          </p:cNvPr>
+          <p:cNvSpPr>
+            <a:spLocks noGrp="1"/>
+          </p:cNvSpPr>
+          <p:nvPr>
+            <p:ph idx="1"/>
+          </p:nvPr>
+        </p:nvSpPr>
+        <p:spPr/>
+        <p:txBody>
+          <a:bodyPr>
+            <a:normAutofit fontScale="40000" lnSpcReduction="20000"/>
+          </a:bodyPr>
+          <a:lstStyle/>
+          <a:p>
+            <a:r>
+              <a:rPr lang="ja-JP" altLang="en-US" dirty="0"/>
+              <a:t>消耗品提供企業</a:t>
+            </a:r>
+            <a:r>
+              <a:rPr lang="en-US" altLang="ja-JP" dirty="0"/>
+              <a:t>/</a:t>
+            </a:r>
+            <a:r>
+              <a:rPr lang="ja-JP" altLang="en-US" dirty="0"/>
+              <a:t>配達企業との提携</a:t>
+            </a:r>
+            <a:endParaRPr lang="en-US" altLang="ja-JP" dirty="0"/>
+          </a:p>
+          <a:p>
+            <a:r>
+              <a:rPr lang="ja-JP" altLang="en-US" dirty="0"/>
+              <a:t>⇒消耗品提供企業</a:t>
+            </a:r>
+            <a:r>
+              <a:rPr lang="en-US" altLang="ja-JP" dirty="0"/>
+              <a:t>/</a:t>
+            </a:r>
+            <a:r>
+              <a:rPr lang="ja-JP" altLang="en-US" dirty="0"/>
+              <a:t>配達企業との提携は下記を想定。</a:t>
+            </a:r>
+            <a:endParaRPr lang="en-US" altLang="ja-JP" dirty="0"/>
+          </a:p>
+          <a:p>
+            <a:r>
+              <a:rPr lang="ja-JP" altLang="en-US" dirty="0"/>
+              <a:t>　  食料品：地元の複数スーパーと提携</a:t>
+            </a:r>
+            <a:endParaRPr lang="en-US" altLang="ja-JP" dirty="0"/>
+          </a:p>
+          <a:p>
+            <a:r>
+              <a:rPr lang="ja-JP" altLang="en-US" dirty="0"/>
+              <a:t>     日用品：ドラッグストア</a:t>
+            </a:r>
+            <a:r>
+              <a:rPr lang="en-US" altLang="ja-JP" dirty="0"/>
+              <a:t>/</a:t>
+            </a:r>
+            <a:r>
+              <a:rPr lang="ja-JP" altLang="en-US" dirty="0"/>
+              <a:t>ホームセンターと提携</a:t>
+            </a:r>
+            <a:endParaRPr lang="en-US" altLang="ja-JP" dirty="0"/>
+          </a:p>
+          <a:p>
+            <a:r>
+              <a:rPr lang="ja-JP" altLang="en-US" dirty="0"/>
+              <a:t>　  配達：</a:t>
+            </a:r>
+            <a:r>
+              <a:rPr lang="en-US" altLang="ja-JP" dirty="0"/>
+              <a:t>NSS</a:t>
+            </a:r>
+            <a:r>
+              <a:rPr lang="ja-JP" altLang="en-US" dirty="0"/>
+              <a:t>と連携（新規サービスとして共同で立ち上げ）</a:t>
+            </a:r>
+            <a:endParaRPr lang="en-US" altLang="ja-JP" dirty="0"/>
+          </a:p>
+          <a:p>
+            <a:endParaRPr lang="en-US" altLang="ja-JP" dirty="0"/>
+          </a:p>
+          <a:p>
+            <a:r>
+              <a:rPr lang="ja-JP" altLang="en-US" dirty="0"/>
+              <a:t>消費者側と企業側の食料品</a:t>
+            </a:r>
+            <a:r>
+              <a:rPr lang="en-US" altLang="ja-JP" dirty="0"/>
+              <a:t>/</a:t>
+            </a:r>
+            <a:r>
+              <a:rPr lang="ja-JP" altLang="en-US" dirty="0"/>
+              <a:t>日用品の情報共有方法の検討</a:t>
+            </a:r>
+            <a:endParaRPr lang="en-US" altLang="ja-JP" dirty="0"/>
+          </a:p>
+          <a:p>
+            <a:r>
+              <a:rPr lang="ja-JP" altLang="en-US" dirty="0"/>
+              <a:t>⇒タブレット端末を配布し、不足している食商品</a:t>
+            </a:r>
+            <a:r>
+              <a:rPr lang="en-US" altLang="ja-JP" dirty="0"/>
+              <a:t>/</a:t>
+            </a:r>
+            <a:r>
+              <a:rPr lang="ja-JP" altLang="en-US" dirty="0"/>
+              <a:t>日用品ともに一括で簡単に電子注文する仕組みを導入。</a:t>
+            </a:r>
+            <a:endParaRPr lang="en-US" altLang="ja-JP" dirty="0"/>
+          </a:p>
+          <a:p>
+            <a:endParaRPr lang="en-US" altLang="ja-JP" dirty="0"/>
+          </a:p>
+          <a:p>
+            <a:r>
+              <a:rPr lang="ja-JP" altLang="en-US" dirty="0"/>
+              <a:t>医療機関への簡易診察システムの構築</a:t>
+            </a:r>
+            <a:r>
+              <a:rPr lang="en-US" altLang="ja-JP" dirty="0"/>
+              <a:t>/</a:t>
+            </a:r>
+            <a:r>
+              <a:rPr lang="ja-JP" altLang="en-US" dirty="0"/>
+              <a:t>導入</a:t>
+            </a:r>
+            <a:endParaRPr lang="en-US" altLang="ja-JP" dirty="0"/>
+          </a:p>
+          <a:p>
+            <a:r>
+              <a:rPr lang="ja-JP" altLang="en-US" dirty="0"/>
+              <a:t>⇒高齢化</a:t>
+            </a:r>
+            <a:r>
+              <a:rPr lang="en-US" altLang="ja-JP" dirty="0"/>
+              <a:t>/</a:t>
+            </a:r>
+            <a:r>
+              <a:rPr lang="ja-JP" altLang="en-US" dirty="0"/>
+              <a:t>過疎化地域周辺の地元に根付くかかりつけ医院</a:t>
+            </a:r>
+            <a:r>
+              <a:rPr lang="en-US" altLang="ja-JP" dirty="0"/>
+              <a:t>/</a:t>
+            </a:r>
+            <a:r>
+              <a:rPr lang="ja-JP" altLang="en-US" dirty="0"/>
+              <a:t>薬局と提携</a:t>
+            </a:r>
+            <a:endParaRPr lang="en-US" altLang="ja-JP" dirty="0"/>
+          </a:p>
+          <a:p>
+            <a:r>
+              <a:rPr lang="ja-JP" altLang="en-US" dirty="0"/>
+              <a:t>　  タブレット端末</a:t>
+            </a:r>
+            <a:r>
+              <a:rPr lang="en-US" altLang="ja-JP" dirty="0"/>
+              <a:t>/</a:t>
+            </a:r>
+            <a:r>
+              <a:rPr lang="ja-JP" altLang="en-US" dirty="0"/>
+              <a:t>スマートフォンを駆使して、軽微なケガや病気の初期症状を確認する。</a:t>
+            </a:r>
+            <a:endParaRPr lang="en-US" altLang="ja-JP" dirty="0"/>
+          </a:p>
+          <a:p>
+            <a:r>
+              <a:rPr lang="ja-JP" altLang="en-US" dirty="0"/>
+              <a:t>　  簡易診察で薬が必要な場合、薬局ともコミュニケーションをとれるようにして薬を配達する。</a:t>
+            </a:r>
+            <a:endParaRPr lang="en-US" altLang="ja-JP" dirty="0"/>
+          </a:p>
+          <a:p>
+            <a:endParaRPr lang="en-US" altLang="ja-JP" dirty="0"/>
+          </a:p>
+          <a:p>
+            <a:r>
+              <a:rPr lang="ja-JP" altLang="en-US" dirty="0"/>
+              <a:t>防災</a:t>
+            </a:r>
+            <a:r>
+              <a:rPr lang="en-US" altLang="ja-JP" dirty="0"/>
+              <a:t>/</a:t>
+            </a:r>
+            <a:r>
+              <a:rPr lang="ja-JP" altLang="en-US" dirty="0"/>
+              <a:t>気象</a:t>
+            </a:r>
+            <a:r>
+              <a:rPr lang="en-US" altLang="ja-JP" dirty="0"/>
+              <a:t>/</a:t>
+            </a:r>
+            <a:r>
+              <a:rPr lang="ja-JP" altLang="en-US" dirty="0"/>
+              <a:t>交通の統合情報提供アプリの検討</a:t>
+            </a:r>
+            <a:endParaRPr lang="en-US" altLang="ja-JP" dirty="0"/>
+          </a:p>
+          <a:p>
+            <a:r>
+              <a:rPr lang="ja-JP" altLang="en-US" dirty="0"/>
+              <a:t>⇒長岡市等の行政と連携し、一元的に情報を確認できるアプリを作成し配布する。</a:t>
+            </a:r>
+            <a:endParaRPr lang="en-US" altLang="ja-JP" dirty="0"/>
+          </a:p>
+          <a:p>
+            <a:endParaRPr lang="en-US" altLang="ja-JP" dirty="0"/>
+          </a:p>
+          <a:p>
+            <a:r>
+              <a:rPr lang="ja-JP" altLang="en-US" dirty="0"/>
+              <a:t>生活道路状況を把握する方法の検討</a:t>
+            </a:r>
+            <a:endParaRPr lang="en-US" altLang="ja-JP" dirty="0"/>
+          </a:p>
+          <a:p>
+            <a:r>
+              <a:rPr lang="ja-JP" altLang="en-US" dirty="0"/>
+              <a:t>⇒</a:t>
+            </a:r>
+            <a:r>
+              <a:rPr lang="en-US" altLang="ja-JP" dirty="0" err="1"/>
+              <a:t>WeatherNews</a:t>
+            </a:r>
+            <a:r>
+              <a:rPr lang="ja-JP" altLang="en-US" dirty="0"/>
+              <a:t>のようにアプリユーザーの写真投稿情報を基に道路情報を更新する仕組みを導入。</a:t>
+            </a:r>
+            <a:endParaRPr lang="en-US" altLang="ja-JP" dirty="0"/>
+          </a:p>
+          <a:p>
+            <a:r>
+              <a:rPr lang="ja-JP" altLang="en-US" dirty="0"/>
+              <a:t>　  日常的に道路の点検作業</a:t>
+            </a:r>
+            <a:r>
+              <a:rPr lang="en-US" altLang="ja-JP" dirty="0"/>
+              <a:t>/</a:t>
+            </a:r>
+            <a:r>
+              <a:rPr lang="ja-JP" altLang="en-US" dirty="0"/>
+              <a:t>補修箇所の把握にも役立てる。</a:t>
+            </a:r>
+            <a:endParaRPr lang="en-US" altLang="ja-JP" dirty="0"/>
+          </a:p>
+          <a:p>
+            <a:endParaRPr lang="en-US" altLang="ja-JP" dirty="0"/>
+          </a:p>
+        </p:txBody>
+      </p:sp>
+      <p:sp>
+        <p:nvSpPr>
+          <p:cNvPr id="6" name="スライド番号プレースホルダー 5"/>
+          <p:cNvSpPr>
+            <a:spLocks noGrp="1"/>
+          </p:cNvSpPr>
+          <p:nvPr>
+            <p:ph type="sldNum" sz="quarter" idx="12"/>
+          </p:nvPr>
+        </p:nvSpPr>
+        <p:spPr/>
+        <p:txBody>
+          <a:bodyPr/>
+          <a:lstStyle/>
+          <a:p>
+            <a:fld id="{C4F1D116-AAC6-F342-B192-4E8E92DD0B7F}" type="slidenum">
+              <a:rPr lang="ja-JP" altLang="en-US" smtClean="0"/>
+              <a:pPr/>
+              <a:t>7</a:t>
+            </a:fld>
+            <a:endParaRPr lang="ja-JP" altLang="en-US" dirty="0"/>
+          </a:p>
+        </p:txBody>
+      </p:sp>
+    </p:spTree>
+    <p:extLst>
+      <p:ext uri="{BB962C8B-B14F-4D97-AF65-F5344CB8AC3E}">
+        <p14:creationId xmlns:p14="http://schemas.microsoft.com/office/powerpoint/2010/main" val="1881040727"/>
+      </p:ext>
+    </p:extLst>
+  </p:cSld>
+  <p:clrMapOvr>
+    <a:masterClrMapping/>
+  </p:clrMapOvr>
+</p:sld>
+</file>
+
+<file path=ppt/slides/slide8.xml><?xml version="1.0" encoding="utf-8"?>
 <p:sld xmlns:a="http://schemas.openxmlformats.org/drawingml/2006/main" xmlns:r="http://schemas.openxmlformats.org/officeDocument/2006/relationships" xmlns:p="http://schemas.openxmlformats.org/presentationml/2006/main">
   <p:cSld>
     <p:spTree>
@@ -8468,9 +9977,15 @@
         </p:nvSpPr>
         <p:spPr/>
         <p:txBody>
-          <a:bodyPr/>
+          <a:bodyPr>
+            <a:normAutofit fontScale="47500" lnSpcReduction="20000"/>
+          </a:bodyPr>
           <a:lstStyle/>
           <a:p>
+            <a:r>
+              <a:rPr lang="ja-JP" altLang="en-US" dirty="0"/>
+              <a:t>■</a:t>
+            </a:r>
             <a:r>
               <a:rPr lang="en-US" altLang="ja-JP" dirty="0"/>
               <a:t>HPC</a:t>
@@ -8483,8 +9998,82 @@
           </a:p>
           <a:p>
             <a:r>
-              <a:rPr lang="ja-JP" altLang="en-US" dirty="0"/>
-              <a:t>リソースに応じた従量制</a:t>
+              <a:rPr lang="en-US" altLang="ja-JP" dirty="0"/>
+              <a:t>HPC</a:t>
+            </a:r>
+            <a:r>
+              <a:rPr lang="ja-JP" altLang="en-US" dirty="0"/>
+              <a:t>インフラ利用（空き状況に応じて随時予約可能）</a:t>
+            </a:r>
+            <a:endParaRPr lang="en-US" altLang="ja-JP" dirty="0"/>
+          </a:p>
+          <a:p>
+            <a:r>
+              <a:rPr lang="ja-JP" altLang="en-US" dirty="0"/>
+              <a:t>⇒リソースと占有期間に応じた従量制課金と</a:t>
+            </a:r>
+            <a:endParaRPr lang="en-US" altLang="ja-JP" dirty="0"/>
+          </a:p>
+          <a:p>
+            <a:r>
+              <a:rPr lang="ja-JP" altLang="en-US" dirty="0"/>
+              <a:t>　  固定額で一定のリソースを利用できるサブスク形式を選択可能</a:t>
+            </a:r>
+            <a:endParaRPr lang="en-US" altLang="ja-JP" dirty="0"/>
+          </a:p>
+          <a:p>
+            <a:endParaRPr lang="en-US" altLang="ja-JP" dirty="0"/>
+          </a:p>
+          <a:p>
+            <a:r>
+              <a:rPr lang="ja-JP" altLang="en-US" dirty="0"/>
+              <a:t>並列化プログラムサポート対応</a:t>
+            </a:r>
+            <a:endParaRPr lang="en-US" altLang="ja-JP" dirty="0"/>
+          </a:p>
+          <a:p>
+            <a:r>
+              <a:rPr lang="ja-JP" altLang="en-US" dirty="0"/>
+              <a:t>⇒解析シミュレーションプログラムの並列化</a:t>
+            </a:r>
+            <a:endParaRPr lang="en-US" altLang="ja-JP" dirty="0"/>
+          </a:p>
+          <a:p>
+            <a:r>
+              <a:rPr lang="ja-JP" altLang="en-US" dirty="0"/>
+              <a:t>　  プログラムの規模に応じた変動見積もり</a:t>
+            </a:r>
+            <a:endParaRPr lang="en-US" altLang="ja-JP" dirty="0"/>
+          </a:p>
+          <a:p>
+            <a:endParaRPr lang="en-US" altLang="ja-JP" dirty="0"/>
+          </a:p>
+          <a:p>
+            <a:r>
+              <a:rPr lang="ja-JP" altLang="en-US" dirty="0"/>
+              <a:t>■</a:t>
+            </a:r>
+            <a:r>
+              <a:rPr lang="en-US" altLang="ja-JP" dirty="0"/>
+              <a:t>CC&amp;EC</a:t>
+            </a:r>
+            <a:r>
+              <a:rPr lang="ja-JP" altLang="en-US" dirty="0"/>
+              <a:t>サービス</a:t>
+            </a:r>
+            <a:endParaRPr lang="en-US" altLang="ja-JP" dirty="0"/>
+          </a:p>
+          <a:p>
+            <a:r>
+              <a:rPr lang="ja-JP" altLang="en-US" dirty="0"/>
+              <a:t>消耗品購入・配達サービス</a:t>
+            </a:r>
+            <a:endParaRPr lang="en-US" altLang="ja-JP" dirty="0"/>
+          </a:p>
+          <a:p>
+            <a:r>
+              <a:rPr lang="ja-JP" altLang="en-US" dirty="0"/>
+              <a:t>⇒タブレット端末のリース契約</a:t>
             </a:r>
             <a:r>
               <a:rPr lang="en-US" altLang="ja-JP" dirty="0"/>
@@ -8492,29 +10081,24 @@
             </a:r>
             <a:r>
               <a:rPr lang="ja-JP" altLang="en-US" dirty="0"/>
-              <a:t>サブスクで一定期間占有でインフラを提供</a:t>
+              <a:t>システム利用料を月単位で請求</a:t>
             </a:r>
             <a:endParaRPr lang="en-US" altLang="ja-JP" dirty="0"/>
           </a:p>
           <a:p>
-            <a:r>
-              <a:rPr lang="en-US" altLang="ja-JP" dirty="0"/>
-              <a:t>CC&amp;EC</a:t>
-            </a:r>
-            <a:r>
-              <a:rPr lang="ja-JP" altLang="en-US" dirty="0"/>
-              <a:t>サービス</a:t>
-            </a:r>
             <a:endParaRPr lang="en-US" altLang="ja-JP" dirty="0"/>
           </a:p>
           <a:p>
             <a:r>
-              <a:rPr lang="en-US" altLang="ja-JP" dirty="0"/>
-              <a:t>EC</a:t>
-            </a:r>
-            <a:r>
-              <a:rPr lang="ja-JP" altLang="en-US" dirty="0"/>
-              <a:t>デバイスのリース</a:t>
+              <a:rPr lang="ja-JP" altLang="en-US" dirty="0"/>
+              <a:t>簡易診察サービス</a:t>
+            </a:r>
+            <a:endParaRPr lang="en-US" altLang="ja-JP" dirty="0"/>
+          </a:p>
+          <a:p>
+            <a:r>
+              <a:rPr lang="ja-JP" altLang="en-US" dirty="0"/>
+              <a:t>⇒タブレット端末のリース契約</a:t>
             </a:r>
             <a:r>
               <a:rPr lang="en-US" altLang="ja-JP" dirty="0"/>
@@ -8522,7 +10106,55 @@
             </a:r>
             <a:r>
               <a:rPr lang="ja-JP" altLang="en-US" dirty="0"/>
-              <a:t>統合情報アプリの課金</a:t>
+              <a:t>システム利用料を月単位で請求</a:t>
+            </a:r>
+            <a:endParaRPr lang="en-US" altLang="ja-JP" dirty="0"/>
+          </a:p>
+          <a:p>
+            <a:endParaRPr lang="en-US" altLang="ja-JP" dirty="0"/>
+          </a:p>
+          <a:p>
+            <a:r>
+              <a:rPr lang="ja-JP" altLang="en-US" dirty="0"/>
+              <a:t>防災</a:t>
+            </a:r>
+            <a:r>
+              <a:rPr lang="en-US" altLang="ja-JP" dirty="0"/>
+              <a:t>/</a:t>
+            </a:r>
+            <a:r>
+              <a:rPr lang="ja-JP" altLang="en-US" dirty="0"/>
+              <a:t>気象</a:t>
+            </a:r>
+            <a:r>
+              <a:rPr lang="en-US" altLang="ja-JP" dirty="0"/>
+              <a:t>/</a:t>
+            </a:r>
+            <a:r>
+              <a:rPr lang="ja-JP" altLang="en-US" dirty="0"/>
+              <a:t>交通統合情報アプリの月額課金サービス</a:t>
+            </a:r>
+            <a:endParaRPr lang="en-US" altLang="ja-JP" dirty="0"/>
+          </a:p>
+          <a:p>
+            <a:r>
+              <a:rPr lang="ja-JP" altLang="en-US" dirty="0"/>
+              <a:t>⇒基本的には有料会員以外は利用不可（インストール自体は有料会員登録なしでも可能）</a:t>
+            </a:r>
+            <a:endParaRPr lang="en-US" altLang="ja-JP" dirty="0"/>
+          </a:p>
+          <a:p>
+            <a:r>
+              <a:rPr lang="ja-JP" altLang="en-US" dirty="0"/>
+              <a:t>　  </a:t>
+            </a:r>
+            <a:r>
+              <a:rPr lang="en-US" altLang="ja-JP" dirty="0"/>
+              <a:t>※</a:t>
+            </a:r>
+            <a:r>
+              <a:rPr lang="ja-JP" altLang="en-US" dirty="0"/>
+              <a:t>災害時のみ無料で全機能利用可能</a:t>
             </a:r>
           </a:p>
         </p:txBody>
@@ -8545,7 +10177,7 @@
             <a:fld id="{C4F1D116-AAC6-F342-B192-4E8E92DD0B7F}" type="slidenum">
               <a:rPr lang="ja-JP" altLang="en-US" smtClean="0"/>
               <a:pPr/>
-              <a:t>7</a:t>
+              <a:t>8</a:t>
             </a:fld>
             <a:endParaRPr lang="ja-JP" altLang="en-US" dirty="0"/>
           </a:p>
@@ -8564,7 +10196,7 @@
 </p:sld>
 </file>
 
-<file path=ppt/slides/slide8.xml><?xml version="1.0" encoding="utf-8"?>
+<file path=ppt/slides/slide9.xml><?xml version="1.0" encoding="utf-8"?>
 <p:sld xmlns:a="http://schemas.openxmlformats.org/drawingml/2006/main" xmlns:r="http://schemas.openxmlformats.org/officeDocument/2006/relationships" xmlns:p="http://schemas.openxmlformats.org/presentationml/2006/main">
   <p:cSld>
     <p:spTree>
@@ -8728,10 +10360,27 @@
         </p:nvSpPr>
         <p:spPr/>
         <p:txBody>
-          <a:bodyPr/>
+          <a:bodyPr>
+            <a:normAutofit fontScale="90000"/>
+          </a:bodyPr>
           <a:lstStyle/>
           <a:p>
-            <a:endParaRPr lang="ja-JP" altLang="en-US"/>
+            <a:pPr algn="l"/>
+            <a:br>
+              <a:rPr lang="en-US" altLang="ja-JP" dirty="0"/>
+            </a:br>
+            <a:r>
+              <a:rPr lang="ja-JP" altLang="en-US" dirty="0"/>
+              <a:t>■</a:t>
+            </a:r>
+            <a:r>
+              <a:rPr lang="en-US" altLang="ja-JP" dirty="0"/>
+              <a:t>HPC</a:t>
+            </a:r>
+            <a:r>
+              <a:rPr lang="ja-JP" altLang="en-US" dirty="0"/>
+              <a:t>解析</a:t>
+            </a:r>
           </a:p>
         </p:txBody>
       </p:sp>
@@ -8753,8 +10402,72 @@
         </p:nvSpPr>
         <p:spPr/>
         <p:txBody>
-          <a:bodyPr/>
+          <a:bodyPr>
+            <a:normAutofit fontScale="92500" lnSpcReduction="10000"/>
+          </a:bodyPr>
           <a:lstStyle/>
+          <a:p>
+            <a:r>
+              <a:rPr lang="ja-JP" altLang="en-US" dirty="0"/>
+              <a:t>スパコン</a:t>
+            </a:r>
+            <a:r>
+              <a:rPr lang="en-US" altLang="ja-JP" dirty="0"/>
+              <a:t>/</a:t>
+            </a:r>
+            <a:r>
+              <a:rPr lang="ja-JP" altLang="en-US" dirty="0"/>
+              <a:t>競合サービスと比較して低コスト</a:t>
+            </a:r>
+            <a:endParaRPr lang="en-US" altLang="ja-JP" dirty="0"/>
+          </a:p>
+          <a:p>
+            <a:r>
+              <a:rPr lang="ja-JP" altLang="en-US" dirty="0"/>
+              <a:t>競合サービスは国立研究機関向けにサービス展開しているため、中小企業</a:t>
+            </a:r>
+            <a:r>
+              <a:rPr lang="en-US" altLang="ja-JP" dirty="0"/>
+              <a:t>/</a:t>
+            </a:r>
+            <a:r>
+              <a:rPr lang="ja-JP" altLang="en-US" dirty="0"/>
+              <a:t>私立大学に対して売り込む余地あり。</a:t>
+            </a:r>
+            <a:endParaRPr lang="en-US" altLang="ja-JP" dirty="0"/>
+          </a:p>
+          <a:p>
+            <a:r>
+              <a:rPr lang="ja-JP" altLang="en-US" dirty="0"/>
+              <a:t>大規模シミュレーションにあたり、高コストな</a:t>
+            </a:r>
+            <a:r>
+              <a:rPr lang="en-US" altLang="ja-JP" dirty="0"/>
+              <a:t>HPC</a:t>
+            </a:r>
+            <a:r>
+              <a:rPr lang="ja-JP" altLang="en-US" dirty="0"/>
+              <a:t>インフラ基盤の用意が不要。</a:t>
+            </a:r>
+          </a:p>
+          <a:p>
+            <a:r>
+              <a:rPr lang="ja-JP" altLang="en-US" dirty="0"/>
+              <a:t>状況に応じてリソース（コスト）調整が容易 </a:t>
+            </a:r>
+          </a:p>
+          <a:p>
+            <a:r>
+              <a:rPr lang="ja-JP" altLang="en-US" dirty="0"/>
+              <a:t>従来よりも解析時間の大幅な短縮が可能</a:t>
+            </a:r>
+          </a:p>
+          <a:p>
+            <a:r>
+              <a:rPr lang="ja-JP" altLang="en-US" dirty="0"/>
+              <a:t>並列化プログラムのサポート対応あり</a:t>
+            </a:r>
+          </a:p>
           <a:p>
             <a:endParaRPr lang="ja-JP" altLang="en-US" dirty="0"/>
           </a:p>
@@ -8778,62 +10491,9 @@
             <a:fld id="{C4F1D116-AAC6-F342-B192-4E8E92DD0B7F}" type="slidenum">
               <a:rPr lang="ja-JP" altLang="en-US" smtClean="0"/>
               <a:pPr/>
-              <a:t>8</a:t>
+              <a:t>9</a:t>
             </a:fld>
             <a:endParaRPr lang="ja-JP" altLang="en-US" dirty="0"/>
-          </a:p>
-        </p:txBody>
-      </p:sp>
-      <p:sp>
-        <p:nvSpPr>
-          <p:cNvPr id="9" name="テキスト ボックス 8">
-            <a:extLst>
-              <a:ext uri="{FF2B5EF4-FFF2-40B4-BE49-F238E27FC236}">
-                <a16:creationId xmlns:a16="http://schemas.microsoft.com/office/drawing/2014/main" id="{F9DE9B44-E871-49FB-96EC-A4880B962774}"/>
-              </a:ext>
-            </a:extLst>
-          </p:cNvPr>
-          <p:cNvSpPr txBox="1"/>
-          <p:nvPr/>
-        </p:nvSpPr>
-        <p:spPr>
-          <a:xfrm>
-            <a:off x="258234" y="6217287"/>
-            <a:ext cx="2459328" cy="523220"/>
-          </a:xfrm>
-          <a:prstGeom prst="rect">
-            <a:avLst/>
-          </a:prstGeom>
-          <a:noFill/>
-        </p:spPr>
-        <p:txBody>
-          <a:bodyPr wrap="none" rtlCol="0">
-            <a:spAutoFit/>
-          </a:bodyPr>
-          <a:lstStyle/>
-          <a:p>
-            <a:pPr algn="ctr"/>
-            <a:r>
-              <a:rPr kumimoji="1" lang="ja-JP" altLang="en-US" sz="1400" dirty="0">
-                <a:latin typeface="Meiryo UI" panose="020B0604030504040204" pitchFamily="50" charset="-128"/>
-                <a:ea typeface="Meiryo UI" panose="020B0604030504040204" pitchFamily="50" charset="-128"/>
-              </a:rPr>
-              <a:t>屋台でのキャッシュレス実証実験</a:t>
-            </a:r>
-            <a:endParaRPr kumimoji="1" lang="en-US" altLang="ja-JP" sz="1400" dirty="0">
-              <a:latin typeface="Meiryo UI" panose="020B0604030504040204" pitchFamily="50" charset="-128"/>
-              <a:ea typeface="Meiryo UI" panose="020B0604030504040204" pitchFamily="50" charset="-128"/>
-            </a:endParaRPr>
-          </a:p>
-          <a:p>
-            <a:pPr algn="ctr"/>
-            <a:r>
-              <a:rPr kumimoji="1" lang="ja-JP" altLang="en-US" sz="1400" dirty="0">
-                <a:latin typeface="Meiryo UI" panose="020B0604030504040204" pitchFamily="50" charset="-128"/>
-                <a:ea typeface="Meiryo UI" panose="020B0604030504040204" pitchFamily="50" charset="-128"/>
-              </a:rPr>
-              <a:t>（福岡市）</a:t>
-            </a:r>
           </a:p>
         </p:txBody>
       </p:sp>
@@ -8841,239 +10501,6 @@
     <p:extLst>
       <p:ext uri="{BB962C8B-B14F-4D97-AF65-F5344CB8AC3E}">
         <p14:creationId xmlns:p14="http://schemas.microsoft.com/office/powerpoint/2010/main" val="1084248711"/>
-      </p:ext>
-    </p:extLst>
-  </p:cSld>
-  <p:clrMapOvr>
-    <a:masterClrMapping/>
-  </p:clrMapOvr>
-</p:sld>
-</file>
-
-<file path=ppt/slides/slide9.xml><?xml version="1.0" encoding="utf-8"?>
-<p:sld xmlns:a="http://schemas.openxmlformats.org/drawingml/2006/main" xmlns:r="http://schemas.openxmlformats.org/officeDocument/2006/relationships" xmlns:p="http://schemas.openxmlformats.org/presentationml/2006/main">
-  <p:cSld>
-    <p:spTree>
-      <p:nvGrpSpPr>
-        <p:cNvPr id="1" name=""/>
-        <p:cNvGrpSpPr/>
-        <p:nvPr/>
-      </p:nvGrpSpPr>
-      <p:grpSpPr>
-        <a:xfrm>
-          <a:off x="0" y="0"/>
-          <a:ext cx="0" cy="0"/>
-          <a:chOff x="0" y="0"/>
-          <a:chExt cx="0" cy="0"/>
-        </a:xfrm>
-      </p:grpSpPr>
-      <p:grpSp>
-        <p:nvGrpSpPr>
-          <p:cNvPr id="2" name="図形グループ 9"/>
-          <p:cNvGrpSpPr/>
-          <p:nvPr/>
-        </p:nvGrpSpPr>
-        <p:grpSpPr>
-          <a:xfrm>
-            <a:off x="431800" y="333028"/>
-            <a:ext cx="8280400" cy="461665"/>
-            <a:chOff x="611560" y="942628"/>
-            <a:chExt cx="7920880" cy="461665"/>
-          </a:xfrm>
-        </p:grpSpPr>
-        <p:cxnSp>
-          <p:nvCxnSpPr>
-            <p:cNvPr id="3" name="直線コネクタ 2"/>
-            <p:cNvCxnSpPr/>
-            <p:nvPr/>
-          </p:nvCxnSpPr>
-          <p:spPr>
-            <a:xfrm>
-              <a:off x="611560" y="1340768"/>
-              <a:ext cx="7920880" cy="0"/>
-            </a:xfrm>
-            <a:prstGeom prst="line">
-              <a:avLst/>
-            </a:prstGeom>
-            <a:ln w="9525" cmpd="sng">
-              <a:solidFill>
-                <a:srgbClr val="3366FF"/>
-              </a:solidFill>
-            </a:ln>
-            <a:effectLst/>
-          </p:spPr>
-          <p:style>
-            <a:lnRef idx="2">
-              <a:schemeClr val="accent1"/>
-            </a:lnRef>
-            <a:fillRef idx="0">
-              <a:schemeClr val="accent1"/>
-            </a:fillRef>
-            <a:effectRef idx="1">
-              <a:schemeClr val="accent1"/>
-            </a:effectRef>
-            <a:fontRef idx="minor">
-              <a:schemeClr val="tx1"/>
-            </a:fontRef>
-          </p:style>
-        </p:cxnSp>
-        <p:sp>
-          <p:nvSpPr>
-            <p:cNvPr id="4" name="正方形/長方形 3"/>
-            <p:cNvSpPr/>
-            <p:nvPr/>
-          </p:nvSpPr>
-          <p:spPr>
-            <a:xfrm>
-              <a:off x="611560" y="980728"/>
-              <a:ext cx="72008" cy="360040"/>
-            </a:xfrm>
-            <a:prstGeom prst="rect">
-              <a:avLst/>
-            </a:prstGeom>
-            <a:solidFill>
-              <a:srgbClr val="3366FF"/>
-            </a:solidFill>
-            <a:ln>
-              <a:noFill/>
-            </a:ln>
-            <a:effectLst/>
-          </p:spPr>
-          <p:style>
-            <a:lnRef idx="1">
-              <a:schemeClr val="accent1"/>
-            </a:lnRef>
-            <a:fillRef idx="3">
-              <a:schemeClr val="accent1"/>
-            </a:fillRef>
-            <a:effectRef idx="2">
-              <a:schemeClr val="accent1"/>
-            </a:effectRef>
-            <a:fontRef idx="minor">
-              <a:schemeClr val="lt1"/>
-            </a:fontRef>
-          </p:style>
-          <p:txBody>
-            <a:bodyPr rtlCol="0" anchor="ctr"/>
-            <a:lstStyle/>
-            <a:p>
-              <a:pPr algn="ctr"/>
-              <a:endParaRPr kumimoji="1" lang="ja-JP" altLang="en-US" dirty="0"/>
-            </a:p>
-          </p:txBody>
-        </p:sp>
-        <p:sp>
-          <p:nvSpPr>
-            <p:cNvPr id="5" name="テキスト ボックス 4"/>
-            <p:cNvSpPr txBox="1"/>
-            <p:nvPr/>
-          </p:nvSpPr>
-          <p:spPr>
-            <a:xfrm>
-              <a:off x="683568" y="942628"/>
-              <a:ext cx="7848872" cy="461665"/>
-            </a:xfrm>
-            <a:prstGeom prst="rect">
-              <a:avLst/>
-            </a:prstGeom>
-            <a:noFill/>
-          </p:spPr>
-          <p:txBody>
-            <a:bodyPr wrap="square" rtlCol="0">
-              <a:spAutoFit/>
-            </a:bodyPr>
-            <a:lstStyle/>
-            <a:p>
-              <a:r>
-                <a:rPr lang="ja-JP" altLang="en-US" sz="2400" b="1" dirty="0">
-                  <a:latin typeface="Meiryo UI" panose="020B0604030504040204" pitchFamily="50" charset="-128"/>
-                  <a:ea typeface="Meiryo UI" panose="020B0604030504040204" pitchFamily="50" charset="-128"/>
-                  <a:cs typeface="Meiryo UI" panose="020B0604030504040204" pitchFamily="50" charset="-128"/>
-                </a:rPr>
-                <a:t>収支計画、その根拠</a:t>
-              </a:r>
-            </a:p>
-          </p:txBody>
-        </p:sp>
-      </p:grpSp>
-      <p:sp>
-        <p:nvSpPr>
-          <p:cNvPr id="7" name="タイトル 6">
-            <a:extLst>
-              <a:ext uri="{FF2B5EF4-FFF2-40B4-BE49-F238E27FC236}">
-                <a16:creationId xmlns:a16="http://schemas.microsoft.com/office/drawing/2014/main" id="{4960A96D-47EA-0111-BA62-753296105212}"/>
-              </a:ext>
-            </a:extLst>
-          </p:cNvPr>
-          <p:cNvSpPr>
-            <a:spLocks noGrp="1"/>
-          </p:cNvSpPr>
-          <p:nvPr>
-            <p:ph type="title"/>
-          </p:nvPr>
-        </p:nvSpPr>
-        <p:spPr/>
-        <p:txBody>
-          <a:bodyPr/>
-          <a:lstStyle/>
-          <a:p>
-            <a:endParaRPr lang="ja-JP" altLang="en-US"/>
-          </a:p>
-        </p:txBody>
-      </p:sp>
-      <p:sp>
-        <p:nvSpPr>
-          <p:cNvPr id="8" name="コンテンツ プレースホルダー 7">
-            <a:extLst>
-              <a:ext uri="{FF2B5EF4-FFF2-40B4-BE49-F238E27FC236}">
-                <a16:creationId xmlns:a16="http://schemas.microsoft.com/office/drawing/2014/main" id="{8C3942E0-6739-A0A3-C760-C3324F53000D}"/>
-              </a:ext>
-            </a:extLst>
-          </p:cNvPr>
-          <p:cNvSpPr>
-            <a:spLocks noGrp="1"/>
-          </p:cNvSpPr>
-          <p:nvPr>
-            <p:ph idx="1"/>
-          </p:nvPr>
-        </p:nvSpPr>
-        <p:spPr/>
-        <p:txBody>
-          <a:bodyPr/>
-          <a:lstStyle/>
-          <a:p>
-            <a:endParaRPr lang="ja-JP" altLang="en-US"/>
-          </a:p>
-        </p:txBody>
-      </p:sp>
-      <p:sp>
-        <p:nvSpPr>
-          <p:cNvPr id="6" name="スライド番号プレースホルダー 5"/>
-          <p:cNvSpPr>
-            <a:spLocks noGrp="1"/>
-          </p:cNvSpPr>
-          <p:nvPr>
-            <p:ph type="sldNum" sz="quarter" idx="12"/>
-          </p:nvPr>
-        </p:nvSpPr>
-        <p:spPr/>
-        <p:txBody>
-          <a:bodyPr/>
-          <a:lstStyle/>
-          <a:p>
-            <a:fld id="{C4F1D116-AAC6-F342-B192-4E8E92DD0B7F}" type="slidenum">
-              <a:rPr lang="ja-JP" altLang="en-US" smtClean="0"/>
-              <a:pPr/>
-              <a:t>9</a:t>
-            </a:fld>
-            <a:endParaRPr lang="ja-JP" altLang="en-US" dirty="0"/>
-          </a:p>
-        </p:txBody>
-      </p:sp>
-    </p:spTree>
-    <p:extLst>
-      <p:ext uri="{BB962C8B-B14F-4D97-AF65-F5344CB8AC3E}">
-        <p14:creationId xmlns:p14="http://schemas.microsoft.com/office/powerpoint/2010/main" val="1639543782"/>
       </p:ext>
     </p:extLst>
   </p:cSld>
@@ -9654,12 +11081,9 @@
 </file>
 
 <file path=customXml/item1.xml><?xml version="1.0" encoding="utf-8"?>
-<?mso-contentType ?>
-<FormTemplates xmlns="http://schemas.microsoft.com/sharepoint/v3/contenttype/forms">
-  <Display>DocumentLibraryForm</Display>
-  <Edit>DocumentLibraryForm</Edit>
-  <New>DocumentLibraryForm</New>
-</FormTemplates>
+<p:properties xmlns:p="http://schemas.microsoft.com/office/2006/metadata/properties" xmlns:xsi="http://www.w3.org/2001/XMLSchema-instance" xmlns:pc="http://schemas.microsoft.com/office/infopath/2007/PartnerControls">
+  <documentManagement/>
+</p:properties>
 </file>
 
 <file path=customXml/item2.xml><?xml version="1.0" encoding="utf-8"?>
@@ -9807,15 +11231,27 @@
 </file>
 
 <file path=customXml/item3.xml><?xml version="1.0" encoding="utf-8"?>
-<p:properties xmlns:p="http://schemas.microsoft.com/office/2006/metadata/properties" xmlns:xsi="http://www.w3.org/2001/XMLSchema-instance" xmlns:pc="http://schemas.microsoft.com/office/infopath/2007/PartnerControls">
-  <documentManagement/>
-</p:properties>
+<?mso-contentType ?>
+<FormTemplates xmlns="http://schemas.microsoft.com/sharepoint/v3/contenttype/forms">
+  <Display>DocumentLibraryForm</Display>
+  <Edit>DocumentLibraryForm</Edit>
+  <New>DocumentLibraryForm</New>
+</FormTemplates>
 </file>
 
 <file path=customXml/itemProps1.xml><?xml version="1.0" encoding="utf-8"?>
-<ds:datastoreItem xmlns:ds="http://schemas.openxmlformats.org/officeDocument/2006/customXml" ds:itemID="{DE0C6FCC-D117-4483-8DEF-6D7839D43390}">
+<ds:datastoreItem xmlns:ds="http://schemas.openxmlformats.org/officeDocument/2006/customXml" ds:itemID="{42ECF84E-BC38-4F74-AFC3-C5959B4DF479}">
   <ds:schemaRefs>
-    <ds:schemaRef ds:uri="http://schemas.microsoft.com/sharepoint/v3/contenttype/forms"/>
+    <ds:schemaRef ds:uri="http://purl.org/dc/terms/"/>
+    <ds:schemaRef ds:uri="http://schemas.openxmlformats.org/package/2006/metadata/core-properties"/>
+    <ds:schemaRef ds:uri="http://purl.org/dc/dcmitype/"/>
+    <ds:schemaRef ds:uri="http://schemas.microsoft.com/office/infopath/2007/PartnerControls"/>
+    <ds:schemaRef ds:uri="http://purl.org/dc/elements/1.1/"/>
+    <ds:schemaRef ds:uri="http://schemas.microsoft.com/office/2006/metadata/properties"/>
+    <ds:schemaRef ds:uri="http://schemas.microsoft.com/office/2006/documentManagement/types"/>
+    <ds:schemaRef ds:uri="743be6eb-25c2-4da9-9fe1-7f1bf8fbe095"/>
+    <ds:schemaRef ds:uri="370397f0-7372-4438-83a9-d56962dada60"/>
+    <ds:schemaRef ds:uri="http://www.w3.org/XML/1998/namespace"/>
   </ds:schemaRefs>
 </ds:datastoreItem>
 </file>
@@ -9839,18 +11275,9 @@
 </file>
 
 <file path=customXml/itemProps3.xml><?xml version="1.0" encoding="utf-8"?>
-<ds:datastoreItem xmlns:ds="http://schemas.openxmlformats.org/officeDocument/2006/customXml" ds:itemID="{42ECF84E-BC38-4F74-AFC3-C5959B4DF479}">
+<ds:datastoreItem xmlns:ds="http://schemas.openxmlformats.org/officeDocument/2006/customXml" ds:itemID="{DE0C6FCC-D117-4483-8DEF-6D7839D43390}">
   <ds:schemaRefs>
-    <ds:schemaRef ds:uri="http://purl.org/dc/terms/"/>
-    <ds:schemaRef ds:uri="http://schemas.openxmlformats.org/package/2006/metadata/core-properties"/>
-    <ds:schemaRef ds:uri="http://purl.org/dc/dcmitype/"/>
-    <ds:schemaRef ds:uri="http://schemas.microsoft.com/office/infopath/2007/PartnerControls"/>
-    <ds:schemaRef ds:uri="http://purl.org/dc/elements/1.1/"/>
-    <ds:schemaRef ds:uri="http://schemas.microsoft.com/office/2006/metadata/properties"/>
-    <ds:schemaRef ds:uri="http://schemas.microsoft.com/office/2006/documentManagement/types"/>
-    <ds:schemaRef ds:uri="743be6eb-25c2-4da9-9fe1-7f1bf8fbe095"/>
-    <ds:schemaRef ds:uri="370397f0-7372-4438-83a9-d56962dada60"/>
-    <ds:schemaRef ds:uri="http://www.w3.org/XML/1998/namespace"/>
+    <ds:schemaRef ds:uri="http://schemas.microsoft.com/sharepoint/v3/contenttype/forms"/>
   </ds:schemaRefs>
 </ds:datastoreItem>
 </file>
--- a/Temp/EMB本部_中村洋太_290863_[HPC解析_CC&ECサービス].pptx
+++ b/Temp/EMB本部_中村洋太_290863_[HPC解析_CC&ECサービス].pptx
@@ -2,10 +2,10 @@
 <file path=ppt/presentation.xml><?xml version="1.0" encoding="utf-8"?>
 <p:presentation xmlns:a="http://schemas.openxmlformats.org/drawingml/2006/main" xmlns:r="http://schemas.openxmlformats.org/officeDocument/2006/relationships" xmlns:p="http://schemas.openxmlformats.org/presentationml/2006/main" saveSubsetFonts="1" autoCompressPictures="0">
   <p:sldMasterIdLst>
-    <p:sldMasterId id="2147483744" r:id="rId4"/>
+    <p:sldMasterId id="2147483773" r:id="rId4"/>
   </p:sldMasterIdLst>
   <p:notesMasterIdLst>
-    <p:notesMasterId r:id="rId16"/>
+    <p:notesMasterId r:id="rId18"/>
   </p:notesMasterIdLst>
   <p:sldIdLst>
     <p:sldId id="573" r:id="rId5"/>
@@ -16,9 +16,11 @@
     <p:sldId id="1156" r:id="rId10"/>
     <p:sldId id="1160" r:id="rId11"/>
     <p:sldId id="1157" r:id="rId12"/>
-    <p:sldId id="1159" r:id="rId13"/>
-    <p:sldId id="1161" r:id="rId14"/>
-    <p:sldId id="1158" r:id="rId15"/>
+    <p:sldId id="1164" r:id="rId13"/>
+    <p:sldId id="1159" r:id="rId14"/>
+    <p:sldId id="1161" r:id="rId15"/>
+    <p:sldId id="1162" r:id="rId16"/>
+    <p:sldId id="1163" r:id="rId17"/>
   </p:sldIdLst>
   <p:sldSz cx="9144000" cy="6858000" type="screen4x3"/>
   <p:notesSz cx="6735763" cy="9866313"/>
@@ -26,7 +28,7 @@
     <a:defPPr>
       <a:defRPr lang="ja-JP"/>
     </a:defPPr>
-    <a:lvl1pPr marL="0" algn="l" defTabSz="457200" rtl="0" eaLnBrk="1" latinLnBrk="0" hangingPunct="1">
+    <a:lvl1pPr marL="0" algn="l" defTabSz="914400" rtl="0" eaLnBrk="1" latinLnBrk="0" hangingPunct="1">
       <a:defRPr kumimoji="1" sz="1800" kern="1200">
         <a:solidFill>
           <a:schemeClr val="tx1"/>
@@ -36,7 +38,7 @@
         <a:cs typeface="+mn-cs"/>
       </a:defRPr>
     </a:lvl1pPr>
-    <a:lvl2pPr marL="457200" algn="l" defTabSz="457200" rtl="0" eaLnBrk="1" latinLnBrk="0" hangingPunct="1">
+    <a:lvl2pPr marL="457200" algn="l" defTabSz="914400" rtl="0" eaLnBrk="1" latinLnBrk="0" hangingPunct="1">
       <a:defRPr kumimoji="1" sz="1800" kern="1200">
         <a:solidFill>
           <a:schemeClr val="tx1"/>
@@ -46,7 +48,7 @@
         <a:cs typeface="+mn-cs"/>
       </a:defRPr>
     </a:lvl2pPr>
-    <a:lvl3pPr marL="914400" algn="l" defTabSz="457200" rtl="0" eaLnBrk="1" latinLnBrk="0" hangingPunct="1">
+    <a:lvl3pPr marL="914400" algn="l" defTabSz="914400" rtl="0" eaLnBrk="1" latinLnBrk="0" hangingPunct="1">
       <a:defRPr kumimoji="1" sz="1800" kern="1200">
         <a:solidFill>
           <a:schemeClr val="tx1"/>
@@ -56,7 +58,7 @@
         <a:cs typeface="+mn-cs"/>
       </a:defRPr>
     </a:lvl3pPr>
-    <a:lvl4pPr marL="1371600" algn="l" defTabSz="457200" rtl="0" eaLnBrk="1" latinLnBrk="0" hangingPunct="1">
+    <a:lvl4pPr marL="1371600" algn="l" defTabSz="914400" rtl="0" eaLnBrk="1" latinLnBrk="0" hangingPunct="1">
       <a:defRPr kumimoji="1" sz="1800" kern="1200">
         <a:solidFill>
           <a:schemeClr val="tx1"/>
@@ -66,7 +68,7 @@
         <a:cs typeface="+mn-cs"/>
       </a:defRPr>
     </a:lvl4pPr>
-    <a:lvl5pPr marL="1828800" algn="l" defTabSz="457200" rtl="0" eaLnBrk="1" latinLnBrk="0" hangingPunct="1">
+    <a:lvl5pPr marL="1828800" algn="l" defTabSz="914400" rtl="0" eaLnBrk="1" latinLnBrk="0" hangingPunct="1">
       <a:defRPr kumimoji="1" sz="1800" kern="1200">
         <a:solidFill>
           <a:schemeClr val="tx1"/>
@@ -76,7 +78,7 @@
         <a:cs typeface="+mn-cs"/>
       </a:defRPr>
     </a:lvl5pPr>
-    <a:lvl6pPr marL="2286000" algn="l" defTabSz="457200" rtl="0" eaLnBrk="1" latinLnBrk="0" hangingPunct="1">
+    <a:lvl6pPr marL="2286000" algn="l" defTabSz="914400" rtl="0" eaLnBrk="1" latinLnBrk="0" hangingPunct="1">
       <a:defRPr kumimoji="1" sz="1800" kern="1200">
         <a:solidFill>
           <a:schemeClr val="tx1"/>
@@ -86,7 +88,7 @@
         <a:cs typeface="+mn-cs"/>
       </a:defRPr>
     </a:lvl6pPr>
-    <a:lvl7pPr marL="2743200" algn="l" defTabSz="457200" rtl="0" eaLnBrk="1" latinLnBrk="0" hangingPunct="1">
+    <a:lvl7pPr marL="2743200" algn="l" defTabSz="914400" rtl="0" eaLnBrk="1" latinLnBrk="0" hangingPunct="1">
       <a:defRPr kumimoji="1" sz="1800" kern="1200">
         <a:solidFill>
           <a:schemeClr val="tx1"/>
@@ -96,7 +98,7 @@
         <a:cs typeface="+mn-cs"/>
       </a:defRPr>
     </a:lvl7pPr>
-    <a:lvl8pPr marL="3200400" algn="l" defTabSz="457200" rtl="0" eaLnBrk="1" latinLnBrk="0" hangingPunct="1">
+    <a:lvl8pPr marL="3200400" algn="l" defTabSz="914400" rtl="0" eaLnBrk="1" latinLnBrk="0" hangingPunct="1">
       <a:defRPr kumimoji="1" sz="1800" kern="1200">
         <a:solidFill>
           <a:schemeClr val="tx1"/>
@@ -106,7 +108,7 @@
         <a:cs typeface="+mn-cs"/>
       </a:defRPr>
     </a:lvl8pPr>
-    <a:lvl9pPr marL="3657600" algn="l" defTabSz="457200" rtl="0" eaLnBrk="1" latinLnBrk="0" hangingPunct="1">
+    <a:lvl9pPr marL="3657600" algn="l" defTabSz="914400" rtl="0" eaLnBrk="1" latinLnBrk="0" hangingPunct="1">
       <a:defRPr kumimoji="1" sz="1800" kern="1200">
         <a:solidFill>
           <a:schemeClr val="tx1"/>
@@ -2372,7 +2374,7 @@
             <a:fld id="{C47A164C-7D3B-40C1-96D6-1066CEBC9CC4}" type="datetimeFigureOut">
               <a:rPr kumimoji="1" lang="ja-JP" altLang="en-US" smtClean="0"/>
               <a:pPr/>
-              <a:t>2024/2/14</a:t>
+              <a:t>2024/2/15</a:t>
             </a:fld>
             <a:endParaRPr kumimoji="1" lang="ja-JP" altLang="en-US"/>
           </a:p>
@@ -2691,7 +2693,13 @@
       </p:grpSpPr>
       <p:sp>
         <p:nvSpPr>
-          <p:cNvPr id="2" name="タイトル 1"/>
+          <p:cNvPr id="2" name="タイトル 1">
+            <a:extLst>
+              <a:ext uri="{FF2B5EF4-FFF2-40B4-BE49-F238E27FC236}">
+                <a16:creationId xmlns:a16="http://schemas.microsoft.com/office/drawing/2014/main" id="{39457A76-8F40-4A9C-31D3-CF291548F352}"/>
+              </a:ext>
+            </a:extLst>
+          </p:cNvPr>
           <p:cNvSpPr>
             <a:spLocks noGrp="1"/>
           </p:cNvSpPr>
@@ -2701,13 +2709,17 @@
         </p:nvSpPr>
         <p:spPr>
           <a:xfrm>
-            <a:off x="685800" y="2130425"/>
-            <a:ext cx="7772400" cy="1470025"/>
+            <a:off x="1143000" y="1122363"/>
+            <a:ext cx="6858000" cy="2387600"/>
           </a:xfrm>
         </p:spPr>
         <p:txBody>
-          <a:bodyPr/>
-          <a:lstStyle/>
+          <a:bodyPr anchor="b"/>
+          <a:lstStyle>
+            <a:lvl1pPr algn="ctr">
+              <a:defRPr sz="4500"/>
+            </a:lvl1pPr>
+          </a:lstStyle>
           <a:p>
             <a:r>
               <a:rPr kumimoji="1" lang="ja-JP" altLang="en-US"/>
@@ -2718,7 +2730,13 @@
       </p:sp>
       <p:sp>
         <p:nvSpPr>
-          <p:cNvPr id="3" name="サブタイトル 2"/>
+          <p:cNvPr id="3" name="字幕 2">
+            <a:extLst>
+              <a:ext uri="{FF2B5EF4-FFF2-40B4-BE49-F238E27FC236}">
+                <a16:creationId xmlns:a16="http://schemas.microsoft.com/office/drawing/2014/main" id="{4CB1B488-8FD7-C82A-EF3E-42E8A087E2A6}"/>
+              </a:ext>
+            </a:extLst>
+          </p:cNvPr>
           <p:cNvSpPr>
             <a:spLocks noGrp="1"/>
           </p:cNvSpPr>
@@ -2728,8 +2746,8 @@
         </p:nvSpPr>
         <p:spPr>
           <a:xfrm>
-            <a:off x="1371600" y="3886200"/>
-            <a:ext cx="6400800" cy="1752600"/>
+            <a:off x="1143000" y="3602038"/>
+            <a:ext cx="6858000" cy="1655762"/>
           </a:xfrm>
         </p:spPr>
         <p:txBody>
@@ -2737,93 +2755,39 @@
           <a:lstStyle>
             <a:lvl1pPr marL="0" indent="0" algn="ctr">
               <a:buNone/>
-              <a:defRPr>
-                <a:solidFill>
-                  <a:schemeClr val="tx1">
-                    <a:tint val="75000"/>
-                  </a:schemeClr>
-                </a:solidFill>
-              </a:defRPr>
+              <a:defRPr sz="1800"/>
             </a:lvl1pPr>
-            <a:lvl2pPr marL="457200" indent="0" algn="ctr">
+            <a:lvl2pPr marL="342900" indent="0" algn="ctr">
               <a:buNone/>
-              <a:defRPr>
-                <a:solidFill>
-                  <a:schemeClr val="tx1">
-                    <a:tint val="75000"/>
-                  </a:schemeClr>
-                </a:solidFill>
-              </a:defRPr>
+              <a:defRPr sz="1500"/>
             </a:lvl2pPr>
-            <a:lvl3pPr marL="914400" indent="0" algn="ctr">
+            <a:lvl3pPr marL="685800" indent="0" algn="ctr">
               <a:buNone/>
-              <a:defRPr>
-                <a:solidFill>
-                  <a:schemeClr val="tx1">
-                    <a:tint val="75000"/>
-                  </a:schemeClr>
-                </a:solidFill>
-              </a:defRPr>
+              <a:defRPr sz="1350"/>
             </a:lvl3pPr>
-            <a:lvl4pPr marL="1371600" indent="0" algn="ctr">
+            <a:lvl4pPr marL="1028700" indent="0" algn="ctr">
               <a:buNone/>
-              <a:defRPr>
-                <a:solidFill>
-                  <a:schemeClr val="tx1">
-                    <a:tint val="75000"/>
-                  </a:schemeClr>
-                </a:solidFill>
-              </a:defRPr>
+              <a:defRPr sz="1200"/>
             </a:lvl4pPr>
-            <a:lvl5pPr marL="1828800" indent="0" algn="ctr">
+            <a:lvl5pPr marL="1371600" indent="0" algn="ctr">
               <a:buNone/>
-              <a:defRPr>
-                <a:solidFill>
-                  <a:schemeClr val="tx1">
-                    <a:tint val="75000"/>
-                  </a:schemeClr>
-                </a:solidFill>
-              </a:defRPr>
+              <a:defRPr sz="1200"/>
             </a:lvl5pPr>
-            <a:lvl6pPr marL="2286000" indent="0" algn="ctr">
+            <a:lvl6pPr marL="1714500" indent="0" algn="ctr">
               <a:buNone/>
-              <a:defRPr>
-                <a:solidFill>
-                  <a:schemeClr val="tx1">
-                    <a:tint val="75000"/>
-                  </a:schemeClr>
-                </a:solidFill>
-              </a:defRPr>
+              <a:defRPr sz="1200"/>
             </a:lvl6pPr>
-            <a:lvl7pPr marL="2743200" indent="0" algn="ctr">
+            <a:lvl7pPr marL="2057400" indent="0" algn="ctr">
               <a:buNone/>
-              <a:defRPr>
-                <a:solidFill>
-                  <a:schemeClr val="tx1">
-                    <a:tint val="75000"/>
-                  </a:schemeClr>
-                </a:solidFill>
-              </a:defRPr>
+              <a:defRPr sz="1200"/>
             </a:lvl7pPr>
-            <a:lvl8pPr marL="3200400" indent="0" algn="ctr">
+            <a:lvl8pPr marL="2400300" indent="0" algn="ctr">
               <a:buNone/>
-              <a:defRPr>
-                <a:solidFill>
-                  <a:schemeClr val="tx1">
-                    <a:tint val="75000"/>
-                  </a:schemeClr>
-                </a:solidFill>
-              </a:defRPr>
+              <a:defRPr sz="1200"/>
             </a:lvl8pPr>
-            <a:lvl9pPr marL="3657600" indent="0" algn="ctr">
+            <a:lvl9pPr marL="2743200" indent="0" algn="ctr">
               <a:buNone/>
-              <a:defRPr>
-                <a:solidFill>
-                  <a:schemeClr val="tx1">
-                    <a:tint val="75000"/>
-                  </a:schemeClr>
-                </a:solidFill>
-              </a:defRPr>
+              <a:defRPr sz="1200"/>
             </a:lvl9pPr>
           </a:lstStyle>
           <a:p>
@@ -2836,7 +2800,13 @@
       </p:sp>
       <p:sp>
         <p:nvSpPr>
-          <p:cNvPr id="4" name="日付プレースホルダー 3"/>
+          <p:cNvPr id="4" name="日付プレースホルダー 3">
+            <a:extLst>
+              <a:ext uri="{FF2B5EF4-FFF2-40B4-BE49-F238E27FC236}">
+                <a16:creationId xmlns:a16="http://schemas.microsoft.com/office/drawing/2014/main" id="{DAA5B9F5-1BF9-4C1D-DDA1-F5FDF79DE056}"/>
+              </a:ext>
+            </a:extLst>
+          </p:cNvPr>
           <p:cNvSpPr>
             <a:spLocks noGrp="1"/>
           </p:cNvSpPr>
@@ -2852,7 +2822,7 @@
             <a:fld id="{7C487D4C-40C5-A840-B7BB-DC35E4823E0E}" type="datetimeFigureOut">
               <a:rPr kumimoji="1" lang="ja-JP" altLang="en-US" smtClean="0"/>
               <a:pPr/>
-              <a:t>2024/2/14</a:t>
+              <a:t>2024/2/15</a:t>
             </a:fld>
             <a:endParaRPr kumimoji="1" lang="ja-JP" altLang="en-US"/>
           </a:p>
@@ -2860,7 +2830,13 @@
       </p:sp>
       <p:sp>
         <p:nvSpPr>
-          <p:cNvPr id="5" name="フッター プレースホルダー 4"/>
+          <p:cNvPr id="5" name="フッター プレースホルダー 4">
+            <a:extLst>
+              <a:ext uri="{FF2B5EF4-FFF2-40B4-BE49-F238E27FC236}">
+                <a16:creationId xmlns:a16="http://schemas.microsoft.com/office/drawing/2014/main" id="{655B992D-E8CD-4FD5-7E79-348D65DFEF0E}"/>
+              </a:ext>
+            </a:extLst>
+          </p:cNvPr>
           <p:cNvSpPr>
             <a:spLocks noGrp="1"/>
           </p:cNvSpPr>
@@ -2879,7 +2855,13 @@
       </p:sp>
       <p:sp>
         <p:nvSpPr>
-          <p:cNvPr id="6" name="スライド番号プレースホルダー 5"/>
+          <p:cNvPr id="6" name="スライド番号プレースホルダー 5">
+            <a:extLst>
+              <a:ext uri="{FF2B5EF4-FFF2-40B4-BE49-F238E27FC236}">
+                <a16:creationId xmlns:a16="http://schemas.microsoft.com/office/drawing/2014/main" id="{4CE07147-517B-116D-9BE8-6057305EC301}"/>
+              </a:ext>
+            </a:extLst>
+          </p:cNvPr>
           <p:cNvSpPr>
             <a:spLocks noGrp="1"/>
           </p:cNvSpPr>
@@ -2904,7 +2886,7 @@
     </p:spTree>
     <p:extLst>
       <p:ext uri="{BB962C8B-B14F-4D97-AF65-F5344CB8AC3E}">
-        <p14:creationId xmlns:p14="http://schemas.microsoft.com/office/powerpoint/2010/main" val="3702203145"/>
+        <p14:creationId xmlns:p14="http://schemas.microsoft.com/office/powerpoint/2010/main" val="877423122"/>
       </p:ext>
     </p:extLst>
   </p:cSld>
@@ -2916,7 +2898,7 @@
 
 <file path=ppt/slideLayouts/slideLayout10.xml><?xml version="1.0" encoding="utf-8"?>
 <p:sldLayout xmlns:a="http://schemas.openxmlformats.org/drawingml/2006/main" xmlns:r="http://schemas.openxmlformats.org/officeDocument/2006/relationships" xmlns:p="http://schemas.openxmlformats.org/presentationml/2006/main" type="vertTx" preserve="1">
-  <p:cSld name="タイトルと&#10;縦書きテキスト">
+  <p:cSld name="タイトルと縦書きテキスト">
     <p:spTree>
       <p:nvGrpSpPr>
         <p:cNvPr id="1" name=""/>
@@ -2933,7 +2915,13 @@
       </p:grpSpPr>
       <p:sp>
         <p:nvSpPr>
-          <p:cNvPr id="2" name="タイトル 1"/>
+          <p:cNvPr id="2" name="タイトル 1">
+            <a:extLst>
+              <a:ext uri="{FF2B5EF4-FFF2-40B4-BE49-F238E27FC236}">
+                <a16:creationId xmlns:a16="http://schemas.microsoft.com/office/drawing/2014/main" id="{50EBD0C8-32E3-C014-E63C-566F09779FB3}"/>
+              </a:ext>
+            </a:extLst>
+          </p:cNvPr>
           <p:cNvSpPr>
             <a:spLocks noGrp="1"/>
           </p:cNvSpPr>
@@ -2955,7 +2943,13 @@
       </p:sp>
       <p:sp>
         <p:nvSpPr>
-          <p:cNvPr id="3" name="縦書きテキスト プレースホルダー 2"/>
+          <p:cNvPr id="3" name="縦書きテキスト プレースホルダー 2">
+            <a:extLst>
+              <a:ext uri="{FF2B5EF4-FFF2-40B4-BE49-F238E27FC236}">
+                <a16:creationId xmlns:a16="http://schemas.microsoft.com/office/drawing/2014/main" id="{EDD7DB3E-40BC-5E5D-1392-162B10271588}"/>
+              </a:ext>
+            </a:extLst>
+          </p:cNvPr>
           <p:cNvSpPr>
             <a:spLocks noGrp="1"/>
           </p:cNvSpPr>
@@ -3038,7 +3032,13 @@
       </p:sp>
       <p:sp>
         <p:nvSpPr>
-          <p:cNvPr id="4" name="日付プレースホルダー 3"/>
+          <p:cNvPr id="4" name="日付プレースホルダー 3">
+            <a:extLst>
+              <a:ext uri="{FF2B5EF4-FFF2-40B4-BE49-F238E27FC236}">
+                <a16:creationId xmlns:a16="http://schemas.microsoft.com/office/drawing/2014/main" id="{482216C4-3397-17BB-D86D-9646A5037844}"/>
+              </a:ext>
+            </a:extLst>
+          </p:cNvPr>
           <p:cNvSpPr>
             <a:spLocks noGrp="1"/>
           </p:cNvSpPr>
@@ -3054,7 +3054,7 @@
             <a:fld id="{7C487D4C-40C5-A840-B7BB-DC35E4823E0E}" type="datetimeFigureOut">
               <a:rPr kumimoji="1" lang="ja-JP" altLang="en-US" smtClean="0"/>
               <a:pPr/>
-              <a:t>2024/2/14</a:t>
+              <a:t>2024/2/15</a:t>
             </a:fld>
             <a:endParaRPr kumimoji="1" lang="ja-JP" altLang="en-US"/>
           </a:p>
@@ -3062,7 +3062,13 @@
       </p:sp>
       <p:sp>
         <p:nvSpPr>
-          <p:cNvPr id="5" name="フッター プレースホルダー 4"/>
+          <p:cNvPr id="5" name="フッター プレースホルダー 4">
+            <a:extLst>
+              <a:ext uri="{FF2B5EF4-FFF2-40B4-BE49-F238E27FC236}">
+                <a16:creationId xmlns:a16="http://schemas.microsoft.com/office/drawing/2014/main" id="{C48CA4C7-DAE9-AA58-59C6-24AF84CFB895}"/>
+              </a:ext>
+            </a:extLst>
+          </p:cNvPr>
           <p:cNvSpPr>
             <a:spLocks noGrp="1"/>
           </p:cNvSpPr>
@@ -3081,7 +3087,13 @@
       </p:sp>
       <p:sp>
         <p:nvSpPr>
-          <p:cNvPr id="6" name="スライド番号プレースホルダー 5"/>
+          <p:cNvPr id="6" name="スライド番号プレースホルダー 5">
+            <a:extLst>
+              <a:ext uri="{FF2B5EF4-FFF2-40B4-BE49-F238E27FC236}">
+                <a16:creationId xmlns:a16="http://schemas.microsoft.com/office/drawing/2014/main" id="{E308415F-54E2-092C-A4C6-2C9BB2811EC3}"/>
+              </a:ext>
+            </a:extLst>
+          </p:cNvPr>
           <p:cNvSpPr>
             <a:spLocks noGrp="1"/>
           </p:cNvSpPr>
@@ -3106,7 +3118,7 @@
     </p:spTree>
     <p:extLst>
       <p:ext uri="{BB962C8B-B14F-4D97-AF65-F5344CB8AC3E}">
-        <p14:creationId xmlns:p14="http://schemas.microsoft.com/office/powerpoint/2010/main" val="192750451"/>
+        <p14:creationId xmlns:p14="http://schemas.microsoft.com/office/powerpoint/2010/main" val="786562217"/>
       </p:ext>
     </p:extLst>
   </p:cSld>
@@ -3135,7 +3147,13 @@
       </p:grpSpPr>
       <p:sp>
         <p:nvSpPr>
-          <p:cNvPr id="2" name="縦書きタイトル 1"/>
+          <p:cNvPr id="2" name="縦書きタイトル 1">
+            <a:extLst>
+              <a:ext uri="{FF2B5EF4-FFF2-40B4-BE49-F238E27FC236}">
+                <a16:creationId xmlns:a16="http://schemas.microsoft.com/office/drawing/2014/main" id="{CC9C2C0C-1D04-871A-909B-256B9C5FB021}"/>
+              </a:ext>
+            </a:extLst>
+          </p:cNvPr>
           <p:cNvSpPr>
             <a:spLocks noGrp="1"/>
           </p:cNvSpPr>
@@ -3145,8 +3163,8 @@
         </p:nvSpPr>
         <p:spPr>
           <a:xfrm>
-            <a:off x="6629400" y="274638"/>
-            <a:ext cx="2057400" cy="5851525"/>
+            <a:off x="6543675" y="365125"/>
+            <a:ext cx="1971675" cy="5811838"/>
           </a:xfrm>
         </p:spPr>
         <p:txBody>
@@ -3162,7 +3180,13 @@
       </p:sp>
       <p:sp>
         <p:nvSpPr>
-          <p:cNvPr id="3" name="縦書きテキスト プレースホルダー 2"/>
+          <p:cNvPr id="3" name="縦書きテキスト プレースホルダー 2">
+            <a:extLst>
+              <a:ext uri="{FF2B5EF4-FFF2-40B4-BE49-F238E27FC236}">
+                <a16:creationId xmlns:a16="http://schemas.microsoft.com/office/drawing/2014/main" id="{15458E54-8787-7CB9-59F7-651F062714CE}"/>
+              </a:ext>
+            </a:extLst>
+          </p:cNvPr>
           <p:cNvSpPr>
             <a:spLocks noGrp="1"/>
           </p:cNvSpPr>
@@ -3172,8 +3196,8 @@
         </p:nvSpPr>
         <p:spPr>
           <a:xfrm>
-            <a:off x="457200" y="274638"/>
-            <a:ext cx="6019800" cy="5851525"/>
+            <a:off x="628650" y="365125"/>
+            <a:ext cx="5800725" cy="5811838"/>
           </a:xfrm>
         </p:spPr>
         <p:txBody>
@@ -3250,7 +3274,13 @@
       </p:sp>
       <p:sp>
         <p:nvSpPr>
-          <p:cNvPr id="4" name="日付プレースホルダー 3"/>
+          <p:cNvPr id="4" name="日付プレースホルダー 3">
+            <a:extLst>
+              <a:ext uri="{FF2B5EF4-FFF2-40B4-BE49-F238E27FC236}">
+                <a16:creationId xmlns:a16="http://schemas.microsoft.com/office/drawing/2014/main" id="{306C647B-6E0B-5785-F767-C2099DC6DEE1}"/>
+              </a:ext>
+            </a:extLst>
+          </p:cNvPr>
           <p:cNvSpPr>
             <a:spLocks noGrp="1"/>
           </p:cNvSpPr>
@@ -3266,7 +3296,7 @@
             <a:fld id="{7C487D4C-40C5-A840-B7BB-DC35E4823E0E}" type="datetimeFigureOut">
               <a:rPr kumimoji="1" lang="ja-JP" altLang="en-US" smtClean="0"/>
               <a:pPr/>
-              <a:t>2024/2/14</a:t>
+              <a:t>2024/2/15</a:t>
             </a:fld>
             <a:endParaRPr kumimoji="1" lang="ja-JP" altLang="en-US"/>
           </a:p>
@@ -3274,7 +3304,13 @@
       </p:sp>
       <p:sp>
         <p:nvSpPr>
-          <p:cNvPr id="5" name="フッター プレースホルダー 4"/>
+          <p:cNvPr id="5" name="フッター プレースホルダー 4">
+            <a:extLst>
+              <a:ext uri="{FF2B5EF4-FFF2-40B4-BE49-F238E27FC236}">
+                <a16:creationId xmlns:a16="http://schemas.microsoft.com/office/drawing/2014/main" id="{A6CF517E-1871-7B09-9B23-C0EDF3DADA10}"/>
+              </a:ext>
+            </a:extLst>
+          </p:cNvPr>
           <p:cNvSpPr>
             <a:spLocks noGrp="1"/>
           </p:cNvSpPr>
@@ -3293,7 +3329,13 @@
       </p:sp>
       <p:sp>
         <p:nvSpPr>
-          <p:cNvPr id="6" name="スライド番号プレースホルダー 5"/>
+          <p:cNvPr id="6" name="スライド番号プレースホルダー 5">
+            <a:extLst>
+              <a:ext uri="{FF2B5EF4-FFF2-40B4-BE49-F238E27FC236}">
+                <a16:creationId xmlns:a16="http://schemas.microsoft.com/office/drawing/2014/main" id="{CBA79B23-93D3-A089-5C41-058E87BEABB9}"/>
+              </a:ext>
+            </a:extLst>
+          </p:cNvPr>
           <p:cNvSpPr>
             <a:spLocks noGrp="1"/>
           </p:cNvSpPr>
@@ -3318,7 +3360,7 @@
     </p:spTree>
     <p:extLst>
       <p:ext uri="{BB962C8B-B14F-4D97-AF65-F5344CB8AC3E}">
-        <p14:creationId xmlns:p14="http://schemas.microsoft.com/office/powerpoint/2010/main" val="1918060045"/>
+        <p14:creationId xmlns:p14="http://schemas.microsoft.com/office/powerpoint/2010/main" val="2984514760"/>
       </p:ext>
     </p:extLst>
   </p:cSld>
@@ -3461,7 +3503,13 @@
       </p:grpSpPr>
       <p:sp>
         <p:nvSpPr>
-          <p:cNvPr id="2" name="タイトル 1"/>
+          <p:cNvPr id="2" name="タイトル 1">
+            <a:extLst>
+              <a:ext uri="{FF2B5EF4-FFF2-40B4-BE49-F238E27FC236}">
+                <a16:creationId xmlns:a16="http://schemas.microsoft.com/office/drawing/2014/main" id="{1BCCA3CC-A5EF-E9E1-0378-7284625FB0DF}"/>
+              </a:ext>
+            </a:extLst>
+          </p:cNvPr>
           <p:cNvSpPr>
             <a:spLocks noGrp="1"/>
           </p:cNvSpPr>
@@ -3483,7 +3531,13 @@
       </p:sp>
       <p:sp>
         <p:nvSpPr>
-          <p:cNvPr id="3" name="コンテンツ プレースホルダー 2"/>
+          <p:cNvPr id="3" name="コンテンツ プレースホルダー 2">
+            <a:extLst>
+              <a:ext uri="{FF2B5EF4-FFF2-40B4-BE49-F238E27FC236}">
+                <a16:creationId xmlns:a16="http://schemas.microsoft.com/office/drawing/2014/main" id="{9A4EB4FF-8123-83F3-C41E-B015465F973A}"/>
+              </a:ext>
+            </a:extLst>
+          </p:cNvPr>
           <p:cNvSpPr>
             <a:spLocks noGrp="1"/>
           </p:cNvSpPr>
@@ -3566,7 +3620,13 @@
       </p:sp>
       <p:sp>
         <p:nvSpPr>
-          <p:cNvPr id="4" name="日付プレースホルダー 3"/>
+          <p:cNvPr id="4" name="日付プレースホルダー 3">
+            <a:extLst>
+              <a:ext uri="{FF2B5EF4-FFF2-40B4-BE49-F238E27FC236}">
+                <a16:creationId xmlns:a16="http://schemas.microsoft.com/office/drawing/2014/main" id="{032CB7E5-4348-8AED-588E-45F49F44418D}"/>
+              </a:ext>
+            </a:extLst>
+          </p:cNvPr>
           <p:cNvSpPr>
             <a:spLocks noGrp="1"/>
           </p:cNvSpPr>
@@ -3582,7 +3642,7 @@
             <a:fld id="{7C487D4C-40C5-A840-B7BB-DC35E4823E0E}" type="datetimeFigureOut">
               <a:rPr kumimoji="1" lang="ja-JP" altLang="en-US" smtClean="0"/>
               <a:pPr/>
-              <a:t>2024/2/14</a:t>
+              <a:t>2024/2/15</a:t>
             </a:fld>
             <a:endParaRPr kumimoji="1" lang="ja-JP" altLang="en-US"/>
           </a:p>
@@ -3590,7 +3650,13 @@
       </p:sp>
       <p:sp>
         <p:nvSpPr>
-          <p:cNvPr id="5" name="フッター プレースホルダー 4"/>
+          <p:cNvPr id="5" name="フッター プレースホルダー 4">
+            <a:extLst>
+              <a:ext uri="{FF2B5EF4-FFF2-40B4-BE49-F238E27FC236}">
+                <a16:creationId xmlns:a16="http://schemas.microsoft.com/office/drawing/2014/main" id="{EB9E9C76-C24C-4F7C-1A26-EBAABCFE2EDC}"/>
+              </a:ext>
+            </a:extLst>
+          </p:cNvPr>
           <p:cNvSpPr>
             <a:spLocks noGrp="1"/>
           </p:cNvSpPr>
@@ -3609,7 +3675,13 @@
       </p:sp>
       <p:sp>
         <p:nvSpPr>
-          <p:cNvPr id="6" name="スライド番号プレースホルダー 5"/>
+          <p:cNvPr id="6" name="スライド番号プレースホルダー 5">
+            <a:extLst>
+              <a:ext uri="{FF2B5EF4-FFF2-40B4-BE49-F238E27FC236}">
+                <a16:creationId xmlns:a16="http://schemas.microsoft.com/office/drawing/2014/main" id="{7C8A9444-4AB0-9941-F923-12A1943EC3EB}"/>
+              </a:ext>
+            </a:extLst>
+          </p:cNvPr>
           <p:cNvSpPr>
             <a:spLocks noGrp="1"/>
           </p:cNvSpPr>
@@ -3634,7 +3706,7 @@
     </p:spTree>
     <p:extLst>
       <p:ext uri="{BB962C8B-B14F-4D97-AF65-F5344CB8AC3E}">
-        <p14:creationId xmlns:p14="http://schemas.microsoft.com/office/powerpoint/2010/main" val="4109671602"/>
+        <p14:creationId xmlns:p14="http://schemas.microsoft.com/office/powerpoint/2010/main" val="3328146337"/>
       </p:ext>
     </p:extLst>
   </p:cSld>
@@ -3663,7 +3735,13 @@
       </p:grpSpPr>
       <p:sp>
         <p:nvSpPr>
-          <p:cNvPr id="2" name="タイトル 1"/>
+          <p:cNvPr id="2" name="タイトル 1">
+            <a:extLst>
+              <a:ext uri="{FF2B5EF4-FFF2-40B4-BE49-F238E27FC236}">
+                <a16:creationId xmlns:a16="http://schemas.microsoft.com/office/drawing/2014/main" id="{33A9FA97-381E-39F2-A28F-BB09C906184B}"/>
+              </a:ext>
+            </a:extLst>
+          </p:cNvPr>
           <p:cNvSpPr>
             <a:spLocks noGrp="1"/>
           </p:cNvSpPr>
@@ -3673,15 +3751,15 @@
         </p:nvSpPr>
         <p:spPr>
           <a:xfrm>
-            <a:off x="722313" y="4406900"/>
-            <a:ext cx="7772400" cy="1362075"/>
+            <a:off x="623888" y="1709739"/>
+            <a:ext cx="7886700" cy="2852737"/>
           </a:xfrm>
         </p:spPr>
         <p:txBody>
-          <a:bodyPr anchor="t"/>
+          <a:bodyPr anchor="b"/>
           <a:lstStyle>
-            <a:lvl1pPr algn="l">
-              <a:defRPr sz="4000" b="1" cap="all"/>
+            <a:lvl1pPr>
+              <a:defRPr sz="4500"/>
             </a:lvl1pPr>
           </a:lstStyle>
           <a:p>
@@ -3694,7 +3772,13 @@
       </p:sp>
       <p:sp>
         <p:nvSpPr>
-          <p:cNvPr id="3" name="テキスト プレースホルダー 2"/>
+          <p:cNvPr id="3" name="テキスト プレースホルダー 2">
+            <a:extLst>
+              <a:ext uri="{FF2B5EF4-FFF2-40B4-BE49-F238E27FC236}">
+                <a16:creationId xmlns:a16="http://schemas.microsoft.com/office/drawing/2014/main" id="{7DAA73B3-F694-57CB-BBA4-2CA94EDEC58A}"/>
+              </a:ext>
+            </a:extLst>
+          </p:cNvPr>
           <p:cNvSpPr>
             <a:spLocks noGrp="1"/>
           </p:cNvSpPr>
@@ -3704,24 +3788,14 @@
         </p:nvSpPr>
         <p:spPr>
           <a:xfrm>
-            <a:off x="722313" y="2906713"/>
-            <a:ext cx="7772400" cy="1500187"/>
+            <a:off x="623888" y="4589464"/>
+            <a:ext cx="7886700" cy="1500187"/>
           </a:xfrm>
         </p:spPr>
         <p:txBody>
-          <a:bodyPr anchor="b"/>
+          <a:bodyPr/>
           <a:lstStyle>
             <a:lvl1pPr marL="0" indent="0">
-              <a:buNone/>
-              <a:defRPr sz="2000">
-                <a:solidFill>
-                  <a:schemeClr val="tx1">
-                    <a:tint val="75000"/>
-                  </a:schemeClr>
-                </a:solidFill>
-              </a:defRPr>
-            </a:lvl1pPr>
-            <a:lvl2pPr marL="457200" indent="0">
               <a:buNone/>
               <a:defRPr sz="1800">
                 <a:solidFill>
@@ -3730,10 +3804,20 @@
                   </a:schemeClr>
                 </a:solidFill>
               </a:defRPr>
+            </a:lvl1pPr>
+            <a:lvl2pPr marL="342900" indent="0">
+              <a:buNone/>
+              <a:defRPr sz="1500">
+                <a:solidFill>
+                  <a:schemeClr val="tx1">
+                    <a:tint val="75000"/>
+                  </a:schemeClr>
+                </a:solidFill>
+              </a:defRPr>
             </a:lvl2pPr>
-            <a:lvl3pPr marL="914400" indent="0">
+            <a:lvl3pPr marL="685800" indent="0">
               <a:buNone/>
-              <a:defRPr sz="1600">
+              <a:defRPr sz="1350">
                 <a:solidFill>
                   <a:schemeClr val="tx1">
                     <a:tint val="75000"/>
@@ -3741,9 +3825,9 @@
                 </a:solidFill>
               </a:defRPr>
             </a:lvl3pPr>
-            <a:lvl4pPr marL="1371600" indent="0">
+            <a:lvl4pPr marL="1028700" indent="0">
               <a:buNone/>
-              <a:defRPr sz="1400">
+              <a:defRPr sz="1200">
                 <a:solidFill>
                   <a:schemeClr val="tx1">
                     <a:tint val="75000"/>
@@ -3751,9 +3835,9 @@
                 </a:solidFill>
               </a:defRPr>
             </a:lvl4pPr>
-            <a:lvl5pPr marL="1828800" indent="0">
+            <a:lvl5pPr marL="1371600" indent="0">
               <a:buNone/>
-              <a:defRPr sz="1400">
+              <a:defRPr sz="1200">
                 <a:solidFill>
                   <a:schemeClr val="tx1">
                     <a:tint val="75000"/>
@@ -3761,9 +3845,9 @@
                 </a:solidFill>
               </a:defRPr>
             </a:lvl5pPr>
-            <a:lvl6pPr marL="2286000" indent="0">
+            <a:lvl6pPr marL="1714500" indent="0">
               <a:buNone/>
-              <a:defRPr sz="1400">
+              <a:defRPr sz="1200">
                 <a:solidFill>
                   <a:schemeClr val="tx1">
                     <a:tint val="75000"/>
@@ -3771,9 +3855,9 @@
                 </a:solidFill>
               </a:defRPr>
             </a:lvl6pPr>
-            <a:lvl7pPr marL="2743200" indent="0">
+            <a:lvl7pPr marL="2057400" indent="0">
               <a:buNone/>
-              <a:defRPr sz="1400">
+              <a:defRPr sz="1200">
                 <a:solidFill>
                   <a:schemeClr val="tx1">
                     <a:tint val="75000"/>
@@ -3781,9 +3865,9 @@
                 </a:solidFill>
               </a:defRPr>
             </a:lvl7pPr>
-            <a:lvl8pPr marL="3200400" indent="0">
+            <a:lvl8pPr marL="2400300" indent="0">
               <a:buNone/>
-              <a:defRPr sz="1400">
+              <a:defRPr sz="1200">
                 <a:solidFill>
                   <a:schemeClr val="tx1">
                     <a:tint val="75000"/>
@@ -3791,9 +3875,9 @@
                 </a:solidFill>
               </a:defRPr>
             </a:lvl8pPr>
-            <a:lvl9pPr marL="3657600" indent="0">
+            <a:lvl9pPr marL="2743200" indent="0">
               <a:buNone/>
-              <a:defRPr sz="1400">
+              <a:defRPr sz="1200">
                 <a:solidFill>
                   <a:schemeClr val="tx1">
                     <a:tint val="75000"/>
@@ -3813,7 +3897,13 @@
       </p:sp>
       <p:sp>
         <p:nvSpPr>
-          <p:cNvPr id="4" name="日付プレースホルダー 3"/>
+          <p:cNvPr id="4" name="日付プレースホルダー 3">
+            <a:extLst>
+              <a:ext uri="{FF2B5EF4-FFF2-40B4-BE49-F238E27FC236}">
+                <a16:creationId xmlns:a16="http://schemas.microsoft.com/office/drawing/2014/main" id="{5A5F906A-A867-9903-05F7-AE656E1AD1A4}"/>
+              </a:ext>
+            </a:extLst>
+          </p:cNvPr>
           <p:cNvSpPr>
             <a:spLocks noGrp="1"/>
           </p:cNvSpPr>
@@ -3829,7 +3919,7 @@
             <a:fld id="{7C487D4C-40C5-A840-B7BB-DC35E4823E0E}" type="datetimeFigureOut">
               <a:rPr kumimoji="1" lang="ja-JP" altLang="en-US" smtClean="0"/>
               <a:pPr/>
-              <a:t>2024/2/14</a:t>
+              <a:t>2024/2/15</a:t>
             </a:fld>
             <a:endParaRPr kumimoji="1" lang="ja-JP" altLang="en-US"/>
           </a:p>
@@ -3837,7 +3927,13 @@
       </p:sp>
       <p:sp>
         <p:nvSpPr>
-          <p:cNvPr id="5" name="フッター プレースホルダー 4"/>
+          <p:cNvPr id="5" name="フッター プレースホルダー 4">
+            <a:extLst>
+              <a:ext uri="{FF2B5EF4-FFF2-40B4-BE49-F238E27FC236}">
+                <a16:creationId xmlns:a16="http://schemas.microsoft.com/office/drawing/2014/main" id="{A7B76BC5-CC5B-6251-C3FC-84CA89009FE2}"/>
+              </a:ext>
+            </a:extLst>
+          </p:cNvPr>
           <p:cNvSpPr>
             <a:spLocks noGrp="1"/>
           </p:cNvSpPr>
@@ -3856,7 +3952,13 @@
       </p:sp>
       <p:sp>
         <p:nvSpPr>
-          <p:cNvPr id="6" name="スライド番号プレースホルダー 5"/>
+          <p:cNvPr id="6" name="スライド番号プレースホルダー 5">
+            <a:extLst>
+              <a:ext uri="{FF2B5EF4-FFF2-40B4-BE49-F238E27FC236}">
+                <a16:creationId xmlns:a16="http://schemas.microsoft.com/office/drawing/2014/main" id="{00CE5C2B-9D83-52AF-0BC6-3C77BD2930A1}"/>
+              </a:ext>
+            </a:extLst>
+          </p:cNvPr>
           <p:cNvSpPr>
             <a:spLocks noGrp="1"/>
           </p:cNvSpPr>
@@ -3881,7 +3983,7 @@
     </p:spTree>
     <p:extLst>
       <p:ext uri="{BB962C8B-B14F-4D97-AF65-F5344CB8AC3E}">
-        <p14:creationId xmlns:p14="http://schemas.microsoft.com/office/powerpoint/2010/main" val="561792974"/>
+        <p14:creationId xmlns:p14="http://schemas.microsoft.com/office/powerpoint/2010/main" val="1603612400"/>
       </p:ext>
     </p:extLst>
   </p:cSld>
@@ -3910,7 +4012,13 @@
       </p:grpSpPr>
       <p:sp>
         <p:nvSpPr>
-          <p:cNvPr id="2" name="タイトル 1"/>
+          <p:cNvPr id="2" name="タイトル 1">
+            <a:extLst>
+              <a:ext uri="{FF2B5EF4-FFF2-40B4-BE49-F238E27FC236}">
+                <a16:creationId xmlns:a16="http://schemas.microsoft.com/office/drawing/2014/main" id="{34E6E1DF-C9FE-C78F-EB55-0200109E721A}"/>
+              </a:ext>
+            </a:extLst>
+          </p:cNvPr>
           <p:cNvSpPr>
             <a:spLocks noGrp="1"/>
           </p:cNvSpPr>
@@ -3932,7 +4040,13 @@
       </p:sp>
       <p:sp>
         <p:nvSpPr>
-          <p:cNvPr id="3" name="コンテンツ プレースホルダー 2"/>
+          <p:cNvPr id="3" name="コンテンツ プレースホルダー 2">
+            <a:extLst>
+              <a:ext uri="{FF2B5EF4-FFF2-40B4-BE49-F238E27FC236}">
+                <a16:creationId xmlns:a16="http://schemas.microsoft.com/office/drawing/2014/main" id="{C6CB70A0-AA81-6F41-3B24-94C12F996836}"/>
+              </a:ext>
+            </a:extLst>
+          </p:cNvPr>
           <p:cNvSpPr>
             <a:spLocks noGrp="1"/>
           </p:cNvSpPr>
@@ -3942,41 +4056,13 @@
         </p:nvSpPr>
         <p:spPr>
           <a:xfrm>
-            <a:off x="457200" y="1600200"/>
-            <a:ext cx="4038600" cy="4525963"/>
+            <a:off x="628650" y="1825625"/>
+            <a:ext cx="3886200" cy="4351338"/>
           </a:xfrm>
         </p:spPr>
         <p:txBody>
           <a:bodyPr/>
-          <a:lstStyle>
-            <a:lvl1pPr>
-              <a:defRPr sz="2800"/>
-            </a:lvl1pPr>
-            <a:lvl2pPr>
-              <a:defRPr sz="2400"/>
-            </a:lvl2pPr>
-            <a:lvl3pPr>
-              <a:defRPr sz="2000"/>
-            </a:lvl3pPr>
-            <a:lvl4pPr>
-              <a:defRPr sz="1800"/>
-            </a:lvl4pPr>
-            <a:lvl5pPr>
-              <a:defRPr sz="1800"/>
-            </a:lvl5pPr>
-            <a:lvl6pPr>
-              <a:defRPr sz="1800"/>
-            </a:lvl6pPr>
-            <a:lvl7pPr>
-              <a:defRPr sz="1800"/>
-            </a:lvl7pPr>
-            <a:lvl8pPr>
-              <a:defRPr sz="1800"/>
-            </a:lvl8pPr>
-            <a:lvl9pPr>
-              <a:defRPr sz="1800"/>
-            </a:lvl9pPr>
-          </a:lstStyle>
+          <a:lstStyle/>
           <a:p>
             <a:pPr lvl="0"/>
             <a:r>
@@ -4048,7 +4134,13 @@
       </p:sp>
       <p:sp>
         <p:nvSpPr>
-          <p:cNvPr id="4" name="コンテンツ プレースホルダー 3"/>
+          <p:cNvPr id="4" name="コンテンツ プレースホルダー 3">
+            <a:extLst>
+              <a:ext uri="{FF2B5EF4-FFF2-40B4-BE49-F238E27FC236}">
+                <a16:creationId xmlns:a16="http://schemas.microsoft.com/office/drawing/2014/main" id="{9F55136C-ACC3-E123-2AAF-2BD52E03B132}"/>
+              </a:ext>
+            </a:extLst>
+          </p:cNvPr>
           <p:cNvSpPr>
             <a:spLocks noGrp="1"/>
           </p:cNvSpPr>
@@ -4058,41 +4150,13 @@
         </p:nvSpPr>
         <p:spPr>
           <a:xfrm>
-            <a:off x="4648200" y="1600200"/>
-            <a:ext cx="4038600" cy="4525963"/>
+            <a:off x="4629150" y="1825625"/>
+            <a:ext cx="3886200" cy="4351338"/>
           </a:xfrm>
         </p:spPr>
         <p:txBody>
           <a:bodyPr/>
-          <a:lstStyle>
-            <a:lvl1pPr>
-              <a:defRPr sz="2800"/>
-            </a:lvl1pPr>
-            <a:lvl2pPr>
-              <a:defRPr sz="2400"/>
-            </a:lvl2pPr>
-            <a:lvl3pPr>
-              <a:defRPr sz="2000"/>
-            </a:lvl3pPr>
-            <a:lvl4pPr>
-              <a:defRPr sz="1800"/>
-            </a:lvl4pPr>
-            <a:lvl5pPr>
-              <a:defRPr sz="1800"/>
-            </a:lvl5pPr>
-            <a:lvl6pPr>
-              <a:defRPr sz="1800"/>
-            </a:lvl6pPr>
-            <a:lvl7pPr>
-              <a:defRPr sz="1800"/>
-            </a:lvl7pPr>
-            <a:lvl8pPr>
-              <a:defRPr sz="1800"/>
-            </a:lvl8pPr>
-            <a:lvl9pPr>
-              <a:defRPr sz="1800"/>
-            </a:lvl9pPr>
-          </a:lstStyle>
+          <a:lstStyle/>
           <a:p>
             <a:pPr lvl="0"/>
             <a:r>
@@ -4164,7 +4228,13 @@
       </p:sp>
       <p:sp>
         <p:nvSpPr>
-          <p:cNvPr id="5" name="日付プレースホルダー 4"/>
+          <p:cNvPr id="5" name="日付プレースホルダー 4">
+            <a:extLst>
+              <a:ext uri="{FF2B5EF4-FFF2-40B4-BE49-F238E27FC236}">
+                <a16:creationId xmlns:a16="http://schemas.microsoft.com/office/drawing/2014/main" id="{224F98CB-0244-88B7-4776-58C881ADD3F0}"/>
+              </a:ext>
+            </a:extLst>
+          </p:cNvPr>
           <p:cNvSpPr>
             <a:spLocks noGrp="1"/>
           </p:cNvSpPr>
@@ -4180,7 +4250,7 @@
             <a:fld id="{7C487D4C-40C5-A840-B7BB-DC35E4823E0E}" type="datetimeFigureOut">
               <a:rPr kumimoji="1" lang="ja-JP" altLang="en-US" smtClean="0"/>
               <a:pPr/>
-              <a:t>2024/2/14</a:t>
+              <a:t>2024/2/15</a:t>
             </a:fld>
             <a:endParaRPr kumimoji="1" lang="ja-JP" altLang="en-US"/>
           </a:p>
@@ -4188,7 +4258,13 @@
       </p:sp>
       <p:sp>
         <p:nvSpPr>
-          <p:cNvPr id="6" name="フッター プレースホルダー 5"/>
+          <p:cNvPr id="6" name="フッター プレースホルダー 5">
+            <a:extLst>
+              <a:ext uri="{FF2B5EF4-FFF2-40B4-BE49-F238E27FC236}">
+                <a16:creationId xmlns:a16="http://schemas.microsoft.com/office/drawing/2014/main" id="{1FC0768C-B40F-ADB0-35AB-0D4EA255B535}"/>
+              </a:ext>
+            </a:extLst>
+          </p:cNvPr>
           <p:cNvSpPr>
             <a:spLocks noGrp="1"/>
           </p:cNvSpPr>
@@ -4207,7 +4283,13 @@
       </p:sp>
       <p:sp>
         <p:nvSpPr>
-          <p:cNvPr id="7" name="スライド番号プレースホルダー 6"/>
+          <p:cNvPr id="7" name="スライド番号プレースホルダー 6">
+            <a:extLst>
+              <a:ext uri="{FF2B5EF4-FFF2-40B4-BE49-F238E27FC236}">
+                <a16:creationId xmlns:a16="http://schemas.microsoft.com/office/drawing/2014/main" id="{C33753CA-DCB9-D07B-6581-6732F5FD7627}"/>
+              </a:ext>
+            </a:extLst>
+          </p:cNvPr>
           <p:cNvSpPr>
             <a:spLocks noGrp="1"/>
           </p:cNvSpPr>
@@ -4232,7 +4314,7 @@
     </p:spTree>
     <p:extLst>
       <p:ext uri="{BB962C8B-B14F-4D97-AF65-F5344CB8AC3E}">
-        <p14:creationId xmlns:p14="http://schemas.microsoft.com/office/powerpoint/2010/main" val="3330070307"/>
+        <p14:creationId xmlns:p14="http://schemas.microsoft.com/office/powerpoint/2010/main" val="758436255"/>
       </p:ext>
     </p:extLst>
   </p:cSld>
@@ -4261,7 +4343,13 @@
       </p:grpSpPr>
       <p:sp>
         <p:nvSpPr>
-          <p:cNvPr id="2" name="タイトル 1"/>
+          <p:cNvPr id="2" name="タイトル 1">
+            <a:extLst>
+              <a:ext uri="{FF2B5EF4-FFF2-40B4-BE49-F238E27FC236}">
+                <a16:creationId xmlns:a16="http://schemas.microsoft.com/office/drawing/2014/main" id="{D649123D-567E-0A01-9EBF-C861FF478742}"/>
+              </a:ext>
+            </a:extLst>
+          </p:cNvPr>
           <p:cNvSpPr>
             <a:spLocks noGrp="1"/>
           </p:cNvSpPr>
@@ -4269,14 +4357,15 @@
             <p:ph type="title"/>
           </p:nvPr>
         </p:nvSpPr>
-        <p:spPr/>
+        <p:spPr>
+          <a:xfrm>
+            <a:off x="629841" y="365126"/>
+            <a:ext cx="7886700" cy="1325563"/>
+          </a:xfrm>
+        </p:spPr>
         <p:txBody>
           <a:bodyPr/>
-          <a:lstStyle>
-            <a:lvl1pPr>
-              <a:defRPr/>
-            </a:lvl1pPr>
-          </a:lstStyle>
+          <a:lstStyle/>
           <a:p>
             <a:r>
               <a:rPr kumimoji="1" lang="ja-JP" altLang="en-US"/>
@@ -4287,7 +4376,13 @@
       </p:sp>
       <p:sp>
         <p:nvSpPr>
-          <p:cNvPr id="3" name="テキスト プレースホルダー 2"/>
+          <p:cNvPr id="3" name="テキスト プレースホルダー 2">
+            <a:extLst>
+              <a:ext uri="{FF2B5EF4-FFF2-40B4-BE49-F238E27FC236}">
+                <a16:creationId xmlns:a16="http://schemas.microsoft.com/office/drawing/2014/main" id="{C54E641F-027F-C202-6E5E-DE84B255785E}"/>
+              </a:ext>
+            </a:extLst>
+          </p:cNvPr>
           <p:cNvSpPr>
             <a:spLocks noGrp="1"/>
           </p:cNvSpPr>
@@ -4297,8 +4392,8 @@
         </p:nvSpPr>
         <p:spPr>
           <a:xfrm>
-            <a:off x="457200" y="1535113"/>
-            <a:ext cx="4040188" cy="639762"/>
+            <a:off x="629842" y="1681163"/>
+            <a:ext cx="3868340" cy="823912"/>
           </a:xfrm>
         </p:spPr>
         <p:txBody>
@@ -4306,39 +4401,39 @@
           <a:lstStyle>
             <a:lvl1pPr marL="0" indent="0">
               <a:buNone/>
-              <a:defRPr sz="2400" b="1"/>
+              <a:defRPr sz="1800" b="1"/>
             </a:lvl1pPr>
-            <a:lvl2pPr marL="457200" indent="0">
+            <a:lvl2pPr marL="342900" indent="0">
               <a:buNone/>
-              <a:defRPr sz="2000" b="1"/>
+              <a:defRPr sz="1500" b="1"/>
             </a:lvl2pPr>
-            <a:lvl3pPr marL="914400" indent="0">
+            <a:lvl3pPr marL="685800" indent="0">
               <a:buNone/>
-              <a:defRPr sz="1800" b="1"/>
+              <a:defRPr sz="1350" b="1"/>
             </a:lvl3pPr>
-            <a:lvl4pPr marL="1371600" indent="0">
+            <a:lvl4pPr marL="1028700" indent="0">
               <a:buNone/>
-              <a:defRPr sz="1600" b="1"/>
+              <a:defRPr sz="1200" b="1"/>
             </a:lvl4pPr>
-            <a:lvl5pPr marL="1828800" indent="0">
+            <a:lvl5pPr marL="1371600" indent="0">
               <a:buNone/>
-              <a:defRPr sz="1600" b="1"/>
+              <a:defRPr sz="1200" b="1"/>
             </a:lvl5pPr>
-            <a:lvl6pPr marL="2286000" indent="0">
+            <a:lvl6pPr marL="1714500" indent="0">
               <a:buNone/>
-              <a:defRPr sz="1600" b="1"/>
+              <a:defRPr sz="1200" b="1"/>
             </a:lvl6pPr>
-            <a:lvl7pPr marL="2743200" indent="0">
+            <a:lvl7pPr marL="2057400" indent="0">
               <a:buNone/>
-              <a:defRPr sz="1600" b="1"/>
+              <a:defRPr sz="1200" b="1"/>
             </a:lvl7pPr>
-            <a:lvl8pPr marL="3200400" indent="0">
+            <a:lvl8pPr marL="2400300" indent="0">
               <a:buNone/>
-              <a:defRPr sz="1600" b="1"/>
+              <a:defRPr sz="1200" b="1"/>
             </a:lvl8pPr>
-            <a:lvl9pPr marL="3657600" indent="0">
+            <a:lvl9pPr marL="2743200" indent="0">
               <a:buNone/>
-              <a:defRPr sz="1600" b="1"/>
+              <a:defRPr sz="1200" b="1"/>
             </a:lvl9pPr>
           </a:lstStyle>
           <a:p>
@@ -4352,7 +4447,13 @@
       </p:sp>
       <p:sp>
         <p:nvSpPr>
-          <p:cNvPr id="4" name="コンテンツ プレースホルダー 3"/>
+          <p:cNvPr id="4" name="コンテンツ プレースホルダー 3">
+            <a:extLst>
+              <a:ext uri="{FF2B5EF4-FFF2-40B4-BE49-F238E27FC236}">
+                <a16:creationId xmlns:a16="http://schemas.microsoft.com/office/drawing/2014/main" id="{72FCDCA7-2B97-5541-CA80-30C5C0AE9593}"/>
+              </a:ext>
+            </a:extLst>
+          </p:cNvPr>
           <p:cNvSpPr>
             <a:spLocks noGrp="1"/>
           </p:cNvSpPr>
@@ -4362,41 +4463,13 @@
         </p:nvSpPr>
         <p:spPr>
           <a:xfrm>
-            <a:off x="457200" y="2174875"/>
-            <a:ext cx="4040188" cy="3951288"/>
+            <a:off x="629842" y="2505075"/>
+            <a:ext cx="3868340" cy="3684588"/>
           </a:xfrm>
         </p:spPr>
         <p:txBody>
           <a:bodyPr/>
-          <a:lstStyle>
-            <a:lvl1pPr>
-              <a:defRPr sz="2400"/>
-            </a:lvl1pPr>
-            <a:lvl2pPr>
-              <a:defRPr sz="2000"/>
-            </a:lvl2pPr>
-            <a:lvl3pPr>
-              <a:defRPr sz="1800"/>
-            </a:lvl3pPr>
-            <a:lvl4pPr>
-              <a:defRPr sz="1600"/>
-            </a:lvl4pPr>
-            <a:lvl5pPr>
-              <a:defRPr sz="1600"/>
-            </a:lvl5pPr>
-            <a:lvl6pPr>
-              <a:defRPr sz="1600"/>
-            </a:lvl6pPr>
-            <a:lvl7pPr>
-              <a:defRPr sz="1600"/>
-            </a:lvl7pPr>
-            <a:lvl8pPr>
-              <a:defRPr sz="1600"/>
-            </a:lvl8pPr>
-            <a:lvl9pPr>
-              <a:defRPr sz="1600"/>
-            </a:lvl9pPr>
-          </a:lstStyle>
+          <a:lstStyle/>
           <a:p>
             <a:pPr lvl="0"/>
             <a:r>
@@ -4468,7 +4541,13 @@
       </p:sp>
       <p:sp>
         <p:nvSpPr>
-          <p:cNvPr id="5" name="テキスト プレースホルダー 4"/>
+          <p:cNvPr id="5" name="テキスト プレースホルダー 4">
+            <a:extLst>
+              <a:ext uri="{FF2B5EF4-FFF2-40B4-BE49-F238E27FC236}">
+                <a16:creationId xmlns:a16="http://schemas.microsoft.com/office/drawing/2014/main" id="{67F156D2-2983-DE14-7346-92E375DF9C95}"/>
+              </a:ext>
+            </a:extLst>
+          </p:cNvPr>
           <p:cNvSpPr>
             <a:spLocks noGrp="1"/>
           </p:cNvSpPr>
@@ -4478,8 +4557,8 @@
         </p:nvSpPr>
         <p:spPr>
           <a:xfrm>
-            <a:off x="4645025" y="1535113"/>
-            <a:ext cx="4041775" cy="639762"/>
+            <a:off x="4629150" y="1681163"/>
+            <a:ext cx="3887391" cy="823912"/>
           </a:xfrm>
         </p:spPr>
         <p:txBody>
@@ -4487,39 +4566,39 @@
           <a:lstStyle>
             <a:lvl1pPr marL="0" indent="0">
               <a:buNone/>
-              <a:defRPr sz="2400" b="1"/>
+              <a:defRPr sz="1800" b="1"/>
             </a:lvl1pPr>
-            <a:lvl2pPr marL="457200" indent="0">
+            <a:lvl2pPr marL="342900" indent="0">
               <a:buNone/>
-              <a:defRPr sz="2000" b="1"/>
+              <a:defRPr sz="1500" b="1"/>
             </a:lvl2pPr>
-            <a:lvl3pPr marL="914400" indent="0">
+            <a:lvl3pPr marL="685800" indent="0">
               <a:buNone/>
-              <a:defRPr sz="1800" b="1"/>
+              <a:defRPr sz="1350" b="1"/>
             </a:lvl3pPr>
-            <a:lvl4pPr marL="1371600" indent="0">
+            <a:lvl4pPr marL="1028700" indent="0">
               <a:buNone/>
-              <a:defRPr sz="1600" b="1"/>
+              <a:defRPr sz="1200" b="1"/>
             </a:lvl4pPr>
-            <a:lvl5pPr marL="1828800" indent="0">
+            <a:lvl5pPr marL="1371600" indent="0">
               <a:buNone/>
-              <a:defRPr sz="1600" b="1"/>
+              <a:defRPr sz="1200" b="1"/>
             </a:lvl5pPr>
-            <a:lvl6pPr marL="2286000" indent="0">
+            <a:lvl6pPr marL="1714500" indent="0">
               <a:buNone/>
-              <a:defRPr sz="1600" b="1"/>
+              <a:defRPr sz="1200" b="1"/>
             </a:lvl6pPr>
-            <a:lvl7pPr marL="2743200" indent="0">
+            <a:lvl7pPr marL="2057400" indent="0">
               <a:buNone/>
-              <a:defRPr sz="1600" b="1"/>
+              <a:defRPr sz="1200" b="1"/>
             </a:lvl7pPr>
-            <a:lvl8pPr marL="3200400" indent="0">
+            <a:lvl8pPr marL="2400300" indent="0">
               <a:buNone/>
-              <a:defRPr sz="1600" b="1"/>
+              <a:defRPr sz="1200" b="1"/>
             </a:lvl8pPr>
-            <a:lvl9pPr marL="3657600" indent="0">
+            <a:lvl9pPr marL="2743200" indent="0">
               <a:buNone/>
-              <a:defRPr sz="1600" b="1"/>
+              <a:defRPr sz="1200" b="1"/>
             </a:lvl9pPr>
           </a:lstStyle>
           <a:p>
@@ -4533,7 +4612,13 @@
       </p:sp>
       <p:sp>
         <p:nvSpPr>
-          <p:cNvPr id="6" name="コンテンツ プレースホルダー 5"/>
+          <p:cNvPr id="6" name="コンテンツ プレースホルダー 5">
+            <a:extLst>
+              <a:ext uri="{FF2B5EF4-FFF2-40B4-BE49-F238E27FC236}">
+                <a16:creationId xmlns:a16="http://schemas.microsoft.com/office/drawing/2014/main" id="{A1019608-19A6-7740-00DB-B3105CFCDD89}"/>
+              </a:ext>
+            </a:extLst>
+          </p:cNvPr>
           <p:cNvSpPr>
             <a:spLocks noGrp="1"/>
           </p:cNvSpPr>
@@ -4543,41 +4628,13 @@
         </p:nvSpPr>
         <p:spPr>
           <a:xfrm>
-            <a:off x="4645025" y="2174875"/>
-            <a:ext cx="4041775" cy="3951288"/>
+            <a:off x="4629150" y="2505075"/>
+            <a:ext cx="3887391" cy="3684588"/>
           </a:xfrm>
         </p:spPr>
         <p:txBody>
           <a:bodyPr/>
-          <a:lstStyle>
-            <a:lvl1pPr>
-              <a:defRPr sz="2400"/>
-            </a:lvl1pPr>
-            <a:lvl2pPr>
-              <a:defRPr sz="2000"/>
-            </a:lvl2pPr>
-            <a:lvl3pPr>
-              <a:defRPr sz="1800"/>
-            </a:lvl3pPr>
-            <a:lvl4pPr>
-              <a:defRPr sz="1600"/>
-            </a:lvl4pPr>
-            <a:lvl5pPr>
-              <a:defRPr sz="1600"/>
-            </a:lvl5pPr>
-            <a:lvl6pPr>
-              <a:defRPr sz="1600"/>
-            </a:lvl6pPr>
-            <a:lvl7pPr>
-              <a:defRPr sz="1600"/>
-            </a:lvl7pPr>
-            <a:lvl8pPr>
-              <a:defRPr sz="1600"/>
-            </a:lvl8pPr>
-            <a:lvl9pPr>
-              <a:defRPr sz="1600"/>
-            </a:lvl9pPr>
-          </a:lstStyle>
+          <a:lstStyle/>
           <a:p>
             <a:pPr lvl="0"/>
             <a:r>
@@ -4649,7 +4706,13 @@
       </p:sp>
       <p:sp>
         <p:nvSpPr>
-          <p:cNvPr id="7" name="日付プレースホルダー 6"/>
+          <p:cNvPr id="7" name="日付プレースホルダー 6">
+            <a:extLst>
+              <a:ext uri="{FF2B5EF4-FFF2-40B4-BE49-F238E27FC236}">
+                <a16:creationId xmlns:a16="http://schemas.microsoft.com/office/drawing/2014/main" id="{63A244D5-5A64-3DB8-529B-57E1B806EFA1}"/>
+              </a:ext>
+            </a:extLst>
+          </p:cNvPr>
           <p:cNvSpPr>
             <a:spLocks noGrp="1"/>
           </p:cNvSpPr>
@@ -4665,7 +4728,7 @@
             <a:fld id="{7C487D4C-40C5-A840-B7BB-DC35E4823E0E}" type="datetimeFigureOut">
               <a:rPr kumimoji="1" lang="ja-JP" altLang="en-US" smtClean="0"/>
               <a:pPr/>
-              <a:t>2024/2/14</a:t>
+              <a:t>2024/2/15</a:t>
             </a:fld>
             <a:endParaRPr kumimoji="1" lang="ja-JP" altLang="en-US"/>
           </a:p>
@@ -4673,7 +4736,13 @@
       </p:sp>
       <p:sp>
         <p:nvSpPr>
-          <p:cNvPr id="8" name="フッター プレースホルダー 7"/>
+          <p:cNvPr id="8" name="フッター プレースホルダー 7">
+            <a:extLst>
+              <a:ext uri="{FF2B5EF4-FFF2-40B4-BE49-F238E27FC236}">
+                <a16:creationId xmlns:a16="http://schemas.microsoft.com/office/drawing/2014/main" id="{A5756F3D-A2F9-56AB-7E9A-DA25F60AF108}"/>
+              </a:ext>
+            </a:extLst>
+          </p:cNvPr>
           <p:cNvSpPr>
             <a:spLocks noGrp="1"/>
           </p:cNvSpPr>
@@ -4692,7 +4761,13 @@
       </p:sp>
       <p:sp>
         <p:nvSpPr>
-          <p:cNvPr id="9" name="スライド番号プレースホルダー 8"/>
+          <p:cNvPr id="9" name="スライド番号プレースホルダー 8">
+            <a:extLst>
+              <a:ext uri="{FF2B5EF4-FFF2-40B4-BE49-F238E27FC236}">
+                <a16:creationId xmlns:a16="http://schemas.microsoft.com/office/drawing/2014/main" id="{84C79461-2240-10C3-CA2D-3873DD71AD03}"/>
+              </a:ext>
+            </a:extLst>
+          </p:cNvPr>
           <p:cNvSpPr>
             <a:spLocks noGrp="1"/>
           </p:cNvSpPr>
@@ -4717,7 +4792,7 @@
     </p:spTree>
     <p:extLst>
       <p:ext uri="{BB962C8B-B14F-4D97-AF65-F5344CB8AC3E}">
-        <p14:creationId xmlns:p14="http://schemas.microsoft.com/office/powerpoint/2010/main" val="3113683282"/>
+        <p14:creationId xmlns:p14="http://schemas.microsoft.com/office/powerpoint/2010/main" val="3708601738"/>
       </p:ext>
     </p:extLst>
   </p:cSld>
@@ -4746,7 +4821,13 @@
       </p:grpSpPr>
       <p:sp>
         <p:nvSpPr>
-          <p:cNvPr id="2" name="タイトル 1"/>
+          <p:cNvPr id="2" name="タイトル 1">
+            <a:extLst>
+              <a:ext uri="{FF2B5EF4-FFF2-40B4-BE49-F238E27FC236}">
+                <a16:creationId xmlns:a16="http://schemas.microsoft.com/office/drawing/2014/main" id="{591766D2-43E5-F9F4-87DA-07675EED1557}"/>
+              </a:ext>
+            </a:extLst>
+          </p:cNvPr>
           <p:cNvSpPr>
             <a:spLocks noGrp="1"/>
           </p:cNvSpPr>
@@ -4768,7 +4849,13 @@
       </p:sp>
       <p:sp>
         <p:nvSpPr>
-          <p:cNvPr id="3" name="日付プレースホルダー 2"/>
+          <p:cNvPr id="3" name="日付プレースホルダー 2">
+            <a:extLst>
+              <a:ext uri="{FF2B5EF4-FFF2-40B4-BE49-F238E27FC236}">
+                <a16:creationId xmlns:a16="http://schemas.microsoft.com/office/drawing/2014/main" id="{6826ED82-BFF5-B8A0-0248-C9EF40ECCB32}"/>
+              </a:ext>
+            </a:extLst>
+          </p:cNvPr>
           <p:cNvSpPr>
             <a:spLocks noGrp="1"/>
           </p:cNvSpPr>
@@ -4784,7 +4871,7 @@
             <a:fld id="{7C487D4C-40C5-A840-B7BB-DC35E4823E0E}" type="datetimeFigureOut">
               <a:rPr kumimoji="1" lang="ja-JP" altLang="en-US" smtClean="0"/>
               <a:pPr/>
-              <a:t>2024/2/14</a:t>
+              <a:t>2024/2/15</a:t>
             </a:fld>
             <a:endParaRPr kumimoji="1" lang="ja-JP" altLang="en-US"/>
           </a:p>
@@ -4792,7 +4879,13 @@
       </p:sp>
       <p:sp>
         <p:nvSpPr>
-          <p:cNvPr id="4" name="フッター プレースホルダー 3"/>
+          <p:cNvPr id="4" name="フッター プレースホルダー 3">
+            <a:extLst>
+              <a:ext uri="{FF2B5EF4-FFF2-40B4-BE49-F238E27FC236}">
+                <a16:creationId xmlns:a16="http://schemas.microsoft.com/office/drawing/2014/main" id="{CD55F086-4D17-A8A7-07D0-54CBD647F7AA}"/>
+              </a:ext>
+            </a:extLst>
+          </p:cNvPr>
           <p:cNvSpPr>
             <a:spLocks noGrp="1"/>
           </p:cNvSpPr>
@@ -4811,7 +4904,13 @@
       </p:sp>
       <p:sp>
         <p:nvSpPr>
-          <p:cNvPr id="5" name="スライド番号プレースホルダー 4"/>
+          <p:cNvPr id="5" name="スライド番号プレースホルダー 4">
+            <a:extLst>
+              <a:ext uri="{FF2B5EF4-FFF2-40B4-BE49-F238E27FC236}">
+                <a16:creationId xmlns:a16="http://schemas.microsoft.com/office/drawing/2014/main" id="{4BF512E7-9582-3F0F-93A6-C5395D334811}"/>
+              </a:ext>
+            </a:extLst>
+          </p:cNvPr>
           <p:cNvSpPr>
             <a:spLocks noGrp="1"/>
           </p:cNvSpPr>
@@ -4836,7 +4935,7 @@
     </p:spTree>
     <p:extLst>
       <p:ext uri="{BB962C8B-B14F-4D97-AF65-F5344CB8AC3E}">
-        <p14:creationId xmlns:p14="http://schemas.microsoft.com/office/powerpoint/2010/main" val="470688031"/>
+        <p14:creationId xmlns:p14="http://schemas.microsoft.com/office/powerpoint/2010/main" val="1355298179"/>
       </p:ext>
     </p:extLst>
   </p:cSld>
@@ -4865,7 +4964,13 @@
       </p:grpSpPr>
       <p:sp>
         <p:nvSpPr>
-          <p:cNvPr id="2" name="日付プレースホルダー 1"/>
+          <p:cNvPr id="2" name="日付プレースホルダー 1">
+            <a:extLst>
+              <a:ext uri="{FF2B5EF4-FFF2-40B4-BE49-F238E27FC236}">
+                <a16:creationId xmlns:a16="http://schemas.microsoft.com/office/drawing/2014/main" id="{DA6AFF93-5D90-E0B6-FEDC-DAA2405BD0AA}"/>
+              </a:ext>
+            </a:extLst>
+          </p:cNvPr>
           <p:cNvSpPr>
             <a:spLocks noGrp="1"/>
           </p:cNvSpPr>
@@ -4881,7 +4986,7 @@
             <a:fld id="{D0604C82-F11D-4FF3-8197-129AFFCF8FE1}" type="datetime1">
               <a:rPr kumimoji="1" lang="ja-JP" altLang="en-US" smtClean="0"/>
               <a:pPr/>
-              <a:t>2024/2/14</a:t>
+              <a:t>2024/2/15</a:t>
             </a:fld>
             <a:endParaRPr kumimoji="1" lang="ja-JP" altLang="en-US"/>
           </a:p>
@@ -4889,7 +4994,13 @@
       </p:sp>
       <p:sp>
         <p:nvSpPr>
-          <p:cNvPr id="3" name="フッター プレースホルダー 2"/>
+          <p:cNvPr id="3" name="フッター プレースホルダー 2">
+            <a:extLst>
+              <a:ext uri="{FF2B5EF4-FFF2-40B4-BE49-F238E27FC236}">
+                <a16:creationId xmlns:a16="http://schemas.microsoft.com/office/drawing/2014/main" id="{2BC0C6AC-7F5F-CE88-1ED0-EAB4FF2FA487}"/>
+              </a:ext>
+            </a:extLst>
+          </p:cNvPr>
           <p:cNvSpPr>
             <a:spLocks noGrp="1"/>
           </p:cNvSpPr>
@@ -4908,7 +5019,13 @@
       </p:sp>
       <p:sp>
         <p:nvSpPr>
-          <p:cNvPr id="4" name="スライド番号プレースホルダー 3"/>
+          <p:cNvPr id="4" name="スライド番号プレースホルダー 3">
+            <a:extLst>
+              <a:ext uri="{FF2B5EF4-FFF2-40B4-BE49-F238E27FC236}">
+                <a16:creationId xmlns:a16="http://schemas.microsoft.com/office/drawing/2014/main" id="{8F5BB950-A670-7AC7-30D5-F92EFC909B35}"/>
+              </a:ext>
+            </a:extLst>
+          </p:cNvPr>
           <p:cNvSpPr>
             <a:spLocks noGrp="1"/>
           </p:cNvSpPr>
@@ -4932,7 +5049,13 @@
       </p:sp>
       <p:pic>
         <p:nvPicPr>
-          <p:cNvPr id="5" name="図 4" descr="NSCS_A_1201下.jpg"/>
+          <p:cNvPr id="5" name="図 4" descr="NSCS_A_1201下.jpg">
+            <a:extLst>
+              <a:ext uri="{FF2B5EF4-FFF2-40B4-BE49-F238E27FC236}">
+                <a16:creationId xmlns:a16="http://schemas.microsoft.com/office/drawing/2014/main" id="{A941B312-37CC-A0AB-0194-9BB847A44024}"/>
+              </a:ext>
+            </a:extLst>
+          </p:cNvPr>
           <p:cNvPicPr>
             <a:picLocks noChangeAspect="1"/>
           </p:cNvPicPr>
@@ -4962,7 +5085,13 @@
       </p:pic>
       <p:pic>
         <p:nvPicPr>
-          <p:cNvPr id="6" name="図 5" descr="NSCS_B_1201.jpg"/>
+          <p:cNvPr id="6" name="図 5" descr="NSCS_B_1201.jpg">
+            <a:extLst>
+              <a:ext uri="{FF2B5EF4-FFF2-40B4-BE49-F238E27FC236}">
+                <a16:creationId xmlns:a16="http://schemas.microsoft.com/office/drawing/2014/main" id="{AD78A751-50CA-2FA4-11BA-91C3AC2008AD}"/>
+              </a:ext>
+            </a:extLst>
+          </p:cNvPr>
           <p:cNvPicPr>
             <a:picLocks noChangeAspect="1"/>
           </p:cNvPicPr>
@@ -4993,7 +5122,7 @@
     </p:spTree>
     <p:extLst>
       <p:ext uri="{BB962C8B-B14F-4D97-AF65-F5344CB8AC3E}">
-        <p14:creationId xmlns:p14="http://schemas.microsoft.com/office/powerpoint/2010/main" val="2813130639"/>
+        <p14:creationId xmlns:p14="http://schemas.microsoft.com/office/powerpoint/2010/main" val="1237982828"/>
       </p:ext>
     </p:extLst>
   </p:cSld>
@@ -5006,7 +5135,7 @@
 
 <file path=ppt/slideLayouts/slideLayout8.xml><?xml version="1.0" encoding="utf-8"?>
 <p:sldLayout xmlns:a="http://schemas.openxmlformats.org/drawingml/2006/main" xmlns:r="http://schemas.openxmlformats.org/officeDocument/2006/relationships" xmlns:p="http://schemas.openxmlformats.org/presentationml/2006/main" type="objTx" preserve="1">
-  <p:cSld name="タイトル付きの&#10;コンテンツ">
+  <p:cSld name="タイトル付きのコンテンツ">
     <p:spTree>
       <p:nvGrpSpPr>
         <p:cNvPr id="1" name=""/>
@@ -5023,7 +5152,13 @@
       </p:grpSpPr>
       <p:sp>
         <p:nvSpPr>
-          <p:cNvPr id="2" name="タイトル 1"/>
+          <p:cNvPr id="2" name="タイトル 1">
+            <a:extLst>
+              <a:ext uri="{FF2B5EF4-FFF2-40B4-BE49-F238E27FC236}">
+                <a16:creationId xmlns:a16="http://schemas.microsoft.com/office/drawing/2014/main" id="{6FD37B8B-61FA-7720-EFA4-EFED221C3A40}"/>
+              </a:ext>
+            </a:extLst>
+          </p:cNvPr>
           <p:cNvSpPr>
             <a:spLocks noGrp="1"/>
           </p:cNvSpPr>
@@ -5033,15 +5168,15 @@
         </p:nvSpPr>
         <p:spPr>
           <a:xfrm>
-            <a:off x="457200" y="273050"/>
-            <a:ext cx="3008313" cy="1162050"/>
+            <a:off x="629841" y="457200"/>
+            <a:ext cx="2949178" cy="1600200"/>
           </a:xfrm>
         </p:spPr>
         <p:txBody>
           <a:bodyPr anchor="b"/>
           <a:lstStyle>
-            <a:lvl1pPr algn="l">
-              <a:defRPr sz="2000" b="1"/>
+            <a:lvl1pPr>
+              <a:defRPr sz="2400"/>
             </a:lvl1pPr>
           </a:lstStyle>
           <a:p>
@@ -5054,7 +5189,13 @@
       </p:sp>
       <p:sp>
         <p:nvSpPr>
-          <p:cNvPr id="3" name="コンテンツ プレースホルダー 2"/>
+          <p:cNvPr id="3" name="コンテンツ プレースホルダー 2">
+            <a:extLst>
+              <a:ext uri="{FF2B5EF4-FFF2-40B4-BE49-F238E27FC236}">
+                <a16:creationId xmlns:a16="http://schemas.microsoft.com/office/drawing/2014/main" id="{4E4A79AC-B09E-62CE-E4CB-B4924195DA6A}"/>
+              </a:ext>
+            </a:extLst>
+          </p:cNvPr>
           <p:cNvSpPr>
             <a:spLocks noGrp="1"/>
           </p:cNvSpPr>
@@ -5064,39 +5205,39 @@
         </p:nvSpPr>
         <p:spPr>
           <a:xfrm>
-            <a:off x="3575050" y="273050"/>
-            <a:ext cx="5111750" cy="5853113"/>
+            <a:off x="3887391" y="987426"/>
+            <a:ext cx="4629150" cy="4873625"/>
           </a:xfrm>
         </p:spPr>
         <p:txBody>
           <a:bodyPr/>
           <a:lstStyle>
             <a:lvl1pPr>
-              <a:defRPr sz="3200"/>
+              <a:defRPr sz="2400"/>
             </a:lvl1pPr>
             <a:lvl2pPr>
-              <a:defRPr sz="2800"/>
+              <a:defRPr sz="2100"/>
             </a:lvl2pPr>
             <a:lvl3pPr>
-              <a:defRPr sz="2400"/>
+              <a:defRPr sz="1800"/>
             </a:lvl3pPr>
             <a:lvl4pPr>
-              <a:defRPr sz="2000"/>
+              <a:defRPr sz="1500"/>
             </a:lvl4pPr>
             <a:lvl5pPr>
-              <a:defRPr sz="2000"/>
+              <a:defRPr sz="1500"/>
             </a:lvl5pPr>
             <a:lvl6pPr>
-              <a:defRPr sz="2000"/>
+              <a:defRPr sz="1500"/>
             </a:lvl6pPr>
             <a:lvl7pPr>
-              <a:defRPr sz="2000"/>
+              <a:defRPr sz="1500"/>
             </a:lvl7pPr>
             <a:lvl8pPr>
-              <a:defRPr sz="2000"/>
+              <a:defRPr sz="1500"/>
             </a:lvl8pPr>
             <a:lvl9pPr>
-              <a:defRPr sz="2000"/>
+              <a:defRPr sz="1500"/>
             </a:lvl9pPr>
           </a:lstStyle>
           <a:p>
@@ -5170,7 +5311,13 @@
       </p:sp>
       <p:sp>
         <p:nvSpPr>
-          <p:cNvPr id="4" name="テキスト プレースホルダー 3"/>
+          <p:cNvPr id="4" name="テキスト プレースホルダー 3">
+            <a:extLst>
+              <a:ext uri="{FF2B5EF4-FFF2-40B4-BE49-F238E27FC236}">
+                <a16:creationId xmlns:a16="http://schemas.microsoft.com/office/drawing/2014/main" id="{988F54DA-22FF-34E5-BE78-549D9E06FEC8}"/>
+              </a:ext>
+            </a:extLst>
+          </p:cNvPr>
           <p:cNvSpPr>
             <a:spLocks noGrp="1"/>
           </p:cNvSpPr>
@@ -5180,8 +5327,8 @@
         </p:nvSpPr>
         <p:spPr>
           <a:xfrm>
-            <a:off x="457200" y="1435100"/>
-            <a:ext cx="3008313" cy="4691063"/>
+            <a:off x="629841" y="2057400"/>
+            <a:ext cx="2949178" cy="3811588"/>
           </a:xfrm>
         </p:spPr>
         <p:txBody>
@@ -5189,39 +5336,39 @@
           <a:lstStyle>
             <a:lvl1pPr marL="0" indent="0">
               <a:buNone/>
-              <a:defRPr sz="1400"/>
+              <a:defRPr sz="1200"/>
             </a:lvl1pPr>
-            <a:lvl2pPr marL="457200" indent="0">
+            <a:lvl2pPr marL="342900" indent="0">
               <a:buNone/>
-              <a:defRPr sz="1200"/>
+              <a:defRPr sz="1050"/>
             </a:lvl2pPr>
-            <a:lvl3pPr marL="914400" indent="0">
-              <a:buNone/>
-              <a:defRPr sz="1000"/>
-            </a:lvl3pPr>
-            <a:lvl4pPr marL="1371600" indent="0">
+            <a:lvl3pPr marL="685800" indent="0">
               <a:buNone/>
               <a:defRPr sz="900"/>
+            </a:lvl3pPr>
+            <a:lvl4pPr marL="1028700" indent="0">
+              <a:buNone/>
+              <a:defRPr sz="750"/>
             </a:lvl4pPr>
-            <a:lvl5pPr marL="1828800" indent="0">
+            <a:lvl5pPr marL="1371600" indent="0">
               <a:buNone/>
-              <a:defRPr sz="900"/>
+              <a:defRPr sz="750"/>
             </a:lvl5pPr>
-            <a:lvl6pPr marL="2286000" indent="0">
+            <a:lvl6pPr marL="1714500" indent="0">
               <a:buNone/>
-              <a:defRPr sz="900"/>
+              <a:defRPr sz="750"/>
             </a:lvl6pPr>
-            <a:lvl7pPr marL="2743200" indent="0">
+            <a:lvl7pPr marL="2057400" indent="0">
               <a:buNone/>
-              <a:defRPr sz="900"/>
+              <a:defRPr sz="750"/>
             </a:lvl7pPr>
-            <a:lvl8pPr marL="3200400" indent="0">
+            <a:lvl8pPr marL="2400300" indent="0">
               <a:buNone/>
-              <a:defRPr sz="900"/>
+              <a:defRPr sz="750"/>
             </a:lvl8pPr>
-            <a:lvl9pPr marL="3657600" indent="0">
+            <a:lvl9pPr marL="2743200" indent="0">
               <a:buNone/>
-              <a:defRPr sz="900"/>
+              <a:defRPr sz="750"/>
             </a:lvl9pPr>
           </a:lstStyle>
           <a:p>
@@ -5235,7 +5382,13 @@
       </p:sp>
       <p:sp>
         <p:nvSpPr>
-          <p:cNvPr id="5" name="日付プレースホルダー 4"/>
+          <p:cNvPr id="5" name="日付プレースホルダー 4">
+            <a:extLst>
+              <a:ext uri="{FF2B5EF4-FFF2-40B4-BE49-F238E27FC236}">
+                <a16:creationId xmlns:a16="http://schemas.microsoft.com/office/drawing/2014/main" id="{D8BF1DC5-9656-CC76-BB65-C9089E81194C}"/>
+              </a:ext>
+            </a:extLst>
+          </p:cNvPr>
           <p:cNvSpPr>
             <a:spLocks noGrp="1"/>
           </p:cNvSpPr>
@@ -5251,7 +5404,7 @@
             <a:fld id="{7C487D4C-40C5-A840-B7BB-DC35E4823E0E}" type="datetimeFigureOut">
               <a:rPr kumimoji="1" lang="ja-JP" altLang="en-US" smtClean="0"/>
               <a:pPr/>
-              <a:t>2024/2/14</a:t>
+              <a:t>2024/2/15</a:t>
             </a:fld>
             <a:endParaRPr kumimoji="1" lang="ja-JP" altLang="en-US"/>
           </a:p>
@@ -5259,7 +5412,13 @@
       </p:sp>
       <p:sp>
         <p:nvSpPr>
-          <p:cNvPr id="6" name="フッター プレースホルダー 5"/>
+          <p:cNvPr id="6" name="フッター プレースホルダー 5">
+            <a:extLst>
+              <a:ext uri="{FF2B5EF4-FFF2-40B4-BE49-F238E27FC236}">
+                <a16:creationId xmlns:a16="http://schemas.microsoft.com/office/drawing/2014/main" id="{1CFEB777-1B2D-EB6D-79B7-0DA585EAAC98}"/>
+              </a:ext>
+            </a:extLst>
+          </p:cNvPr>
           <p:cNvSpPr>
             <a:spLocks noGrp="1"/>
           </p:cNvSpPr>
@@ -5278,7 +5437,13 @@
       </p:sp>
       <p:sp>
         <p:nvSpPr>
-          <p:cNvPr id="7" name="スライド番号プレースホルダー 6"/>
+          <p:cNvPr id="7" name="スライド番号プレースホルダー 6">
+            <a:extLst>
+              <a:ext uri="{FF2B5EF4-FFF2-40B4-BE49-F238E27FC236}">
+                <a16:creationId xmlns:a16="http://schemas.microsoft.com/office/drawing/2014/main" id="{DD62AD5A-6BF4-63C8-F14E-A502DF4AA627}"/>
+              </a:ext>
+            </a:extLst>
+          </p:cNvPr>
           <p:cNvSpPr>
             <a:spLocks noGrp="1"/>
           </p:cNvSpPr>
@@ -5303,7 +5468,7 @@
     </p:spTree>
     <p:extLst>
       <p:ext uri="{BB962C8B-B14F-4D97-AF65-F5344CB8AC3E}">
-        <p14:creationId xmlns:p14="http://schemas.microsoft.com/office/powerpoint/2010/main" val="474526606"/>
+        <p14:creationId xmlns:p14="http://schemas.microsoft.com/office/powerpoint/2010/main" val="143637520"/>
       </p:ext>
     </p:extLst>
   </p:cSld>
@@ -5332,7 +5497,13 @@
       </p:grpSpPr>
       <p:sp>
         <p:nvSpPr>
-          <p:cNvPr id="2" name="タイトル 1"/>
+          <p:cNvPr id="2" name="タイトル 1">
+            <a:extLst>
+              <a:ext uri="{FF2B5EF4-FFF2-40B4-BE49-F238E27FC236}">
+                <a16:creationId xmlns:a16="http://schemas.microsoft.com/office/drawing/2014/main" id="{4A814507-BCBD-577D-4F0B-78E786C6C938}"/>
+              </a:ext>
+            </a:extLst>
+          </p:cNvPr>
           <p:cNvSpPr>
             <a:spLocks noGrp="1"/>
           </p:cNvSpPr>
@@ -5342,15 +5513,15 @@
         </p:nvSpPr>
         <p:spPr>
           <a:xfrm>
-            <a:off x="1792288" y="4800600"/>
-            <a:ext cx="5486400" cy="566738"/>
+            <a:off x="629841" y="457200"/>
+            <a:ext cx="2949178" cy="1600200"/>
           </a:xfrm>
         </p:spPr>
         <p:txBody>
           <a:bodyPr anchor="b"/>
           <a:lstStyle>
-            <a:lvl1pPr algn="l">
-              <a:defRPr sz="2000" b="1"/>
+            <a:lvl1pPr>
+              <a:defRPr sz="2400"/>
             </a:lvl1pPr>
           </a:lstStyle>
           <a:p>
@@ -5363,7 +5534,13 @@
       </p:sp>
       <p:sp>
         <p:nvSpPr>
-          <p:cNvPr id="3" name="図プレースホルダー 2"/>
+          <p:cNvPr id="3" name="図プレースホルダー 2">
+            <a:extLst>
+              <a:ext uri="{FF2B5EF4-FFF2-40B4-BE49-F238E27FC236}">
+                <a16:creationId xmlns:a16="http://schemas.microsoft.com/office/drawing/2014/main" id="{A4774622-60C4-D03E-CCBE-117F6C58F320}"/>
+              </a:ext>
+            </a:extLst>
+          </p:cNvPr>
           <p:cNvSpPr>
             <a:spLocks noGrp="1"/>
           </p:cNvSpPr>
@@ -5373,8 +5550,8 @@
         </p:nvSpPr>
         <p:spPr>
           <a:xfrm>
-            <a:off x="1792288" y="612775"/>
-            <a:ext cx="5486400" cy="4114800"/>
+            <a:off x="3887391" y="987426"/>
+            <a:ext cx="4629150" cy="4873625"/>
           </a:xfrm>
         </p:spPr>
         <p:txBody>
@@ -5382,39 +5559,39 @@
           <a:lstStyle>
             <a:lvl1pPr marL="0" indent="0">
               <a:buNone/>
-              <a:defRPr sz="3200"/>
+              <a:defRPr sz="2400"/>
             </a:lvl1pPr>
-            <a:lvl2pPr marL="457200" indent="0">
+            <a:lvl2pPr marL="342900" indent="0">
               <a:buNone/>
-              <a:defRPr sz="2800"/>
+              <a:defRPr sz="2100"/>
             </a:lvl2pPr>
-            <a:lvl3pPr marL="914400" indent="0">
+            <a:lvl3pPr marL="685800" indent="0">
               <a:buNone/>
-              <a:defRPr sz="2400"/>
+              <a:defRPr sz="1800"/>
             </a:lvl3pPr>
-            <a:lvl4pPr marL="1371600" indent="0">
+            <a:lvl4pPr marL="1028700" indent="0">
               <a:buNone/>
-              <a:defRPr sz="2000"/>
+              <a:defRPr sz="1500"/>
             </a:lvl4pPr>
-            <a:lvl5pPr marL="1828800" indent="0">
+            <a:lvl5pPr marL="1371600" indent="0">
               <a:buNone/>
-              <a:defRPr sz="2000"/>
+              <a:defRPr sz="1500"/>
             </a:lvl5pPr>
-            <a:lvl6pPr marL="2286000" indent="0">
+            <a:lvl6pPr marL="1714500" indent="0">
               <a:buNone/>
-              <a:defRPr sz="2000"/>
+              <a:defRPr sz="1500"/>
             </a:lvl6pPr>
-            <a:lvl7pPr marL="2743200" indent="0">
+            <a:lvl7pPr marL="2057400" indent="0">
               <a:buNone/>
-              <a:defRPr sz="2000"/>
+              <a:defRPr sz="1500"/>
             </a:lvl7pPr>
-            <a:lvl8pPr marL="3200400" indent="0">
+            <a:lvl8pPr marL="2400300" indent="0">
               <a:buNone/>
-              <a:defRPr sz="2000"/>
+              <a:defRPr sz="1500"/>
             </a:lvl8pPr>
-            <a:lvl9pPr marL="3657600" indent="0">
+            <a:lvl9pPr marL="2743200" indent="0">
               <a:buNone/>
-              <a:defRPr sz="2000"/>
+              <a:defRPr sz="1500"/>
             </a:lvl9pPr>
           </a:lstStyle>
           <a:p>
@@ -5424,7 +5601,13 @@
       </p:sp>
       <p:sp>
         <p:nvSpPr>
-          <p:cNvPr id="4" name="テキスト プレースホルダー 3"/>
+          <p:cNvPr id="4" name="テキスト プレースホルダー 3">
+            <a:extLst>
+              <a:ext uri="{FF2B5EF4-FFF2-40B4-BE49-F238E27FC236}">
+                <a16:creationId xmlns:a16="http://schemas.microsoft.com/office/drawing/2014/main" id="{09D38569-C379-43B2-0AA5-40857C21953E}"/>
+              </a:ext>
+            </a:extLst>
+          </p:cNvPr>
           <p:cNvSpPr>
             <a:spLocks noGrp="1"/>
           </p:cNvSpPr>
@@ -5434,8 +5617,8 @@
         </p:nvSpPr>
         <p:spPr>
           <a:xfrm>
-            <a:off x="1792288" y="5367338"/>
-            <a:ext cx="5486400" cy="804862"/>
+            <a:off x="629841" y="2057400"/>
+            <a:ext cx="2949178" cy="3811588"/>
           </a:xfrm>
         </p:spPr>
         <p:txBody>
@@ -5443,39 +5626,39 @@
           <a:lstStyle>
             <a:lvl1pPr marL="0" indent="0">
               <a:buNone/>
-              <a:defRPr sz="1400"/>
+              <a:defRPr sz="1200"/>
             </a:lvl1pPr>
-            <a:lvl2pPr marL="457200" indent="0">
+            <a:lvl2pPr marL="342900" indent="0">
               <a:buNone/>
-              <a:defRPr sz="1200"/>
+              <a:defRPr sz="1050"/>
             </a:lvl2pPr>
-            <a:lvl3pPr marL="914400" indent="0">
-              <a:buNone/>
-              <a:defRPr sz="1000"/>
-            </a:lvl3pPr>
-            <a:lvl4pPr marL="1371600" indent="0">
+            <a:lvl3pPr marL="685800" indent="0">
               <a:buNone/>
               <a:defRPr sz="900"/>
+            </a:lvl3pPr>
+            <a:lvl4pPr marL="1028700" indent="0">
+              <a:buNone/>
+              <a:defRPr sz="750"/>
             </a:lvl4pPr>
-            <a:lvl5pPr marL="1828800" indent="0">
+            <a:lvl5pPr marL="1371600" indent="0">
               <a:buNone/>
-              <a:defRPr sz="900"/>
+              <a:defRPr sz="750"/>
             </a:lvl5pPr>
-            <a:lvl6pPr marL="2286000" indent="0">
+            <a:lvl6pPr marL="1714500" indent="0">
               <a:buNone/>
-              <a:defRPr sz="900"/>
+              <a:defRPr sz="750"/>
             </a:lvl6pPr>
-            <a:lvl7pPr marL="2743200" indent="0">
+            <a:lvl7pPr marL="2057400" indent="0">
               <a:buNone/>
-              <a:defRPr sz="900"/>
+              <a:defRPr sz="750"/>
             </a:lvl7pPr>
-            <a:lvl8pPr marL="3200400" indent="0">
+            <a:lvl8pPr marL="2400300" indent="0">
               <a:buNone/>
-              <a:defRPr sz="900"/>
+              <a:defRPr sz="750"/>
             </a:lvl8pPr>
-            <a:lvl9pPr marL="3657600" indent="0">
+            <a:lvl9pPr marL="2743200" indent="0">
               <a:buNone/>
-              <a:defRPr sz="900"/>
+              <a:defRPr sz="750"/>
             </a:lvl9pPr>
           </a:lstStyle>
           <a:p>
@@ -5489,7 +5672,13 @@
       </p:sp>
       <p:sp>
         <p:nvSpPr>
-          <p:cNvPr id="5" name="日付プレースホルダー 4"/>
+          <p:cNvPr id="5" name="日付プレースホルダー 4">
+            <a:extLst>
+              <a:ext uri="{FF2B5EF4-FFF2-40B4-BE49-F238E27FC236}">
+                <a16:creationId xmlns:a16="http://schemas.microsoft.com/office/drawing/2014/main" id="{B2AB74B3-4AD9-4129-AB6C-F8EEA9D88863}"/>
+              </a:ext>
+            </a:extLst>
+          </p:cNvPr>
           <p:cNvSpPr>
             <a:spLocks noGrp="1"/>
           </p:cNvSpPr>
@@ -5505,7 +5694,7 @@
             <a:fld id="{7C487D4C-40C5-A840-B7BB-DC35E4823E0E}" type="datetimeFigureOut">
               <a:rPr kumimoji="1" lang="ja-JP" altLang="en-US" smtClean="0"/>
               <a:pPr/>
-              <a:t>2024/2/14</a:t>
+              <a:t>2024/2/15</a:t>
             </a:fld>
             <a:endParaRPr kumimoji="1" lang="ja-JP" altLang="en-US"/>
           </a:p>
@@ -5513,7 +5702,13 @@
       </p:sp>
       <p:sp>
         <p:nvSpPr>
-          <p:cNvPr id="6" name="フッター プレースホルダー 5"/>
+          <p:cNvPr id="6" name="フッター プレースホルダー 5">
+            <a:extLst>
+              <a:ext uri="{FF2B5EF4-FFF2-40B4-BE49-F238E27FC236}">
+                <a16:creationId xmlns:a16="http://schemas.microsoft.com/office/drawing/2014/main" id="{5C9EE73B-496E-E20E-CB38-44A4149A6332}"/>
+              </a:ext>
+            </a:extLst>
+          </p:cNvPr>
           <p:cNvSpPr>
             <a:spLocks noGrp="1"/>
           </p:cNvSpPr>
@@ -5532,7 +5727,13 @@
       </p:sp>
       <p:sp>
         <p:nvSpPr>
-          <p:cNvPr id="7" name="スライド番号プレースホルダー 6"/>
+          <p:cNvPr id="7" name="スライド番号プレースホルダー 6">
+            <a:extLst>
+              <a:ext uri="{FF2B5EF4-FFF2-40B4-BE49-F238E27FC236}">
+                <a16:creationId xmlns:a16="http://schemas.microsoft.com/office/drawing/2014/main" id="{F08BBEC7-43A9-F277-9654-815C98C0CA06}"/>
+              </a:ext>
+            </a:extLst>
+          </p:cNvPr>
           <p:cNvSpPr>
             <a:spLocks noGrp="1"/>
           </p:cNvSpPr>
@@ -5557,7 +5758,7 @@
     </p:spTree>
     <p:extLst>
       <p:ext uri="{BB962C8B-B14F-4D97-AF65-F5344CB8AC3E}">
-        <p14:creationId xmlns:p14="http://schemas.microsoft.com/office/powerpoint/2010/main" val="2029916527"/>
+        <p14:creationId xmlns:p14="http://schemas.microsoft.com/office/powerpoint/2010/main" val="782954919"/>
       </p:ext>
     </p:extLst>
   </p:cSld>
@@ -5591,7 +5792,13 @@
       </p:grpSpPr>
       <p:sp>
         <p:nvSpPr>
-          <p:cNvPr id="2" name="タイトル プレースホルダー 1"/>
+          <p:cNvPr id="2" name="タイトル プレースホルダー 1">
+            <a:extLst>
+              <a:ext uri="{FF2B5EF4-FFF2-40B4-BE49-F238E27FC236}">
+                <a16:creationId xmlns:a16="http://schemas.microsoft.com/office/drawing/2014/main" id="{1BF61E10-0CBC-A68D-29F7-16ECB16051BD}"/>
+              </a:ext>
+            </a:extLst>
+          </p:cNvPr>
           <p:cNvSpPr>
             <a:spLocks noGrp="1"/>
           </p:cNvSpPr>
@@ -5601,8 +5808,8 @@
         </p:nvSpPr>
         <p:spPr>
           <a:xfrm>
-            <a:off x="457200" y="274638"/>
-            <a:ext cx="8229600" cy="1143000"/>
+            <a:off x="628650" y="365126"/>
+            <a:ext cx="7886700" cy="1325563"/>
           </a:xfrm>
           <a:prstGeom prst="rect">
             <a:avLst/>
@@ -5623,7 +5830,13 @@
       </p:sp>
       <p:sp>
         <p:nvSpPr>
-          <p:cNvPr id="3" name="テキスト プレースホルダー 2"/>
+          <p:cNvPr id="3" name="テキスト プレースホルダー 2">
+            <a:extLst>
+              <a:ext uri="{FF2B5EF4-FFF2-40B4-BE49-F238E27FC236}">
+                <a16:creationId xmlns:a16="http://schemas.microsoft.com/office/drawing/2014/main" id="{958B359C-E15D-B192-0B31-710BD52A6397}"/>
+              </a:ext>
+            </a:extLst>
+          </p:cNvPr>
           <p:cNvSpPr>
             <a:spLocks noGrp="1"/>
           </p:cNvSpPr>
@@ -5633,8 +5846,8 @@
         </p:nvSpPr>
         <p:spPr>
           <a:xfrm>
-            <a:off x="457200" y="1600200"/>
-            <a:ext cx="8229600" cy="4525963"/>
+            <a:off x="628650" y="1825625"/>
+            <a:ext cx="7886700" cy="4351338"/>
           </a:xfrm>
           <a:prstGeom prst="rect">
             <a:avLst/>
@@ -5716,7 +5929,13 @@
       </p:sp>
       <p:sp>
         <p:nvSpPr>
-          <p:cNvPr id="4" name="日付プレースホルダー 3"/>
+          <p:cNvPr id="4" name="日付プレースホルダー 3">
+            <a:extLst>
+              <a:ext uri="{FF2B5EF4-FFF2-40B4-BE49-F238E27FC236}">
+                <a16:creationId xmlns:a16="http://schemas.microsoft.com/office/drawing/2014/main" id="{7348BD3B-E733-5613-E9D2-D16EA4B0955A}"/>
+              </a:ext>
+            </a:extLst>
+          </p:cNvPr>
           <p:cNvSpPr>
             <a:spLocks noGrp="1"/>
           </p:cNvSpPr>
@@ -5726,8 +5945,8 @@
         </p:nvSpPr>
         <p:spPr>
           <a:xfrm>
-            <a:off x="457200" y="6356350"/>
-            <a:ext cx="2133600" cy="365125"/>
+            <a:off x="628650" y="6356351"/>
+            <a:ext cx="2057400" cy="365125"/>
           </a:xfrm>
           <a:prstGeom prst="rect">
             <a:avLst/>
@@ -5737,7 +5956,7 @@
           <a:bodyPr vert="horz" lIns="91440" tIns="45720" rIns="91440" bIns="45720" rtlCol="0" anchor="ctr"/>
           <a:lstStyle>
             <a:lvl1pPr algn="l">
-              <a:defRPr sz="1200">
+              <a:defRPr sz="900">
                 <a:solidFill>
                   <a:schemeClr val="tx1">
                     <a:tint val="75000"/>
@@ -5750,7 +5969,7 @@
             <a:fld id="{7C487D4C-40C5-A840-B7BB-DC35E4823E0E}" type="datetimeFigureOut">
               <a:rPr kumimoji="1" lang="ja-JP" altLang="en-US" smtClean="0"/>
               <a:pPr/>
-              <a:t>2024/2/14</a:t>
+              <a:t>2024/2/15</a:t>
             </a:fld>
             <a:endParaRPr kumimoji="1" lang="ja-JP" altLang="en-US"/>
           </a:p>
@@ -5758,7 +5977,13 @@
       </p:sp>
       <p:sp>
         <p:nvSpPr>
-          <p:cNvPr id="5" name="フッター プレースホルダー 4"/>
+          <p:cNvPr id="5" name="フッター プレースホルダー 4">
+            <a:extLst>
+              <a:ext uri="{FF2B5EF4-FFF2-40B4-BE49-F238E27FC236}">
+                <a16:creationId xmlns:a16="http://schemas.microsoft.com/office/drawing/2014/main" id="{CDBBC8B6-660D-3029-738E-0169C4BCDCE6}"/>
+              </a:ext>
+            </a:extLst>
+          </p:cNvPr>
           <p:cNvSpPr>
             <a:spLocks noGrp="1"/>
           </p:cNvSpPr>
@@ -5768,8 +5993,8 @@
         </p:nvSpPr>
         <p:spPr>
           <a:xfrm>
-            <a:off x="3124200" y="6356350"/>
-            <a:ext cx="2895600" cy="365125"/>
+            <a:off x="3028950" y="6356351"/>
+            <a:ext cx="3086100" cy="365125"/>
           </a:xfrm>
           <a:prstGeom prst="rect">
             <a:avLst/>
@@ -5779,7 +6004,7 @@
           <a:bodyPr vert="horz" lIns="91440" tIns="45720" rIns="91440" bIns="45720" rtlCol="0" anchor="ctr"/>
           <a:lstStyle>
             <a:lvl1pPr algn="ctr">
-              <a:defRPr sz="1200">
+              <a:defRPr sz="900">
                 <a:solidFill>
                   <a:schemeClr val="tx1">
                     <a:tint val="75000"/>
@@ -5795,7 +6020,13 @@
       </p:sp>
       <p:sp>
         <p:nvSpPr>
-          <p:cNvPr id="6" name="スライド番号プレースホルダー 5"/>
+          <p:cNvPr id="6" name="スライド番号プレースホルダー 5">
+            <a:extLst>
+              <a:ext uri="{FF2B5EF4-FFF2-40B4-BE49-F238E27FC236}">
+                <a16:creationId xmlns:a16="http://schemas.microsoft.com/office/drawing/2014/main" id="{3974A50C-CCEC-4B4A-2DA9-5D99635F5A8A}"/>
+              </a:ext>
+            </a:extLst>
+          </p:cNvPr>
           <p:cNvSpPr>
             <a:spLocks noGrp="1"/>
           </p:cNvSpPr>
@@ -5805,8 +6036,8 @@
         </p:nvSpPr>
         <p:spPr>
           <a:xfrm>
-            <a:off x="6553200" y="6356350"/>
-            <a:ext cx="2133600" cy="365125"/>
+            <a:off x="6457950" y="6356351"/>
+            <a:ext cx="2057400" cy="365125"/>
           </a:xfrm>
           <a:prstGeom prst="rect">
             <a:avLst/>
@@ -5816,7 +6047,7 @@
           <a:bodyPr vert="horz" lIns="91440" tIns="45720" rIns="91440" bIns="45720" rtlCol="0" anchor="ctr"/>
           <a:lstStyle>
             <a:lvl1pPr algn="r">
-              <a:defRPr sz="1200">
+              <a:defRPr sz="900">
                 <a:solidFill>
                   <a:schemeClr val="tx1">
                     <a:tint val="75000"/>
@@ -5838,33 +6069,36 @@
     </p:spTree>
     <p:extLst>
       <p:ext uri="{BB962C8B-B14F-4D97-AF65-F5344CB8AC3E}">
-        <p14:creationId xmlns:p14="http://schemas.microsoft.com/office/powerpoint/2010/main" val="601954494"/>
+        <p14:creationId xmlns:p14="http://schemas.microsoft.com/office/powerpoint/2010/main" val="3226258297"/>
       </p:ext>
     </p:extLst>
   </p:cSld>
   <p:clrMap bg1="lt1" tx1="dk1" bg2="lt2" tx2="dk2" accent1="accent1" accent2="accent2" accent3="accent3" accent4="accent4" accent5="accent5" accent6="accent6" hlink="hlink" folHlink="folHlink"/>
   <p:sldLayoutIdLst>
-    <p:sldLayoutId id="2147483745" r:id="rId1"/>
-    <p:sldLayoutId id="2147483746" r:id="rId2"/>
-    <p:sldLayoutId id="2147483747" r:id="rId3"/>
-    <p:sldLayoutId id="2147483748" r:id="rId4"/>
-    <p:sldLayoutId id="2147483749" r:id="rId5"/>
-    <p:sldLayoutId id="2147483750" r:id="rId6"/>
-    <p:sldLayoutId id="2147483751" r:id="rId7"/>
-    <p:sldLayoutId id="2147483752" r:id="rId8"/>
-    <p:sldLayoutId id="2147483753" r:id="rId9"/>
-    <p:sldLayoutId id="2147483754" r:id="rId10"/>
-    <p:sldLayoutId id="2147483755" r:id="rId11"/>
+    <p:sldLayoutId id="2147483774" r:id="rId1"/>
+    <p:sldLayoutId id="2147483775" r:id="rId2"/>
+    <p:sldLayoutId id="2147483776" r:id="rId3"/>
+    <p:sldLayoutId id="2147483777" r:id="rId4"/>
+    <p:sldLayoutId id="2147483778" r:id="rId5"/>
+    <p:sldLayoutId id="2147483779" r:id="rId6"/>
+    <p:sldLayoutId id="2147483780" r:id="rId7"/>
+    <p:sldLayoutId id="2147483781" r:id="rId8"/>
+    <p:sldLayoutId id="2147483782" r:id="rId9"/>
+    <p:sldLayoutId id="2147483783" r:id="rId10"/>
+    <p:sldLayoutId id="2147483784" r:id="rId11"/>
     <p:sldLayoutId id="2147483655" r:id="rId12"/>
   </p:sldLayoutIdLst>
   <p:txStyles>
     <p:titleStyle>
-      <a:lvl1pPr algn="ctr" defTabSz="914400" rtl="0" eaLnBrk="1" latinLnBrk="0" hangingPunct="1">
+      <a:lvl1pPr algn="l" defTabSz="685800" rtl="0" eaLnBrk="1" latinLnBrk="0" hangingPunct="1">
+        <a:lnSpc>
+          <a:spcPct val="90000"/>
+        </a:lnSpc>
         <a:spcBef>
           <a:spcPct val="0"/>
         </a:spcBef>
         <a:buNone/>
-        <a:defRPr kumimoji="1" sz="4400" kern="1200">
+        <a:defRPr kumimoji="1" sz="3300" kern="1200">
           <a:solidFill>
             <a:schemeClr val="tx1"/>
           </a:solidFill>
@@ -5875,13 +6109,16 @@
       </a:lvl1pPr>
     </p:titleStyle>
     <p:bodyStyle>
-      <a:lvl1pPr marL="342900" indent="-342900" algn="l" defTabSz="914400" rtl="0" eaLnBrk="1" latinLnBrk="0" hangingPunct="1">
+      <a:lvl1pPr marL="171450" indent="-171450" algn="l" defTabSz="685800" rtl="0" eaLnBrk="1" latinLnBrk="0" hangingPunct="1">
+        <a:lnSpc>
+          <a:spcPct val="90000"/>
+        </a:lnSpc>
         <a:spcBef>
-          <a:spcPct val="20000"/>
+          <a:spcPts val="750"/>
         </a:spcBef>
         <a:buFont typeface="Arial" panose="020B0604020202020204" pitchFamily="34" charset="0"/>
         <a:buChar char="•"/>
-        <a:defRPr kumimoji="1" sz="3200" kern="1200">
+        <a:defRPr kumimoji="1" sz="2100" kern="1200">
           <a:solidFill>
             <a:schemeClr val="tx1"/>
           </a:solidFill>
@@ -5890,13 +6127,16 @@
           <a:cs typeface="+mn-cs"/>
         </a:defRPr>
       </a:lvl1pPr>
-      <a:lvl2pPr marL="742950" indent="-285750" algn="l" defTabSz="914400" rtl="0" eaLnBrk="1" latinLnBrk="0" hangingPunct="1">
+      <a:lvl2pPr marL="514350" indent="-171450" algn="l" defTabSz="685800" rtl="0" eaLnBrk="1" latinLnBrk="0" hangingPunct="1">
+        <a:lnSpc>
+          <a:spcPct val="90000"/>
+        </a:lnSpc>
         <a:spcBef>
-          <a:spcPct val="20000"/>
+          <a:spcPts val="375"/>
         </a:spcBef>
         <a:buFont typeface="Arial" panose="020B0604020202020204" pitchFamily="34" charset="0"/>
-        <a:buChar char="–"/>
-        <a:defRPr kumimoji="1" sz="2800" kern="1200">
+        <a:buChar char="•"/>
+        <a:defRPr kumimoji="1" sz="1800" kern="1200">
           <a:solidFill>
             <a:schemeClr val="tx1"/>
           </a:solidFill>
@@ -5905,13 +6145,16 @@
           <a:cs typeface="+mn-cs"/>
         </a:defRPr>
       </a:lvl2pPr>
-      <a:lvl3pPr marL="1143000" indent="-228600" algn="l" defTabSz="914400" rtl="0" eaLnBrk="1" latinLnBrk="0" hangingPunct="1">
+      <a:lvl3pPr marL="857250" indent="-171450" algn="l" defTabSz="685800" rtl="0" eaLnBrk="1" latinLnBrk="0" hangingPunct="1">
+        <a:lnSpc>
+          <a:spcPct val="90000"/>
+        </a:lnSpc>
         <a:spcBef>
-          <a:spcPct val="20000"/>
+          <a:spcPts val="375"/>
         </a:spcBef>
         <a:buFont typeface="Arial" panose="020B0604020202020204" pitchFamily="34" charset="0"/>
         <a:buChar char="•"/>
-        <a:defRPr kumimoji="1" sz="2400" kern="1200">
+        <a:defRPr kumimoji="1" sz="1500" kern="1200">
           <a:solidFill>
             <a:schemeClr val="tx1"/>
           </a:solidFill>
@@ -5920,13 +6163,16 @@
           <a:cs typeface="+mn-cs"/>
         </a:defRPr>
       </a:lvl3pPr>
-      <a:lvl4pPr marL="1600200" indent="-228600" algn="l" defTabSz="914400" rtl="0" eaLnBrk="1" latinLnBrk="0" hangingPunct="1">
+      <a:lvl4pPr marL="1200150" indent="-171450" algn="l" defTabSz="685800" rtl="0" eaLnBrk="1" latinLnBrk="0" hangingPunct="1">
+        <a:lnSpc>
+          <a:spcPct val="90000"/>
+        </a:lnSpc>
         <a:spcBef>
-          <a:spcPct val="20000"/>
+          <a:spcPts val="375"/>
         </a:spcBef>
         <a:buFont typeface="Arial" panose="020B0604020202020204" pitchFamily="34" charset="0"/>
-        <a:buChar char="–"/>
-        <a:defRPr kumimoji="1" sz="2000" kern="1200">
+        <a:buChar char="•"/>
+        <a:defRPr kumimoji="1" sz="1350" kern="1200">
           <a:solidFill>
             <a:schemeClr val="tx1"/>
           </a:solidFill>
@@ -5935,13 +6181,16 @@
           <a:cs typeface="+mn-cs"/>
         </a:defRPr>
       </a:lvl4pPr>
-      <a:lvl5pPr marL="2057400" indent="-228600" algn="l" defTabSz="914400" rtl="0" eaLnBrk="1" latinLnBrk="0" hangingPunct="1">
+      <a:lvl5pPr marL="1543050" indent="-171450" algn="l" defTabSz="685800" rtl="0" eaLnBrk="1" latinLnBrk="0" hangingPunct="1">
+        <a:lnSpc>
+          <a:spcPct val="90000"/>
+        </a:lnSpc>
         <a:spcBef>
-          <a:spcPct val="20000"/>
+          <a:spcPts val="375"/>
         </a:spcBef>
         <a:buFont typeface="Arial" panose="020B0604020202020204" pitchFamily="34" charset="0"/>
-        <a:buChar char="»"/>
-        <a:defRPr kumimoji="1" sz="2000" kern="1200">
+        <a:buChar char="•"/>
+        <a:defRPr kumimoji="1" sz="1350" kern="1200">
           <a:solidFill>
             <a:schemeClr val="tx1"/>
           </a:solidFill>
@@ -5950,13 +6199,16 @@
           <a:cs typeface="+mn-cs"/>
         </a:defRPr>
       </a:lvl5pPr>
-      <a:lvl6pPr marL="2514600" indent="-228600" algn="l" defTabSz="914400" rtl="0" eaLnBrk="1" latinLnBrk="0" hangingPunct="1">
+      <a:lvl6pPr marL="1885950" indent="-171450" algn="l" defTabSz="685800" rtl="0" eaLnBrk="1" latinLnBrk="0" hangingPunct="1">
+        <a:lnSpc>
+          <a:spcPct val="90000"/>
+        </a:lnSpc>
         <a:spcBef>
-          <a:spcPct val="20000"/>
+          <a:spcPts val="375"/>
         </a:spcBef>
         <a:buFont typeface="Arial" panose="020B0604020202020204" pitchFamily="34" charset="0"/>
         <a:buChar char="•"/>
-        <a:defRPr kumimoji="1" sz="2000" kern="1200">
+        <a:defRPr kumimoji="1" sz="1350" kern="1200">
           <a:solidFill>
             <a:schemeClr val="tx1"/>
           </a:solidFill>
@@ -5965,13 +6217,16 @@
           <a:cs typeface="+mn-cs"/>
         </a:defRPr>
       </a:lvl6pPr>
-      <a:lvl7pPr marL="2971800" indent="-228600" algn="l" defTabSz="914400" rtl="0" eaLnBrk="1" latinLnBrk="0" hangingPunct="1">
+      <a:lvl7pPr marL="2228850" indent="-171450" algn="l" defTabSz="685800" rtl="0" eaLnBrk="1" latinLnBrk="0" hangingPunct="1">
+        <a:lnSpc>
+          <a:spcPct val="90000"/>
+        </a:lnSpc>
         <a:spcBef>
-          <a:spcPct val="20000"/>
+          <a:spcPts val="375"/>
         </a:spcBef>
         <a:buFont typeface="Arial" panose="020B0604020202020204" pitchFamily="34" charset="0"/>
         <a:buChar char="•"/>
-        <a:defRPr kumimoji="1" sz="2000" kern="1200">
+        <a:defRPr kumimoji="1" sz="1350" kern="1200">
           <a:solidFill>
             <a:schemeClr val="tx1"/>
           </a:solidFill>
@@ -5980,13 +6235,16 @@
           <a:cs typeface="+mn-cs"/>
         </a:defRPr>
       </a:lvl7pPr>
-      <a:lvl8pPr marL="3429000" indent="-228600" algn="l" defTabSz="914400" rtl="0" eaLnBrk="1" latinLnBrk="0" hangingPunct="1">
+      <a:lvl8pPr marL="2571750" indent="-171450" algn="l" defTabSz="685800" rtl="0" eaLnBrk="1" latinLnBrk="0" hangingPunct="1">
+        <a:lnSpc>
+          <a:spcPct val="90000"/>
+        </a:lnSpc>
         <a:spcBef>
-          <a:spcPct val="20000"/>
+          <a:spcPts val="375"/>
         </a:spcBef>
         <a:buFont typeface="Arial" panose="020B0604020202020204" pitchFamily="34" charset="0"/>
         <a:buChar char="•"/>
-        <a:defRPr kumimoji="1" sz="2000" kern="1200">
+        <a:defRPr kumimoji="1" sz="1350" kern="1200">
           <a:solidFill>
             <a:schemeClr val="tx1"/>
           </a:solidFill>
@@ -5995,13 +6253,16 @@
           <a:cs typeface="+mn-cs"/>
         </a:defRPr>
       </a:lvl8pPr>
-      <a:lvl9pPr marL="3886200" indent="-228600" algn="l" defTabSz="914400" rtl="0" eaLnBrk="1" latinLnBrk="0" hangingPunct="1">
+      <a:lvl9pPr marL="2914650" indent="-171450" algn="l" defTabSz="685800" rtl="0" eaLnBrk="1" latinLnBrk="0" hangingPunct="1">
+        <a:lnSpc>
+          <a:spcPct val="90000"/>
+        </a:lnSpc>
         <a:spcBef>
-          <a:spcPct val="20000"/>
+          <a:spcPts val="375"/>
         </a:spcBef>
         <a:buFont typeface="Arial" panose="020B0604020202020204" pitchFamily="34" charset="0"/>
         <a:buChar char="•"/>
-        <a:defRPr kumimoji="1" sz="2000" kern="1200">
+        <a:defRPr kumimoji="1" sz="1350" kern="1200">
           <a:solidFill>
             <a:schemeClr val="tx1"/>
           </a:solidFill>
@@ -6015,8 +6276,8 @@
       <a:defPPr>
         <a:defRPr lang="ja-JP"/>
       </a:defPPr>
-      <a:lvl1pPr marL="0" algn="l" defTabSz="914400" rtl="0" eaLnBrk="1" latinLnBrk="0" hangingPunct="1">
-        <a:defRPr kumimoji="1" sz="1800" kern="1200">
+      <a:lvl1pPr marL="0" algn="l" defTabSz="685800" rtl="0" eaLnBrk="1" latinLnBrk="0" hangingPunct="1">
+        <a:defRPr kumimoji="1" sz="1350" kern="1200">
           <a:solidFill>
             <a:schemeClr val="tx1"/>
           </a:solidFill>
@@ -6025,8 +6286,8 @@
           <a:cs typeface="+mn-cs"/>
         </a:defRPr>
       </a:lvl1pPr>
-      <a:lvl2pPr marL="457200" algn="l" defTabSz="914400" rtl="0" eaLnBrk="1" latinLnBrk="0" hangingPunct="1">
-        <a:defRPr kumimoji="1" sz="1800" kern="1200">
+      <a:lvl2pPr marL="342900" algn="l" defTabSz="685800" rtl="0" eaLnBrk="1" latinLnBrk="0" hangingPunct="1">
+        <a:defRPr kumimoji="1" sz="1350" kern="1200">
           <a:solidFill>
             <a:schemeClr val="tx1"/>
           </a:solidFill>
@@ -6035,8 +6296,8 @@
           <a:cs typeface="+mn-cs"/>
         </a:defRPr>
       </a:lvl2pPr>
-      <a:lvl3pPr marL="914400" algn="l" defTabSz="914400" rtl="0" eaLnBrk="1" latinLnBrk="0" hangingPunct="1">
-        <a:defRPr kumimoji="1" sz="1800" kern="1200">
+      <a:lvl3pPr marL="685800" algn="l" defTabSz="685800" rtl="0" eaLnBrk="1" latinLnBrk="0" hangingPunct="1">
+        <a:defRPr kumimoji="1" sz="1350" kern="1200">
           <a:solidFill>
             <a:schemeClr val="tx1"/>
           </a:solidFill>
@@ -6045,8 +6306,8 @@
           <a:cs typeface="+mn-cs"/>
         </a:defRPr>
       </a:lvl3pPr>
-      <a:lvl4pPr marL="1371600" algn="l" defTabSz="914400" rtl="0" eaLnBrk="1" latinLnBrk="0" hangingPunct="1">
-        <a:defRPr kumimoji="1" sz="1800" kern="1200">
+      <a:lvl4pPr marL="1028700" algn="l" defTabSz="685800" rtl="0" eaLnBrk="1" latinLnBrk="0" hangingPunct="1">
+        <a:defRPr kumimoji="1" sz="1350" kern="1200">
           <a:solidFill>
             <a:schemeClr val="tx1"/>
           </a:solidFill>
@@ -6055,8 +6316,8 @@
           <a:cs typeface="+mn-cs"/>
         </a:defRPr>
       </a:lvl4pPr>
-      <a:lvl5pPr marL="1828800" algn="l" defTabSz="914400" rtl="0" eaLnBrk="1" latinLnBrk="0" hangingPunct="1">
-        <a:defRPr kumimoji="1" sz="1800" kern="1200">
+      <a:lvl5pPr marL="1371600" algn="l" defTabSz="685800" rtl="0" eaLnBrk="1" latinLnBrk="0" hangingPunct="1">
+        <a:defRPr kumimoji="1" sz="1350" kern="1200">
           <a:solidFill>
             <a:schemeClr val="tx1"/>
           </a:solidFill>
@@ -6065,8 +6326,8 @@
           <a:cs typeface="+mn-cs"/>
         </a:defRPr>
       </a:lvl5pPr>
-      <a:lvl6pPr marL="2286000" algn="l" defTabSz="914400" rtl="0" eaLnBrk="1" latinLnBrk="0" hangingPunct="1">
-        <a:defRPr kumimoji="1" sz="1800" kern="1200">
+      <a:lvl6pPr marL="1714500" algn="l" defTabSz="685800" rtl="0" eaLnBrk="1" latinLnBrk="0" hangingPunct="1">
+        <a:defRPr kumimoji="1" sz="1350" kern="1200">
           <a:solidFill>
             <a:schemeClr val="tx1"/>
           </a:solidFill>
@@ -6075,8 +6336,8 @@
           <a:cs typeface="+mn-cs"/>
         </a:defRPr>
       </a:lvl6pPr>
-      <a:lvl7pPr marL="2743200" algn="l" defTabSz="914400" rtl="0" eaLnBrk="1" latinLnBrk="0" hangingPunct="1">
-        <a:defRPr kumimoji="1" sz="1800" kern="1200">
+      <a:lvl7pPr marL="2057400" algn="l" defTabSz="685800" rtl="0" eaLnBrk="1" latinLnBrk="0" hangingPunct="1">
+        <a:defRPr kumimoji="1" sz="1350" kern="1200">
           <a:solidFill>
             <a:schemeClr val="tx1"/>
           </a:solidFill>
@@ -6085,8 +6346,8 @@
           <a:cs typeface="+mn-cs"/>
         </a:defRPr>
       </a:lvl7pPr>
-      <a:lvl8pPr marL="3200400" algn="l" defTabSz="914400" rtl="0" eaLnBrk="1" latinLnBrk="0" hangingPunct="1">
-        <a:defRPr kumimoji="1" sz="1800" kern="1200">
+      <a:lvl8pPr marL="2400300" algn="l" defTabSz="685800" rtl="0" eaLnBrk="1" latinLnBrk="0" hangingPunct="1">
+        <a:defRPr kumimoji="1" sz="1350" kern="1200">
           <a:solidFill>
             <a:schemeClr val="tx1"/>
           </a:solidFill>
@@ -6095,8 +6356,8 @@
           <a:cs typeface="+mn-cs"/>
         </a:defRPr>
       </a:lvl8pPr>
-      <a:lvl9pPr marL="3657600" algn="l" defTabSz="914400" rtl="0" eaLnBrk="1" latinLnBrk="0" hangingPunct="1">
-        <a:defRPr kumimoji="1" sz="1800" kern="1200">
+      <a:lvl9pPr marL="2743200" algn="l" defTabSz="685800" rtl="0" eaLnBrk="1" latinLnBrk="0" hangingPunct="1">
+        <a:defRPr kumimoji="1" sz="1350" kern="1200">
           <a:solidFill>
             <a:schemeClr val="tx1"/>
           </a:solidFill>
@@ -6471,7 +6732,7 @@
                 <a:ea typeface="Meiryo UI" pitchFamily="50" charset="-128"/>
                 <a:cs typeface="Meiryo UI" pitchFamily="50" charset="-128"/>
               </a:rPr>
-              <a:t>5</a:t>
+              <a:t>15</a:t>
             </a:r>
             <a:r>
               <a:rPr lang="ja-JP" altLang="en-US" sz="2400" dirty="0">
@@ -6716,7 +6977,7 @@
         <p:spPr/>
         <p:txBody>
           <a:bodyPr>
-            <a:normAutofit fontScale="90000"/>
+            <a:normAutofit/>
           </a:bodyPr>
           <a:lstStyle/>
           <a:p>
@@ -6730,9 +6991,324 @@
             </a:r>
             <a:r>
               <a:rPr lang="en-US" altLang="ja-JP" dirty="0"/>
+              <a:t>HPC</a:t>
+            </a:r>
+            <a:r>
+              <a:rPr lang="ja-JP" altLang="en-US" dirty="0"/>
+              <a:t>解析サービス</a:t>
+            </a:r>
+          </a:p>
+        </p:txBody>
+      </p:sp>
+      <p:sp>
+        <p:nvSpPr>
+          <p:cNvPr id="8" name="コンテンツ プレースホルダー 7">
+            <a:extLst>
+              <a:ext uri="{FF2B5EF4-FFF2-40B4-BE49-F238E27FC236}">
+                <a16:creationId xmlns:a16="http://schemas.microsoft.com/office/drawing/2014/main" id="{2F9993A4-510E-2740-4DA3-2A621E4CA1A3}"/>
+              </a:ext>
+            </a:extLst>
+          </p:cNvPr>
+          <p:cNvSpPr>
+            <a:spLocks noGrp="1"/>
+          </p:cNvSpPr>
+          <p:nvPr>
+            <p:ph idx="1"/>
+          </p:nvPr>
+        </p:nvSpPr>
+        <p:spPr/>
+        <p:txBody>
+          <a:bodyPr>
+            <a:normAutofit/>
+          </a:bodyPr>
+          <a:lstStyle/>
+          <a:p>
+            <a:r>
+              <a:rPr lang="ja-JP" altLang="en-US" dirty="0"/>
+              <a:t>小規模なシミュレーションも手軽に試すことが可能</a:t>
+            </a:r>
+          </a:p>
+          <a:p>
+            <a:r>
+              <a:rPr lang="ja-JP" altLang="en-US" dirty="0"/>
+              <a:t>事前の細かな利用申請や成果の公開が不要</a:t>
+            </a:r>
+            <a:endParaRPr lang="en-US" altLang="ja-JP" dirty="0"/>
+          </a:p>
+          <a:p>
+            <a:r>
+              <a:rPr lang="ja-JP" altLang="en-US" dirty="0"/>
+              <a:t>共用解析環境以外に専用解析環境も提供可能</a:t>
+            </a:r>
+            <a:endParaRPr lang="en-US" altLang="ja-JP" dirty="0"/>
+          </a:p>
+          <a:p>
+            <a:r>
+              <a:rPr lang="ja-JP" altLang="en-US" dirty="0"/>
+              <a:t>オンプレミスの</a:t>
+            </a:r>
+            <a:r>
+              <a:rPr lang="en-US" altLang="ja-JP" dirty="0"/>
+              <a:t>PC</a:t>
+            </a:r>
+            <a:r>
+              <a:rPr lang="ja-JP" altLang="en-US" dirty="0"/>
+              <a:t>クラスタ構築のサポート対応</a:t>
+            </a:r>
+            <a:endParaRPr lang="en-US" altLang="ja-JP" dirty="0"/>
+          </a:p>
+          <a:p>
+            <a:r>
+              <a:rPr lang="ja-JP" altLang="en-US" dirty="0"/>
+              <a:t>状況に応じて臨機応変にリソース（コスト）調整が可能 </a:t>
+            </a:r>
+          </a:p>
+          <a:p>
+            <a:r>
+              <a:rPr lang="ja-JP" altLang="en-US" dirty="0"/>
+              <a:t>冗長構成ののためノード故障時も高い可用性を維持</a:t>
+            </a:r>
+          </a:p>
+          <a:p>
+            <a:r>
+              <a:rPr lang="ja-JP" altLang="en-US" dirty="0"/>
+              <a:t>並列化プログラムのサポート対応あり</a:t>
+            </a:r>
+          </a:p>
+          <a:p>
+            <a:r>
+              <a:rPr lang="ja-JP" altLang="en-US" dirty="0"/>
+              <a:t>堅牢な設備により災害時でも解析データを保護可能</a:t>
+            </a:r>
+            <a:endParaRPr lang="en-US" altLang="ja-JP" dirty="0"/>
+          </a:p>
+          <a:p>
+            <a:endParaRPr lang="en-US" altLang="ja-JP" dirty="0"/>
+          </a:p>
+        </p:txBody>
+      </p:sp>
+      <p:sp>
+        <p:nvSpPr>
+          <p:cNvPr id="6" name="スライド番号プレースホルダー 5"/>
+          <p:cNvSpPr>
+            <a:spLocks noGrp="1"/>
+          </p:cNvSpPr>
+          <p:nvPr>
+            <p:ph type="sldNum" sz="quarter" idx="12"/>
+          </p:nvPr>
+        </p:nvSpPr>
+        <p:spPr/>
+        <p:txBody>
+          <a:bodyPr/>
+          <a:lstStyle/>
+          <a:p>
+            <a:fld id="{C4F1D116-AAC6-F342-B192-4E8E92DD0B7F}" type="slidenum">
+              <a:rPr lang="ja-JP" altLang="en-US" smtClean="0"/>
+              <a:pPr/>
+              <a:t>10</a:t>
+            </a:fld>
+            <a:endParaRPr lang="ja-JP" altLang="en-US" dirty="0"/>
+          </a:p>
+        </p:txBody>
+      </p:sp>
+    </p:spTree>
+    <p:extLst>
+      <p:ext uri="{BB962C8B-B14F-4D97-AF65-F5344CB8AC3E}">
+        <p14:creationId xmlns:p14="http://schemas.microsoft.com/office/powerpoint/2010/main" val="1084248711"/>
+      </p:ext>
+    </p:extLst>
+  </p:cSld>
+  <p:clrMapOvr>
+    <a:masterClrMapping/>
+  </p:clrMapOvr>
+</p:sld>
+</file>
+
+<file path=ppt/slides/slide11.xml><?xml version="1.0" encoding="utf-8"?>
+<p:sld xmlns:a="http://schemas.openxmlformats.org/drawingml/2006/main" xmlns:r="http://schemas.openxmlformats.org/officeDocument/2006/relationships" xmlns:p="http://schemas.openxmlformats.org/presentationml/2006/main">
+  <p:cSld>
+    <p:spTree>
+      <p:nvGrpSpPr>
+        <p:cNvPr id="1" name=""/>
+        <p:cNvGrpSpPr/>
+        <p:nvPr/>
+      </p:nvGrpSpPr>
+      <p:grpSpPr>
+        <a:xfrm>
+          <a:off x="0" y="0"/>
+          <a:ext cx="0" cy="0"/>
+          <a:chOff x="0" y="0"/>
+          <a:chExt cx="0" cy="0"/>
+        </a:xfrm>
+      </p:grpSpPr>
+      <p:grpSp>
+        <p:nvGrpSpPr>
+          <p:cNvPr id="2" name="図形グループ 9"/>
+          <p:cNvGrpSpPr/>
+          <p:nvPr/>
+        </p:nvGrpSpPr>
+        <p:grpSpPr>
+          <a:xfrm>
+            <a:off x="431800" y="333028"/>
+            <a:ext cx="8280400" cy="461665"/>
+            <a:chOff x="611560" y="942628"/>
+            <a:chExt cx="7920880" cy="461665"/>
+          </a:xfrm>
+        </p:grpSpPr>
+        <p:cxnSp>
+          <p:nvCxnSpPr>
+            <p:cNvPr id="3" name="直線コネクタ 2"/>
+            <p:cNvCxnSpPr/>
+            <p:nvPr/>
+          </p:nvCxnSpPr>
+          <p:spPr>
+            <a:xfrm>
+              <a:off x="611560" y="1340768"/>
+              <a:ext cx="7920880" cy="0"/>
+            </a:xfrm>
+            <a:prstGeom prst="line">
+              <a:avLst/>
+            </a:prstGeom>
+            <a:ln w="9525" cmpd="sng">
+              <a:solidFill>
+                <a:srgbClr val="3366FF"/>
+              </a:solidFill>
+            </a:ln>
+            <a:effectLst/>
+          </p:spPr>
+          <p:style>
+            <a:lnRef idx="2">
+              <a:schemeClr val="accent1"/>
+            </a:lnRef>
+            <a:fillRef idx="0">
+              <a:schemeClr val="accent1"/>
+            </a:fillRef>
+            <a:effectRef idx="1">
+              <a:schemeClr val="accent1"/>
+            </a:effectRef>
+            <a:fontRef idx="minor">
+              <a:schemeClr val="tx1"/>
+            </a:fontRef>
+          </p:style>
+        </p:cxnSp>
+        <p:sp>
+          <p:nvSpPr>
+            <p:cNvPr id="4" name="正方形/長方形 3"/>
+            <p:cNvSpPr/>
+            <p:nvPr/>
+          </p:nvSpPr>
+          <p:spPr>
+            <a:xfrm>
+              <a:off x="611560" y="980728"/>
+              <a:ext cx="72008" cy="360040"/>
+            </a:xfrm>
+            <a:prstGeom prst="rect">
+              <a:avLst/>
+            </a:prstGeom>
+            <a:solidFill>
+              <a:srgbClr val="3366FF"/>
+            </a:solidFill>
+            <a:ln>
+              <a:noFill/>
+            </a:ln>
+            <a:effectLst/>
+          </p:spPr>
+          <p:style>
+            <a:lnRef idx="1">
+              <a:schemeClr val="accent1"/>
+            </a:lnRef>
+            <a:fillRef idx="3">
+              <a:schemeClr val="accent1"/>
+            </a:fillRef>
+            <a:effectRef idx="2">
+              <a:schemeClr val="accent1"/>
+            </a:effectRef>
+            <a:fontRef idx="minor">
+              <a:schemeClr val="lt1"/>
+            </a:fontRef>
+          </p:style>
+          <p:txBody>
+            <a:bodyPr rtlCol="0" anchor="ctr"/>
+            <a:lstStyle/>
+            <a:p>
+              <a:pPr algn="ctr"/>
+              <a:endParaRPr kumimoji="1" lang="ja-JP" altLang="en-US" dirty="0"/>
+            </a:p>
+          </p:txBody>
+        </p:sp>
+        <p:sp>
+          <p:nvSpPr>
+            <p:cNvPr id="5" name="テキスト ボックス 4"/>
+            <p:cNvSpPr txBox="1"/>
+            <p:nvPr/>
+          </p:nvSpPr>
+          <p:spPr>
+            <a:xfrm>
+              <a:off x="683568" y="942628"/>
+              <a:ext cx="7848872" cy="461665"/>
+            </a:xfrm>
+            <a:prstGeom prst="rect">
+              <a:avLst/>
+            </a:prstGeom>
+            <a:noFill/>
+          </p:spPr>
+          <p:txBody>
+            <a:bodyPr wrap="square" rtlCol="0">
+              <a:spAutoFit/>
+            </a:bodyPr>
+            <a:lstStyle/>
+            <a:p>
+              <a:r>
+                <a:rPr lang="ja-JP" altLang="en-US" sz="2400" b="1" dirty="0">
+                  <a:latin typeface="Meiryo UI" panose="020B0604030504040204" pitchFamily="50" charset="-128"/>
+                  <a:ea typeface="Meiryo UI" panose="020B0604030504040204" pitchFamily="50" charset="-128"/>
+                  <a:cs typeface="Meiryo UI" panose="020B0604030504040204" pitchFamily="50" charset="-128"/>
+                </a:rPr>
+                <a:t>強み、市場優位性</a:t>
+              </a:r>
+            </a:p>
+          </p:txBody>
+        </p:sp>
+      </p:grpSp>
+      <p:sp>
+        <p:nvSpPr>
+          <p:cNvPr id="7" name="タイトル 6">
+            <a:extLst>
+              <a:ext uri="{FF2B5EF4-FFF2-40B4-BE49-F238E27FC236}">
+                <a16:creationId xmlns:a16="http://schemas.microsoft.com/office/drawing/2014/main" id="{1FB69CFC-51D3-82AC-4E7B-A4BE46371F6C}"/>
+              </a:ext>
+            </a:extLst>
+          </p:cNvPr>
+          <p:cNvSpPr>
+            <a:spLocks noGrp="1"/>
+          </p:cNvSpPr>
+          <p:nvPr>
+            <p:ph type="title"/>
+          </p:nvPr>
+        </p:nvSpPr>
+        <p:spPr/>
+        <p:txBody>
+          <a:bodyPr>
+            <a:normAutofit/>
+          </a:bodyPr>
+          <a:lstStyle/>
+          <a:p>
+            <a:pPr algn="l"/>
+            <a:br>
+              <a:rPr lang="en-US" altLang="ja-JP" dirty="0"/>
+            </a:br>
+            <a:r>
+              <a:rPr lang="ja-JP" altLang="en-US" dirty="0"/>
+              <a:t>■</a:t>
+            </a:r>
+            <a:r>
+              <a:rPr lang="en-US" altLang="ja-JP" dirty="0"/>
               <a:t>CC&amp;EC</a:t>
             </a:r>
-            <a:endParaRPr lang="ja-JP" altLang="en-US" dirty="0"/>
+            <a:r>
+              <a:rPr lang="ja-JP" altLang="en-US" dirty="0"/>
+              <a:t>サービス</a:t>
+            </a:r>
           </a:p>
         </p:txBody>
       </p:sp>
@@ -6761,7 +7337,14 @@
           <a:p>
             <a:r>
               <a:rPr lang="ja-JP" altLang="en-US" dirty="0"/>
-              <a:t>食料品</a:t>
+              <a:t>物資供給サービス</a:t>
+            </a:r>
+            <a:endParaRPr lang="en-US" altLang="ja-JP" dirty="0"/>
+          </a:p>
+          <a:p>
+            <a:r>
+              <a:rPr lang="ja-JP" altLang="en-US" dirty="0"/>
+              <a:t>物資を一括で購入</a:t>
             </a:r>
             <a:r>
               <a:rPr lang="en-US" altLang="ja-JP" dirty="0"/>
@@ -6769,7 +7352,7 @@
             </a:r>
             <a:r>
               <a:rPr lang="ja-JP" altLang="en-US" dirty="0"/>
-              <a:t>日用品を一括購入できる地域密着サービスの競合はなし。</a:t>
+              <a:t>配達できる地域密着サービスの競合はなし。</a:t>
             </a:r>
             <a:endParaRPr lang="en-US" altLang="ja-JP" dirty="0"/>
           </a:p>
@@ -6784,27 +7367,61 @@
             </a:r>
             <a:r>
               <a:rPr lang="ja-JP" altLang="en-US" dirty="0"/>
-              <a:t>過疎化地域は今後増加するため、県内全域に販路の拡大可能。</a:t>
-            </a:r>
-            <a:endParaRPr lang="en-US" altLang="ja-JP" dirty="0"/>
-          </a:p>
-          <a:p>
-            <a:r>
-              <a:rPr lang="ja-JP" altLang="en-US" dirty="0"/>
-              <a:t>簡易診察サービスは自宅のタブレット端末で診察し薬を処方できるため、軽度な症状であれば医療機関まで足を運ぶ必要がなくなる。</a:t>
-            </a:r>
-          </a:p>
-          <a:p>
-            <a:r>
-              <a:rPr lang="ja-JP" altLang="en-US" dirty="0"/>
-              <a:t>物資配達サービスにより、物資の計画的管理が可能。</a:t>
-            </a:r>
-            <a:endParaRPr lang="en-US" altLang="ja-JP" dirty="0"/>
-          </a:p>
-          <a:p>
-            <a:r>
-              <a:rPr lang="ja-JP" altLang="en-US" dirty="0"/>
-              <a:t>災害時の被害状況</a:t>
+              <a:t>過疎化地域である県内全域に販路の拡大可能。</a:t>
+            </a:r>
+            <a:endParaRPr lang="en-US" altLang="ja-JP" dirty="0"/>
+          </a:p>
+          <a:p>
+            <a:endParaRPr lang="en-US" altLang="ja-JP" dirty="0"/>
+          </a:p>
+          <a:p>
+            <a:r>
+              <a:rPr lang="ja-JP" altLang="en-US" dirty="0"/>
+              <a:t>簡易診察サービス</a:t>
+            </a:r>
+            <a:endParaRPr lang="en-US" altLang="ja-JP" dirty="0"/>
+          </a:p>
+          <a:p>
+            <a:r>
+              <a:rPr lang="ja-JP" altLang="en-US" dirty="0"/>
+              <a:t>自宅のタブレット端末で診察し薬を処方できるため、</a:t>
+            </a:r>
+            <a:endParaRPr lang="en-US" altLang="ja-JP" dirty="0"/>
+          </a:p>
+          <a:p>
+            <a:r>
+              <a:rPr lang="ja-JP" altLang="en-US" dirty="0"/>
+              <a:t>軽度な症状であれば医療機関まで足を運ぶ必要がなくなり、</a:t>
+            </a:r>
+            <a:endParaRPr lang="en-US" altLang="ja-JP" dirty="0"/>
+          </a:p>
+          <a:p>
+            <a:r>
+              <a:rPr lang="ja-JP" altLang="en-US" dirty="0"/>
+              <a:t>医療機関の混雑解消や受診者の負担軽減が可能。</a:t>
+            </a:r>
+          </a:p>
+          <a:p>
+            <a:r>
+              <a:rPr lang="ja-JP" altLang="en-US" dirty="0"/>
+              <a:t>物資供給サービスと連動して薬の配達も可能。</a:t>
+            </a:r>
+            <a:endParaRPr lang="en-US" altLang="ja-JP" dirty="0"/>
+          </a:p>
+          <a:p>
+            <a:endParaRPr lang="en-US" altLang="ja-JP" dirty="0"/>
+          </a:p>
+          <a:p>
+            <a:r>
+              <a:rPr lang="ja-JP" altLang="en-US" dirty="0"/>
+              <a:t>統合インフラ情報アプリ</a:t>
+            </a:r>
+            <a:endParaRPr lang="en-US" altLang="ja-JP" dirty="0"/>
+          </a:p>
+          <a:p>
+            <a:r>
+              <a:rPr lang="ja-JP" altLang="en-US" dirty="0"/>
+              <a:t>災害時の被害状況確認</a:t>
             </a:r>
             <a:r>
               <a:rPr lang="en-US" altLang="ja-JP" dirty="0"/>
@@ -6812,7 +7429,7 @@
             </a:r>
             <a:r>
               <a:rPr lang="ja-JP" altLang="en-US" dirty="0"/>
-              <a:t>避難経路</a:t>
+              <a:t>避難経路の確保</a:t>
             </a:r>
             <a:r>
               <a:rPr lang="en-US" altLang="ja-JP" dirty="0"/>
@@ -6820,20 +7437,21 @@
             </a:r>
             <a:r>
               <a:rPr lang="ja-JP" altLang="en-US" dirty="0"/>
-              <a:t>救援物資の手配の把握がスムーズに行える。</a:t>
-            </a:r>
-          </a:p>
-          <a:p>
-            <a:r>
-              <a:rPr lang="ja-JP" altLang="en-US" dirty="0"/>
-              <a:t>天候状況や冬季の道路の路面状態の把握にも活用可能。</a:t>
-            </a:r>
-          </a:p>
-          <a:p>
-            <a:endParaRPr lang="en-US" altLang="ja-JP" dirty="0"/>
-          </a:p>
-          <a:p>
-            <a:endParaRPr lang="ja-JP" altLang="en-US" dirty="0"/>
+              <a:t>救援物資手配の効率化可能。</a:t>
+            </a:r>
+          </a:p>
+          <a:p>
+            <a:r>
+              <a:rPr lang="ja-JP" altLang="en-US" dirty="0"/>
+              <a:t>悪天候状況や冬季の道路の道路状況の把握にも活用可能。</a:t>
+            </a:r>
+            <a:endParaRPr lang="en-US" altLang="ja-JP" dirty="0"/>
+          </a:p>
+          <a:p>
+            <a:r>
+              <a:rPr lang="ja-JP" altLang="en-US" dirty="0"/>
+              <a:t>統合インフラ情報アプリは全国の自治体へ展開可能。</a:t>
+            </a:r>
           </a:p>
         </p:txBody>
       </p:sp>
@@ -6855,7 +7473,7 @@
             <a:fld id="{C4F1D116-AAC6-F342-B192-4E8E92DD0B7F}" type="slidenum">
               <a:rPr lang="ja-JP" altLang="en-US" smtClean="0"/>
               <a:pPr/>
-              <a:t>10</a:t>
+              <a:t>11</a:t>
             </a:fld>
             <a:endParaRPr lang="ja-JP" altLang="en-US" dirty="0"/>
           </a:p>
@@ -6874,7 +7492,7 @@
 </p:sld>
 </file>
 
-<file path=ppt/slides/slide11.xml><?xml version="1.0" encoding="utf-8"?>
+<file path=ppt/slides/slide12.xml><?xml version="1.0" encoding="utf-8"?>
 <p:sld xmlns:a="http://schemas.openxmlformats.org/drawingml/2006/main" xmlns:r="http://schemas.openxmlformats.org/officeDocument/2006/relationships" xmlns:p="http://schemas.openxmlformats.org/presentationml/2006/main">
   <p:cSld>
     <p:spTree>
@@ -7039,7 +7657,7 @@
         <p:spPr/>
         <p:txBody>
           <a:bodyPr>
-            <a:normAutofit fontScale="90000"/>
+            <a:normAutofit/>
           </a:bodyPr>
           <a:lstStyle/>
           <a:p>
@@ -7048,7 +7666,7 @@
             </a:br>
             <a:r>
               <a:rPr lang="ja-JP" altLang="en-US" dirty="0"/>
-              <a:t>支出</a:t>
+              <a:t>収益イメージ</a:t>
             </a:r>
           </a:p>
         </p:txBody>
@@ -7066,112 +7684,505 @@
             <a:spLocks noGrp="1"/>
           </p:cNvSpPr>
           <p:nvPr>
-            <p:ph sz="half" idx="1"/>
+            <p:ph idx="1"/>
           </p:nvPr>
         </p:nvSpPr>
         <p:spPr/>
         <p:txBody>
-          <a:bodyPr/>
+          <a:bodyPr>
+            <a:normAutofit fontScale="47500" lnSpcReduction="20000"/>
+          </a:bodyPr>
           <a:lstStyle/>
           <a:p>
             <a:r>
               <a:rPr lang="ja-JP" altLang="en-US" dirty="0"/>
-              <a:t>開発費</a:t>
-            </a:r>
-            <a:endParaRPr lang="en-US" altLang="ja-JP" dirty="0"/>
-          </a:p>
-          <a:p>
-            <a:r>
-              <a:rPr lang="en-US" altLang="ja-JP" dirty="0"/>
-              <a:t>Xeon</a:t>
-            </a:r>
-            <a:r>
-              <a:rPr lang="ja-JP" altLang="en-US" dirty="0"/>
-              <a:t>サーバ購入</a:t>
-            </a:r>
-            <a:endParaRPr lang="en-US" altLang="ja-JP" dirty="0"/>
-          </a:p>
-          <a:p>
+              <a:t>■</a:t>
+            </a:r>
             <a:r>
               <a:rPr lang="en-US" altLang="ja-JP" dirty="0"/>
               <a:t>HPC</a:t>
             </a:r>
             <a:r>
               <a:rPr lang="ja-JP" altLang="en-US" dirty="0"/>
-              <a:t>インフラ構築工数</a:t>
-            </a:r>
-            <a:endParaRPr lang="en-US" altLang="ja-JP" dirty="0"/>
-          </a:p>
-          <a:p>
-            <a:r>
-              <a:rPr lang="ja-JP" altLang="en-US" dirty="0"/>
-              <a:t>簡易診断サービス</a:t>
-            </a:r>
-            <a:endParaRPr lang="en-US" altLang="ja-JP" dirty="0"/>
-          </a:p>
-          <a:p>
-            <a:endParaRPr lang="ja-JP" altLang="en-US" dirty="0"/>
-          </a:p>
-        </p:txBody>
-      </p:sp>
-      <p:sp>
-        <p:nvSpPr>
-          <p:cNvPr id="11" name="コンテンツ プレースホルダー 10">
-            <a:extLst>
-              <a:ext uri="{FF2B5EF4-FFF2-40B4-BE49-F238E27FC236}">
-                <a16:creationId xmlns:a16="http://schemas.microsoft.com/office/drawing/2014/main" id="{E2EC41B7-C843-00AD-AF73-121C73786224}"/>
-              </a:ext>
-            </a:extLst>
-          </p:cNvPr>
-          <p:cNvSpPr>
-            <a:spLocks noGrp="1"/>
-          </p:cNvSpPr>
-          <p:nvPr>
-            <p:ph sz="half" idx="2"/>
-          </p:nvPr>
-        </p:nvSpPr>
-        <p:spPr/>
-        <p:txBody>
-          <a:bodyPr/>
-          <a:lstStyle/>
-          <a:p>
-            <a:r>
-              <a:rPr lang="ja-JP" altLang="en-US" dirty="0"/>
-              <a:t>運用</a:t>
-            </a:r>
-            <a:r>
-              <a:rPr lang="en-US" altLang="ja-JP" dirty="0"/>
-              <a:t>/</a:t>
-            </a:r>
-            <a:r>
-              <a:rPr lang="ja-JP" altLang="en-US" dirty="0"/>
-              <a:t>保守</a:t>
-            </a:r>
-            <a:endParaRPr lang="en-US" altLang="ja-JP" dirty="0"/>
-          </a:p>
-          <a:p>
-            <a:r>
-              <a:rPr lang="ja-JP" altLang="en-US" dirty="0"/>
-              <a:t>サーバ管理ソフト（</a:t>
-            </a:r>
-            <a:r>
-              <a:rPr lang="en-US" altLang="ja-JP" dirty="0"/>
-              <a:t>mackerel</a:t>
-            </a:r>
-            <a:r>
-              <a:rPr lang="ja-JP" altLang="en-US" dirty="0"/>
-              <a:t>）</a:t>
-            </a:r>
-            <a:endParaRPr lang="en-US" altLang="ja-JP" dirty="0"/>
-          </a:p>
-          <a:p>
-            <a:r>
-              <a:rPr lang="ja-JP" altLang="en-US" dirty="0"/>
-              <a:t>タブレット端末リース</a:t>
-            </a:r>
-            <a:endParaRPr lang="en-US" altLang="ja-JP" dirty="0"/>
-          </a:p>
-          <a:p>
+              <a:t>解析環境利用料</a:t>
+            </a:r>
+            <a:endParaRPr lang="en-US" altLang="ja-JP" dirty="0"/>
+          </a:p>
+          <a:p>
+            <a:r>
+              <a:rPr lang="ja-JP" altLang="en-US" dirty="0"/>
+              <a:t>従量制課金：毎月</a:t>
+            </a:r>
+            <a:r>
+              <a:rPr lang="en-US" altLang="ja-JP" dirty="0"/>
+              <a:t>60</a:t>
+            </a:r>
+            <a:r>
+              <a:rPr lang="ja-JP" altLang="en-US" dirty="0"/>
+              <a:t>分の利用が</a:t>
+            </a:r>
+            <a:r>
+              <a:rPr lang="en-US" altLang="ja-JP" dirty="0"/>
+              <a:t>1</a:t>
+            </a:r>
+            <a:r>
+              <a:rPr lang="ja-JP" altLang="en-US" dirty="0"/>
+              <a:t>回</a:t>
+            </a:r>
+            <a:r>
+              <a:rPr lang="en-US" altLang="ja-JP" dirty="0"/>
+              <a:t>×10,000</a:t>
+            </a:r>
+            <a:r>
+              <a:rPr lang="ja-JP" altLang="en-US" dirty="0"/>
+              <a:t>円</a:t>
+            </a:r>
+            <a:r>
+              <a:rPr lang="en-US" altLang="ja-JP" dirty="0"/>
+              <a:t>=10,000</a:t>
+            </a:r>
+            <a:r>
+              <a:rPr lang="ja-JP" altLang="en-US" dirty="0"/>
+              <a:t>円</a:t>
+            </a:r>
+            <a:endParaRPr lang="en-US" altLang="ja-JP" dirty="0"/>
+          </a:p>
+          <a:p>
+            <a:r>
+              <a:rPr lang="ja-JP" altLang="en-US" dirty="0"/>
+              <a:t>サブスク形式：毎月の利用者</a:t>
+            </a:r>
+            <a:r>
+              <a:rPr lang="en-US" altLang="ja-JP" dirty="0"/>
+              <a:t>1</a:t>
+            </a:r>
+            <a:r>
+              <a:rPr lang="ja-JP" altLang="en-US" dirty="0"/>
+              <a:t>名</a:t>
+            </a:r>
+            <a:r>
+              <a:rPr lang="en-US" altLang="ja-JP" dirty="0"/>
+              <a:t>×</a:t>
+            </a:r>
+            <a:r>
+              <a:rPr lang="ja-JP" altLang="en-US" dirty="0"/>
+              <a:t>月額</a:t>
+            </a:r>
+            <a:r>
+              <a:rPr lang="en-US" altLang="ja-JP" dirty="0"/>
+              <a:t>100,000</a:t>
+            </a:r>
+            <a:r>
+              <a:rPr lang="ja-JP" altLang="en-US" dirty="0"/>
+              <a:t>円</a:t>
+            </a:r>
+            <a:r>
+              <a:rPr lang="en-US" altLang="ja-JP" dirty="0"/>
+              <a:t>=100,000</a:t>
+            </a:r>
+            <a:r>
+              <a:rPr lang="ja-JP" altLang="en-US" dirty="0"/>
+              <a:t>円</a:t>
+            </a:r>
+            <a:endParaRPr lang="en-US" altLang="ja-JP" dirty="0"/>
+          </a:p>
+          <a:p>
+            <a:r>
+              <a:rPr lang="ja-JP" altLang="en-US" dirty="0"/>
+              <a:t>あわせて</a:t>
+            </a:r>
+            <a:r>
+              <a:rPr lang="en-US" altLang="ja-JP" dirty="0"/>
+              <a:t>1</a:t>
+            </a:r>
+            <a:r>
+              <a:rPr lang="ja-JP" altLang="en-US" dirty="0"/>
+              <a:t>月あたりの売り上げ</a:t>
+            </a:r>
+            <a:r>
+              <a:rPr lang="en-US" altLang="ja-JP" dirty="0"/>
+              <a:t>10,000</a:t>
+            </a:r>
+            <a:r>
+              <a:rPr lang="ja-JP" altLang="en-US" dirty="0"/>
+              <a:t>円</a:t>
+            </a:r>
+            <a:r>
+              <a:rPr lang="en-US" altLang="ja-JP" dirty="0"/>
+              <a:t>+100,000</a:t>
+            </a:r>
+            <a:r>
+              <a:rPr lang="ja-JP" altLang="en-US" dirty="0"/>
+              <a:t>円</a:t>
+            </a:r>
+            <a:r>
+              <a:rPr lang="en-US" altLang="ja-JP" dirty="0"/>
+              <a:t>=110,000</a:t>
+            </a:r>
+            <a:r>
+              <a:rPr lang="ja-JP" altLang="en-US" dirty="0"/>
+              <a:t>円</a:t>
+            </a:r>
+            <a:endParaRPr lang="en-US" altLang="ja-JP" dirty="0"/>
+          </a:p>
+          <a:p>
+            <a:r>
+              <a:rPr lang="ja-JP" altLang="en-US" dirty="0"/>
+              <a:t>⇒半年の売り上げ</a:t>
+            </a:r>
+            <a:r>
+              <a:rPr lang="en-US" altLang="ja-JP" dirty="0"/>
+              <a:t>660,000</a:t>
+            </a:r>
+            <a:r>
+              <a:rPr lang="ja-JP" altLang="en-US" dirty="0"/>
+              <a:t>円</a:t>
+            </a:r>
+            <a:r>
+              <a:rPr lang="en-US" altLang="ja-JP" dirty="0"/>
+              <a:t>/1</a:t>
+            </a:r>
+            <a:r>
+              <a:rPr lang="ja-JP" altLang="en-US" dirty="0"/>
+              <a:t>年の売り上げ</a:t>
+            </a:r>
+            <a:r>
+              <a:rPr lang="en-US" altLang="ja-JP" dirty="0"/>
+              <a:t>1,320,000</a:t>
+            </a:r>
+            <a:r>
+              <a:rPr lang="ja-JP" altLang="en-US" dirty="0"/>
+              <a:t>円</a:t>
+            </a:r>
+            <a:endParaRPr lang="en-US" altLang="ja-JP" dirty="0"/>
+          </a:p>
+          <a:p>
+            <a:endParaRPr lang="en-US" altLang="ja-JP" dirty="0"/>
+          </a:p>
+          <a:p>
+            <a:r>
+              <a:rPr lang="ja-JP" altLang="en-US" dirty="0"/>
+              <a:t>■物資供給サービス利用料</a:t>
+            </a:r>
+            <a:endParaRPr lang="en-US" altLang="ja-JP" dirty="0"/>
+          </a:p>
+          <a:p>
+            <a:r>
+              <a:rPr lang="ja-JP" altLang="en-US" dirty="0"/>
+              <a:t>月額</a:t>
+            </a:r>
+            <a:r>
+              <a:rPr lang="en-US" altLang="ja-JP" dirty="0"/>
+              <a:t>300</a:t>
+            </a:r>
+            <a:r>
+              <a:rPr lang="ja-JP" altLang="en-US" dirty="0"/>
+              <a:t>円</a:t>
+            </a:r>
+            <a:r>
+              <a:rPr lang="en-US" altLang="ja-JP" dirty="0"/>
+              <a:t>×100</a:t>
+            </a:r>
+            <a:r>
+              <a:rPr lang="ja-JP" altLang="en-US" dirty="0"/>
+              <a:t>世帯</a:t>
+            </a:r>
+            <a:r>
+              <a:rPr lang="en-US" altLang="ja-JP" dirty="0"/>
+              <a:t>=1</a:t>
+            </a:r>
+            <a:r>
+              <a:rPr lang="ja-JP" altLang="en-US" dirty="0"/>
+              <a:t>月あたり</a:t>
+            </a:r>
+            <a:r>
+              <a:rPr lang="en-US" altLang="ja-JP" dirty="0"/>
+              <a:t>30,000</a:t>
+            </a:r>
+            <a:r>
+              <a:rPr lang="ja-JP" altLang="en-US" dirty="0"/>
+              <a:t>円の売り上げ</a:t>
+            </a:r>
+            <a:endParaRPr lang="en-US" altLang="ja-JP" dirty="0"/>
+          </a:p>
+          <a:p>
+            <a:r>
+              <a:rPr lang="ja-JP" altLang="en-US" dirty="0"/>
+              <a:t>⇒半年の売り上げ</a:t>
+            </a:r>
+            <a:r>
+              <a:rPr lang="en-US" altLang="ja-JP" dirty="0"/>
+              <a:t>180,000</a:t>
+            </a:r>
+            <a:r>
+              <a:rPr lang="ja-JP" altLang="en-US" dirty="0"/>
+              <a:t>円の売り上げ</a:t>
+            </a:r>
+            <a:r>
+              <a:rPr lang="en-US" altLang="ja-JP" dirty="0"/>
+              <a:t>/1</a:t>
+            </a:r>
+            <a:r>
+              <a:rPr lang="ja-JP" altLang="en-US" dirty="0"/>
+              <a:t>年の売り上げ</a:t>
+            </a:r>
+            <a:r>
+              <a:rPr lang="en-US" altLang="ja-JP" dirty="0"/>
+              <a:t>360,000</a:t>
+            </a:r>
+            <a:r>
+              <a:rPr lang="ja-JP" altLang="en-US" dirty="0"/>
+              <a:t>円</a:t>
+            </a:r>
+            <a:endParaRPr lang="en-US" altLang="ja-JP" dirty="0"/>
+          </a:p>
+          <a:p>
+            <a:endParaRPr lang="en-US" altLang="ja-JP" dirty="0"/>
+          </a:p>
+          <a:p>
+            <a:r>
+              <a:rPr lang="ja-JP" altLang="en-US" dirty="0"/>
+              <a:t>■簡易診察システム利用料</a:t>
+            </a:r>
+            <a:endParaRPr lang="en-US" altLang="ja-JP" dirty="0"/>
+          </a:p>
+          <a:p>
+            <a:r>
+              <a:rPr lang="ja-JP" altLang="en-US" dirty="0"/>
+              <a:t>月額</a:t>
+            </a:r>
+            <a:r>
+              <a:rPr lang="en-US" altLang="ja-JP" dirty="0"/>
+              <a:t>300</a:t>
+            </a:r>
+            <a:r>
+              <a:rPr lang="ja-JP" altLang="en-US" dirty="0"/>
+              <a:t>円</a:t>
+            </a:r>
+            <a:r>
+              <a:rPr lang="en-US" altLang="ja-JP" dirty="0"/>
+              <a:t>×100</a:t>
+            </a:r>
+            <a:r>
+              <a:rPr lang="ja-JP" altLang="en-US" dirty="0"/>
+              <a:t>世帯</a:t>
+            </a:r>
+            <a:r>
+              <a:rPr lang="en-US" altLang="ja-JP" dirty="0"/>
+              <a:t>= 1</a:t>
+            </a:r>
+            <a:r>
+              <a:rPr lang="ja-JP" altLang="en-US" dirty="0"/>
+              <a:t>月あたり</a:t>
+            </a:r>
+            <a:r>
+              <a:rPr lang="en-US" altLang="ja-JP" dirty="0"/>
+              <a:t>30,000</a:t>
+            </a:r>
+            <a:r>
+              <a:rPr lang="ja-JP" altLang="en-US" dirty="0"/>
+              <a:t>円の売り上げ</a:t>
+            </a:r>
+            <a:endParaRPr lang="en-US" altLang="ja-JP" dirty="0"/>
+          </a:p>
+          <a:p>
+            <a:r>
+              <a:rPr lang="ja-JP" altLang="en-US" dirty="0"/>
+              <a:t>⇒半年の売り上げ</a:t>
+            </a:r>
+            <a:r>
+              <a:rPr lang="en-US" altLang="ja-JP" dirty="0"/>
+              <a:t>180,000</a:t>
+            </a:r>
+            <a:r>
+              <a:rPr lang="ja-JP" altLang="en-US" dirty="0"/>
+              <a:t>円の売り上げ</a:t>
+            </a:r>
+            <a:r>
+              <a:rPr lang="en-US" altLang="ja-JP" dirty="0"/>
+              <a:t>/1</a:t>
+            </a:r>
+            <a:r>
+              <a:rPr lang="ja-JP" altLang="en-US" dirty="0"/>
+              <a:t>年の売り上げ</a:t>
+            </a:r>
+            <a:r>
+              <a:rPr lang="en-US" altLang="ja-JP" dirty="0"/>
+              <a:t>360,000</a:t>
+            </a:r>
+            <a:r>
+              <a:rPr lang="ja-JP" altLang="en-US" dirty="0"/>
+              <a:t>円</a:t>
+            </a:r>
+            <a:endParaRPr lang="en-US" altLang="ja-JP" dirty="0"/>
+          </a:p>
+          <a:p>
+            <a:endParaRPr lang="en-US" altLang="ja-JP" dirty="0"/>
+          </a:p>
+          <a:p>
+            <a:r>
+              <a:rPr lang="ja-JP" altLang="en-US" dirty="0"/>
+              <a:t>■統合インフラ情報アプリ利用料</a:t>
+            </a:r>
+            <a:endParaRPr lang="en-US" altLang="ja-JP" dirty="0"/>
+          </a:p>
+          <a:p>
+            <a:r>
+              <a:rPr lang="ja-JP" altLang="en-US" dirty="0"/>
+              <a:t>月額</a:t>
+            </a:r>
+            <a:r>
+              <a:rPr lang="en-US" altLang="ja-JP" dirty="0"/>
+              <a:t>100</a:t>
+            </a:r>
+            <a:r>
+              <a:rPr lang="ja-JP" altLang="en-US" dirty="0"/>
+              <a:t>円</a:t>
+            </a:r>
+            <a:r>
+              <a:rPr lang="en-US" altLang="ja-JP" dirty="0"/>
+              <a:t>×174,417</a:t>
+            </a:r>
+            <a:r>
+              <a:rPr lang="ja-JP" altLang="en-US" dirty="0"/>
+              <a:t>人（長岡市内の</a:t>
+            </a:r>
+            <a:r>
+              <a:rPr lang="en-US" altLang="ja-JP" dirty="0"/>
+              <a:t>10</a:t>
+            </a:r>
+            <a:r>
+              <a:rPr lang="ja-JP" altLang="en-US" dirty="0"/>
+              <a:t>～</a:t>
+            </a:r>
+            <a:r>
+              <a:rPr lang="en-US" altLang="ja-JP" dirty="0"/>
+              <a:t>60</a:t>
+            </a:r>
+            <a:r>
+              <a:rPr lang="ja-JP" altLang="en-US" dirty="0"/>
+              <a:t>代の人口）</a:t>
+            </a:r>
+            <a:r>
+              <a:rPr lang="en-US" altLang="ja-JP" dirty="0"/>
+              <a:t>= 1</a:t>
+            </a:r>
+            <a:r>
+              <a:rPr lang="ja-JP" altLang="en-US" dirty="0"/>
+              <a:t>月あたり</a:t>
+            </a:r>
+            <a:r>
+              <a:rPr lang="en-US" altLang="ja-JP" dirty="0"/>
+              <a:t>17,441,700</a:t>
+            </a:r>
+            <a:r>
+              <a:rPr lang="ja-JP" altLang="en-US" dirty="0"/>
+              <a:t>円</a:t>
+            </a:r>
+            <a:endParaRPr lang="en-US" altLang="ja-JP" dirty="0"/>
+          </a:p>
+          <a:p>
+            <a:r>
+              <a:rPr lang="ja-JP" altLang="en-US" dirty="0"/>
+              <a:t>⇒半年の売り上げ</a:t>
+            </a:r>
+            <a:r>
+              <a:rPr lang="en-US" altLang="ja-JP" dirty="0"/>
+              <a:t>104,650,200</a:t>
+            </a:r>
+            <a:r>
+              <a:rPr lang="ja-JP" altLang="en-US" dirty="0"/>
+              <a:t>円</a:t>
+            </a:r>
+            <a:r>
+              <a:rPr lang="en-US" altLang="ja-JP" dirty="0"/>
+              <a:t>/1</a:t>
+            </a:r>
+            <a:r>
+              <a:rPr lang="ja-JP" altLang="en-US" dirty="0"/>
+              <a:t>年の売り上げ</a:t>
+            </a:r>
+            <a:r>
+              <a:rPr lang="en-US" altLang="ja-JP" dirty="0"/>
+              <a:t>209,300,400</a:t>
+            </a:r>
+            <a:r>
+              <a:rPr lang="ja-JP" altLang="en-US" dirty="0"/>
+              <a:t>円</a:t>
+            </a:r>
+            <a:endParaRPr lang="en-US" altLang="ja-JP" dirty="0"/>
+          </a:p>
+          <a:p>
+            <a:endParaRPr lang="en-US" altLang="ja-JP" dirty="0"/>
+          </a:p>
+          <a:p>
+            <a:r>
+              <a:rPr lang="en-US" altLang="ja-JP" dirty="0"/>
+              <a:t>1</a:t>
+            </a:r>
+            <a:r>
+              <a:rPr lang="ja-JP" altLang="en-US" dirty="0"/>
+              <a:t>年間の売り上げ合計：</a:t>
+            </a:r>
+            <a:r>
+              <a:rPr lang="en-US" altLang="ja-JP" dirty="0"/>
+              <a:t>1,320,000</a:t>
+            </a:r>
+            <a:r>
+              <a:rPr lang="ja-JP" altLang="en-US" dirty="0"/>
+              <a:t>円</a:t>
+            </a:r>
+            <a:r>
+              <a:rPr lang="en-US" altLang="ja-JP" dirty="0"/>
+              <a:t>+360,000</a:t>
+            </a:r>
+            <a:r>
+              <a:rPr lang="ja-JP" altLang="en-US" dirty="0"/>
+              <a:t>円</a:t>
+            </a:r>
+            <a:r>
+              <a:rPr lang="en-US" altLang="ja-JP" dirty="0"/>
+              <a:t>+360,000</a:t>
+            </a:r>
+            <a:r>
+              <a:rPr lang="ja-JP" altLang="en-US" dirty="0"/>
+              <a:t>円</a:t>
+            </a:r>
+            <a:r>
+              <a:rPr lang="en-US" altLang="ja-JP" dirty="0"/>
+              <a:t>+209,300,400</a:t>
+            </a:r>
+            <a:r>
+              <a:rPr lang="ja-JP" altLang="en-US" dirty="0"/>
+              <a:t>円</a:t>
+            </a:r>
+            <a:r>
+              <a:rPr lang="en-US" altLang="ja-JP" dirty="0"/>
+              <a:t>= 1</a:t>
+            </a:r>
+            <a:r>
+              <a:rPr lang="ja-JP" altLang="en-US" dirty="0"/>
+              <a:t>月あたり</a:t>
+            </a:r>
+            <a:r>
+              <a:rPr lang="en-US" altLang="ja-JP" dirty="0"/>
+              <a:t>211,340,400</a:t>
+            </a:r>
+            <a:r>
+              <a:rPr lang="ja-JP" altLang="en-US" dirty="0"/>
+              <a:t>円</a:t>
+            </a:r>
+            <a:endParaRPr lang="en-US" altLang="ja-JP" dirty="0"/>
+          </a:p>
+          <a:p>
+            <a:r>
+              <a:rPr lang="en-US" altLang="ja-JP" dirty="0"/>
+              <a:t>※</a:t>
+            </a:r>
+            <a:r>
+              <a:rPr lang="ja-JP" altLang="en-US" dirty="0"/>
+              <a:t>顧客数に比例して売り上げを伸ばすことが可能。</a:t>
+            </a:r>
             <a:endParaRPr lang="en-US" altLang="ja-JP" dirty="0"/>
           </a:p>
         </p:txBody>
@@ -7194,7 +8205,7 @@
             <a:fld id="{C4F1D116-AAC6-F342-B192-4E8E92DD0B7F}" type="slidenum">
               <a:rPr lang="ja-JP" altLang="en-US" smtClean="0"/>
               <a:pPr/>
-              <a:t>11</a:t>
+              <a:t>12</a:t>
             </a:fld>
             <a:endParaRPr lang="ja-JP" altLang="en-US" dirty="0"/>
           </a:p>
@@ -7203,7 +8214,332 @@
     </p:spTree>
     <p:extLst>
       <p:ext uri="{BB962C8B-B14F-4D97-AF65-F5344CB8AC3E}">
-        <p14:creationId xmlns:p14="http://schemas.microsoft.com/office/powerpoint/2010/main" val="1639543782"/>
+        <p14:creationId xmlns:p14="http://schemas.microsoft.com/office/powerpoint/2010/main" val="3835763405"/>
+      </p:ext>
+    </p:extLst>
+  </p:cSld>
+  <p:clrMapOvr>
+    <a:masterClrMapping/>
+  </p:clrMapOvr>
+</p:sld>
+</file>
+
+<file path=ppt/slides/slide13.xml><?xml version="1.0" encoding="utf-8"?>
+<p:sld xmlns:a="http://schemas.openxmlformats.org/drawingml/2006/main" xmlns:r="http://schemas.openxmlformats.org/officeDocument/2006/relationships" xmlns:p="http://schemas.openxmlformats.org/presentationml/2006/main">
+  <p:cSld>
+    <p:spTree>
+      <p:nvGrpSpPr>
+        <p:cNvPr id="1" name=""/>
+        <p:cNvGrpSpPr/>
+        <p:nvPr/>
+      </p:nvGrpSpPr>
+      <p:grpSpPr>
+        <a:xfrm>
+          <a:off x="0" y="0"/>
+          <a:ext cx="0" cy="0"/>
+          <a:chOff x="0" y="0"/>
+          <a:chExt cx="0" cy="0"/>
+        </a:xfrm>
+      </p:grpSpPr>
+      <p:grpSp>
+        <p:nvGrpSpPr>
+          <p:cNvPr id="2" name="図形グループ 9"/>
+          <p:cNvGrpSpPr/>
+          <p:nvPr/>
+        </p:nvGrpSpPr>
+        <p:grpSpPr>
+          <a:xfrm>
+            <a:off x="431800" y="333028"/>
+            <a:ext cx="8280400" cy="461665"/>
+            <a:chOff x="611560" y="942628"/>
+            <a:chExt cx="7920880" cy="461665"/>
+          </a:xfrm>
+        </p:grpSpPr>
+        <p:cxnSp>
+          <p:nvCxnSpPr>
+            <p:cNvPr id="3" name="直線コネクタ 2"/>
+            <p:cNvCxnSpPr/>
+            <p:nvPr/>
+          </p:nvCxnSpPr>
+          <p:spPr>
+            <a:xfrm>
+              <a:off x="611560" y="1340768"/>
+              <a:ext cx="7920880" cy="0"/>
+            </a:xfrm>
+            <a:prstGeom prst="line">
+              <a:avLst/>
+            </a:prstGeom>
+            <a:ln w="9525" cmpd="sng">
+              <a:solidFill>
+                <a:srgbClr val="3366FF"/>
+              </a:solidFill>
+            </a:ln>
+            <a:effectLst/>
+          </p:spPr>
+          <p:style>
+            <a:lnRef idx="2">
+              <a:schemeClr val="accent1"/>
+            </a:lnRef>
+            <a:fillRef idx="0">
+              <a:schemeClr val="accent1"/>
+            </a:fillRef>
+            <a:effectRef idx="1">
+              <a:schemeClr val="accent1"/>
+            </a:effectRef>
+            <a:fontRef idx="minor">
+              <a:schemeClr val="tx1"/>
+            </a:fontRef>
+          </p:style>
+        </p:cxnSp>
+        <p:sp>
+          <p:nvSpPr>
+            <p:cNvPr id="4" name="正方形/長方形 3"/>
+            <p:cNvSpPr/>
+            <p:nvPr/>
+          </p:nvSpPr>
+          <p:spPr>
+            <a:xfrm>
+              <a:off x="611560" y="980728"/>
+              <a:ext cx="72008" cy="360040"/>
+            </a:xfrm>
+            <a:prstGeom prst="rect">
+              <a:avLst/>
+            </a:prstGeom>
+            <a:solidFill>
+              <a:srgbClr val="3366FF"/>
+            </a:solidFill>
+            <a:ln>
+              <a:noFill/>
+            </a:ln>
+            <a:effectLst/>
+          </p:spPr>
+          <p:style>
+            <a:lnRef idx="1">
+              <a:schemeClr val="accent1"/>
+            </a:lnRef>
+            <a:fillRef idx="3">
+              <a:schemeClr val="accent1"/>
+            </a:fillRef>
+            <a:effectRef idx="2">
+              <a:schemeClr val="accent1"/>
+            </a:effectRef>
+            <a:fontRef idx="minor">
+              <a:schemeClr val="lt1"/>
+            </a:fontRef>
+          </p:style>
+          <p:txBody>
+            <a:bodyPr rtlCol="0" anchor="ctr"/>
+            <a:lstStyle/>
+            <a:p>
+              <a:pPr algn="ctr"/>
+              <a:endParaRPr kumimoji="1" lang="ja-JP" altLang="en-US" dirty="0"/>
+            </a:p>
+          </p:txBody>
+        </p:sp>
+        <p:sp>
+          <p:nvSpPr>
+            <p:cNvPr id="5" name="テキスト ボックス 4"/>
+            <p:cNvSpPr txBox="1"/>
+            <p:nvPr/>
+          </p:nvSpPr>
+          <p:spPr>
+            <a:xfrm>
+              <a:off x="683568" y="942628"/>
+              <a:ext cx="7848872" cy="461665"/>
+            </a:xfrm>
+            <a:prstGeom prst="rect">
+              <a:avLst/>
+            </a:prstGeom>
+            <a:noFill/>
+          </p:spPr>
+          <p:txBody>
+            <a:bodyPr wrap="square" rtlCol="0">
+              <a:spAutoFit/>
+            </a:bodyPr>
+            <a:lstStyle/>
+            <a:p>
+              <a:r>
+                <a:rPr lang="en-US" altLang="ja-JP" sz="2400" b="1" dirty="0">
+                  <a:latin typeface="Meiryo UI" panose="020B0604030504040204" pitchFamily="50" charset="-128"/>
+                  <a:ea typeface="Meiryo UI" panose="020B0604030504040204" pitchFamily="50" charset="-128"/>
+                  <a:cs typeface="Meiryo UI" panose="020B0604030504040204" pitchFamily="50" charset="-128"/>
+                </a:rPr>
+                <a:t>NS</a:t>
+              </a:r>
+              <a:r>
+                <a:rPr lang="ja-JP" altLang="en-US" sz="2400" b="1" dirty="0">
+                  <a:latin typeface="Meiryo UI" panose="020B0604030504040204" pitchFamily="50" charset="-128"/>
+                  <a:ea typeface="Meiryo UI" panose="020B0604030504040204" pitchFamily="50" charset="-128"/>
+                  <a:cs typeface="Meiryo UI" panose="020B0604030504040204" pitchFamily="50" charset="-128"/>
+                </a:rPr>
+                <a:t>グループの</a:t>
+              </a:r>
+              <a:r>
+                <a:rPr lang="en-US" altLang="ja-JP" sz="2400" b="1" dirty="0">
+                  <a:latin typeface="Meiryo UI" panose="020B0604030504040204" pitchFamily="50" charset="-128"/>
+                  <a:ea typeface="Meiryo UI" panose="020B0604030504040204" pitchFamily="50" charset="-128"/>
+                  <a:cs typeface="Meiryo UI" panose="020B0604030504040204" pitchFamily="50" charset="-128"/>
+                </a:rPr>
+                <a:t>MISSION</a:t>
+              </a:r>
+              <a:endParaRPr lang="ja-JP" altLang="en-US" sz="2400" b="1" dirty="0">
+                <a:latin typeface="Meiryo UI" panose="020B0604030504040204" pitchFamily="50" charset="-128"/>
+                <a:ea typeface="Meiryo UI" panose="020B0604030504040204" pitchFamily="50" charset="-128"/>
+                <a:cs typeface="Meiryo UI" panose="020B0604030504040204" pitchFamily="50" charset="-128"/>
+              </a:endParaRPr>
+            </a:p>
+          </p:txBody>
+        </p:sp>
+      </p:grpSp>
+      <p:sp>
+        <p:nvSpPr>
+          <p:cNvPr id="9" name="タイトル 8">
+            <a:extLst>
+              <a:ext uri="{FF2B5EF4-FFF2-40B4-BE49-F238E27FC236}">
+                <a16:creationId xmlns:a16="http://schemas.microsoft.com/office/drawing/2014/main" id="{B2926043-AA21-8626-B0E1-C73A3C869B50}"/>
+              </a:ext>
+            </a:extLst>
+          </p:cNvPr>
+          <p:cNvSpPr>
+            <a:spLocks noGrp="1"/>
+          </p:cNvSpPr>
+          <p:nvPr>
+            <p:ph type="title"/>
+          </p:nvPr>
+        </p:nvSpPr>
+        <p:spPr/>
+        <p:txBody>
+          <a:bodyPr>
+            <a:normAutofit/>
+          </a:bodyPr>
+          <a:lstStyle/>
+          <a:p>
+            <a:br>
+              <a:rPr lang="en-US" altLang="ja-JP" dirty="0"/>
+            </a:br>
+            <a:r>
+              <a:rPr lang="ja-JP" altLang="en-US" dirty="0"/>
+              <a:t>人々の生活基盤を支える企業へ</a:t>
+            </a:r>
+          </a:p>
+        </p:txBody>
+      </p:sp>
+      <p:sp>
+        <p:nvSpPr>
+          <p:cNvPr id="10" name="コンテンツ プレースホルダー 9">
+            <a:extLst>
+              <a:ext uri="{FF2B5EF4-FFF2-40B4-BE49-F238E27FC236}">
+                <a16:creationId xmlns:a16="http://schemas.microsoft.com/office/drawing/2014/main" id="{73877EDE-01E7-7F96-F696-8A2B674327A2}"/>
+              </a:ext>
+            </a:extLst>
+          </p:cNvPr>
+          <p:cNvSpPr>
+            <a:spLocks noGrp="1"/>
+          </p:cNvSpPr>
+          <p:nvPr>
+            <p:ph idx="1"/>
+          </p:nvPr>
+        </p:nvSpPr>
+        <p:spPr/>
+        <p:txBody>
+          <a:bodyPr>
+            <a:normAutofit/>
+          </a:bodyPr>
+          <a:lstStyle/>
+          <a:p>
+            <a:r>
+              <a:rPr lang="en-US" altLang="ja-JP" dirty="0"/>
+              <a:t>NS</a:t>
+            </a:r>
+            <a:r>
+              <a:rPr lang="ja-JP" altLang="en-US" dirty="0"/>
+              <a:t>（日本精機）グループ</a:t>
+            </a:r>
+            <a:endParaRPr lang="en-US" altLang="ja-JP" dirty="0"/>
+          </a:p>
+          <a:p>
+            <a:r>
+              <a:rPr lang="en-US" altLang="ja-JP" dirty="0"/>
+              <a:t>NS</a:t>
+            </a:r>
+            <a:r>
+              <a:rPr lang="ja-JP" altLang="en-US" dirty="0"/>
+              <a:t>グループ各社が未知の領域へ一歩踏み出し次のステージへ</a:t>
+            </a:r>
+            <a:endParaRPr lang="en-US" altLang="ja-JP" dirty="0"/>
+          </a:p>
+          <a:p>
+            <a:r>
+              <a:rPr lang="ja-JP" altLang="en-US" dirty="0"/>
+              <a:t>↓</a:t>
+            </a:r>
+            <a:endParaRPr lang="en-US" altLang="ja-JP" dirty="0"/>
+          </a:p>
+          <a:p>
+            <a:r>
+              <a:rPr lang="ja-JP" altLang="en-US" dirty="0"/>
+              <a:t>長岡を幸せにするグループ</a:t>
+            </a:r>
+            <a:endParaRPr lang="en-US" altLang="ja-JP" dirty="0"/>
+          </a:p>
+          <a:p>
+            <a:r>
+              <a:rPr lang="ja-JP" altLang="en-US" dirty="0"/>
+              <a:t>↓</a:t>
+            </a:r>
+            <a:endParaRPr lang="en-US" altLang="ja-JP" dirty="0"/>
+          </a:p>
+          <a:p>
+            <a:r>
+              <a:rPr lang="ja-JP" altLang="en-US" dirty="0"/>
+              <a:t>新潟を幸せにするグループ</a:t>
+            </a:r>
+            <a:endParaRPr lang="en-US" altLang="ja-JP" dirty="0"/>
+          </a:p>
+          <a:p>
+            <a:r>
+              <a:rPr lang="ja-JP" altLang="en-US" dirty="0"/>
+              <a:t>↓</a:t>
+            </a:r>
+            <a:endParaRPr lang="en-US" altLang="ja-JP" dirty="0"/>
+          </a:p>
+          <a:p>
+            <a:r>
+              <a:rPr lang="ja-JP" altLang="en-US" dirty="0"/>
+              <a:t>日本を幸せにするグループ</a:t>
+            </a:r>
+            <a:endParaRPr lang="en-US" altLang="ja-JP" dirty="0"/>
+          </a:p>
+        </p:txBody>
+      </p:sp>
+      <p:sp>
+        <p:nvSpPr>
+          <p:cNvPr id="6" name="スライド番号プレースホルダー 5"/>
+          <p:cNvSpPr>
+            <a:spLocks noGrp="1"/>
+          </p:cNvSpPr>
+          <p:nvPr>
+            <p:ph type="sldNum" sz="quarter" idx="12"/>
+          </p:nvPr>
+        </p:nvSpPr>
+        <p:spPr/>
+        <p:txBody>
+          <a:bodyPr/>
+          <a:lstStyle/>
+          <a:p>
+            <a:fld id="{C4F1D116-AAC6-F342-B192-4E8E92DD0B7F}" type="slidenum">
+              <a:rPr lang="ja-JP" altLang="en-US" smtClean="0"/>
+              <a:pPr/>
+              <a:t>13</a:t>
+            </a:fld>
+            <a:endParaRPr lang="ja-JP" altLang="en-US" dirty="0"/>
+          </a:p>
+        </p:txBody>
+      </p:sp>
+    </p:spTree>
+    <p:extLst>
+      <p:ext uri="{BB962C8B-B14F-4D97-AF65-F5344CB8AC3E}">
+        <p14:creationId xmlns:p14="http://schemas.microsoft.com/office/powerpoint/2010/main" val="1045102150"/>
       </p:ext>
     </p:extLst>
   </p:cSld>
@@ -7378,7 +8714,7 @@
         <p:spPr/>
         <p:txBody>
           <a:bodyPr>
-            <a:normAutofit fontScale="90000"/>
+            <a:normAutofit/>
           </a:bodyPr>
           <a:lstStyle/>
           <a:p>
@@ -7387,16 +8723,12 @@
               <a:rPr lang="en-US" altLang="ja-JP" dirty="0"/>
             </a:br>
             <a:r>
-              <a:rPr lang="ja-JP" altLang="en-US" sz="2700" dirty="0"/>
-              <a:t>地域連携と</a:t>
-            </a:r>
-            <a:r>
-              <a:rPr lang="en-US" altLang="ja-JP" sz="2700" dirty="0"/>
+              <a:rPr lang="en-US" altLang="ja-JP" sz="2000" dirty="0"/>
               <a:t>IT</a:t>
             </a:r>
             <a:r>
-              <a:rPr lang="ja-JP" altLang="en-US" sz="2700" dirty="0"/>
-              <a:t>サービスを組み合わせ社会の課題を解決する</a:t>
+              <a:rPr lang="ja-JP" altLang="en-US" sz="2000" dirty="0"/>
+              <a:t>サービスで地域と安全をつなぎ不自由ない生活を実現する。</a:t>
             </a:r>
           </a:p>
         </p:txBody>
@@ -7417,10 +8749,15 @@
             <p:ph idx="1"/>
           </p:nvPr>
         </p:nvSpPr>
-        <p:spPr/>
+        <p:spPr>
+          <a:xfrm>
+            <a:off x="507076" y="1825625"/>
+            <a:ext cx="8205124" cy="4351338"/>
+          </a:xfrm>
+        </p:spPr>
         <p:txBody>
           <a:bodyPr>
-            <a:normAutofit fontScale="55000" lnSpcReduction="20000"/>
+            <a:normAutofit fontScale="70000" lnSpcReduction="20000"/>
           </a:bodyPr>
           <a:lstStyle/>
           <a:p>
@@ -7508,6 +8845,15 @@
             <a:endParaRPr lang="en-US" altLang="ja-JP" dirty="0"/>
           </a:p>
           <a:p>
+            <a:endParaRPr lang="en-US" altLang="ja-JP" dirty="0"/>
+          </a:p>
+          <a:p>
+            <a:endParaRPr lang="en-US" altLang="ja-JP" dirty="0"/>
+          </a:p>
+          <a:p>
+            <a:endParaRPr lang="en-US" altLang="ja-JP" dirty="0"/>
+          </a:p>
+          <a:p>
             <a:r>
               <a:rPr lang="en-US" altLang="ja-JP" b="1" u="sng" dirty="0">
                 <a:solidFill>
@@ -7565,7 +8911,7 @@
             </a:pPr>
             <a:r>
               <a:rPr lang="ja-JP" altLang="en-US" dirty="0"/>
-              <a:t>　　例：物資供給サービス（各家庭の冬季の灯油</a:t>
+              <a:t>　　例：物資供給サービス（食料品と日用品の購入および配達</a:t>
             </a:r>
             <a:r>
               <a:rPr lang="en-US" altLang="ja-JP" dirty="0"/>
@@ -7573,15 +8919,7 @@
             </a:r>
             <a:r>
               <a:rPr lang="ja-JP" altLang="en-US" dirty="0"/>
-              <a:t>食料品</a:t>
-            </a:r>
-            <a:r>
-              <a:rPr lang="en-US" altLang="ja-JP" dirty="0"/>
-              <a:t>/</a:t>
-            </a:r>
-            <a:r>
-              <a:rPr lang="ja-JP" altLang="en-US" dirty="0"/>
-              <a:t>日用品の減り具合を監視）</a:t>
+              <a:t>集いの場の提供）</a:t>
             </a:r>
             <a:endParaRPr lang="en-US" altLang="ja-JP" dirty="0"/>
           </a:p>
@@ -7609,7 +8947,7 @@
             </a:pPr>
             <a:r>
               <a:rPr lang="ja-JP" altLang="en-US" dirty="0"/>
-              <a:t>　　　　 簡易診察サービス（自宅の端末から医療機関</a:t>
+              <a:t>　　　　 簡易診察サービス（自宅のタブレット端末から医療機関</a:t>
             </a:r>
             <a:r>
               <a:rPr lang="en-US" altLang="ja-JP" dirty="0"/>
@@ -7701,6 +9039,96 @@
           </a:p>
         </p:txBody>
       </p:sp>
+      <p:pic>
+        <p:nvPicPr>
+          <p:cNvPr id="1026" name="Picture 2">
+            <a:extLst>
+              <a:ext uri="{FF2B5EF4-FFF2-40B4-BE49-F238E27FC236}">
+                <a16:creationId xmlns:a16="http://schemas.microsoft.com/office/drawing/2014/main" id="{34E4F1F2-5FF1-9E06-04C0-F5EA244A0BA1}"/>
+              </a:ext>
+            </a:extLst>
+          </p:cNvPr>
+          <p:cNvPicPr>
+            <a:picLocks noChangeAspect="1" noChangeArrowheads="1"/>
+          </p:cNvPicPr>
+          <p:nvPr/>
+        </p:nvPicPr>
+        <p:blipFill rotWithShape="1">
+          <a:blip r:embed="rId2">
+            <a:extLst>
+              <a:ext uri="{28A0092B-C50C-407E-A947-70E740481C1C}">
+                <a14:useLocalDpi xmlns:a14="http://schemas.microsoft.com/office/drawing/2010/main" val="0"/>
+              </a:ext>
+            </a:extLst>
+          </a:blip>
+          <a:srcRect l="39938"/>
+          <a:stretch/>
+        </p:blipFill>
+        <p:spPr bwMode="auto">
+          <a:xfrm>
+            <a:off x="2182761" y="3152273"/>
+            <a:ext cx="1981914" cy="887968"/>
+          </a:xfrm>
+          <a:prstGeom prst="rect">
+            <a:avLst/>
+          </a:prstGeom>
+          <a:noFill/>
+          <a:extLst>
+            <a:ext uri="{909E8E84-426E-40DD-AFC4-6F175D3DCCD1}">
+              <a14:hiddenFill xmlns:a14="http://schemas.microsoft.com/office/drawing/2010/main">
+                <a:solidFill>
+                  <a:srgbClr val="FFFFFF"/>
+                </a:solidFill>
+              </a14:hiddenFill>
+            </a:ext>
+          </a:extLst>
+        </p:spPr>
+      </p:pic>
+      <p:pic>
+        <p:nvPicPr>
+          <p:cNvPr id="1028" name="Picture 4" descr="GENESISメインビジュアル">
+            <a:extLst>
+              <a:ext uri="{FF2B5EF4-FFF2-40B4-BE49-F238E27FC236}">
+                <a16:creationId xmlns:a16="http://schemas.microsoft.com/office/drawing/2014/main" id="{C89C3BBE-03AC-ED80-FED1-6F8E1DFED6B4}"/>
+              </a:ext>
+            </a:extLst>
+          </p:cNvPr>
+          <p:cNvPicPr>
+            <a:picLocks noChangeAspect="1" noChangeArrowheads="1"/>
+          </p:cNvPicPr>
+          <p:nvPr/>
+        </p:nvPicPr>
+        <p:blipFill rotWithShape="1">
+          <a:blip r:embed="rId3">
+            <a:extLst>
+              <a:ext uri="{28A0092B-C50C-407E-A947-70E740481C1C}">
+                <a14:useLocalDpi xmlns:a14="http://schemas.microsoft.com/office/drawing/2010/main" val="0"/>
+              </a:ext>
+            </a:extLst>
+          </a:blip>
+          <a:srcRect l="39938"/>
+          <a:stretch/>
+        </p:blipFill>
+        <p:spPr bwMode="auto">
+          <a:xfrm>
+            <a:off x="4562882" y="3174396"/>
+            <a:ext cx="1981915" cy="887969"/>
+          </a:xfrm>
+          <a:prstGeom prst="rect">
+            <a:avLst/>
+          </a:prstGeom>
+          <a:noFill/>
+          <a:extLst>
+            <a:ext uri="{909E8E84-426E-40DD-AFC4-6F175D3DCCD1}">
+              <a14:hiddenFill xmlns:a14="http://schemas.microsoft.com/office/drawing/2010/main">
+                <a:solidFill>
+                  <a:srgbClr val="FFFFFF"/>
+                </a:solidFill>
+              </a14:hiddenFill>
+            </a:ext>
+          </a:extLst>
+        </p:spPr>
+      </p:pic>
     </p:spTree>
     <p:extLst>
       <p:ext uri="{BB962C8B-B14F-4D97-AF65-F5344CB8AC3E}">
@@ -7904,7 +9332,7 @@
         <p:spPr/>
         <p:txBody>
           <a:bodyPr>
-            <a:normAutofit/>
+            <a:normAutofit lnSpcReduction="10000"/>
           </a:bodyPr>
           <a:lstStyle/>
           <a:p>
@@ -7918,14 +9346,21 @@
             </a:r>
             <a:r>
               <a:rPr lang="ja-JP" altLang="en-US" sz="1800" dirty="0"/>
-              <a:t>解析の必要性</a:t>
+              <a:t>解析サービスの必要性</a:t>
             </a:r>
             <a:endParaRPr lang="en-US" altLang="ja-JP" sz="1800" dirty="0"/>
           </a:p>
           <a:p>
             <a:r>
               <a:rPr lang="ja-JP" altLang="en-US" sz="1800" dirty="0"/>
-              <a:t>下記の様々な解析処理には大規模な演算処理を行える仕組みが必要。</a:t>
+              <a:t>近年発生している重大な危機に対して、</a:t>
+            </a:r>
+            <a:endParaRPr lang="en-US" altLang="ja-JP" sz="1800" dirty="0"/>
+          </a:p>
+          <a:p>
+            <a:r>
+              <a:rPr lang="ja-JP" altLang="en-US" sz="1800" dirty="0"/>
+              <a:t>複雑な事象を素早くシミュレーション解析する環境が必要。</a:t>
             </a:r>
             <a:endParaRPr lang="en-US" altLang="ja-JP" sz="1800" dirty="0"/>
           </a:p>
@@ -7939,7 +9374,15 @@
           <a:p>
             <a:r>
               <a:rPr lang="ja-JP" altLang="en-US" sz="1800" dirty="0"/>
-              <a:t>災害予測や被害状況の把握</a:t>
+              <a:t>災害時に被害を受けるエリア</a:t>
+            </a:r>
+            <a:r>
+              <a:rPr lang="en-US" altLang="ja-JP" sz="1800" dirty="0"/>
+              <a:t>/</a:t>
+            </a:r>
+            <a:r>
+              <a:rPr lang="ja-JP" altLang="en-US" sz="1800" dirty="0"/>
+              <a:t>深刻度の予測</a:t>
             </a:r>
             <a:endParaRPr lang="en-US" altLang="ja-JP" sz="1800" dirty="0"/>
           </a:p>
@@ -7961,7 +9404,7 @@
           <a:p>
             <a:r>
               <a:rPr lang="ja-JP" altLang="en-US" sz="1800" dirty="0"/>
-              <a:t>顧客の消費動向・予測のデータ分析によるニーズの把握</a:t>
+              <a:t>顧客の消費動向・予測のデータ分析による将来ニーズの把握</a:t>
             </a:r>
             <a:endParaRPr lang="en-US" altLang="ja-JP" sz="1800" dirty="0"/>
           </a:p>
@@ -7979,7 +9422,7 @@
             </a:r>
             <a:r>
               <a:rPr lang="ja-JP" altLang="en-US" sz="1800" dirty="0"/>
-              <a:t>の必要性</a:t>
+              <a:t>サービスの必要性</a:t>
             </a:r>
             <a:endParaRPr lang="en-US" altLang="ja-JP" sz="1800" dirty="0"/>
           </a:p>
@@ -8001,14 +9444,7 @@
           <a:p>
             <a:r>
               <a:rPr lang="ja-JP" altLang="en-US" sz="1800" dirty="0"/>
-              <a:t>消耗品等の物資配達や自宅で簡易診察を行える仕組みが必要。</a:t>
-            </a:r>
-            <a:endParaRPr lang="en-US" altLang="ja-JP" sz="1800" dirty="0"/>
-          </a:p>
-          <a:p>
-            <a:r>
-              <a:rPr lang="ja-JP" altLang="en-US" sz="1800" dirty="0"/>
-              <a:t>災害時の避難指示や最適な救助ルートの把握に防災</a:t>
+              <a:t>物資の購入</a:t>
             </a:r>
             <a:r>
               <a:rPr lang="en-US" altLang="ja-JP" sz="1800" dirty="0"/>
@@ -8016,7 +9452,14 @@
             </a:r>
             <a:r>
               <a:rPr lang="ja-JP" altLang="en-US" sz="1800" dirty="0"/>
-              <a:t>気象</a:t>
+              <a:t>配達や自宅で簡易診察を行える仕組みが必要。</a:t>
+            </a:r>
+            <a:endParaRPr lang="en-US" altLang="ja-JP" sz="1800" dirty="0"/>
+          </a:p>
+          <a:p>
+            <a:r>
+              <a:rPr lang="ja-JP" altLang="en-US" sz="1800" dirty="0"/>
+              <a:t>災害時の被害状況の把握や最適な避難</a:t>
             </a:r>
             <a:r>
               <a:rPr lang="en-US" altLang="ja-JP" sz="1800" dirty="0"/>
@@ -8024,7 +9467,30 @@
             </a:r>
             <a:r>
               <a:rPr lang="ja-JP" altLang="en-US" sz="1800" dirty="0"/>
-              <a:t>交通情報が必要。</a:t>
+              <a:t>救助ルートの確保に</a:t>
+            </a:r>
+            <a:endParaRPr lang="en-US" altLang="ja-JP" sz="1800" dirty="0"/>
+          </a:p>
+          <a:p>
+            <a:r>
+              <a:rPr lang="ja-JP" altLang="en-US" sz="1800" dirty="0"/>
+              <a:t>防災</a:t>
+            </a:r>
+            <a:r>
+              <a:rPr lang="en-US" altLang="ja-JP" sz="1800" dirty="0"/>
+              <a:t>/</a:t>
+            </a:r>
+            <a:r>
+              <a:rPr lang="ja-JP" altLang="en-US" sz="1800" dirty="0"/>
+              <a:t>気象</a:t>
+            </a:r>
+            <a:r>
+              <a:rPr lang="en-US" altLang="ja-JP" sz="1800" dirty="0"/>
+              <a:t>/</a:t>
+            </a:r>
+            <a:r>
+              <a:rPr lang="ja-JP" altLang="en-US" sz="1800" dirty="0"/>
+              <a:t>交通情報の一元化と素早い情報提供が必要不可欠。</a:t>
             </a:r>
             <a:endParaRPr lang="en-US" altLang="ja-JP" sz="1800" dirty="0"/>
           </a:p>
@@ -8237,7 +9703,7 @@
           <a:bodyPr/>
           <a:lstStyle/>
           <a:p>
-            <a:endParaRPr lang="ja-JP" altLang="en-US"/>
+            <a:endParaRPr lang="ja-JP" altLang="en-US" dirty="0"/>
           </a:p>
         </p:txBody>
       </p:sp>
@@ -8260,7 +9726,7 @@
         <p:spPr/>
         <p:txBody>
           <a:bodyPr>
-            <a:normAutofit fontScale="55000" lnSpcReduction="20000"/>
+            <a:normAutofit fontScale="77500" lnSpcReduction="20000"/>
           </a:bodyPr>
           <a:lstStyle/>
           <a:p>
@@ -8274,7 +9740,7 @@
             </a:r>
             <a:r>
               <a:rPr lang="ja-JP" altLang="en-US" sz="3200" dirty="0"/>
-              <a:t>解析</a:t>
+              <a:t>解析サービス</a:t>
             </a:r>
             <a:endParaRPr lang="en-US" altLang="ja-JP" dirty="0"/>
           </a:p>
@@ -8296,6 +9762,13 @@
           <a:p>
             <a:r>
               <a:rPr lang="ja-JP" altLang="en-US" dirty="0"/>
+              <a:t>スパコン利用時は成果の公開を求められるケースもあり。</a:t>
+            </a:r>
+            <a:endParaRPr lang="en-US" altLang="ja-JP" dirty="0"/>
+          </a:p>
+          <a:p>
+            <a:r>
+              <a:rPr lang="ja-JP" altLang="en-US" dirty="0"/>
               <a:t>大学等の研究機関</a:t>
             </a:r>
             <a:r>
@@ -8311,21 +9784,22 @@
           <a:p>
             <a:r>
               <a:rPr lang="ja-JP" altLang="en-US" dirty="0"/>
-              <a:t>インフラ構築・保守が大変なため、提供サービスの利用が一般的だが高コスト。</a:t>
-            </a:r>
-            <a:endParaRPr lang="en-US" altLang="ja-JP" dirty="0"/>
-          </a:p>
-          <a:p>
-            <a:r>
-              <a:rPr lang="ja-JP" altLang="en-US" dirty="0"/>
-              <a:t>解析対象のシミュレーションプログラムを作成できることが前提条件。</a:t>
-            </a:r>
-            <a:endParaRPr lang="en-US" altLang="ja-JP" dirty="0"/>
-          </a:p>
-          <a:p>
-            <a:r>
-              <a:rPr lang="ja-JP" altLang="en-US" dirty="0"/>
-              <a:t>スパコン利用時は成果の公開を求められるケースもあり。</a:t>
+              <a:t>インフラ構築・保守が不要な</a:t>
+            </a:r>
+            <a:r>
+              <a:rPr lang="en-US" altLang="ja-JP" dirty="0"/>
+              <a:t>HPC</a:t>
+            </a:r>
+            <a:r>
+              <a:rPr lang="ja-JP" altLang="en-US" dirty="0"/>
+              <a:t>提供サービスの利用が一般的だが高コスト。</a:t>
+            </a:r>
+            <a:endParaRPr lang="en-US" altLang="ja-JP" dirty="0"/>
+          </a:p>
+          <a:p>
+            <a:r>
+              <a:rPr lang="ja-JP" altLang="en-US" dirty="0"/>
+              <a:t>解析プログラムを自前で用意できることが前提条件のためハードルが高い。</a:t>
             </a:r>
             <a:endParaRPr lang="en-US" altLang="ja-JP" dirty="0"/>
           </a:p>
@@ -8344,6 +9818,10 @@
               <a:rPr lang="en-US" altLang="ja-JP" sz="3200" dirty="0"/>
               <a:t>CC&amp;EC</a:t>
             </a:r>
+            <a:r>
+              <a:rPr lang="ja-JP" altLang="en-US" sz="3200" dirty="0"/>
+              <a:t>サービス</a:t>
+            </a:r>
             <a:endParaRPr lang="en-US" altLang="ja-JP" dirty="0"/>
           </a:p>
           <a:p>
@@ -8356,8 +9834,8 @@
               <a:t>/</a:t>
             </a:r>
             <a:r>
-              <a:rPr lang="ja-JP" altLang="en-US" sz="3200" dirty="0"/>
-              <a:t>日用品の購入はネットショッピングの利用が可能。</a:t>
+              <a:rPr lang="ja-JP" altLang="en-US" dirty="0"/>
+              <a:t>日用品の購入はネットショッピングの利用が可能だが送料込みだと割高。</a:t>
             </a:r>
             <a:endParaRPr lang="en-US" altLang="ja-JP" sz="3200" dirty="0"/>
           </a:p>
@@ -8371,26 +9849,22 @@
           <a:p>
             <a:r>
               <a:rPr lang="ja-JP" altLang="en-US" dirty="0"/>
-              <a:t>冬季に必須な灯油の配達</a:t>
-            </a:r>
-            <a:r>
-              <a:rPr lang="ja-JP" altLang="en-US" sz="3200" dirty="0"/>
-              <a:t>サービスは</a:t>
-            </a:r>
-            <a:r>
-              <a:rPr lang="en-US" altLang="ja-JP" sz="3200" dirty="0"/>
+              <a:t>冬季に必須な灯油</a:t>
+            </a:r>
+            <a:r>
+              <a:rPr lang="en-US" altLang="ja-JP" dirty="0"/>
               <a:t>GS/</a:t>
             </a:r>
             <a:r>
-              <a:rPr lang="ja-JP" altLang="en-US" sz="3200" dirty="0"/>
-              <a:t>ホームセンターも提供。</a:t>
+              <a:rPr lang="ja-JP" altLang="en-US" dirty="0"/>
+              <a:t>ホームセンターが配達サービスを提供している。</a:t>
             </a:r>
             <a:endParaRPr lang="en-US" altLang="ja-JP" sz="3200" dirty="0"/>
           </a:p>
           <a:p>
             <a:r>
               <a:rPr lang="ja-JP" altLang="en-US" dirty="0"/>
-              <a:t>防災</a:t>
+              <a:t>長岡市防災ホームページでは個別に防災</a:t>
             </a:r>
             <a:r>
               <a:rPr lang="en-US" altLang="ja-JP" dirty="0"/>
@@ -8406,14 +9880,14 @@
             </a:r>
             <a:r>
               <a:rPr lang="ja-JP" altLang="en-US" dirty="0"/>
-              <a:t>交通情報は個別に提供されており統合情報はない。</a:t>
-            </a:r>
-            <a:endParaRPr lang="en-US" altLang="ja-JP" dirty="0"/>
-          </a:p>
-          <a:p>
-            <a:r>
-              <a:rPr lang="ja-JP" altLang="en-US" dirty="0"/>
-              <a:t>既存の道路情報は幹線道路中心で生活道路状況を把握できない。</a:t>
+              <a:t>交通情報のページリンクに飛ぶのみ。</a:t>
+            </a:r>
+            <a:endParaRPr lang="en-US" altLang="ja-JP" dirty="0"/>
+          </a:p>
+          <a:p>
+            <a:r>
+              <a:rPr lang="ja-JP" altLang="en-US" dirty="0"/>
+              <a:t>既存の道路交通情報は幹線道路中心で生活道路状況を把握できない。</a:t>
             </a:r>
             <a:endParaRPr lang="en-US" altLang="ja-JP" dirty="0"/>
           </a:p>
@@ -8646,7 +10120,7 @@
         <p:spPr/>
         <p:txBody>
           <a:bodyPr>
-            <a:normAutofit fontScale="70000" lnSpcReduction="20000"/>
+            <a:normAutofit fontScale="92500"/>
           </a:bodyPr>
           <a:lstStyle/>
           <a:p>
@@ -8660,7 +10134,7 @@
             </a:r>
             <a:r>
               <a:rPr lang="ja-JP" altLang="en-US" dirty="0"/>
-              <a:t>解析</a:t>
+              <a:t>解析サービス</a:t>
             </a:r>
             <a:endParaRPr lang="en-US" altLang="ja-JP" dirty="0"/>
           </a:p>
@@ -8686,21 +10160,6 @@
           <a:p>
             <a:r>
               <a:rPr lang="ja-JP" altLang="en-US" dirty="0"/>
-              <a:t>多数のサーバマシンの</a:t>
-            </a:r>
-            <a:r>
-              <a:rPr lang="en-US" altLang="ja-JP" dirty="0"/>
-              <a:t>IDC</a:t>
-            </a:r>
-            <a:r>
-              <a:rPr lang="ja-JP" altLang="en-US" dirty="0"/>
-              <a:t>格納スペース確保</a:t>
-            </a:r>
-            <a:endParaRPr lang="en-US" altLang="ja-JP" dirty="0"/>
-          </a:p>
-          <a:p>
-            <a:r>
-              <a:rPr lang="ja-JP" altLang="en-US" dirty="0"/>
               <a:t>解析対象に応じた並列化プログラムの提供</a:t>
             </a:r>
             <a:endParaRPr lang="en-US" altLang="ja-JP" dirty="0"/>
@@ -8743,11 +10202,16 @@
               <a:rPr lang="en-US" altLang="ja-JP" dirty="0"/>
               <a:t>CC&amp;EC</a:t>
             </a:r>
-          </a:p>
-          <a:p>
-            <a:r>
-              <a:rPr lang="ja-JP" altLang="en-US" dirty="0"/>
-              <a:t>消耗品提供企業</a:t>
+            <a:r>
+              <a:rPr lang="ja-JP" altLang="en-US" dirty="0"/>
+              <a:t>サービス</a:t>
+            </a:r>
+            <a:endParaRPr lang="en-US" altLang="ja-JP" dirty="0"/>
+          </a:p>
+          <a:p>
+            <a:r>
+              <a:rPr lang="ja-JP" altLang="en-US" dirty="0"/>
+              <a:t>物資提供企業</a:t>
             </a:r>
             <a:r>
               <a:rPr lang="en-US" altLang="ja-JP" dirty="0"/>
@@ -8762,7 +10226,14 @@
           <a:p>
             <a:r>
               <a:rPr lang="ja-JP" altLang="en-US" dirty="0"/>
-              <a:t>消費者側と企業側の食料品</a:t>
+              <a:t>物資供給システムの構築</a:t>
+            </a:r>
+            <a:endParaRPr lang="en-US" altLang="ja-JP" dirty="0"/>
+          </a:p>
+          <a:p>
+            <a:r>
+              <a:rPr lang="ja-JP" altLang="en-US" dirty="0"/>
+              <a:t>医療機関への簡易診察システムの構築</a:t>
             </a:r>
             <a:r>
               <a:rPr lang="en-US" altLang="ja-JP" dirty="0"/>
@@ -8770,14 +10241,14 @@
             </a:r>
             <a:r>
               <a:rPr lang="ja-JP" altLang="en-US" dirty="0"/>
-              <a:t>日用品の情報共有方法の検討</a:t>
-            </a:r>
-            <a:endParaRPr lang="en-US" altLang="ja-JP" dirty="0"/>
-          </a:p>
-          <a:p>
-            <a:r>
-              <a:rPr lang="ja-JP" altLang="en-US" dirty="0"/>
-              <a:t>医療機関への簡易診察システムの構築</a:t>
+              <a:t>導入</a:t>
+            </a:r>
+            <a:endParaRPr lang="en-US" altLang="ja-JP" dirty="0"/>
+          </a:p>
+          <a:p>
+            <a:r>
+              <a:rPr lang="ja-JP" altLang="en-US" dirty="0"/>
+              <a:t>防災</a:t>
             </a:r>
             <a:r>
               <a:rPr lang="en-US" altLang="ja-JP" dirty="0"/>
@@ -8785,14 +10256,7 @@
             </a:r>
             <a:r>
               <a:rPr lang="ja-JP" altLang="en-US" dirty="0"/>
-              <a:t>導入</a:t>
-            </a:r>
-            <a:endParaRPr lang="en-US" altLang="ja-JP" dirty="0"/>
-          </a:p>
-          <a:p>
-            <a:r>
-              <a:rPr lang="ja-JP" altLang="en-US" dirty="0"/>
-              <a:t>防災</a:t>
+              <a:t>気象</a:t>
             </a:r>
             <a:r>
               <a:rPr lang="en-US" altLang="ja-JP" dirty="0"/>
@@ -8800,22 +10264,14 @@
             </a:r>
             <a:r>
               <a:rPr lang="ja-JP" altLang="en-US" dirty="0"/>
-              <a:t>気象</a:t>
-            </a:r>
-            <a:r>
-              <a:rPr lang="en-US" altLang="ja-JP" dirty="0"/>
-              <a:t>/</a:t>
-            </a:r>
-            <a:r>
-              <a:rPr lang="ja-JP" altLang="en-US" dirty="0"/>
-              <a:t>交通の統合情報提供アプリの検討</a:t>
-            </a:r>
-            <a:endParaRPr lang="en-US" altLang="ja-JP" dirty="0"/>
-          </a:p>
-          <a:p>
-            <a:r>
-              <a:rPr lang="ja-JP" altLang="en-US" dirty="0"/>
-              <a:t>生活道路状況を把握する方法の検討</a:t>
+              <a:t>交通の統合情報提供アプリの構築</a:t>
+            </a:r>
+            <a:endParaRPr lang="en-US" altLang="ja-JP" dirty="0"/>
+          </a:p>
+          <a:p>
+            <a:r>
+              <a:rPr lang="ja-JP" altLang="en-US" dirty="0"/>
+              <a:t>既存の道路交通情報に含まれていない生活道路状況の把握</a:t>
             </a:r>
             <a:endParaRPr lang="en-US" altLang="ja-JP" dirty="0"/>
           </a:p>
@@ -9026,7 +10482,7 @@
         <p:spPr/>
         <p:txBody>
           <a:bodyPr>
-            <a:normAutofit fontScale="90000"/>
+            <a:normAutofit/>
           </a:bodyPr>
           <a:lstStyle/>
           <a:p>
@@ -9044,7 +10500,7 @@
             </a:r>
             <a:r>
               <a:rPr lang="ja-JP" altLang="en-US" dirty="0"/>
-              <a:t>解析</a:t>
+              <a:t>解析サービス</a:t>
             </a:r>
           </a:p>
         </p:txBody>
@@ -9068,7 +10524,7 @@
         <p:spPr/>
         <p:txBody>
           <a:bodyPr>
-            <a:normAutofit fontScale="62500" lnSpcReduction="20000"/>
+            <a:normAutofit fontScale="77500" lnSpcReduction="20000"/>
           </a:bodyPr>
           <a:lstStyle/>
           <a:p>
@@ -9101,30 +10557,7 @@
             </a:r>
             <a:r>
               <a:rPr lang="ja-JP" altLang="en-US" dirty="0"/>
-              <a:t>研究で実績のある</a:t>
-            </a:r>
-            <a:r>
-              <a:rPr lang="en-US" altLang="ja-JP" dirty="0"/>
-              <a:t>KIT</a:t>
-            </a:r>
-            <a:r>
-              <a:rPr lang="ja-JP" altLang="en-US" dirty="0"/>
-              <a:t>と産学連携し、</a:t>
-            </a:r>
-            <a:endParaRPr lang="en-US" altLang="ja-JP" dirty="0"/>
-          </a:p>
-          <a:p>
-            <a:r>
-              <a:rPr lang="ja-JP" altLang="en-US" dirty="0"/>
-              <a:t>　  </a:t>
-            </a:r>
-            <a:r>
-              <a:rPr lang="en-US" altLang="ja-JP" dirty="0"/>
-              <a:t>Xeon</a:t>
-            </a:r>
-            <a:r>
-              <a:rPr lang="ja-JP" altLang="en-US" dirty="0"/>
-              <a:t>等のサーバを複数台組み合わせて</a:t>
+              <a:t>研究で</a:t>
             </a:r>
             <a:r>
               <a:rPr lang="en-US" altLang="ja-JP" dirty="0"/>
@@ -9132,7 +10565,22 @@
             </a:r>
             <a:r>
               <a:rPr lang="ja-JP" altLang="en-US" dirty="0"/>
-              <a:t>クラスタを構築。</a:t>
+              <a:t>クラスタ構築実績のある大学と産学連携し、</a:t>
+            </a:r>
+            <a:endParaRPr lang="en-US" altLang="ja-JP" dirty="0"/>
+          </a:p>
+          <a:p>
+            <a:r>
+              <a:rPr lang="ja-JP" altLang="en-US" dirty="0"/>
+              <a:t>　  サーバを複数台組み合わせて</a:t>
+            </a:r>
+            <a:r>
+              <a:rPr lang="en-US" altLang="ja-JP" dirty="0"/>
+              <a:t>PC</a:t>
+            </a:r>
+            <a:r>
+              <a:rPr lang="ja-JP" altLang="en-US" dirty="0"/>
+              <a:t>クラスタを構築する。</a:t>
             </a:r>
             <a:endParaRPr lang="en-US" altLang="ja-JP" dirty="0"/>
           </a:p>
@@ -9188,7 +10636,30 @@
             </a:r>
             <a:r>
               <a:rPr lang="ja-JP" altLang="en-US" dirty="0"/>
-              <a:t>を設立。</a:t>
+              <a:t>を設立する。</a:t>
+            </a:r>
+            <a:endParaRPr lang="en-US" altLang="ja-JP" dirty="0"/>
+          </a:p>
+          <a:p>
+            <a:r>
+              <a:rPr lang="ja-JP" altLang="en-US" dirty="0"/>
+              <a:t>　 </a:t>
+            </a:r>
+            <a:r>
+              <a:rPr lang="en-US" altLang="ja-JP" dirty="0"/>
+              <a:t>※</a:t>
+            </a:r>
+            <a:r>
+              <a:rPr lang="ja-JP" altLang="en-US" dirty="0"/>
+              <a:t>産学連携で大学側と</a:t>
+            </a:r>
+            <a:r>
+              <a:rPr lang="en-US" altLang="ja-JP" dirty="0"/>
+              <a:t>HPC/</a:t>
+            </a:r>
+            <a:r>
+              <a:rPr lang="ja-JP" altLang="en-US" dirty="0"/>
+              <a:t>並列化に関する情報共有も行う。</a:t>
             </a:r>
             <a:endParaRPr lang="en-US" altLang="ja-JP" dirty="0"/>
           </a:p>
@@ -9212,7 +10683,7 @@
           <a:p>
             <a:r>
               <a:rPr lang="ja-JP" altLang="en-US" dirty="0"/>
-              <a:t>　  コンテナ化し仮想環境を構築して対応する。</a:t>
+              <a:t>　  コンテナ化の仕組みを導入し仮想環境を構築する。</a:t>
             </a:r>
             <a:endParaRPr lang="en-US" altLang="ja-JP" dirty="0"/>
           </a:p>
@@ -9257,7 +10728,7 @@
             </a:r>
             <a:r>
               <a:rPr lang="ja-JP" altLang="en-US" dirty="0"/>
-              <a:t>予約管理システムの構築</a:t>
+              <a:t>予約管理システムを構築する。</a:t>
             </a:r>
             <a:endParaRPr lang="en-US" altLang="ja-JP" dirty="0"/>
           </a:p>
@@ -9468,7 +10939,7 @@
         <p:spPr/>
         <p:txBody>
           <a:bodyPr>
-            <a:normAutofit fontScale="90000"/>
+            <a:normAutofit/>
           </a:bodyPr>
           <a:lstStyle/>
           <a:p>
@@ -9484,7 +10955,10 @@
               <a:rPr lang="en-US" altLang="ja-JP" dirty="0"/>
               <a:t>CC&amp;EC</a:t>
             </a:r>
-            <a:endParaRPr lang="ja-JP" altLang="en-US" dirty="0"/>
+            <a:r>
+              <a:rPr lang="ja-JP" altLang="en-US" dirty="0"/>
+              <a:t>サービス</a:t>
+            </a:r>
           </a:p>
         </p:txBody>
       </p:sp>
@@ -9507,13 +10981,13 @@
         <p:spPr/>
         <p:txBody>
           <a:bodyPr>
-            <a:normAutofit fontScale="40000" lnSpcReduction="20000"/>
+            <a:normAutofit fontScale="47500" lnSpcReduction="20000"/>
           </a:bodyPr>
           <a:lstStyle/>
           <a:p>
             <a:r>
               <a:rPr lang="ja-JP" altLang="en-US" dirty="0"/>
-              <a:t>消耗品提供企業</a:t>
+              <a:t>物資提供企業</a:t>
             </a:r>
             <a:r>
               <a:rPr lang="en-US" altLang="ja-JP" dirty="0"/>
@@ -9528,7 +11002,7 @@
           <a:p>
             <a:r>
               <a:rPr lang="ja-JP" altLang="en-US" dirty="0"/>
-              <a:t>⇒消耗品提供企業</a:t>
+              <a:t>⇒物資提供企業</a:t>
             </a:r>
             <a:r>
               <a:rPr lang="en-US" altLang="ja-JP" dirty="0"/>
@@ -9550,7 +11024,7 @@
           <a:p>
             <a:r>
               <a:rPr lang="ja-JP" altLang="en-US" dirty="0"/>
-              <a:t>     日用品：ドラッグストア</a:t>
+              <a:t>     日用品：地元のドラッグストア</a:t>
             </a:r>
             <a:r>
               <a:rPr lang="en-US" altLang="ja-JP" dirty="0"/>
@@ -9565,15 +11039,7 @@
           <a:p>
             <a:r>
               <a:rPr lang="ja-JP" altLang="en-US" dirty="0"/>
-              <a:t>　  配達：</a:t>
-            </a:r>
-            <a:r>
-              <a:rPr lang="en-US" altLang="ja-JP" dirty="0"/>
-              <a:t>NSS</a:t>
-            </a:r>
-            <a:r>
-              <a:rPr lang="ja-JP" altLang="en-US" dirty="0"/>
-              <a:t>と連携（新規サービスとして共同で立ち上げ）</a:t>
+              <a:t>　  配達：日精サービスと連携（新規サービスとして共同で立ち上げ）</a:t>
             </a:r>
             <a:endParaRPr lang="en-US" altLang="ja-JP" dirty="0"/>
           </a:p>
@@ -9606,7 +11072,7 @@
             </a:r>
             <a:r>
               <a:rPr lang="ja-JP" altLang="en-US" dirty="0"/>
-              <a:t>日用品ともに一括で簡単に電子注文する仕組みを導入。</a:t>
+              <a:t>日用品ともに一括で簡単に電子注文する仕組みを導入する。</a:t>
             </a:r>
             <a:endParaRPr lang="en-US" altLang="ja-JP" dirty="0"/>
           </a:p>
@@ -9647,7 +11113,7 @@
             </a:r>
             <a:r>
               <a:rPr lang="ja-JP" altLang="en-US" dirty="0"/>
-              <a:t>薬局と提携</a:t>
+              <a:t>薬局と提携する。</a:t>
             </a:r>
             <a:endParaRPr lang="en-US" altLang="ja-JP" dirty="0"/>
           </a:p>
@@ -9662,14 +11128,14 @@
             </a:r>
             <a:r>
               <a:rPr lang="ja-JP" altLang="en-US" dirty="0"/>
-              <a:t>スマートフォンを駆使して、軽微なケガや病気の初期症状を確認する。</a:t>
-            </a:r>
-            <a:endParaRPr lang="en-US" altLang="ja-JP" dirty="0"/>
-          </a:p>
-          <a:p>
-            <a:r>
-              <a:rPr lang="ja-JP" altLang="en-US" dirty="0"/>
-              <a:t>　  簡易診察で薬が必要な場合、薬局ともコミュニケーションをとれるようにして薬を配達する。</a:t>
+              <a:t>スマートフォンを駆使して、軽微なケガや病気の初期症状を診断できるシステムを構築する。</a:t>
+            </a:r>
+            <a:endParaRPr lang="en-US" altLang="ja-JP" dirty="0"/>
+          </a:p>
+          <a:p>
+            <a:r>
+              <a:rPr lang="ja-JP" altLang="en-US" dirty="0"/>
+              <a:t>　  簡易診察で薬が必要な場合、薬局ともコミュニケーションをとり薬を配達する。</a:t>
             </a:r>
             <a:endParaRPr lang="en-US" altLang="ja-JP" dirty="0"/>
           </a:p>
@@ -9695,14 +11161,14 @@
             </a:r>
             <a:r>
               <a:rPr lang="ja-JP" altLang="en-US" dirty="0"/>
-              <a:t>交通の統合情報提供アプリの検討</a:t>
-            </a:r>
-            <a:endParaRPr lang="en-US" altLang="ja-JP" dirty="0"/>
-          </a:p>
-          <a:p>
-            <a:r>
-              <a:rPr lang="ja-JP" altLang="en-US" dirty="0"/>
-              <a:t>⇒長岡市等の行政と連携し、一元的に情報を確認できるアプリを作成し配布する。</a:t>
+              <a:t>交通の統合情報提供アプリの構築</a:t>
+            </a:r>
+            <a:endParaRPr lang="en-US" altLang="ja-JP" dirty="0"/>
+          </a:p>
+          <a:p>
+            <a:r>
+              <a:rPr lang="ja-JP" altLang="en-US" dirty="0"/>
+              <a:t>⇒長岡市等の行政と連携し、一元的に情報を確認できるアプリを構築し配布する。</a:t>
             </a:r>
             <a:endParaRPr lang="en-US" altLang="ja-JP" dirty="0"/>
           </a:p>
@@ -9727,7 +11193,7 @@
             </a:r>
             <a:r>
               <a:rPr lang="ja-JP" altLang="en-US" dirty="0"/>
-              <a:t>のようにアプリユーザーの写真投稿情報を基に道路情報を更新する仕組みを導入。</a:t>
+              <a:t>のようにアプリユーザーの写真投稿情報を基に道路情報を更新する仕組みを導入する。</a:t>
             </a:r>
             <a:endParaRPr lang="en-US" altLang="ja-JP" dirty="0"/>
           </a:p>
@@ -9955,7 +11421,21 @@
           <a:bodyPr/>
           <a:lstStyle/>
           <a:p>
-            <a:endParaRPr lang="ja-JP" altLang="en-US"/>
+            <a:br>
+              <a:rPr lang="en-US" altLang="ja-JP" dirty="0"/>
+            </a:br>
+            <a:r>
+              <a:rPr lang="ja-JP" altLang="en-US" dirty="0"/>
+              <a:t>■</a:t>
+            </a:r>
+            <a:r>
+              <a:rPr lang="en-US" altLang="ja-JP" dirty="0"/>
+              <a:t>HPC</a:t>
+            </a:r>
+            <a:r>
+              <a:rPr lang="ja-JP" altLang="en-US" dirty="0"/>
+              <a:t>解析サービス</a:t>
+            </a:r>
           </a:p>
         </p:txBody>
       </p:sp>
@@ -9978,50 +11458,122 @@
         <p:spPr/>
         <p:txBody>
           <a:bodyPr>
-            <a:normAutofit fontScale="47500" lnSpcReduction="20000"/>
+            <a:normAutofit fontScale="92500"/>
           </a:bodyPr>
           <a:lstStyle/>
           <a:p>
             <a:r>
-              <a:rPr lang="ja-JP" altLang="en-US" dirty="0"/>
-              <a:t>■</a:t>
-            </a:r>
-            <a:r>
               <a:rPr lang="en-US" altLang="ja-JP" dirty="0"/>
               <a:t>HPC</a:t>
             </a:r>
             <a:r>
               <a:rPr lang="ja-JP" altLang="en-US" dirty="0"/>
-              <a:t>解析</a:t>
-            </a:r>
-            <a:endParaRPr lang="en-US" altLang="ja-JP" dirty="0"/>
-          </a:p>
-          <a:p>
+              <a:t>解析サービス利用（空き状況に応じて随時予約可能）</a:t>
+            </a:r>
+            <a:endParaRPr lang="en-US" altLang="ja-JP" dirty="0"/>
+          </a:p>
+          <a:p>
+            <a:r>
+              <a:rPr lang="ja-JP" altLang="en-US" dirty="0"/>
+              <a:t>⇒リソースと占有期間に応じた従量制課金（</a:t>
+            </a:r>
+            <a:r>
+              <a:rPr lang="en-US" altLang="ja-JP" dirty="0"/>
+              <a:t>30</a:t>
+            </a:r>
+            <a:r>
+              <a:rPr lang="ja-JP" altLang="en-US" dirty="0"/>
+              <a:t>分：</a:t>
+            </a:r>
+            <a:r>
+              <a:rPr lang="en-US" altLang="ja-JP" dirty="0"/>
+              <a:t>5,000</a:t>
+            </a:r>
+            <a:r>
+              <a:rPr lang="ja-JP" altLang="en-US" dirty="0"/>
+              <a:t>円）</a:t>
+            </a:r>
+            <a:endParaRPr lang="en-US" altLang="ja-JP" dirty="0"/>
+          </a:p>
+          <a:p>
+            <a:r>
+              <a:rPr lang="ja-JP" altLang="en-US" dirty="0"/>
+              <a:t>　固定額でリソースを占有できるサブスク形式（月額：</a:t>
+            </a:r>
+            <a:r>
+              <a:rPr lang="en-US" altLang="ja-JP" dirty="0"/>
+              <a:t>100,000</a:t>
+            </a:r>
+            <a:r>
+              <a:rPr lang="ja-JP" altLang="en-US" dirty="0"/>
+              <a:t>円）</a:t>
+            </a:r>
+            <a:endParaRPr lang="en-US" altLang="ja-JP" dirty="0"/>
+          </a:p>
+          <a:p>
+            <a:r>
+              <a:rPr lang="ja-JP" altLang="en-US" dirty="0"/>
+              <a:t>　</a:t>
+            </a:r>
+            <a:r>
+              <a:rPr lang="en-US" altLang="ja-JP" dirty="0"/>
+              <a:t>※Web</a:t>
+            </a:r>
+            <a:r>
+              <a:rPr lang="ja-JP" altLang="en-US" dirty="0"/>
+              <a:t>上から予約可能なシステムで</a:t>
+            </a:r>
+            <a:r>
+              <a:rPr lang="en-US" altLang="ja-JP" dirty="0"/>
+              <a:t>24h</a:t>
+            </a:r>
+            <a:r>
+              <a:rPr lang="ja-JP" altLang="en-US" dirty="0"/>
+              <a:t>受付可能</a:t>
+            </a:r>
+            <a:endParaRPr lang="en-US" altLang="ja-JP" dirty="0"/>
+          </a:p>
+          <a:p>
+            <a:endParaRPr lang="en-US" altLang="ja-JP" dirty="0"/>
+          </a:p>
+          <a:p>
+            <a:r>
+              <a:rPr lang="ja-JP" altLang="en-US" dirty="0"/>
+              <a:t>顧客固有</a:t>
+            </a:r>
+            <a:r>
+              <a:rPr lang="en-US" altLang="ja-JP" dirty="0"/>
+              <a:t>PC</a:t>
+            </a:r>
+            <a:r>
+              <a:rPr lang="ja-JP" altLang="en-US" dirty="0"/>
+              <a:t>クラスタの構築サポート</a:t>
+            </a:r>
+            <a:endParaRPr lang="en-US" altLang="ja-JP" dirty="0"/>
+          </a:p>
+          <a:p>
+            <a:r>
+              <a:rPr lang="ja-JP" altLang="en-US" dirty="0"/>
+              <a:t>⇒オンプレミスでの</a:t>
+            </a:r>
             <a:r>
               <a:rPr lang="en-US" altLang="ja-JP" dirty="0"/>
               <a:t>HPC</a:t>
             </a:r>
             <a:r>
               <a:rPr lang="ja-JP" altLang="en-US" dirty="0"/>
-              <a:t>インフラ利用（空き状況に応じて随時予約可能）</a:t>
-            </a:r>
-            <a:endParaRPr lang="en-US" altLang="ja-JP" dirty="0"/>
-          </a:p>
-          <a:p>
-            <a:r>
-              <a:rPr lang="ja-JP" altLang="en-US" dirty="0"/>
-              <a:t>⇒リソースと占有期間に応じた従量制課金と</a:t>
-            </a:r>
-            <a:endParaRPr lang="en-US" altLang="ja-JP" dirty="0"/>
-          </a:p>
-          <a:p>
-            <a:r>
-              <a:rPr lang="ja-JP" altLang="en-US" dirty="0"/>
-              <a:t>　  固定額で一定のリソースを利用できるサブスク形式を選択可能</a:t>
-            </a:r>
-            <a:endParaRPr lang="en-US" altLang="ja-JP" dirty="0"/>
-          </a:p>
-          <a:p>
+              <a:t>インフラ整備を出張サポート</a:t>
+            </a:r>
+            <a:endParaRPr lang="en-US" altLang="ja-JP" dirty="0"/>
+          </a:p>
+          <a:p>
+            <a:endParaRPr lang="en-US" altLang="ja-JP" dirty="0"/>
+          </a:p>
+          <a:p>
+            <a:r>
+              <a:rPr lang="ja-JP" altLang="en-US" dirty="0"/>
+              <a:t>シミュレーションプログラムの個別作成</a:t>
+            </a:r>
             <a:endParaRPr lang="en-US" altLang="ja-JP" dirty="0"/>
           </a:p>
           <a:p>
@@ -10041,121 +11593,9 @@
           <a:p>
             <a:r>
               <a:rPr lang="ja-JP" altLang="en-US" dirty="0"/>
-              <a:t>　  プログラムの規模に応じた変動見積もり</a:t>
-            </a:r>
-            <a:endParaRPr lang="en-US" altLang="ja-JP" dirty="0"/>
-          </a:p>
-          <a:p>
-            <a:endParaRPr lang="en-US" altLang="ja-JP" dirty="0"/>
-          </a:p>
-          <a:p>
-            <a:r>
-              <a:rPr lang="ja-JP" altLang="en-US" dirty="0"/>
-              <a:t>■</a:t>
-            </a:r>
-            <a:r>
-              <a:rPr lang="en-US" altLang="ja-JP" dirty="0"/>
-              <a:t>CC&amp;EC</a:t>
-            </a:r>
-            <a:r>
-              <a:rPr lang="ja-JP" altLang="en-US" dirty="0"/>
-              <a:t>サービス</a:t>
-            </a:r>
-            <a:endParaRPr lang="en-US" altLang="ja-JP" dirty="0"/>
-          </a:p>
-          <a:p>
-            <a:r>
-              <a:rPr lang="ja-JP" altLang="en-US" dirty="0"/>
-              <a:t>消耗品購入・配達サービス</a:t>
-            </a:r>
-            <a:endParaRPr lang="en-US" altLang="ja-JP" dirty="0"/>
-          </a:p>
-          <a:p>
-            <a:r>
-              <a:rPr lang="ja-JP" altLang="en-US" dirty="0"/>
-              <a:t>⇒タブレット端末のリース契約</a:t>
-            </a:r>
-            <a:r>
-              <a:rPr lang="en-US" altLang="ja-JP" dirty="0"/>
-              <a:t>/</a:t>
-            </a:r>
-            <a:r>
-              <a:rPr lang="ja-JP" altLang="en-US" dirty="0"/>
-              <a:t>システム利用料を月単位で請求</a:t>
-            </a:r>
-            <a:endParaRPr lang="en-US" altLang="ja-JP" dirty="0"/>
-          </a:p>
-          <a:p>
-            <a:endParaRPr lang="en-US" altLang="ja-JP" dirty="0"/>
-          </a:p>
-          <a:p>
-            <a:r>
-              <a:rPr lang="ja-JP" altLang="en-US" dirty="0"/>
-              <a:t>簡易診察サービス</a:t>
-            </a:r>
-            <a:endParaRPr lang="en-US" altLang="ja-JP" dirty="0"/>
-          </a:p>
-          <a:p>
-            <a:r>
-              <a:rPr lang="ja-JP" altLang="en-US" dirty="0"/>
-              <a:t>⇒タブレット端末のリース契約</a:t>
-            </a:r>
-            <a:r>
-              <a:rPr lang="en-US" altLang="ja-JP" dirty="0"/>
-              <a:t>/</a:t>
-            </a:r>
-            <a:r>
-              <a:rPr lang="ja-JP" altLang="en-US" dirty="0"/>
-              <a:t>システム利用料を月単位で請求</a:t>
-            </a:r>
-            <a:endParaRPr lang="en-US" altLang="ja-JP" dirty="0"/>
-          </a:p>
-          <a:p>
-            <a:endParaRPr lang="en-US" altLang="ja-JP" dirty="0"/>
-          </a:p>
-          <a:p>
-            <a:r>
-              <a:rPr lang="ja-JP" altLang="en-US" dirty="0"/>
-              <a:t>防災</a:t>
-            </a:r>
-            <a:r>
-              <a:rPr lang="en-US" altLang="ja-JP" dirty="0"/>
-              <a:t>/</a:t>
-            </a:r>
-            <a:r>
-              <a:rPr lang="ja-JP" altLang="en-US" dirty="0"/>
-              <a:t>気象</a:t>
-            </a:r>
-            <a:r>
-              <a:rPr lang="en-US" altLang="ja-JP" dirty="0"/>
-              <a:t>/</a:t>
-            </a:r>
-            <a:r>
-              <a:rPr lang="ja-JP" altLang="en-US" dirty="0"/>
-              <a:t>交通統合情報アプリの月額課金サービス</a:t>
-            </a:r>
-            <a:endParaRPr lang="en-US" altLang="ja-JP" dirty="0"/>
-          </a:p>
-          <a:p>
-            <a:r>
-              <a:rPr lang="ja-JP" altLang="en-US" dirty="0"/>
-              <a:t>⇒基本的には有料会員以外は利用不可（インストール自体は有料会員登録なしでも可能）</a:t>
-            </a:r>
-            <a:endParaRPr lang="en-US" altLang="ja-JP" dirty="0"/>
-          </a:p>
-          <a:p>
-            <a:r>
-              <a:rPr lang="ja-JP" altLang="en-US" dirty="0"/>
-              <a:t>　  </a:t>
-            </a:r>
-            <a:r>
-              <a:rPr lang="en-US" altLang="ja-JP" dirty="0"/>
-              <a:t>※</a:t>
-            </a:r>
-            <a:r>
-              <a:rPr lang="ja-JP" altLang="en-US" dirty="0"/>
-              <a:t>災害時のみ無料で全機能利用可能</a:t>
-            </a:r>
+              <a:t>　  プログラムの規模に応じた工数見積もり</a:t>
+            </a:r>
+            <a:endParaRPr lang="en-US" altLang="ja-JP" dirty="0"/>
           </a:p>
         </p:txBody>
       </p:sp>
@@ -10336,7 +11776,7 @@
                   <a:ea typeface="Meiryo UI" panose="020B0604030504040204" pitchFamily="50" charset="-128"/>
                   <a:cs typeface="Meiryo UI" panose="020B0604030504040204" pitchFamily="50" charset="-128"/>
                 </a:rPr>
-                <a:t>強み、市場優位性</a:t>
+                <a:t>ビジネスモデル</a:t>
               </a:r>
             </a:p>
           </p:txBody>
@@ -10347,7 +11787,7 @@
           <p:cNvPr id="7" name="タイトル 6">
             <a:extLst>
               <a:ext uri="{FF2B5EF4-FFF2-40B4-BE49-F238E27FC236}">
-                <a16:creationId xmlns:a16="http://schemas.microsoft.com/office/drawing/2014/main" id="{1FB69CFC-51D3-82AC-4E7B-A4BE46371F6C}"/>
+                <a16:creationId xmlns:a16="http://schemas.microsoft.com/office/drawing/2014/main" id="{37F6499B-6B5F-EA3D-060E-1D9DB9556F73}"/>
               </a:ext>
             </a:extLst>
           </p:cNvPr>
@@ -10360,12 +11800,9 @@
         </p:nvSpPr>
         <p:spPr/>
         <p:txBody>
-          <a:bodyPr>
-            <a:normAutofit fontScale="90000"/>
-          </a:bodyPr>
+          <a:bodyPr/>
           <a:lstStyle/>
           <a:p>
-            <a:pPr algn="l"/>
             <a:br>
               <a:rPr lang="en-US" altLang="ja-JP" dirty="0"/>
             </a:br>
@@ -10375,11 +11812,11 @@
             </a:r>
             <a:r>
               <a:rPr lang="en-US" altLang="ja-JP" dirty="0"/>
-              <a:t>HPC</a:t>
-            </a:r>
-            <a:r>
-              <a:rPr lang="ja-JP" altLang="en-US" dirty="0"/>
-              <a:t>解析</a:t>
+              <a:t>CC&amp;EC</a:t>
+            </a:r>
+            <a:r>
+              <a:rPr lang="ja-JP" altLang="en-US" dirty="0"/>
+              <a:t>サービス</a:t>
             </a:r>
           </a:p>
         </p:txBody>
@@ -10389,7 +11826,7 @@
           <p:cNvPr id="8" name="コンテンツ プレースホルダー 7">
             <a:extLst>
               <a:ext uri="{FF2B5EF4-FFF2-40B4-BE49-F238E27FC236}">
-                <a16:creationId xmlns:a16="http://schemas.microsoft.com/office/drawing/2014/main" id="{2F9993A4-510E-2740-4DA3-2A621E4CA1A3}"/>
+                <a16:creationId xmlns:a16="http://schemas.microsoft.com/office/drawing/2014/main" id="{2C16A347-7717-1B4B-D2BF-B21A4763B391}"/>
               </a:ext>
             </a:extLst>
           </p:cNvPr>
@@ -10403,13 +11840,20 @@
         <p:spPr/>
         <p:txBody>
           <a:bodyPr>
-            <a:normAutofit fontScale="92500" lnSpcReduction="10000"/>
+            <a:normAutofit/>
           </a:bodyPr>
           <a:lstStyle/>
           <a:p>
             <a:r>
               <a:rPr lang="ja-JP" altLang="en-US" dirty="0"/>
-              <a:t>スパコン</a:t>
+              <a:t>物資供給サービス利用</a:t>
+            </a:r>
+            <a:endParaRPr lang="en-US" altLang="ja-JP" dirty="0"/>
+          </a:p>
+          <a:p>
+            <a:r>
+              <a:rPr lang="ja-JP" altLang="en-US" dirty="0"/>
+              <a:t>⇒タブレット端末</a:t>
             </a:r>
             <a:r>
               <a:rPr lang="en-US" altLang="ja-JP" dirty="0"/>
@@ -10417,14 +11861,32 @@
             </a:r>
             <a:r>
               <a:rPr lang="ja-JP" altLang="en-US" dirty="0"/>
-              <a:t>競合サービスと比較して低コスト</a:t>
-            </a:r>
-            <a:endParaRPr lang="en-US" altLang="ja-JP" dirty="0"/>
-          </a:p>
-          <a:p>
-            <a:r>
-              <a:rPr lang="ja-JP" altLang="en-US" dirty="0"/>
-              <a:t>競合サービスは国立研究機関向けにサービス展開しているため、中小企業</a:t>
+              <a:t>システム利用料あわせて月額</a:t>
+            </a:r>
+            <a:r>
+              <a:rPr lang="en-US" altLang="ja-JP" dirty="0"/>
+              <a:t>300</a:t>
+            </a:r>
+            <a:r>
+              <a:rPr lang="ja-JP" altLang="en-US" dirty="0"/>
+              <a:t>円</a:t>
+            </a:r>
+            <a:endParaRPr lang="en-US" altLang="ja-JP" dirty="0"/>
+          </a:p>
+          <a:p>
+            <a:endParaRPr lang="en-US" altLang="ja-JP" dirty="0"/>
+          </a:p>
+          <a:p>
+            <a:r>
+              <a:rPr lang="ja-JP" altLang="en-US" dirty="0"/>
+              <a:t>簡易診察サービス利用</a:t>
+            </a:r>
+            <a:endParaRPr lang="en-US" altLang="ja-JP" dirty="0"/>
+          </a:p>
+          <a:p>
+            <a:r>
+              <a:rPr lang="ja-JP" altLang="en-US" dirty="0"/>
+              <a:t>⇒タブレット端末</a:t>
             </a:r>
             <a:r>
               <a:rPr lang="en-US" altLang="ja-JP" dirty="0"/>
@@ -10432,44 +11894,63 @@
             </a:r>
             <a:r>
               <a:rPr lang="ja-JP" altLang="en-US" dirty="0"/>
-              <a:t>私立大学に対して売り込む余地あり。</a:t>
-            </a:r>
-            <a:endParaRPr lang="en-US" altLang="ja-JP" dirty="0"/>
-          </a:p>
-          <a:p>
-            <a:r>
-              <a:rPr lang="ja-JP" altLang="en-US" dirty="0"/>
-              <a:t>大規模シミュレーションにあたり、高コストな</a:t>
-            </a:r>
-            <a:r>
-              <a:rPr lang="en-US" altLang="ja-JP" dirty="0"/>
-              <a:t>HPC</a:t>
-            </a:r>
-            <a:r>
-              <a:rPr lang="ja-JP" altLang="en-US" dirty="0"/>
-              <a:t>インフラ基盤の用意が不要。</a:t>
-            </a:r>
-          </a:p>
-          <a:p>
-            <a:r>
-              <a:rPr lang="ja-JP" altLang="en-US" dirty="0"/>
-              <a:t>状況に応じてリソース（コスト）調整が容易 </a:t>
-            </a:r>
-          </a:p>
-          <a:p>
-            <a:r>
-              <a:rPr lang="ja-JP" altLang="en-US" dirty="0"/>
-              <a:t>従来よりも解析時間の大幅な短縮が可能</a:t>
-            </a:r>
-          </a:p>
-          <a:p>
-            <a:r>
-              <a:rPr lang="ja-JP" altLang="en-US" dirty="0"/>
-              <a:t>並列化プログラムのサポート対応あり</a:t>
-            </a:r>
-          </a:p>
-          <a:p>
-            <a:endParaRPr lang="ja-JP" altLang="en-US" dirty="0"/>
+              <a:t>システム利用料あわせて月額</a:t>
+            </a:r>
+            <a:r>
+              <a:rPr lang="en-US" altLang="ja-JP" dirty="0"/>
+              <a:t>300</a:t>
+            </a:r>
+            <a:r>
+              <a:rPr lang="ja-JP" altLang="en-US" dirty="0"/>
+              <a:t>円</a:t>
+            </a:r>
+            <a:endParaRPr lang="en-US" altLang="ja-JP" dirty="0"/>
+          </a:p>
+          <a:p>
+            <a:endParaRPr lang="en-US" altLang="ja-JP" dirty="0"/>
+          </a:p>
+          <a:p>
+            <a:r>
+              <a:rPr lang="ja-JP" altLang="en-US" dirty="0"/>
+              <a:t>統合インフラ情報アプリの月額課金サービス</a:t>
+            </a:r>
+            <a:endParaRPr lang="en-US" altLang="ja-JP" dirty="0"/>
+          </a:p>
+          <a:p>
+            <a:r>
+              <a:rPr lang="ja-JP" altLang="en-US" dirty="0"/>
+              <a:t>⇒基本的には有料会員（月額</a:t>
+            </a:r>
+            <a:r>
+              <a:rPr lang="en-US" altLang="ja-JP" dirty="0"/>
+              <a:t>100</a:t>
+            </a:r>
+            <a:r>
+              <a:rPr lang="ja-JP" altLang="en-US" dirty="0"/>
+              <a:t>円）以外は利用不可</a:t>
+            </a:r>
+            <a:endParaRPr lang="en-US" altLang="ja-JP" dirty="0"/>
+          </a:p>
+          <a:p>
+            <a:r>
+              <a:rPr lang="ja-JP" altLang="en-US" dirty="0"/>
+              <a:t>　（インストール自体は有料会員登録なしでも可能）</a:t>
+            </a:r>
+            <a:endParaRPr lang="en-US" altLang="ja-JP" dirty="0"/>
+          </a:p>
+          <a:p>
+            <a:r>
+              <a:rPr lang="ja-JP" altLang="en-US" dirty="0"/>
+              <a:t>　</a:t>
+            </a:r>
+            <a:r>
+              <a:rPr lang="en-US" altLang="ja-JP" dirty="0"/>
+              <a:t>※</a:t>
+            </a:r>
+            <a:r>
+              <a:rPr lang="ja-JP" altLang="en-US" dirty="0"/>
+              <a:t>災害時のみ無料で全機能利用可能にすることを想定。</a:t>
+            </a:r>
           </a:p>
         </p:txBody>
       </p:sp>
@@ -10500,7 +11981,7 @@
     </p:spTree>
     <p:extLst>
       <p:ext uri="{BB962C8B-B14F-4D97-AF65-F5344CB8AC3E}">
-        <p14:creationId xmlns:p14="http://schemas.microsoft.com/office/powerpoint/2010/main" val="1084248711"/>
+        <p14:creationId xmlns:p14="http://schemas.microsoft.com/office/powerpoint/2010/main" val="3065034809"/>
       </p:ext>
     </p:extLst>
   </p:cSld>
@@ -10511,7 +11992,7 @@
 </file>
 
 <file path=ppt/theme/theme1.xml><?xml version="1.0" encoding="utf-8"?>
-<a:theme xmlns:a="http://schemas.openxmlformats.org/drawingml/2006/main" name="Office ​​テーマ">
+<a:theme xmlns:a="http://schemas.openxmlformats.org/drawingml/2006/main" name="Office テーマ">
   <a:themeElements>
     <a:clrScheme name="Office">
       <a:dk1>
@@ -10521,44 +12002,44 @@
         <a:sysClr val="window" lastClr="FFFFFF"/>
       </a:lt1>
       <a:dk2>
-        <a:srgbClr val="1F497D"/>
+        <a:srgbClr val="44546A"/>
       </a:dk2>
       <a:lt2>
-        <a:srgbClr val="EEECE1"/>
+        <a:srgbClr val="E7E6E6"/>
       </a:lt2>
       <a:accent1>
-        <a:srgbClr val="4F81BD"/>
+        <a:srgbClr val="4472C4"/>
       </a:accent1>
       <a:accent2>
-        <a:srgbClr val="C0504D"/>
+        <a:srgbClr val="ED7D31"/>
       </a:accent2>
       <a:accent3>
-        <a:srgbClr val="9BBB59"/>
+        <a:srgbClr val="A5A5A5"/>
       </a:accent3>
       <a:accent4>
-        <a:srgbClr val="8064A2"/>
+        <a:srgbClr val="FFC000"/>
       </a:accent4>
       <a:accent5>
-        <a:srgbClr val="4BACC6"/>
+        <a:srgbClr val="5B9BD5"/>
       </a:accent5>
       <a:accent6>
-        <a:srgbClr val="F79646"/>
+        <a:srgbClr val="70AD47"/>
       </a:accent6>
       <a:hlink>
-        <a:srgbClr val="0000FF"/>
+        <a:srgbClr val="0563C1"/>
       </a:hlink>
       <a:folHlink>
-        <a:srgbClr val="800080"/>
+        <a:srgbClr val="954F72"/>
       </a:folHlink>
     </a:clrScheme>
     <a:fontScheme name="Office">
       <a:majorFont>
-        <a:latin typeface="Calibri"/>
+        <a:latin typeface="游ゴシック Light" panose="020F0302020204030204"/>
         <a:ea typeface=""/>
         <a:cs typeface=""/>
-        <a:font script="Jpan" typeface="ＭＳ Ｐゴシック"/>
+        <a:font script="Jpan" typeface="游ゴシック Light"/>
         <a:font script="Hang" typeface="맑은 고딕"/>
-        <a:font script="Hans" typeface="宋体"/>
+        <a:font script="Hans" typeface="等线 Light"/>
         <a:font script="Hant" typeface="新細明體"/>
         <a:font script="Arab" typeface="Times New Roman"/>
         <a:font script="Hebr" typeface="Times New Roman"/>
@@ -10586,14 +12067,31 @@
         <a:font script="Viet" typeface="Times New Roman"/>
         <a:font script="Uigh" typeface="Microsoft Uighur"/>
         <a:font script="Geor" typeface="Sylfaen"/>
+        <a:font script="Armn" typeface="Arial"/>
+        <a:font script="Bugi" typeface="Leelawadee UI"/>
+        <a:font script="Bopo" typeface="Microsoft JhengHei"/>
+        <a:font script="Java" typeface="Javanese Text"/>
+        <a:font script="Lisu" typeface="Segoe UI"/>
+        <a:font script="Mymr" typeface="Myanmar Text"/>
+        <a:font script="Nkoo" typeface="Ebrima"/>
+        <a:font script="Olck" typeface="Nirmala UI"/>
+        <a:font script="Osma" typeface="Ebrima"/>
+        <a:font script="Phag" typeface="Phagspa"/>
+        <a:font script="Syrn" typeface="Estrangelo Edessa"/>
+        <a:font script="Syrj" typeface="Estrangelo Edessa"/>
+        <a:font script="Syre" typeface="Estrangelo Edessa"/>
+        <a:font script="Sora" typeface="Nirmala UI"/>
+        <a:font script="Tale" typeface="Microsoft Tai Le"/>
+        <a:font script="Talu" typeface="Microsoft New Tai Lue"/>
+        <a:font script="Tfng" typeface="Ebrima"/>
       </a:majorFont>
       <a:minorFont>
-        <a:latin typeface="Calibri"/>
+        <a:latin typeface="游ゴシック" panose="020F0502020204030204"/>
         <a:ea typeface=""/>
         <a:cs typeface=""/>
-        <a:font script="Jpan" typeface="ＭＳ Ｐゴシック"/>
+        <a:font script="Jpan" typeface="游ゴシック"/>
         <a:font script="Hang" typeface="맑은 고딕"/>
-        <a:font script="Hans" typeface="宋体"/>
+        <a:font script="Hans" typeface="等线"/>
         <a:font script="Hant" typeface="新細明體"/>
         <a:font script="Arab" typeface="Arial"/>
         <a:font script="Hebr" typeface="Arial"/>
@@ -10621,6 +12119,23 @@
         <a:font script="Viet" typeface="Arial"/>
         <a:font script="Uigh" typeface="Microsoft Uighur"/>
         <a:font script="Geor" typeface="Sylfaen"/>
+        <a:font script="Armn" typeface="Arial"/>
+        <a:font script="Bugi" typeface="Leelawadee UI"/>
+        <a:font script="Bopo" typeface="Microsoft JhengHei"/>
+        <a:font script="Java" typeface="Javanese Text"/>
+        <a:font script="Lisu" typeface="Segoe UI"/>
+        <a:font script="Mymr" typeface="Myanmar Text"/>
+        <a:font script="Nkoo" typeface="Ebrima"/>
+        <a:font script="Olck" typeface="Nirmala UI"/>
+        <a:font script="Osma" typeface="Ebrima"/>
+        <a:font script="Phag" typeface="Phagspa"/>
+        <a:font script="Syrn" typeface="Estrangelo Edessa"/>
+        <a:font script="Syrj" typeface="Estrangelo Edessa"/>
+        <a:font script="Syre" typeface="Estrangelo Edessa"/>
+        <a:font script="Sora" typeface="Nirmala UI"/>
+        <a:font script="Tale" typeface="Microsoft Tai Le"/>
+        <a:font script="Talu" typeface="Microsoft New Tai Lue"/>
+        <a:font script="Tfng" typeface="Ebrima"/>
       </a:minorFont>
     </a:fontScheme>
     <a:fmtScheme name="Office">
@@ -10632,166 +12147,142 @@
           <a:gsLst>
             <a:gs pos="0">
               <a:schemeClr val="phClr">
-                <a:tint val="50000"/>
-                <a:satMod val="300000"/>
+                <a:lumMod val="110000"/>
+                <a:satMod val="105000"/>
+                <a:tint val="67000"/>
               </a:schemeClr>
             </a:gs>
-            <a:gs pos="35000">
+            <a:gs pos="50000">
               <a:schemeClr val="phClr">
-                <a:tint val="37000"/>
-                <a:satMod val="300000"/>
+                <a:lumMod val="105000"/>
+                <a:satMod val="103000"/>
+                <a:tint val="73000"/>
               </a:schemeClr>
             </a:gs>
             <a:gs pos="100000">
               <a:schemeClr val="phClr">
-                <a:tint val="15000"/>
-                <a:satMod val="350000"/>
+                <a:lumMod val="105000"/>
+                <a:satMod val="109000"/>
+                <a:tint val="81000"/>
               </a:schemeClr>
             </a:gs>
           </a:gsLst>
-          <a:lin ang="16200000" scaled="1"/>
+          <a:lin ang="5400000" scaled="0"/>
         </a:gradFill>
         <a:gradFill rotWithShape="1">
           <a:gsLst>
             <a:gs pos="0">
               <a:schemeClr val="phClr">
-                <a:shade val="51000"/>
-                <a:satMod val="130000"/>
+                <a:satMod val="103000"/>
+                <a:lumMod val="102000"/>
+                <a:tint val="94000"/>
               </a:schemeClr>
             </a:gs>
-            <a:gs pos="80000">
+            <a:gs pos="50000">
               <a:schemeClr val="phClr">
-                <a:shade val="93000"/>
-                <a:satMod val="130000"/>
+                <a:satMod val="110000"/>
+                <a:lumMod val="100000"/>
+                <a:shade val="100000"/>
               </a:schemeClr>
             </a:gs>
             <a:gs pos="100000">
               <a:schemeClr val="phClr">
-                <a:shade val="94000"/>
-                <a:satMod val="135000"/>
+                <a:lumMod val="99000"/>
+                <a:satMod val="120000"/>
+                <a:shade val="78000"/>
               </a:schemeClr>
             </a:gs>
           </a:gsLst>
-          <a:lin ang="16200000" scaled="0"/>
+          <a:lin ang="5400000" scaled="0"/>
         </a:gradFill>
       </a:fillStyleLst>
       <a:lnStyleLst>
-        <a:ln w="9525" cap="flat" cmpd="sng" algn="ctr">
-          <a:solidFill>
-            <a:schemeClr val="phClr">
-              <a:shade val="95000"/>
-              <a:satMod val="105000"/>
-            </a:schemeClr>
-          </a:solidFill>
-          <a:prstDash val="solid"/>
-        </a:ln>
-        <a:ln w="25400" cap="flat" cmpd="sng" algn="ctr">
+        <a:ln w="6350" cap="flat" cmpd="sng" algn="ctr">
           <a:solidFill>
             <a:schemeClr val="phClr"/>
           </a:solidFill>
           <a:prstDash val="solid"/>
+          <a:miter lim="800000"/>
         </a:ln>
-        <a:ln w="38100" cap="flat" cmpd="sng" algn="ctr">
+        <a:ln w="12700" cap="flat" cmpd="sng" algn="ctr">
           <a:solidFill>
             <a:schemeClr val="phClr"/>
           </a:solidFill>
           <a:prstDash val="solid"/>
+          <a:miter lim="800000"/>
+        </a:ln>
+        <a:ln w="19050" cap="flat" cmpd="sng" algn="ctr">
+          <a:solidFill>
+            <a:schemeClr val="phClr"/>
+          </a:solidFill>
+          <a:prstDash val="solid"/>
+          <a:miter lim="800000"/>
         </a:ln>
       </a:lnStyleLst>
       <a:effectStyleLst>
         <a:effectStyle>
+          <a:effectLst/>
+        </a:effectStyle>
+        <a:effectStyle>
+          <a:effectLst/>
+        </a:effectStyle>
+        <a:effectStyle>
           <a:effectLst>
-            <a:outerShdw blurRad="40000" dist="20000" dir="5400000" rotWithShape="0">
+            <a:outerShdw blurRad="57150" dist="19050" dir="5400000" algn="ctr" rotWithShape="0">
               <a:srgbClr val="000000">
-                <a:alpha val="38000"/>
+                <a:alpha val="63000"/>
               </a:srgbClr>
             </a:outerShdw>
           </a:effectLst>
-        </a:effectStyle>
-        <a:effectStyle>
-          <a:effectLst>
-            <a:outerShdw blurRad="40000" dist="23000" dir="5400000" rotWithShape="0">
-              <a:srgbClr val="000000">
-                <a:alpha val="35000"/>
-              </a:srgbClr>
-            </a:outerShdw>
-          </a:effectLst>
-        </a:effectStyle>
-        <a:effectStyle>
-          <a:effectLst>
-            <a:outerShdw blurRad="40000" dist="23000" dir="5400000" rotWithShape="0">
-              <a:srgbClr val="000000">
-                <a:alpha val="35000"/>
-              </a:srgbClr>
-            </a:outerShdw>
-          </a:effectLst>
-          <a:scene3d>
-            <a:camera prst="orthographicFront">
-              <a:rot lat="0" lon="0" rev="0"/>
-            </a:camera>
-            <a:lightRig rig="threePt" dir="t">
-              <a:rot lat="0" lon="0" rev="1200000"/>
-            </a:lightRig>
-          </a:scene3d>
-          <a:sp3d>
-            <a:bevelT w="63500" h="25400"/>
-          </a:sp3d>
         </a:effectStyle>
       </a:effectStyleLst>
       <a:bgFillStyleLst>
         <a:solidFill>
           <a:schemeClr val="phClr"/>
         </a:solidFill>
+        <a:solidFill>
+          <a:schemeClr val="phClr">
+            <a:tint val="95000"/>
+            <a:satMod val="170000"/>
+          </a:schemeClr>
+        </a:solidFill>
         <a:gradFill rotWithShape="1">
           <a:gsLst>
             <a:gs pos="0">
               <a:schemeClr val="phClr">
-                <a:tint val="40000"/>
-                <a:satMod val="350000"/>
+                <a:tint val="93000"/>
+                <a:satMod val="150000"/>
+                <a:shade val="98000"/>
+                <a:lumMod val="102000"/>
               </a:schemeClr>
             </a:gs>
-            <a:gs pos="40000">
+            <a:gs pos="50000">
               <a:schemeClr val="phClr">
-                <a:tint val="45000"/>
-                <a:shade val="99000"/>
-                <a:satMod val="350000"/>
+                <a:tint val="98000"/>
+                <a:satMod val="130000"/>
+                <a:shade val="90000"/>
+                <a:lumMod val="103000"/>
               </a:schemeClr>
             </a:gs>
             <a:gs pos="100000">
               <a:schemeClr val="phClr">
-                <a:shade val="20000"/>
-                <a:satMod val="255000"/>
+                <a:shade val="63000"/>
+                <a:satMod val="120000"/>
               </a:schemeClr>
             </a:gs>
           </a:gsLst>
-          <a:path path="circle">
-            <a:fillToRect l="50000" t="-80000" r="50000" b="180000"/>
-          </a:path>
-        </a:gradFill>
-        <a:gradFill rotWithShape="1">
-          <a:gsLst>
-            <a:gs pos="0">
-              <a:schemeClr val="phClr">
-                <a:tint val="80000"/>
-                <a:satMod val="300000"/>
-              </a:schemeClr>
-            </a:gs>
-            <a:gs pos="100000">
-              <a:schemeClr val="phClr">
-                <a:shade val="30000"/>
-                <a:satMod val="200000"/>
-              </a:schemeClr>
-            </a:gs>
-          </a:gsLst>
-          <a:path path="circle">
-            <a:fillToRect l="50000" t="50000" r="50000" b="50000"/>
-          </a:path>
+          <a:lin ang="5400000" scaled="0"/>
         </a:gradFill>
       </a:bgFillStyleLst>
     </a:fmtScheme>
   </a:themeElements>
   <a:objectDefaults/>
   <a:extraClrSchemeLst/>
+  <a:extLst>
+    <a:ext uri="{05A4C25C-085E-4340-85A3-A5531E510DB2}">
+      <thm15:themeFamily xmlns:thm15="http://schemas.microsoft.com/office/thememl/2012/main" name="Office Theme" id="{62F939B6-93AF-4DB8-9C6B-D6C7DFDC589F}" vid="{4A3C46E8-61CC-4603-A589-7422A47A8E4A}"/>
+    </a:ext>
+  </a:extLst>
 </a:theme>
 </file>
 
@@ -11081,9 +12572,12 @@
 </file>
 
 <file path=customXml/item1.xml><?xml version="1.0" encoding="utf-8"?>
-<p:properties xmlns:p="http://schemas.microsoft.com/office/2006/metadata/properties" xmlns:xsi="http://www.w3.org/2001/XMLSchema-instance" xmlns:pc="http://schemas.microsoft.com/office/infopath/2007/PartnerControls">
-  <documentManagement/>
-</p:properties>
+<?mso-contentType ?>
+<FormTemplates xmlns="http://schemas.microsoft.com/sharepoint/v3/contenttype/forms">
+  <Display>DocumentLibraryForm</Display>
+  <Edit>DocumentLibraryForm</Edit>
+  <New>DocumentLibraryForm</New>
+</FormTemplates>
 </file>
 
 <file path=customXml/item2.xml><?xml version="1.0" encoding="utf-8"?>
@@ -11231,27 +12725,15 @@
 </file>
 
 <file path=customXml/item3.xml><?xml version="1.0" encoding="utf-8"?>
-<?mso-contentType ?>
-<FormTemplates xmlns="http://schemas.microsoft.com/sharepoint/v3/contenttype/forms">
-  <Display>DocumentLibraryForm</Display>
-  <Edit>DocumentLibraryForm</Edit>
-  <New>DocumentLibraryForm</New>
-</FormTemplates>
+<p:properties xmlns:p="http://schemas.microsoft.com/office/2006/metadata/properties" xmlns:xsi="http://www.w3.org/2001/XMLSchema-instance" xmlns:pc="http://schemas.microsoft.com/office/infopath/2007/PartnerControls">
+  <documentManagement/>
+</p:properties>
 </file>
 
 <file path=customXml/itemProps1.xml><?xml version="1.0" encoding="utf-8"?>
-<ds:datastoreItem xmlns:ds="http://schemas.openxmlformats.org/officeDocument/2006/customXml" ds:itemID="{42ECF84E-BC38-4F74-AFC3-C5959B4DF479}">
+<ds:datastoreItem xmlns:ds="http://schemas.openxmlformats.org/officeDocument/2006/customXml" ds:itemID="{DE0C6FCC-D117-4483-8DEF-6D7839D43390}">
   <ds:schemaRefs>
-    <ds:schemaRef ds:uri="http://purl.org/dc/terms/"/>
-    <ds:schemaRef ds:uri="http://schemas.openxmlformats.org/package/2006/metadata/core-properties"/>
-    <ds:schemaRef ds:uri="http://purl.org/dc/dcmitype/"/>
-    <ds:schemaRef ds:uri="http://schemas.microsoft.com/office/infopath/2007/PartnerControls"/>
-    <ds:schemaRef ds:uri="http://purl.org/dc/elements/1.1/"/>
-    <ds:schemaRef ds:uri="http://schemas.microsoft.com/office/2006/metadata/properties"/>
-    <ds:schemaRef ds:uri="http://schemas.microsoft.com/office/2006/documentManagement/types"/>
-    <ds:schemaRef ds:uri="743be6eb-25c2-4da9-9fe1-7f1bf8fbe095"/>
-    <ds:schemaRef ds:uri="370397f0-7372-4438-83a9-d56962dada60"/>
-    <ds:schemaRef ds:uri="http://www.w3.org/XML/1998/namespace"/>
+    <ds:schemaRef ds:uri="http://schemas.microsoft.com/sharepoint/v3/contenttype/forms"/>
   </ds:schemaRefs>
 </ds:datastoreItem>
 </file>
@@ -11275,9 +12757,18 @@
 </file>
 
 <file path=customXml/itemProps3.xml><?xml version="1.0" encoding="utf-8"?>
-<ds:datastoreItem xmlns:ds="http://schemas.openxmlformats.org/officeDocument/2006/customXml" ds:itemID="{DE0C6FCC-D117-4483-8DEF-6D7839D43390}">
+<ds:datastoreItem xmlns:ds="http://schemas.openxmlformats.org/officeDocument/2006/customXml" ds:itemID="{42ECF84E-BC38-4F74-AFC3-C5959B4DF479}">
   <ds:schemaRefs>
-    <ds:schemaRef ds:uri="http://schemas.microsoft.com/sharepoint/v3/contenttype/forms"/>
+    <ds:schemaRef ds:uri="http://purl.org/dc/terms/"/>
+    <ds:schemaRef ds:uri="http://schemas.openxmlformats.org/package/2006/metadata/core-properties"/>
+    <ds:schemaRef ds:uri="http://purl.org/dc/dcmitype/"/>
+    <ds:schemaRef ds:uri="http://schemas.microsoft.com/office/infopath/2007/PartnerControls"/>
+    <ds:schemaRef ds:uri="http://purl.org/dc/elements/1.1/"/>
+    <ds:schemaRef ds:uri="http://schemas.microsoft.com/office/2006/metadata/properties"/>
+    <ds:schemaRef ds:uri="http://schemas.microsoft.com/office/2006/documentManagement/types"/>
+    <ds:schemaRef ds:uri="743be6eb-25c2-4da9-9fe1-7f1bf8fbe095"/>
+    <ds:schemaRef ds:uri="370397f0-7372-4438-83a9-d56962dada60"/>
+    <ds:schemaRef ds:uri="http://www.w3.org/XML/1998/namespace"/>
   </ds:schemaRefs>
 </ds:datastoreItem>
 </file>
--- a/Temp/EMB本部_中村洋太_290863_[HPC解析_CC&ECサービス].pptx
+++ b/Temp/EMB本部_中村洋太_290863_[HPC解析_CC&ECサービス].pptx
@@ -2374,7 +2374,7 @@
             <a:fld id="{C47A164C-7D3B-40C1-96D6-1066CEBC9CC4}" type="datetimeFigureOut">
               <a:rPr kumimoji="1" lang="ja-JP" altLang="en-US" smtClean="0"/>
               <a:pPr/>
-              <a:t>2024/2/15</a:t>
+              <a:t>2024/2/16</a:t>
             </a:fld>
             <a:endParaRPr kumimoji="1" lang="ja-JP" altLang="en-US"/>
           </a:p>
@@ -2822,7 +2822,7 @@
             <a:fld id="{7C487D4C-40C5-A840-B7BB-DC35E4823E0E}" type="datetimeFigureOut">
               <a:rPr kumimoji="1" lang="ja-JP" altLang="en-US" smtClean="0"/>
               <a:pPr/>
-              <a:t>2024/2/15</a:t>
+              <a:t>2024/2/16</a:t>
             </a:fld>
             <a:endParaRPr kumimoji="1" lang="ja-JP" altLang="en-US"/>
           </a:p>
@@ -3054,7 +3054,7 @@
             <a:fld id="{7C487D4C-40C5-A840-B7BB-DC35E4823E0E}" type="datetimeFigureOut">
               <a:rPr kumimoji="1" lang="ja-JP" altLang="en-US" smtClean="0"/>
               <a:pPr/>
-              <a:t>2024/2/15</a:t>
+              <a:t>2024/2/16</a:t>
             </a:fld>
             <a:endParaRPr kumimoji="1" lang="ja-JP" altLang="en-US"/>
           </a:p>
@@ -3296,7 +3296,7 @@
             <a:fld id="{7C487D4C-40C5-A840-B7BB-DC35E4823E0E}" type="datetimeFigureOut">
               <a:rPr kumimoji="1" lang="ja-JP" altLang="en-US" smtClean="0"/>
               <a:pPr/>
-              <a:t>2024/2/15</a:t>
+              <a:t>2024/2/16</a:t>
             </a:fld>
             <a:endParaRPr kumimoji="1" lang="ja-JP" altLang="en-US"/>
           </a:p>
@@ -3642,7 +3642,7 @@
             <a:fld id="{7C487D4C-40C5-A840-B7BB-DC35E4823E0E}" type="datetimeFigureOut">
               <a:rPr kumimoji="1" lang="ja-JP" altLang="en-US" smtClean="0"/>
               <a:pPr/>
-              <a:t>2024/2/15</a:t>
+              <a:t>2024/2/16</a:t>
             </a:fld>
             <a:endParaRPr kumimoji="1" lang="ja-JP" altLang="en-US"/>
           </a:p>
@@ -3919,7 +3919,7 @@
             <a:fld id="{7C487D4C-40C5-A840-B7BB-DC35E4823E0E}" type="datetimeFigureOut">
               <a:rPr kumimoji="1" lang="ja-JP" altLang="en-US" smtClean="0"/>
               <a:pPr/>
-              <a:t>2024/2/15</a:t>
+              <a:t>2024/2/16</a:t>
             </a:fld>
             <a:endParaRPr kumimoji="1" lang="ja-JP" altLang="en-US"/>
           </a:p>
@@ -4250,7 +4250,7 @@
             <a:fld id="{7C487D4C-40C5-A840-B7BB-DC35E4823E0E}" type="datetimeFigureOut">
               <a:rPr kumimoji="1" lang="ja-JP" altLang="en-US" smtClean="0"/>
               <a:pPr/>
-              <a:t>2024/2/15</a:t>
+              <a:t>2024/2/16</a:t>
             </a:fld>
             <a:endParaRPr kumimoji="1" lang="ja-JP" altLang="en-US"/>
           </a:p>
@@ -4728,7 +4728,7 @@
             <a:fld id="{7C487D4C-40C5-A840-B7BB-DC35E4823E0E}" type="datetimeFigureOut">
               <a:rPr kumimoji="1" lang="ja-JP" altLang="en-US" smtClean="0"/>
               <a:pPr/>
-              <a:t>2024/2/15</a:t>
+              <a:t>2024/2/16</a:t>
             </a:fld>
             <a:endParaRPr kumimoji="1" lang="ja-JP" altLang="en-US"/>
           </a:p>
@@ -4871,7 +4871,7 @@
             <a:fld id="{7C487D4C-40C5-A840-B7BB-DC35E4823E0E}" type="datetimeFigureOut">
               <a:rPr kumimoji="1" lang="ja-JP" altLang="en-US" smtClean="0"/>
               <a:pPr/>
-              <a:t>2024/2/15</a:t>
+              <a:t>2024/2/16</a:t>
             </a:fld>
             <a:endParaRPr kumimoji="1" lang="ja-JP" altLang="en-US"/>
           </a:p>
@@ -4986,7 +4986,7 @@
             <a:fld id="{D0604C82-F11D-4FF3-8197-129AFFCF8FE1}" type="datetime1">
               <a:rPr kumimoji="1" lang="ja-JP" altLang="en-US" smtClean="0"/>
               <a:pPr/>
-              <a:t>2024/2/15</a:t>
+              <a:t>2024/2/16</a:t>
             </a:fld>
             <a:endParaRPr kumimoji="1" lang="ja-JP" altLang="en-US"/>
           </a:p>
@@ -5404,7 +5404,7 @@
             <a:fld id="{7C487D4C-40C5-A840-B7BB-DC35E4823E0E}" type="datetimeFigureOut">
               <a:rPr kumimoji="1" lang="ja-JP" altLang="en-US" smtClean="0"/>
               <a:pPr/>
-              <a:t>2024/2/15</a:t>
+              <a:t>2024/2/16</a:t>
             </a:fld>
             <a:endParaRPr kumimoji="1" lang="ja-JP" altLang="en-US"/>
           </a:p>
@@ -5694,7 +5694,7 @@
             <a:fld id="{7C487D4C-40C5-A840-B7BB-DC35E4823E0E}" type="datetimeFigureOut">
               <a:rPr kumimoji="1" lang="ja-JP" altLang="en-US" smtClean="0"/>
               <a:pPr/>
-              <a:t>2024/2/15</a:t>
+              <a:t>2024/2/16</a:t>
             </a:fld>
             <a:endParaRPr kumimoji="1" lang="ja-JP" altLang="en-US"/>
           </a:p>
@@ -5969,7 +5969,7 @@
             <a:fld id="{7C487D4C-40C5-A840-B7BB-DC35E4823E0E}" type="datetimeFigureOut">
               <a:rPr kumimoji="1" lang="ja-JP" altLang="en-US" smtClean="0"/>
               <a:pPr/>
-              <a:t>2024/2/15</a:t>
+              <a:t>2024/2/16</a:t>
             </a:fld>
             <a:endParaRPr kumimoji="1" lang="ja-JP" altLang="en-US"/>
           </a:p>
@@ -6986,15 +6986,15 @@
               <a:rPr lang="en-US" altLang="ja-JP" dirty="0"/>
             </a:br>
             <a:r>
-              <a:rPr lang="ja-JP" altLang="en-US" dirty="0"/>
+              <a:rPr lang="ja-JP" altLang="en-US" b="1" u="sng" dirty="0"/>
               <a:t>■</a:t>
             </a:r>
             <a:r>
-              <a:rPr lang="en-US" altLang="ja-JP" dirty="0"/>
+              <a:rPr lang="en-US" altLang="ja-JP" b="1" u="sng" dirty="0"/>
               <a:t>HPC</a:t>
             </a:r>
             <a:r>
-              <a:rPr lang="ja-JP" altLang="en-US" dirty="0"/>
+              <a:rPr lang="ja-JP" altLang="en-US" b="1" u="sng" dirty="0"/>
               <a:t>解析サービス</a:t>
             </a:r>
           </a:p>
@@ -7298,15 +7298,15 @@
               <a:rPr lang="en-US" altLang="ja-JP" dirty="0"/>
             </a:br>
             <a:r>
-              <a:rPr lang="ja-JP" altLang="en-US" dirty="0"/>
+              <a:rPr lang="ja-JP" altLang="en-US" b="1" u="sng" dirty="0"/>
               <a:t>■</a:t>
             </a:r>
             <a:r>
-              <a:rPr lang="en-US" altLang="ja-JP" dirty="0"/>
+              <a:rPr lang="en-US" altLang="ja-JP" b="1" u="sng" dirty="0"/>
               <a:t>CC&amp;EC</a:t>
             </a:r>
             <a:r>
-              <a:rPr lang="ja-JP" altLang="en-US" dirty="0"/>
+              <a:rPr lang="ja-JP" altLang="en-US" b="1" u="sng" dirty="0"/>
               <a:t>サービス</a:t>
             </a:r>
           </a:p>
@@ -7331,7 +7331,7 @@
         <p:spPr/>
         <p:txBody>
           <a:bodyPr>
-            <a:normAutofit fontScale="85000" lnSpcReduction="20000"/>
+            <a:normAutofit fontScale="70000" lnSpcReduction="20000"/>
           </a:bodyPr>
           <a:lstStyle/>
           <a:p>
@@ -7451,6 +7451,16 @@
             <a:r>
               <a:rPr lang="ja-JP" altLang="en-US" dirty="0"/>
               <a:t>統合インフラ情報アプリは全国の自治体へ展開可能。</a:t>
+            </a:r>
+            <a:endParaRPr lang="en-US" altLang="ja-JP" dirty="0"/>
+          </a:p>
+          <a:p>
+            <a:endParaRPr lang="en-US" altLang="ja-JP" dirty="0"/>
+          </a:p>
+          <a:p>
+            <a:r>
+              <a:rPr lang="ja-JP" altLang="en-US" dirty="0"/>
+              <a:t>⇒地域貢献が主目的のため、極力利用コストを下げた生活基盤サービスとして展開する。</a:t>
             </a:r>
           </a:p>
         </p:txBody>
@@ -8477,8 +8487,12 @@
           </a:p>
           <a:p>
             <a:r>
-              <a:rPr lang="ja-JP" altLang="en-US" dirty="0"/>
-              <a:t>長岡を幸せにするグループ</a:t>
+              <a:rPr lang="en-US" altLang="ja-JP" dirty="0"/>
+              <a:t>NS</a:t>
+            </a:r>
+            <a:r>
+              <a:rPr lang="ja-JP" altLang="en-US" dirty="0"/>
+              <a:t>（長岡を幸せにする）グループ</a:t>
             </a:r>
             <a:endParaRPr lang="en-US" altLang="ja-JP" dirty="0"/>
           </a:p>
@@ -8491,8 +8505,12 @@
           </a:p>
           <a:p>
             <a:r>
-              <a:rPr lang="ja-JP" altLang="en-US" dirty="0"/>
-              <a:t>新潟を幸せにするグループ</a:t>
+              <a:rPr lang="en-US" altLang="ja-JP" dirty="0"/>
+              <a:t>NS</a:t>
+            </a:r>
+            <a:r>
+              <a:rPr lang="ja-JP" altLang="en-US" dirty="0"/>
+              <a:t>（新潟を幸せにする）グループ</a:t>
             </a:r>
             <a:endParaRPr lang="en-US" altLang="ja-JP" dirty="0"/>
           </a:p>
@@ -8505,8 +8523,12 @@
           </a:p>
           <a:p>
             <a:r>
-              <a:rPr lang="ja-JP" altLang="en-US" dirty="0"/>
-              <a:t>日本を幸せにするグループ</a:t>
+              <a:rPr lang="en-US" altLang="ja-JP" dirty="0"/>
+              <a:t>NS</a:t>
+            </a:r>
+            <a:r>
+              <a:rPr lang="ja-JP" altLang="en-US" dirty="0"/>
+              <a:t>（日本を幸せにする）グループ</a:t>
             </a:r>
             <a:endParaRPr lang="en-US" altLang="ja-JP" dirty="0"/>
           </a:p>
@@ -8728,7 +8750,7 @@
             </a:r>
             <a:r>
               <a:rPr lang="ja-JP" altLang="en-US" sz="2000" dirty="0"/>
-              <a:t>サービスで地域と安全をつなぎ不自由ない生活を実現する。</a:t>
+              <a:t>サービスで地域をつなぎ安心できる生活基盤を提供する。</a:t>
             </a:r>
           </a:p>
         </p:txBody>
@@ -8901,7 +8923,7 @@
             </a:r>
             <a:r>
               <a:rPr lang="ja-JP" altLang="en-US" dirty="0"/>
-              <a:t>サーバと遠隔地のデバイスを連携し、情報を共有する仕組みを提供。</a:t>
+              <a:t>サーバと遠隔地のデバイスから取得したデータを連携し、生活基盤となる仕組みを提供。</a:t>
             </a:r>
             <a:endParaRPr lang="en-US" altLang="ja-JP" dirty="0"/>
           </a:p>
@@ -9332,37 +9354,51 @@
         <p:spPr/>
         <p:txBody>
           <a:bodyPr>
-            <a:normAutofit lnSpcReduction="10000"/>
+            <a:normAutofit fontScale="92500" lnSpcReduction="10000"/>
           </a:bodyPr>
           <a:lstStyle/>
           <a:p>
             <a:r>
+              <a:rPr lang="ja-JP" altLang="en-US" sz="1800" b="1" u="sng" dirty="0"/>
+              <a:t>■</a:t>
+            </a:r>
+            <a:r>
+              <a:rPr lang="en-US" altLang="ja-JP" sz="1800" b="1" u="sng" dirty="0"/>
+              <a:t>HPC</a:t>
+            </a:r>
+            <a:r>
+              <a:rPr lang="ja-JP" altLang="en-US" sz="1800" b="1" u="sng" dirty="0"/>
+              <a:t>解析サービスの必要性</a:t>
+            </a:r>
+            <a:endParaRPr lang="en-US" altLang="ja-JP" sz="1800" b="1" u="sng" dirty="0"/>
+          </a:p>
+          <a:p>
+            <a:r>
               <a:rPr lang="ja-JP" altLang="en-US" sz="1800" dirty="0"/>
-              <a:t>■</a:t>
-            </a:r>
+              <a:t>近年発生している重大な危機や企業の課題に対して対策を打つためには、</a:t>
+            </a:r>
+            <a:endParaRPr lang="en-US" altLang="ja-JP" sz="1800" dirty="0"/>
+          </a:p>
+          <a:p>
+            <a:r>
+              <a:rPr lang="ja-JP" altLang="en-US" sz="1800" dirty="0"/>
+              <a:t>複雑な事象を素早くシミュレーション解析できる環境が必要。</a:t>
+            </a:r>
+            <a:endParaRPr lang="en-US" altLang="ja-JP" sz="1800" dirty="0"/>
+          </a:p>
+          <a:p>
             <a:r>
               <a:rPr lang="en-US" altLang="ja-JP" sz="1800" dirty="0"/>
-              <a:t>HPC</a:t>
+              <a:t>【</a:t>
             </a:r>
             <a:r>
               <a:rPr lang="ja-JP" altLang="en-US" sz="1800" dirty="0"/>
-              <a:t>解析サービスの必要性</a:t>
-            </a:r>
-            <a:endParaRPr lang="en-US" altLang="ja-JP" sz="1800" dirty="0"/>
-          </a:p>
-          <a:p>
-            <a:r>
-              <a:rPr lang="ja-JP" altLang="en-US" sz="1800" dirty="0"/>
-              <a:t>近年発生している重大な危機に対して、</a:t>
-            </a:r>
-            <a:endParaRPr lang="en-US" altLang="ja-JP" sz="1800" dirty="0"/>
-          </a:p>
-          <a:p>
-            <a:r>
-              <a:rPr lang="ja-JP" altLang="en-US" sz="1800" dirty="0"/>
-              <a:t>複雑な事象を素早くシミュレーション解析する環境が必要。</a:t>
-            </a:r>
-            <a:endParaRPr lang="en-US" altLang="ja-JP" sz="1800" dirty="0"/>
+              <a:t>シミュレーション解析の例</a:t>
+            </a:r>
+            <a:r>
+              <a:rPr lang="en-US" altLang="ja-JP" sz="1800" dirty="0"/>
+              <a:t>】</a:t>
+            </a:r>
           </a:p>
           <a:p>
             <a:r>
@@ -9413,18 +9449,18 @@
           </a:p>
           <a:p>
             <a:r>
-              <a:rPr lang="ja-JP" altLang="en-US" sz="1800" dirty="0"/>
+              <a:rPr lang="ja-JP" altLang="en-US" sz="1800" b="1" u="sng" dirty="0"/>
               <a:t>■</a:t>
             </a:r>
             <a:r>
-              <a:rPr lang="en-US" altLang="ja-JP" sz="1800" dirty="0"/>
+              <a:rPr lang="en-US" altLang="ja-JP" sz="1800" b="1" u="sng" dirty="0"/>
               <a:t>CC&amp;EC</a:t>
             </a:r>
             <a:r>
-              <a:rPr lang="ja-JP" altLang="en-US" sz="1800" dirty="0"/>
+              <a:rPr lang="ja-JP" altLang="en-US" sz="1800" b="1" u="sng" dirty="0"/>
               <a:t>サービスの必要性</a:t>
             </a:r>
-            <a:endParaRPr lang="en-US" altLang="ja-JP" sz="1800" dirty="0"/>
+            <a:endParaRPr lang="en-US" altLang="ja-JP" sz="1800" b="1" u="sng" dirty="0"/>
           </a:p>
           <a:p>
             <a:r>
@@ -9731,18 +9767,18 @@
           <a:lstStyle/>
           <a:p>
             <a:r>
-              <a:rPr lang="ja-JP" altLang="en-US" sz="3200" dirty="0"/>
+              <a:rPr lang="ja-JP" altLang="en-US" sz="3200" b="1" u="sng" dirty="0"/>
               <a:t>■</a:t>
             </a:r>
             <a:r>
-              <a:rPr lang="en-US" altLang="ja-JP" sz="3200" dirty="0"/>
+              <a:rPr lang="en-US" altLang="ja-JP" sz="3200" b="1" u="sng" dirty="0"/>
               <a:t>HPC</a:t>
             </a:r>
             <a:r>
-              <a:rPr lang="ja-JP" altLang="en-US" sz="3200" dirty="0"/>
+              <a:rPr lang="ja-JP" altLang="en-US" sz="3200" b="1" u="sng" dirty="0"/>
               <a:t>解析サービス</a:t>
             </a:r>
-            <a:endParaRPr lang="en-US" altLang="ja-JP" dirty="0"/>
+            <a:endParaRPr lang="en-US" altLang="ja-JP" b="1" u="sng" dirty="0"/>
           </a:p>
           <a:p>
             <a:r>
@@ -9762,14 +9798,14 @@
           <a:p>
             <a:r>
               <a:rPr lang="ja-JP" altLang="en-US" dirty="0"/>
-              <a:t>スパコン利用時は成果の公開を求められるケースもあり。</a:t>
-            </a:r>
-            <a:endParaRPr lang="en-US" altLang="ja-JP" dirty="0"/>
-          </a:p>
-          <a:p>
-            <a:r>
-              <a:rPr lang="ja-JP" altLang="en-US" dirty="0"/>
-              <a:t>大学等の研究機関</a:t>
+              <a:t>スパコン利用時は申請種別によって成果の公開を求められるケースもあり。</a:t>
+            </a:r>
+            <a:endParaRPr lang="en-US" altLang="ja-JP" dirty="0"/>
+          </a:p>
+          <a:p>
+            <a:r>
+              <a:rPr lang="ja-JP" altLang="en-US" dirty="0"/>
+              <a:t>大学</a:t>
             </a:r>
             <a:r>
               <a:rPr lang="en-US" altLang="ja-JP" dirty="0"/>
@@ -9777,6 +9813,14 @@
             </a:r>
             <a:r>
               <a:rPr lang="ja-JP" altLang="en-US" dirty="0"/>
+              <a:t>国立研究機関</a:t>
+            </a:r>
+            <a:r>
+              <a:rPr lang="en-US" altLang="ja-JP" dirty="0"/>
+              <a:t>/</a:t>
+            </a:r>
+            <a:r>
+              <a:rPr lang="ja-JP" altLang="en-US" dirty="0"/>
               <a:t>大企業を中心に利用されている。</a:t>
             </a:r>
             <a:endParaRPr lang="en-US" altLang="ja-JP" dirty="0"/>
@@ -9784,7 +9828,15 @@
           <a:p>
             <a:r>
               <a:rPr lang="ja-JP" altLang="en-US" dirty="0"/>
-              <a:t>インフラ構築・保守が不要な</a:t>
+              <a:t>インフラ構築</a:t>
+            </a:r>
+            <a:r>
+              <a:rPr lang="en-US" altLang="ja-JP" dirty="0"/>
+              <a:t>/</a:t>
+            </a:r>
+            <a:r>
+              <a:rPr lang="ja-JP" altLang="en-US" dirty="0"/>
+              <a:t>保守が不要な</a:t>
             </a:r>
             <a:r>
               <a:rPr lang="en-US" altLang="ja-JP" dirty="0"/>
@@ -9792,37 +9844,34 @@
             </a:r>
             <a:r>
               <a:rPr lang="ja-JP" altLang="en-US" dirty="0"/>
-              <a:t>提供サービスの利用が一般的だが高コスト。</a:t>
-            </a:r>
-            <a:endParaRPr lang="en-US" altLang="ja-JP" dirty="0"/>
-          </a:p>
-          <a:p>
-            <a:r>
-              <a:rPr lang="ja-JP" altLang="en-US" dirty="0"/>
-              <a:t>解析プログラムを自前で用意できることが前提条件のためハードルが高い。</a:t>
-            </a:r>
-            <a:endParaRPr lang="en-US" altLang="ja-JP" dirty="0"/>
-          </a:p>
-          <a:p>
-            <a:endParaRPr lang="en-US" altLang="ja-JP" dirty="0"/>
-          </a:p>
-          <a:p>
-            <a:endParaRPr lang="en-US" altLang="ja-JP" dirty="0"/>
-          </a:p>
-          <a:p>
-            <a:r>
-              <a:rPr lang="ja-JP" altLang="en-US" sz="3200" dirty="0"/>
+              <a:t>企業提供サービスの利用が一般的だが高コスト。</a:t>
+            </a:r>
+            <a:endParaRPr lang="en-US" altLang="ja-JP" dirty="0"/>
+          </a:p>
+          <a:p>
+            <a:r>
+              <a:rPr lang="ja-JP" altLang="en-US" dirty="0"/>
+              <a:t>解析プログラムを自前で用意できることが前提条件のため利用ハードルが高い。</a:t>
+            </a:r>
+            <a:endParaRPr lang="en-US" altLang="ja-JP" dirty="0"/>
+          </a:p>
+          <a:p>
+            <a:endParaRPr lang="en-US" altLang="ja-JP" dirty="0"/>
+          </a:p>
+          <a:p>
+            <a:r>
+              <a:rPr lang="ja-JP" altLang="en-US" sz="3200" b="1" u="sng" dirty="0"/>
               <a:t>■</a:t>
             </a:r>
             <a:r>
-              <a:rPr lang="en-US" altLang="ja-JP" sz="3200" dirty="0"/>
+              <a:rPr lang="en-US" altLang="ja-JP" sz="3200" b="1" u="sng" dirty="0"/>
               <a:t>CC&amp;EC</a:t>
             </a:r>
             <a:r>
-              <a:rPr lang="ja-JP" altLang="en-US" sz="3200" dirty="0"/>
+              <a:rPr lang="ja-JP" altLang="en-US" sz="3200" b="1" u="sng" dirty="0"/>
               <a:t>サービス</a:t>
             </a:r>
-            <a:endParaRPr lang="en-US" altLang="ja-JP" dirty="0"/>
+            <a:endParaRPr lang="en-US" altLang="ja-JP" b="1" u="sng" dirty="0"/>
           </a:p>
           <a:p>
             <a:r>
@@ -9849,7 +9898,7 @@
           <a:p>
             <a:r>
               <a:rPr lang="ja-JP" altLang="en-US" dirty="0"/>
-              <a:t>冬季に必須な灯油</a:t>
+              <a:t>冬季に必須な灯油は</a:t>
             </a:r>
             <a:r>
               <a:rPr lang="en-US" altLang="ja-JP" dirty="0"/>
@@ -9859,12 +9908,19 @@
               <a:rPr lang="ja-JP" altLang="en-US" dirty="0"/>
               <a:t>ホームセンターが配達サービスを提供している。</a:t>
             </a:r>
+            <a:endParaRPr lang="en-US" altLang="ja-JP" dirty="0"/>
+          </a:p>
+          <a:p>
+            <a:r>
+              <a:rPr lang="ja-JP" altLang="en-US" dirty="0"/>
+              <a:t>移動手段がない高齢者は本数の少ないバスを利用して医療機関を受診している。</a:t>
+            </a:r>
             <a:endParaRPr lang="en-US" altLang="ja-JP" sz="3200" dirty="0"/>
           </a:p>
           <a:p>
             <a:r>
               <a:rPr lang="ja-JP" altLang="en-US" dirty="0"/>
-              <a:t>長岡市防災ホームページでは個別に防災</a:t>
+              <a:t>行政の防災ホームページでは個別に防災</a:t>
             </a:r>
             <a:r>
               <a:rPr lang="en-US" altLang="ja-JP" dirty="0"/>
@@ -9887,7 +9943,7 @@
           <a:p>
             <a:r>
               <a:rPr lang="ja-JP" altLang="en-US" dirty="0"/>
-              <a:t>既存の道路交通情報は幹線道路中心で生活道路状況を把握できない。</a:t>
+              <a:t>既存の道路交通情報は幹線道路中心で生活道路の状況を把握できない。</a:t>
             </a:r>
             <a:endParaRPr lang="en-US" altLang="ja-JP" dirty="0"/>
           </a:p>
@@ -10120,23 +10176,23 @@
         <p:spPr/>
         <p:txBody>
           <a:bodyPr>
-            <a:normAutofit fontScale="92500"/>
+            <a:normAutofit fontScale="85000" lnSpcReduction="20000"/>
           </a:bodyPr>
           <a:lstStyle/>
           <a:p>
             <a:r>
-              <a:rPr lang="ja-JP" altLang="en-US" dirty="0"/>
+              <a:rPr lang="ja-JP" altLang="en-US" b="1" u="sng" dirty="0"/>
               <a:t>■</a:t>
             </a:r>
             <a:r>
-              <a:rPr lang="en-US" altLang="ja-JP" dirty="0"/>
+              <a:rPr lang="en-US" altLang="ja-JP" b="1" u="sng" dirty="0"/>
               <a:t>HPC</a:t>
             </a:r>
             <a:r>
-              <a:rPr lang="ja-JP" altLang="en-US" dirty="0"/>
+              <a:rPr lang="ja-JP" altLang="en-US" b="1" u="sng" dirty="0"/>
               <a:t>解析サービス</a:t>
             </a:r>
-            <a:endParaRPr lang="en-US" altLang="ja-JP" dirty="0"/>
+            <a:endParaRPr lang="en-US" altLang="ja-JP" b="1" u="sng" dirty="0"/>
           </a:p>
           <a:p>
             <a:r>
@@ -10195,18 +10251,18 @@
           </a:p>
           <a:p>
             <a:r>
-              <a:rPr lang="ja-JP" altLang="en-US" dirty="0"/>
+              <a:rPr lang="ja-JP" altLang="en-US" b="1" u="sng" dirty="0"/>
               <a:t>■</a:t>
             </a:r>
             <a:r>
-              <a:rPr lang="en-US" altLang="ja-JP" dirty="0"/>
+              <a:rPr lang="en-US" altLang="ja-JP" b="1" u="sng" dirty="0"/>
               <a:t>CC&amp;EC</a:t>
             </a:r>
             <a:r>
-              <a:rPr lang="ja-JP" altLang="en-US" dirty="0"/>
+              <a:rPr lang="ja-JP" altLang="en-US" b="1" u="sng" dirty="0"/>
               <a:t>サービス</a:t>
             </a:r>
-            <a:endParaRPr lang="en-US" altLang="ja-JP" dirty="0"/>
+            <a:endParaRPr lang="en-US" altLang="ja-JP" b="1" u="sng" dirty="0"/>
           </a:p>
           <a:p>
             <a:r>
@@ -10228,20 +10284,28 @@
               <a:rPr lang="ja-JP" altLang="en-US" dirty="0"/>
               <a:t>物資供給システムの構築</a:t>
             </a:r>
-            <a:endParaRPr lang="en-US" altLang="ja-JP" dirty="0"/>
-          </a:p>
-          <a:p>
-            <a:r>
-              <a:rPr lang="ja-JP" altLang="en-US" dirty="0"/>
-              <a:t>医療機関への簡易診察システムの構築</a:t>
-            </a:r>
             <a:r>
               <a:rPr lang="en-US" altLang="ja-JP" dirty="0"/>
               <a:t>/</a:t>
             </a:r>
             <a:r>
               <a:rPr lang="ja-JP" altLang="en-US" dirty="0"/>
-              <a:t>導入</a:t>
+              <a:t>関連企業への導入</a:t>
+            </a:r>
+            <a:endParaRPr lang="en-US" altLang="ja-JP" dirty="0"/>
+          </a:p>
+          <a:p>
+            <a:r>
+              <a:rPr lang="ja-JP" altLang="en-US" dirty="0"/>
+              <a:t>簡易診察システムの構築</a:t>
+            </a:r>
+            <a:r>
+              <a:rPr lang="en-US" altLang="ja-JP" dirty="0"/>
+              <a:t>/</a:t>
+            </a:r>
+            <a:r>
+              <a:rPr lang="ja-JP" altLang="en-US" dirty="0"/>
+              <a:t>医療機関への導入</a:t>
             </a:r>
             <a:endParaRPr lang="en-US" altLang="ja-JP" dirty="0"/>
           </a:p>
@@ -10272,6 +10336,16 @@
             <a:r>
               <a:rPr lang="ja-JP" altLang="en-US" dirty="0"/>
               <a:t>既存の道路交通情報に含まれていない生活道路状況の把握</a:t>
+            </a:r>
+            <a:endParaRPr lang="en-US" altLang="ja-JP" dirty="0"/>
+          </a:p>
+          <a:p>
+            <a:endParaRPr lang="en-US" altLang="ja-JP" dirty="0"/>
+          </a:p>
+          <a:p>
+            <a:r>
+              <a:rPr lang="ja-JP" altLang="en-US" dirty="0"/>
+              <a:t>⇒サービス利用者確保が共通課題（有用性と利便性の広報活動が必要）</a:t>
             </a:r>
             <a:endParaRPr lang="en-US" altLang="ja-JP" dirty="0"/>
           </a:p>
@@ -10491,15 +10565,15 @@
               <a:rPr lang="en-US" altLang="ja-JP" dirty="0"/>
             </a:br>
             <a:r>
-              <a:rPr lang="ja-JP" altLang="en-US" dirty="0"/>
+              <a:rPr lang="ja-JP" altLang="en-US" b="1" u="sng" dirty="0"/>
               <a:t>■</a:t>
             </a:r>
             <a:r>
-              <a:rPr lang="en-US" altLang="ja-JP" dirty="0"/>
+              <a:rPr lang="en-US" altLang="ja-JP" b="1" u="sng" dirty="0"/>
               <a:t>HPC</a:t>
             </a:r>
             <a:r>
-              <a:rPr lang="ja-JP" altLang="en-US" dirty="0"/>
+              <a:rPr lang="ja-JP" altLang="en-US" b="1" u="sng" dirty="0"/>
               <a:t>解析サービス</a:t>
             </a:r>
           </a:p>
@@ -10948,15 +11022,15 @@
               <a:rPr lang="en-US" altLang="ja-JP" dirty="0"/>
             </a:br>
             <a:r>
-              <a:rPr lang="ja-JP" altLang="en-US" dirty="0"/>
+              <a:rPr lang="ja-JP" altLang="en-US" b="1" u="sng" dirty="0"/>
               <a:t>■</a:t>
             </a:r>
             <a:r>
-              <a:rPr lang="en-US" altLang="ja-JP" dirty="0"/>
+              <a:rPr lang="en-US" altLang="ja-JP" b="1" u="sng" dirty="0"/>
               <a:t>CC&amp;EC</a:t>
             </a:r>
             <a:r>
-              <a:rPr lang="ja-JP" altLang="en-US" dirty="0"/>
+              <a:rPr lang="ja-JP" altLang="en-US" b="1" u="sng" dirty="0"/>
               <a:t>サービス</a:t>
             </a:r>
           </a:p>
@@ -11425,15 +11499,15 @@
               <a:rPr lang="en-US" altLang="ja-JP" dirty="0"/>
             </a:br>
             <a:r>
-              <a:rPr lang="ja-JP" altLang="en-US" dirty="0"/>
+              <a:rPr lang="ja-JP" altLang="en-US" b="1" u="sng" dirty="0"/>
               <a:t>■</a:t>
             </a:r>
             <a:r>
-              <a:rPr lang="en-US" altLang="ja-JP" dirty="0"/>
+              <a:rPr lang="en-US" altLang="ja-JP" b="1" u="sng" dirty="0"/>
               <a:t>HPC</a:t>
             </a:r>
             <a:r>
-              <a:rPr lang="ja-JP" altLang="en-US" dirty="0"/>
+              <a:rPr lang="ja-JP" altLang="en-US" b="1" u="sng" dirty="0"/>
               <a:t>解析サービス</a:t>
             </a:r>
           </a:p>
@@ -11525,6 +11599,14 @@
             </a:r>
             <a:r>
               <a:rPr lang="en-US" altLang="ja-JP" dirty="0"/>
+              <a:t>365</a:t>
+            </a:r>
+            <a:r>
+              <a:rPr lang="ja-JP" altLang="en-US" dirty="0"/>
+              <a:t>日</a:t>
+            </a:r>
+            <a:r>
+              <a:rPr lang="en-US" altLang="ja-JP" dirty="0"/>
               <a:t>24h</a:t>
             </a:r>
             <a:r>
@@ -11573,6 +11655,14 @@
             <a:r>
               <a:rPr lang="ja-JP" altLang="en-US" dirty="0"/>
               <a:t>シミュレーションプログラムの個別作成</a:t>
+            </a:r>
+            <a:r>
+              <a:rPr lang="en-US" altLang="ja-JP" dirty="0"/>
+              <a:t>/</a:t>
+            </a:r>
+            <a:r>
+              <a:rPr lang="ja-JP" altLang="en-US" dirty="0"/>
+              <a:t>提案</a:t>
             </a:r>
             <a:endParaRPr lang="en-US" altLang="ja-JP" dirty="0"/>
           </a:p>
@@ -11807,15 +11897,15 @@
               <a:rPr lang="en-US" altLang="ja-JP" dirty="0"/>
             </a:br>
             <a:r>
-              <a:rPr lang="ja-JP" altLang="en-US" dirty="0"/>
+              <a:rPr lang="ja-JP" altLang="en-US" b="1" u="sng" dirty="0"/>
               <a:t>■</a:t>
             </a:r>
             <a:r>
-              <a:rPr lang="en-US" altLang="ja-JP" dirty="0"/>
+              <a:rPr lang="en-US" altLang="ja-JP" b="1" u="sng" dirty="0"/>
               <a:t>CC&amp;EC</a:t>
             </a:r>
             <a:r>
-              <a:rPr lang="ja-JP" altLang="en-US" dirty="0"/>
+              <a:rPr lang="ja-JP" altLang="en-US" b="1" u="sng" dirty="0"/>
               <a:t>サービス</a:t>
             </a:r>
           </a:p>
@@ -12572,12 +12662,9 @@
 </file>
 
 <file path=customXml/item1.xml><?xml version="1.0" encoding="utf-8"?>
-<?mso-contentType ?>
-<FormTemplates xmlns="http://schemas.microsoft.com/sharepoint/v3/contenttype/forms">
-  <Display>DocumentLibraryForm</Display>
-  <Edit>DocumentLibraryForm</Edit>
-  <New>DocumentLibraryForm</New>
-</FormTemplates>
+<p:properties xmlns:p="http://schemas.microsoft.com/office/2006/metadata/properties" xmlns:xsi="http://www.w3.org/2001/XMLSchema-instance" xmlns:pc="http://schemas.microsoft.com/office/infopath/2007/PartnerControls">
+  <documentManagement/>
+</p:properties>
 </file>
 
 <file path=customXml/item2.xml><?xml version="1.0" encoding="utf-8"?>
@@ -12725,15 +12812,27 @@
 </file>
 
 <file path=customXml/item3.xml><?xml version="1.0" encoding="utf-8"?>
-<p:properties xmlns:p="http://schemas.microsoft.com/office/2006/metadata/properties" xmlns:xsi="http://www.w3.org/2001/XMLSchema-instance" xmlns:pc="http://schemas.microsoft.com/office/infopath/2007/PartnerControls">
-  <documentManagement/>
-</p:properties>
+<?mso-contentType ?>
+<FormTemplates xmlns="http://schemas.microsoft.com/sharepoint/v3/contenttype/forms">
+  <Display>DocumentLibraryForm</Display>
+  <Edit>DocumentLibraryForm</Edit>
+  <New>DocumentLibraryForm</New>
+</FormTemplates>
 </file>
 
 <file path=customXml/itemProps1.xml><?xml version="1.0" encoding="utf-8"?>
-<ds:datastoreItem xmlns:ds="http://schemas.openxmlformats.org/officeDocument/2006/customXml" ds:itemID="{DE0C6FCC-D117-4483-8DEF-6D7839D43390}">
+<ds:datastoreItem xmlns:ds="http://schemas.openxmlformats.org/officeDocument/2006/customXml" ds:itemID="{42ECF84E-BC38-4F74-AFC3-C5959B4DF479}">
   <ds:schemaRefs>
-    <ds:schemaRef ds:uri="http://schemas.microsoft.com/sharepoint/v3/contenttype/forms"/>
+    <ds:schemaRef ds:uri="http://purl.org/dc/terms/"/>
+    <ds:schemaRef ds:uri="http://schemas.openxmlformats.org/package/2006/metadata/core-properties"/>
+    <ds:schemaRef ds:uri="http://purl.org/dc/dcmitype/"/>
+    <ds:schemaRef ds:uri="http://schemas.microsoft.com/office/infopath/2007/PartnerControls"/>
+    <ds:schemaRef ds:uri="http://purl.org/dc/elements/1.1/"/>
+    <ds:schemaRef ds:uri="http://schemas.microsoft.com/office/2006/metadata/properties"/>
+    <ds:schemaRef ds:uri="http://schemas.microsoft.com/office/2006/documentManagement/types"/>
+    <ds:schemaRef ds:uri="743be6eb-25c2-4da9-9fe1-7f1bf8fbe095"/>
+    <ds:schemaRef ds:uri="370397f0-7372-4438-83a9-d56962dada60"/>
+    <ds:schemaRef ds:uri="http://www.w3.org/XML/1998/namespace"/>
   </ds:schemaRefs>
 </ds:datastoreItem>
 </file>
@@ -12757,18 +12856,9 @@
 </file>
 
 <file path=customXml/itemProps3.xml><?xml version="1.0" encoding="utf-8"?>
-<ds:datastoreItem xmlns:ds="http://schemas.openxmlformats.org/officeDocument/2006/customXml" ds:itemID="{42ECF84E-BC38-4F74-AFC3-C5959B4DF479}">
+<ds:datastoreItem xmlns:ds="http://schemas.openxmlformats.org/officeDocument/2006/customXml" ds:itemID="{DE0C6FCC-D117-4483-8DEF-6D7839D43390}">
   <ds:schemaRefs>
-    <ds:schemaRef ds:uri="http://purl.org/dc/terms/"/>
-    <ds:schemaRef ds:uri="http://schemas.openxmlformats.org/package/2006/metadata/core-properties"/>
-    <ds:schemaRef ds:uri="http://purl.org/dc/dcmitype/"/>
-    <ds:schemaRef ds:uri="http://schemas.microsoft.com/office/infopath/2007/PartnerControls"/>
-    <ds:schemaRef ds:uri="http://purl.org/dc/elements/1.1/"/>
-    <ds:schemaRef ds:uri="http://schemas.microsoft.com/office/2006/metadata/properties"/>
-    <ds:schemaRef ds:uri="http://schemas.microsoft.com/office/2006/documentManagement/types"/>
-    <ds:schemaRef ds:uri="743be6eb-25c2-4da9-9fe1-7f1bf8fbe095"/>
-    <ds:schemaRef ds:uri="370397f0-7372-4438-83a9-d56962dada60"/>
-    <ds:schemaRef ds:uri="http://www.w3.org/XML/1998/namespace"/>
+    <ds:schemaRef ds:uri="http://schemas.microsoft.com/sharepoint/v3/contenttype/forms"/>
   </ds:schemaRefs>
 </ds:datastoreItem>
 </file>
--- a/Temp/EMB本部_中村洋太_290863_[HPC解析_CC&ECサービス].pptx
+++ b/Temp/EMB本部_中村洋太_290863_[HPC解析_CC&ECサービス].pptx
@@ -6727,15 +6727,15 @@
               <a:t>月</a:t>
             </a:r>
             <a:r>
-              <a:rPr lang="en-US" altLang="ja-JP" sz="2400" dirty="0">
+              <a:rPr lang="en-US" altLang="ja-JP" sz="2400">
                 <a:latin typeface="Meiryo UI" pitchFamily="50" charset="-128"/>
                 <a:ea typeface="Meiryo UI" pitchFamily="50" charset="-128"/>
                 <a:cs typeface="Meiryo UI" pitchFamily="50" charset="-128"/>
               </a:rPr>
-              <a:t>15</a:t>
-            </a:r>
-            <a:r>
-              <a:rPr lang="ja-JP" altLang="en-US" sz="2400" dirty="0">
+              <a:t>16</a:t>
+            </a:r>
+            <a:r>
+              <a:rPr lang="ja-JP" altLang="en-US" sz="2400">
                 <a:latin typeface="Meiryo UI" pitchFamily="50" charset="-128"/>
                 <a:ea typeface="Meiryo UI" pitchFamily="50" charset="-128"/>
                 <a:cs typeface="Meiryo UI" pitchFamily="50" charset="-128"/>
@@ -7019,10 +7019,27 @@
         <p:spPr/>
         <p:txBody>
           <a:bodyPr>
-            <a:normAutofit/>
+            <a:normAutofit fontScale="85000" lnSpcReduction="20000"/>
           </a:bodyPr>
           <a:lstStyle/>
           <a:p>
+            <a:pPr marL="0" indent="0">
+              <a:buNone/>
+            </a:pPr>
+            <a:r>
+              <a:rPr lang="en-US" altLang="ja-JP" dirty="0"/>
+              <a:t>【</a:t>
+            </a:r>
+            <a:r>
+              <a:rPr lang="ja-JP" altLang="en-US" dirty="0"/>
+              <a:t>導入効果</a:t>
+            </a:r>
+            <a:r>
+              <a:rPr lang="en-US" altLang="ja-JP" dirty="0"/>
+              <a:t>】</a:t>
+            </a:r>
+          </a:p>
+          <a:p>
             <a:r>
               <a:rPr lang="ja-JP" altLang="en-US" dirty="0"/>
               <a:t>小規模なシミュレーションも手軽に試すことが可能</a:t>
@@ -7038,7 +7055,7 @@
           <a:p>
             <a:r>
               <a:rPr lang="ja-JP" altLang="en-US" dirty="0"/>
-              <a:t>共用解析環境以外に専用解析環境も提供可能</a:t>
+              <a:t>共用解析環境以外に専用解析環境の提供も可能</a:t>
             </a:r>
             <a:endParaRPr lang="en-US" altLang="ja-JP" dirty="0"/>
           </a:p>
@@ -7066,7 +7083,7 @@
           <a:p>
             <a:r>
               <a:rPr lang="ja-JP" altLang="en-US" dirty="0"/>
-              <a:t>冗長構成ののためノード故障時も高い可用性を維持</a:t>
+              <a:t>冗長構成のためノード故障時も高い可用性を維持</a:t>
             </a:r>
           </a:p>
           <a:p>
@@ -7077,9 +7094,63 @@
           </a:p>
           <a:p>
             <a:r>
-              <a:rPr lang="ja-JP" altLang="en-US" dirty="0"/>
-              <a:t>堅牢な設備により災害時でも解析データを保護可能</a:t>
-            </a:r>
+              <a:rPr lang="en-US" altLang="ja-JP" dirty="0"/>
+              <a:t>IDC</a:t>
+            </a:r>
+            <a:r>
+              <a:rPr lang="ja-JP" altLang="en-US" dirty="0"/>
+              <a:t>の堅牢な設備により災害時でも解析データを保護可能</a:t>
+            </a:r>
+            <a:endParaRPr lang="en-US" altLang="ja-JP" dirty="0"/>
+          </a:p>
+          <a:p>
+            <a:endParaRPr lang="en-US" altLang="ja-JP" dirty="0"/>
+          </a:p>
+          <a:p>
+            <a:pPr marL="0" indent="0">
+              <a:buNone/>
+            </a:pPr>
+            <a:r>
+              <a:rPr lang="en-US" altLang="ja-JP" dirty="0"/>
+              <a:t>【</a:t>
+            </a:r>
+            <a:r>
+              <a:rPr lang="ja-JP" altLang="en-US" dirty="0"/>
+              <a:t>今後の展望</a:t>
+            </a:r>
+            <a:r>
+              <a:rPr lang="en-US" altLang="ja-JP" dirty="0"/>
+              <a:t>】</a:t>
+            </a:r>
+          </a:p>
+          <a:p>
+            <a:r>
+              <a:rPr lang="en-US" altLang="ja-JP" dirty="0"/>
+              <a:t>CC&amp;EC</a:t>
+            </a:r>
+            <a:r>
+              <a:rPr lang="ja-JP" altLang="en-US" dirty="0"/>
+              <a:t>サービス適用地域の選定や売れ行き商品の動向予測に活用可能。</a:t>
+            </a:r>
+          </a:p>
+          <a:p>
+            <a:r>
+              <a:rPr lang="ja-JP" altLang="en-US" dirty="0"/>
+              <a:t>新潟を含む日本海側エリアは製造業中心で工場が多いため、</a:t>
+            </a:r>
+            <a:endParaRPr lang="en-US" altLang="ja-JP" dirty="0"/>
+          </a:p>
+          <a:p>
+            <a:pPr marL="0" indent="0">
+              <a:buNone/>
+            </a:pPr>
+            <a:r>
+              <a:rPr lang="ja-JP" altLang="en-US" dirty="0"/>
+              <a:t>　生産状況と売れ行きから生産計画のシミュレーション等を可能にする。</a:t>
+            </a:r>
+            <a:endParaRPr lang="en-US" altLang="ja-JP" dirty="0"/>
+          </a:p>
+          <a:p>
             <a:endParaRPr lang="en-US" altLang="ja-JP" dirty="0"/>
           </a:p>
           <a:p>
@@ -7704,6 +7775,9 @@
           </a:bodyPr>
           <a:lstStyle/>
           <a:p>
+            <a:pPr marL="0" indent="0">
+              <a:buNone/>
+            </a:pPr>
             <a:r>
               <a:rPr lang="ja-JP" altLang="en-US" dirty="0"/>
               <a:t>■</a:t>
@@ -7719,6 +7793,9 @@
             <a:endParaRPr lang="en-US" altLang="ja-JP" dirty="0"/>
           </a:p>
           <a:p>
+            <a:pPr marL="0" indent="0">
+              <a:buNone/>
+            </a:pPr>
             <a:r>
               <a:rPr lang="ja-JP" altLang="en-US" dirty="0"/>
               <a:t>従量制課金：毎月</a:t>
@@ -7758,6 +7835,9 @@
             <a:endParaRPr lang="en-US" altLang="ja-JP" dirty="0"/>
           </a:p>
           <a:p>
+            <a:pPr marL="0" indent="0">
+              <a:buNone/>
+            </a:pPr>
             <a:r>
               <a:rPr lang="ja-JP" altLang="en-US" dirty="0"/>
               <a:t>サブスク形式：毎月の利用者</a:t>
@@ -7797,6 +7877,9 @@
             <a:endParaRPr lang="en-US" altLang="ja-JP" dirty="0"/>
           </a:p>
           <a:p>
+            <a:pPr marL="0" indent="0">
+              <a:buNone/>
+            </a:pPr>
             <a:r>
               <a:rPr lang="ja-JP" altLang="en-US" dirty="0"/>
               <a:t>あわせて</a:t>
@@ -7836,6 +7919,9 @@
             <a:endParaRPr lang="en-US" altLang="ja-JP" dirty="0"/>
           </a:p>
           <a:p>
+            <a:pPr marL="0" indent="0">
+              <a:buNone/>
+            </a:pPr>
             <a:r>
               <a:rPr lang="ja-JP" altLang="en-US" dirty="0"/>
               <a:t>⇒半年の売り上げ</a:t>
@@ -7870,6 +7956,9 @@
             <a:endParaRPr lang="en-US" altLang="ja-JP" dirty="0"/>
           </a:p>
           <a:p>
+            <a:pPr marL="0" indent="0">
+              <a:buNone/>
+            </a:pPr>
             <a:r>
               <a:rPr lang="ja-JP" altLang="en-US" dirty="0"/>
               <a:t>■物資供給サービス利用料</a:t>
@@ -7877,6 +7966,9 @@
             <a:endParaRPr lang="en-US" altLang="ja-JP" dirty="0"/>
           </a:p>
           <a:p>
+            <a:pPr marL="0" indent="0">
+              <a:buNone/>
+            </a:pPr>
             <a:r>
               <a:rPr lang="ja-JP" altLang="en-US" dirty="0"/>
               <a:t>月額</a:t>
@@ -7916,6 +8008,9 @@
             <a:endParaRPr lang="en-US" altLang="ja-JP" dirty="0"/>
           </a:p>
           <a:p>
+            <a:pPr marL="0" indent="0">
+              <a:buNone/>
+            </a:pPr>
             <a:r>
               <a:rPr lang="ja-JP" altLang="en-US" dirty="0"/>
               <a:t>⇒半年の売り上げ</a:t>
@@ -7950,6 +8045,9 @@
             <a:endParaRPr lang="en-US" altLang="ja-JP" dirty="0"/>
           </a:p>
           <a:p>
+            <a:pPr marL="0" indent="0">
+              <a:buNone/>
+            </a:pPr>
             <a:r>
               <a:rPr lang="ja-JP" altLang="en-US" dirty="0"/>
               <a:t>■簡易診察システム利用料</a:t>
@@ -7957,6 +8055,9 @@
             <a:endParaRPr lang="en-US" altLang="ja-JP" dirty="0"/>
           </a:p>
           <a:p>
+            <a:pPr marL="0" indent="0">
+              <a:buNone/>
+            </a:pPr>
             <a:r>
               <a:rPr lang="ja-JP" altLang="en-US" dirty="0"/>
               <a:t>月額</a:t>
@@ -7979,7 +8080,7 @@
             </a:r>
             <a:r>
               <a:rPr lang="en-US" altLang="ja-JP" dirty="0"/>
-              <a:t>= 1</a:t>
+              <a:t>=1</a:t>
             </a:r>
             <a:r>
               <a:rPr lang="ja-JP" altLang="en-US" dirty="0"/>
@@ -7996,6 +8097,9 @@
             <a:endParaRPr lang="en-US" altLang="ja-JP" dirty="0"/>
           </a:p>
           <a:p>
+            <a:pPr marL="0" indent="0">
+              <a:buNone/>
+            </a:pPr>
             <a:r>
               <a:rPr lang="ja-JP" altLang="en-US" dirty="0"/>
               <a:t>⇒半年の売り上げ</a:t>
@@ -8030,6 +8134,9 @@
             <a:endParaRPr lang="en-US" altLang="ja-JP" dirty="0"/>
           </a:p>
           <a:p>
+            <a:pPr marL="0" indent="0">
+              <a:buNone/>
+            </a:pPr>
             <a:r>
               <a:rPr lang="ja-JP" altLang="en-US" dirty="0"/>
               <a:t>■統合インフラ情報アプリ利用料</a:t>
@@ -8037,6 +8144,9 @@
             <a:endParaRPr lang="en-US" altLang="ja-JP" dirty="0"/>
           </a:p>
           <a:p>
+            <a:pPr marL="0" indent="0">
+              <a:buNone/>
+            </a:pPr>
             <a:r>
               <a:rPr lang="ja-JP" altLang="en-US" dirty="0"/>
               <a:t>月額</a:t>
@@ -8075,7 +8185,7 @@
             </a:r>
             <a:r>
               <a:rPr lang="en-US" altLang="ja-JP" dirty="0"/>
-              <a:t>= 1</a:t>
+              <a:t>=1</a:t>
             </a:r>
             <a:r>
               <a:rPr lang="ja-JP" altLang="en-US" dirty="0"/>
@@ -8092,6 +8202,9 @@
             <a:endParaRPr lang="en-US" altLang="ja-JP" dirty="0"/>
           </a:p>
           <a:p>
+            <a:pPr marL="0" indent="0">
+              <a:buNone/>
+            </a:pPr>
             <a:r>
               <a:rPr lang="ja-JP" altLang="en-US" dirty="0"/>
               <a:t>⇒半年の売り上げ</a:t>
@@ -8126,6 +8239,9 @@
             <a:endParaRPr lang="en-US" altLang="ja-JP" dirty="0"/>
           </a:p>
           <a:p>
+            <a:pPr marL="0" indent="0">
+              <a:buNone/>
+            </a:pPr>
             <a:r>
               <a:rPr lang="en-US" altLang="ja-JP" dirty="0"/>
               <a:t>1</a:t>
@@ -8168,15 +8284,7 @@
             </a:r>
             <a:r>
               <a:rPr lang="en-US" altLang="ja-JP" dirty="0"/>
-              <a:t>= 1</a:t>
-            </a:r>
-            <a:r>
-              <a:rPr lang="ja-JP" altLang="en-US" dirty="0"/>
-              <a:t>月あたり</a:t>
-            </a:r>
-            <a:r>
-              <a:rPr lang="en-US" altLang="ja-JP" dirty="0"/>
-              <a:t>211,340,400</a:t>
+              <a:t>=211,340,400</a:t>
             </a:r>
             <a:r>
               <a:rPr lang="ja-JP" altLang="en-US" dirty="0"/>
@@ -8185,13 +8293,16 @@
             <a:endParaRPr lang="en-US" altLang="ja-JP" dirty="0"/>
           </a:p>
           <a:p>
+            <a:pPr marL="0" indent="0">
+              <a:buNone/>
+            </a:pPr>
             <a:r>
               <a:rPr lang="en-US" altLang="ja-JP" dirty="0"/>
               <a:t>※</a:t>
             </a:r>
             <a:r>
               <a:rPr lang="ja-JP" altLang="en-US" dirty="0"/>
-              <a:t>顧客数に比例して売り上げを伸ばすことが可能。</a:t>
+              <a:t>利用顧客数に比例して売り上げを伸ばすことが可能。</a:t>
             </a:r>
             <a:endParaRPr lang="en-US" altLang="ja-JP" dirty="0"/>
           </a:p>
@@ -8468,6 +8579,13 @@
             <a:endParaRPr lang="en-US" altLang="ja-JP" dirty="0"/>
           </a:p>
           <a:p>
+            <a:pPr marL="0" indent="0">
+              <a:buNone/>
+            </a:pPr>
+            <a:r>
+              <a:rPr lang="ja-JP" altLang="en-US" dirty="0"/>
+              <a:t>⇒</a:t>
+            </a:r>
             <a:r>
               <a:rPr lang="en-US" altLang="ja-JP" dirty="0"/>
               <a:t>NS</a:t>
@@ -8479,9 +8597,12 @@
             <a:endParaRPr lang="en-US" altLang="ja-JP" dirty="0"/>
           </a:p>
           <a:p>
-            <a:r>
-              <a:rPr lang="ja-JP" altLang="en-US" dirty="0"/>
-              <a:t>↓</a:t>
+            <a:pPr marL="0" indent="0">
+              <a:buNone/>
+            </a:pPr>
+            <a:r>
+              <a:rPr lang="ja-JP" altLang="en-US" dirty="0"/>
+              <a:t>　　　　　　↓</a:t>
             </a:r>
             <a:endParaRPr lang="en-US" altLang="ja-JP" dirty="0"/>
           </a:p>
@@ -8497,9 +8618,12 @@
             <a:endParaRPr lang="en-US" altLang="ja-JP" dirty="0"/>
           </a:p>
           <a:p>
-            <a:r>
-              <a:rPr lang="ja-JP" altLang="en-US" dirty="0"/>
-              <a:t>↓</a:t>
+            <a:pPr marL="0" indent="0">
+              <a:buNone/>
+            </a:pPr>
+            <a:r>
+              <a:rPr lang="ja-JP" altLang="en-US" dirty="0"/>
+              <a:t>　　　　　　↓</a:t>
             </a:r>
             <a:endParaRPr lang="en-US" altLang="ja-JP" dirty="0"/>
           </a:p>
@@ -8515,9 +8639,12 @@
             <a:endParaRPr lang="en-US" altLang="ja-JP" dirty="0"/>
           </a:p>
           <a:p>
-            <a:r>
-              <a:rPr lang="ja-JP" altLang="en-US" dirty="0"/>
-              <a:t>↓</a:t>
+            <a:pPr marL="0" indent="0">
+              <a:buNone/>
+            </a:pPr>
+            <a:r>
+              <a:rPr lang="ja-JP" altLang="en-US" dirty="0"/>
+              <a:t>　　　　　　↓</a:t>
             </a:r>
             <a:endParaRPr lang="en-US" altLang="ja-JP" dirty="0"/>
           </a:p>
@@ -8750,7 +8877,7 @@
             </a:r>
             <a:r>
               <a:rPr lang="ja-JP" altLang="en-US" sz="2000" dirty="0"/>
-              <a:t>サービスで地域をつなぎ安心できる生活基盤を提供する。</a:t>
+              <a:t>サービスで地域と産業をつなぎ安心できる生活基盤を提供する。</a:t>
             </a:r>
           </a:p>
         </p:txBody>
@@ -8933,15 +9060,7 @@
             </a:pPr>
             <a:r>
               <a:rPr lang="ja-JP" altLang="en-US" dirty="0"/>
-              <a:t>　　例：物資供給サービス（食料品と日用品の購入および配達</a:t>
-            </a:r>
-            <a:r>
-              <a:rPr lang="en-US" altLang="ja-JP" dirty="0"/>
-              <a:t>/</a:t>
-            </a:r>
-            <a:r>
-              <a:rPr lang="ja-JP" altLang="en-US" dirty="0"/>
-              <a:t>集いの場の提供）</a:t>
+              <a:t>　　例：物資供給サービス（食料品と日用品の購入および配達サービスの提供）</a:t>
             </a:r>
             <a:endParaRPr lang="en-US" altLang="ja-JP" dirty="0"/>
           </a:p>
@@ -9358,6 +9477,9 @@
           </a:bodyPr>
           <a:lstStyle/>
           <a:p>
+            <a:pPr marL="0" indent="0">
+              <a:buNone/>
+            </a:pPr>
             <a:r>
               <a:rPr lang="ja-JP" altLang="en-US" sz="1800" b="1" u="sng" dirty="0"/>
               <a:t>■</a:t>
@@ -9373,6 +9495,9 @@
             <a:endParaRPr lang="en-US" altLang="ja-JP" sz="1800" b="1" u="sng" dirty="0"/>
           </a:p>
           <a:p>
+            <a:pPr marL="0" indent="0">
+              <a:buNone/>
+            </a:pPr>
             <a:r>
               <a:rPr lang="ja-JP" altLang="en-US" sz="1800" dirty="0"/>
               <a:t>近年発生している重大な危機や企業の課題に対して対策を打つためには、</a:t>
@@ -9380,6 +9505,9 @@
             <a:endParaRPr lang="en-US" altLang="ja-JP" sz="1800" dirty="0"/>
           </a:p>
           <a:p>
+            <a:pPr marL="0" indent="0">
+              <a:buNone/>
+            </a:pPr>
             <a:r>
               <a:rPr lang="ja-JP" altLang="en-US" sz="1800" dirty="0"/>
               <a:t>複雑な事象を素早くシミュレーション解析できる環境が必要。</a:t>
@@ -9387,6 +9515,9 @@
             <a:endParaRPr lang="en-US" altLang="ja-JP" sz="1800" dirty="0"/>
           </a:p>
           <a:p>
+            <a:pPr marL="0" indent="0">
+              <a:buNone/>
+            </a:pPr>
             <a:r>
               <a:rPr lang="en-US" altLang="ja-JP" sz="1800" dirty="0"/>
               <a:t>【</a:t>
@@ -9440,7 +9571,7 @@
           <a:p>
             <a:r>
               <a:rPr lang="ja-JP" altLang="en-US" sz="1800" dirty="0"/>
-              <a:t>顧客の消費動向・予測のデータ分析による将来ニーズの把握</a:t>
+              <a:t>顧客の消費動向・予測のデータ分析による商品ニーズの把握</a:t>
             </a:r>
             <a:endParaRPr lang="en-US" altLang="ja-JP" sz="1800" dirty="0"/>
           </a:p>
@@ -9448,6 +9579,9 @@
             <a:endParaRPr lang="en-US" altLang="ja-JP" sz="1800" dirty="0"/>
           </a:p>
           <a:p>
+            <a:pPr marL="0" indent="0">
+              <a:buNone/>
+            </a:pPr>
             <a:r>
               <a:rPr lang="ja-JP" altLang="en-US" sz="1800" b="1" u="sng" dirty="0"/>
               <a:t>■</a:t>
@@ -9508,9 +9642,12 @@
             <a:endParaRPr lang="en-US" altLang="ja-JP" sz="1800" dirty="0"/>
           </a:p>
           <a:p>
+            <a:pPr marL="0" indent="0">
+              <a:buNone/>
+            </a:pPr>
             <a:r>
               <a:rPr lang="ja-JP" altLang="en-US" sz="1800" dirty="0"/>
-              <a:t>防災</a:t>
+              <a:t>　防災</a:t>
             </a:r>
             <a:r>
               <a:rPr lang="en-US" altLang="ja-JP" sz="1800" dirty="0"/>
@@ -9766,6 +9903,9 @@
           </a:bodyPr>
           <a:lstStyle/>
           <a:p>
+            <a:pPr marL="0" indent="0">
+              <a:buNone/>
+            </a:pPr>
             <a:r>
               <a:rPr lang="ja-JP" altLang="en-US" sz="3200" b="1" u="sng" dirty="0"/>
               <a:t>■</a:t>
@@ -9859,6 +9999,9 @@
             <a:endParaRPr lang="en-US" altLang="ja-JP" dirty="0"/>
           </a:p>
           <a:p>
+            <a:pPr marL="0" indent="0">
+              <a:buNone/>
+            </a:pPr>
             <a:r>
               <a:rPr lang="ja-JP" altLang="en-US" sz="3200" b="1" u="sng" dirty="0"/>
               <a:t>■</a:t>
@@ -10180,6 +10323,9 @@
           </a:bodyPr>
           <a:lstStyle/>
           <a:p>
+            <a:pPr marL="0" indent="0">
+              <a:buNone/>
+            </a:pPr>
             <a:r>
               <a:rPr lang="ja-JP" altLang="en-US" b="1" u="sng" dirty="0"/>
               <a:t>■</a:t>
@@ -10250,6 +10396,9 @@
             <a:endParaRPr lang="en-US" altLang="ja-JP" dirty="0"/>
           </a:p>
           <a:p>
+            <a:pPr marL="0" indent="0">
+              <a:buNone/>
+            </a:pPr>
             <a:r>
               <a:rPr lang="ja-JP" altLang="en-US" b="1" u="sng" dirty="0"/>
               <a:t>■</a:t>
@@ -10335,14 +10484,17 @@
           <a:p>
             <a:r>
               <a:rPr lang="ja-JP" altLang="en-US" dirty="0"/>
-              <a:t>既存の道路交通情報に含まれていない生活道路状況の把握</a:t>
-            </a:r>
-            <a:endParaRPr lang="en-US" altLang="ja-JP" dirty="0"/>
-          </a:p>
-          <a:p>
-            <a:endParaRPr lang="en-US" altLang="ja-JP" dirty="0"/>
-          </a:p>
-          <a:p>
+              <a:t>既存の提供情報に含まれていない詳細情報の把握</a:t>
+            </a:r>
+            <a:endParaRPr lang="en-US" altLang="ja-JP" dirty="0"/>
+          </a:p>
+          <a:p>
+            <a:endParaRPr lang="en-US" altLang="ja-JP" dirty="0"/>
+          </a:p>
+          <a:p>
+            <a:pPr marL="0" indent="0">
+              <a:buNone/>
+            </a:pPr>
             <a:r>
               <a:rPr lang="ja-JP" altLang="en-US" dirty="0"/>
               <a:t>⇒サービス利用者確保が共通課題（有用性と利便性の広報活動が必要）</a:t>
@@ -10621,13 +10773,16 @@
             <a:endParaRPr lang="en-US" altLang="ja-JP" dirty="0"/>
           </a:p>
           <a:p>
+            <a:pPr marL="0" indent="0">
+              <a:buNone/>
+            </a:pPr>
             <a:r>
               <a:rPr lang="ja-JP" altLang="en-US" dirty="0"/>
               <a:t>⇒</a:t>
             </a:r>
             <a:r>
               <a:rPr lang="en-US" altLang="ja-JP" dirty="0"/>
-              <a:t> HPC</a:t>
+              <a:t>HPC</a:t>
             </a:r>
             <a:r>
               <a:rPr lang="ja-JP" altLang="en-US" dirty="0"/>
@@ -10644,9 +10799,12 @@
             <a:endParaRPr lang="en-US" altLang="ja-JP" dirty="0"/>
           </a:p>
           <a:p>
-            <a:r>
-              <a:rPr lang="ja-JP" altLang="en-US" dirty="0"/>
-              <a:t>　  サーバを複数台組み合わせて</a:t>
+            <a:pPr marL="0" indent="0">
+              <a:buNone/>
+            </a:pPr>
+            <a:r>
+              <a:rPr lang="ja-JP" altLang="en-US" dirty="0"/>
+              <a:t>　サーバを複数台組み合わせて</a:t>
             </a:r>
             <a:r>
               <a:rPr lang="en-US" altLang="ja-JP" dirty="0"/>
@@ -10677,6 +10835,9 @@
             <a:endParaRPr lang="en-US" altLang="ja-JP" dirty="0"/>
           </a:p>
           <a:p>
+            <a:pPr marL="0" indent="0">
+              <a:buNone/>
+            </a:pPr>
             <a:r>
               <a:rPr lang="ja-JP" altLang="en-US" dirty="0"/>
               <a:t>⇒</a:t>
@@ -10700,9 +10861,12 @@
             <a:endParaRPr lang="en-US" altLang="ja-JP" dirty="0"/>
           </a:p>
           <a:p>
-            <a:r>
-              <a:rPr lang="ja-JP" altLang="en-US" dirty="0"/>
-              <a:t>　 解析プログラムのチューニングサポート担当</a:t>
+            <a:pPr marL="0" indent="0">
+              <a:buNone/>
+            </a:pPr>
+            <a:r>
+              <a:rPr lang="ja-JP" altLang="en-US" dirty="0"/>
+              <a:t>　解析プログラムのチューニングサポート担当</a:t>
             </a:r>
             <a:r>
               <a:rPr lang="en-US" altLang="ja-JP" dirty="0"/>
@@ -10715,9 +10879,12 @@
             <a:endParaRPr lang="en-US" altLang="ja-JP" dirty="0"/>
           </a:p>
           <a:p>
-            <a:r>
-              <a:rPr lang="ja-JP" altLang="en-US" dirty="0"/>
-              <a:t>　 </a:t>
+            <a:pPr marL="0" indent="0">
+              <a:buNone/>
+            </a:pPr>
+            <a:r>
+              <a:rPr lang="ja-JP" altLang="en-US" dirty="0"/>
+              <a:t>　</a:t>
             </a:r>
             <a:r>
               <a:rPr lang="en-US" altLang="ja-JP" dirty="0"/>
@@ -10748,6 +10915,9 @@
             <a:endParaRPr lang="en-US" altLang="ja-JP" dirty="0"/>
           </a:p>
           <a:p>
+            <a:pPr marL="0" indent="0">
+              <a:buNone/>
+            </a:pPr>
             <a:r>
               <a:rPr lang="ja-JP" altLang="en-US" dirty="0"/>
               <a:t>⇒解析対象に応じて必要なソフトウェアパッケージは異なるため、</a:t>
@@ -10755,9 +10925,12 @@
             <a:endParaRPr lang="en-US" altLang="ja-JP" dirty="0"/>
           </a:p>
           <a:p>
-            <a:r>
-              <a:rPr lang="ja-JP" altLang="en-US" dirty="0"/>
-              <a:t>　  コンテナ化の仕組みを導入し仮想環境を構築する。</a:t>
+            <a:pPr marL="0" indent="0">
+              <a:buNone/>
+            </a:pPr>
+            <a:r>
+              <a:rPr lang="ja-JP" altLang="en-US" dirty="0"/>
+              <a:t>　コンテナ化の仕組みを導入し仮想環境を構築する。</a:t>
             </a:r>
             <a:endParaRPr lang="en-US" altLang="ja-JP" dirty="0"/>
           </a:p>
@@ -10784,6 +10957,9 @@
             <a:endParaRPr lang="en-US" altLang="ja-JP" dirty="0"/>
           </a:p>
           <a:p>
+            <a:pPr marL="0" indent="0">
+              <a:buNone/>
+            </a:pPr>
             <a:r>
               <a:rPr lang="ja-JP" altLang="en-US" dirty="0"/>
               <a:t>⇒</a:t>
@@ -11074,6 +11250,9 @@
             <a:endParaRPr lang="en-US" altLang="ja-JP" dirty="0"/>
           </a:p>
           <a:p>
+            <a:pPr marL="0" indent="0">
+              <a:buNone/>
+            </a:pPr>
             <a:r>
               <a:rPr lang="ja-JP" altLang="en-US" dirty="0"/>
               <a:t>⇒物資提供企業</a:t>
@@ -11089,16 +11268,22 @@
             <a:endParaRPr lang="en-US" altLang="ja-JP" dirty="0"/>
           </a:p>
           <a:p>
-            <a:r>
-              <a:rPr lang="ja-JP" altLang="en-US" dirty="0"/>
-              <a:t>　  食料品：地元の複数スーパーと提携</a:t>
-            </a:r>
-            <a:endParaRPr lang="en-US" altLang="ja-JP" dirty="0"/>
-          </a:p>
-          <a:p>
-            <a:r>
-              <a:rPr lang="ja-JP" altLang="en-US" dirty="0"/>
-              <a:t>     日用品：地元のドラッグストア</a:t>
+            <a:pPr marL="0" indent="0">
+              <a:buNone/>
+            </a:pPr>
+            <a:r>
+              <a:rPr lang="ja-JP" altLang="en-US" dirty="0"/>
+              <a:t>　食料品：地元の複数スーパーと提携</a:t>
+            </a:r>
+            <a:endParaRPr lang="en-US" altLang="ja-JP" dirty="0"/>
+          </a:p>
+          <a:p>
+            <a:pPr marL="0" indent="0">
+              <a:buNone/>
+            </a:pPr>
+            <a:r>
+              <a:rPr lang="ja-JP" altLang="en-US" dirty="0"/>
+              <a:t>　日用品：地元のドラッグストア</a:t>
             </a:r>
             <a:r>
               <a:rPr lang="en-US" altLang="ja-JP" dirty="0"/>
@@ -11111,9 +11296,12 @@
             <a:endParaRPr lang="en-US" altLang="ja-JP" dirty="0"/>
           </a:p>
           <a:p>
-            <a:r>
-              <a:rPr lang="ja-JP" altLang="en-US" dirty="0"/>
-              <a:t>　  配達：日精サービスと連携（新規サービスとして共同で立ち上げ）</a:t>
+            <a:pPr marL="0" indent="0">
+              <a:buNone/>
+            </a:pPr>
+            <a:r>
+              <a:rPr lang="ja-JP" altLang="en-US" dirty="0"/>
+              <a:t>　配達：日精サービスと連携（新規サービスとして共同で立ち上げ）</a:t>
             </a:r>
             <a:endParaRPr lang="en-US" altLang="ja-JP" dirty="0"/>
           </a:p>
@@ -11136,6 +11324,9 @@
             <a:endParaRPr lang="en-US" altLang="ja-JP" dirty="0"/>
           </a:p>
           <a:p>
+            <a:pPr marL="0" indent="0">
+              <a:buNone/>
+            </a:pPr>
             <a:r>
               <a:rPr lang="ja-JP" altLang="en-US" dirty="0"/>
               <a:t>⇒タブレット端末を配布し、不足している食商品</a:t>
@@ -11169,6 +11360,9 @@
             <a:endParaRPr lang="en-US" altLang="ja-JP" dirty="0"/>
           </a:p>
           <a:p>
+            <a:pPr marL="0" indent="0">
+              <a:buNone/>
+            </a:pPr>
             <a:r>
               <a:rPr lang="ja-JP" altLang="en-US" dirty="0"/>
               <a:t>⇒高齢化</a:t>
@@ -11192,9 +11386,12 @@
             <a:endParaRPr lang="en-US" altLang="ja-JP" dirty="0"/>
           </a:p>
           <a:p>
-            <a:r>
-              <a:rPr lang="ja-JP" altLang="en-US" dirty="0"/>
-              <a:t>　  タブレット端末</a:t>
+            <a:pPr marL="0" indent="0">
+              <a:buNone/>
+            </a:pPr>
+            <a:r>
+              <a:rPr lang="ja-JP" altLang="en-US" dirty="0"/>
+              <a:t>　タブレット端末</a:t>
             </a:r>
             <a:r>
               <a:rPr lang="en-US" altLang="ja-JP" dirty="0"/>
@@ -11207,9 +11404,12 @@
             <a:endParaRPr lang="en-US" altLang="ja-JP" dirty="0"/>
           </a:p>
           <a:p>
-            <a:r>
-              <a:rPr lang="ja-JP" altLang="en-US" dirty="0"/>
-              <a:t>　  簡易診察で薬が必要な場合、薬局ともコミュニケーションをとり薬を配達する。</a:t>
+            <a:pPr marL="0" indent="0">
+              <a:buNone/>
+            </a:pPr>
+            <a:r>
+              <a:rPr lang="ja-JP" altLang="en-US" dirty="0"/>
+              <a:t>　簡易診察で薬が必要な場合、薬局ともコミュニケーションをとり薬を配達する。</a:t>
             </a:r>
             <a:endParaRPr lang="en-US" altLang="ja-JP" dirty="0"/>
           </a:p>
@@ -11240,6 +11440,9 @@
             <a:endParaRPr lang="en-US" altLang="ja-JP" dirty="0"/>
           </a:p>
           <a:p>
+            <a:pPr marL="0" indent="0">
+              <a:buNone/>
+            </a:pPr>
             <a:r>
               <a:rPr lang="ja-JP" altLang="en-US" dirty="0"/>
               <a:t>⇒長岡市等の行政と連携し、一元的に情報を確認できるアプリを構築し配布する。</a:t>
@@ -11252,11 +11455,14 @@
           <a:p>
             <a:r>
               <a:rPr lang="ja-JP" altLang="en-US" dirty="0"/>
-              <a:t>生活道路状況を把握する方法の検討</a:t>
-            </a:r>
-            <a:endParaRPr lang="en-US" altLang="ja-JP" dirty="0"/>
-          </a:p>
-          <a:p>
+              <a:t>既存の提供情報に含まれていない詳細情報の把握</a:t>
+            </a:r>
+            <a:endParaRPr lang="en-US" altLang="ja-JP" dirty="0"/>
+          </a:p>
+          <a:p>
+            <a:pPr marL="0" indent="0">
+              <a:buNone/>
+            </a:pPr>
             <a:r>
               <a:rPr lang="ja-JP" altLang="en-US" dirty="0"/>
               <a:t>⇒</a:t>
@@ -11267,14 +11473,17 @@
             </a:r>
             <a:r>
               <a:rPr lang="ja-JP" altLang="en-US" dirty="0"/>
-              <a:t>のようにアプリユーザーの写真投稿情報を基に道路情報を更新する仕組みを導入する。</a:t>
-            </a:r>
-            <a:endParaRPr lang="en-US" altLang="ja-JP" dirty="0"/>
-          </a:p>
-          <a:p>
-            <a:r>
-              <a:rPr lang="ja-JP" altLang="en-US" dirty="0"/>
-              <a:t>　  日常的に道路の点検作業</a:t>
+              <a:t>のようにアプリユーザーの写真投稿情報を基にリアルタイムで周辺情報を更新する仕組みを導入する。</a:t>
+            </a:r>
+            <a:endParaRPr lang="en-US" altLang="ja-JP" dirty="0"/>
+          </a:p>
+          <a:p>
+            <a:pPr marL="0" indent="0">
+              <a:buNone/>
+            </a:pPr>
+            <a:r>
+              <a:rPr lang="ja-JP" altLang="en-US" dirty="0"/>
+              <a:t>　日常的に詳細エリアの天気や道路の点検作業</a:t>
             </a:r>
             <a:r>
               <a:rPr lang="en-US" altLang="ja-JP" dirty="0"/>
@@ -11532,7 +11741,7 @@
         <p:spPr/>
         <p:txBody>
           <a:bodyPr>
-            <a:normAutofit fontScale="92500"/>
+            <a:normAutofit fontScale="92500" lnSpcReduction="10000"/>
           </a:bodyPr>
           <a:lstStyle/>
           <a:p>
@@ -11547,6 +11756,9 @@
             <a:endParaRPr lang="en-US" altLang="ja-JP" dirty="0"/>
           </a:p>
           <a:p>
+            <a:pPr marL="0" indent="0">
+              <a:buNone/>
+            </a:pPr>
             <a:r>
               <a:rPr lang="ja-JP" altLang="en-US" dirty="0"/>
               <a:t>⇒リソースと占有期間に応じた従量制課金（</a:t>
@@ -11570,6 +11782,9 @@
             <a:endParaRPr lang="en-US" altLang="ja-JP" dirty="0"/>
           </a:p>
           <a:p>
+            <a:pPr marL="0" indent="0">
+              <a:buNone/>
+            </a:pPr>
             <a:r>
               <a:rPr lang="ja-JP" altLang="en-US" dirty="0"/>
               <a:t>　固定額でリソースを占有できるサブスク形式（月額：</a:t>
@@ -11585,6 +11800,9 @@
             <a:endParaRPr lang="en-US" altLang="ja-JP" dirty="0"/>
           </a:p>
           <a:p>
+            <a:pPr marL="0" indent="0">
+              <a:buNone/>
+            </a:pPr>
             <a:r>
               <a:rPr lang="ja-JP" altLang="en-US" dirty="0"/>
               <a:t>　</a:t>
@@ -11620,20 +11838,27 @@
           </a:p>
           <a:p>
             <a:r>
-              <a:rPr lang="ja-JP" altLang="en-US" dirty="0"/>
-              <a:t>顧客固有</a:t>
-            </a:r>
-            <a:r>
               <a:rPr lang="en-US" altLang="ja-JP" dirty="0"/>
               <a:t>PC</a:t>
             </a:r>
             <a:r>
               <a:rPr lang="ja-JP" altLang="en-US" dirty="0"/>
-              <a:t>クラスタの構築サポート</a:t>
-            </a:r>
-            <a:endParaRPr lang="en-US" altLang="ja-JP" dirty="0"/>
-          </a:p>
-          <a:p>
+              <a:t>クラスタ構築</a:t>
+            </a:r>
+            <a:r>
+              <a:rPr lang="en-US" altLang="ja-JP" dirty="0"/>
+              <a:t>/</a:t>
+            </a:r>
+            <a:r>
+              <a:rPr lang="ja-JP" altLang="en-US" dirty="0"/>
+              <a:t>サーバ機器販売サポート</a:t>
+            </a:r>
+            <a:endParaRPr lang="en-US" altLang="ja-JP" dirty="0"/>
+          </a:p>
+          <a:p>
+            <a:pPr marL="0" indent="0">
+              <a:buNone/>
+            </a:pPr>
             <a:r>
               <a:rPr lang="ja-JP" altLang="en-US" dirty="0"/>
               <a:t>⇒オンプレミスでの</a:t>
@@ -11649,6 +11874,16 @@
             <a:endParaRPr lang="en-US" altLang="ja-JP" dirty="0"/>
           </a:p>
           <a:p>
+            <a:pPr marL="0" indent="0">
+              <a:buNone/>
+            </a:pPr>
+            <a:r>
+              <a:rPr lang="ja-JP" altLang="en-US" dirty="0"/>
+              <a:t>　インフラ規模に応じた工数見積もり</a:t>
+            </a:r>
+            <a:endParaRPr lang="en-US" altLang="ja-JP" dirty="0"/>
+          </a:p>
+          <a:p>
             <a:endParaRPr lang="en-US" altLang="ja-JP" dirty="0"/>
           </a:p>
           <a:p>
@@ -11674,6 +11909,9 @@
             <a:endParaRPr lang="en-US" altLang="ja-JP" dirty="0"/>
           </a:p>
           <a:p>
+            <a:pPr marL="0" indent="0">
+              <a:buNone/>
+            </a:pPr>
             <a:r>
               <a:rPr lang="ja-JP" altLang="en-US" dirty="0"/>
               <a:t>⇒解析シミュレーションプログラムの並列化</a:t>
@@ -11681,9 +11919,12 @@
             <a:endParaRPr lang="en-US" altLang="ja-JP" dirty="0"/>
           </a:p>
           <a:p>
-            <a:r>
-              <a:rPr lang="ja-JP" altLang="en-US" dirty="0"/>
-              <a:t>　  プログラムの規模に応じた工数見積もり</a:t>
+            <a:pPr marL="0" indent="0">
+              <a:buNone/>
+            </a:pPr>
+            <a:r>
+              <a:rPr lang="ja-JP" altLang="en-US" dirty="0"/>
+              <a:t>　プログラムの規模に応じた工数見積もり</a:t>
             </a:r>
             <a:endParaRPr lang="en-US" altLang="ja-JP" dirty="0"/>
           </a:p>
@@ -11941,6 +12182,9 @@
             <a:endParaRPr lang="en-US" altLang="ja-JP" dirty="0"/>
           </a:p>
           <a:p>
+            <a:pPr marL="0" indent="0">
+              <a:buNone/>
+            </a:pPr>
             <a:r>
               <a:rPr lang="ja-JP" altLang="en-US" dirty="0"/>
               <a:t>⇒タブレット端末</a:t>
@@ -11974,6 +12218,9 @@
             <a:endParaRPr lang="en-US" altLang="ja-JP" dirty="0"/>
           </a:p>
           <a:p>
+            <a:pPr marL="0" indent="0">
+              <a:buNone/>
+            </a:pPr>
             <a:r>
               <a:rPr lang="ja-JP" altLang="en-US" dirty="0"/>
               <a:t>⇒タブレット端末</a:t>
@@ -12007,6 +12254,9 @@
             <a:endParaRPr lang="en-US" altLang="ja-JP" dirty="0"/>
           </a:p>
           <a:p>
+            <a:pPr marL="0" indent="0">
+              <a:buNone/>
+            </a:pPr>
             <a:r>
               <a:rPr lang="ja-JP" altLang="en-US" dirty="0"/>
               <a:t>⇒基本的には有料会員（月額</a:t>
@@ -12022,6 +12272,9 @@
             <a:endParaRPr lang="en-US" altLang="ja-JP" dirty="0"/>
           </a:p>
           <a:p>
+            <a:pPr marL="0" indent="0">
+              <a:buNone/>
+            </a:pPr>
             <a:r>
               <a:rPr lang="ja-JP" altLang="en-US" dirty="0"/>
               <a:t>　（インストール自体は有料会員登録なしでも可能）</a:t>
@@ -12029,6 +12282,9 @@
             <a:endParaRPr lang="en-US" altLang="ja-JP" dirty="0"/>
           </a:p>
           <a:p>
+            <a:pPr marL="0" indent="0">
+              <a:buNone/>
+            </a:pPr>
             <a:r>
               <a:rPr lang="ja-JP" altLang="en-US" dirty="0"/>
               <a:t>　</a:t>
@@ -12662,9 +12918,12 @@
 </file>
 
 <file path=customXml/item1.xml><?xml version="1.0" encoding="utf-8"?>
-<p:properties xmlns:p="http://schemas.microsoft.com/office/2006/metadata/properties" xmlns:xsi="http://www.w3.org/2001/XMLSchema-instance" xmlns:pc="http://schemas.microsoft.com/office/infopath/2007/PartnerControls">
-  <documentManagement/>
-</p:properties>
+<?mso-contentType ?>
+<FormTemplates xmlns="http://schemas.microsoft.com/sharepoint/v3/contenttype/forms">
+  <Display>DocumentLibraryForm</Display>
+  <Edit>DocumentLibraryForm</Edit>
+  <New>DocumentLibraryForm</New>
+</FormTemplates>
 </file>
 
 <file path=customXml/item2.xml><?xml version="1.0" encoding="utf-8"?>
@@ -12812,27 +13071,15 @@
 </file>
 
 <file path=customXml/item3.xml><?xml version="1.0" encoding="utf-8"?>
-<?mso-contentType ?>
-<FormTemplates xmlns="http://schemas.microsoft.com/sharepoint/v3/contenttype/forms">
-  <Display>DocumentLibraryForm</Display>
-  <Edit>DocumentLibraryForm</Edit>
-  <New>DocumentLibraryForm</New>
-</FormTemplates>
+<p:properties xmlns:p="http://schemas.microsoft.com/office/2006/metadata/properties" xmlns:xsi="http://www.w3.org/2001/XMLSchema-instance" xmlns:pc="http://schemas.microsoft.com/office/infopath/2007/PartnerControls">
+  <documentManagement/>
+</p:properties>
 </file>
 
 <file path=customXml/itemProps1.xml><?xml version="1.0" encoding="utf-8"?>
-<ds:datastoreItem xmlns:ds="http://schemas.openxmlformats.org/officeDocument/2006/customXml" ds:itemID="{42ECF84E-BC38-4F74-AFC3-C5959B4DF479}">
+<ds:datastoreItem xmlns:ds="http://schemas.openxmlformats.org/officeDocument/2006/customXml" ds:itemID="{DE0C6FCC-D117-4483-8DEF-6D7839D43390}">
   <ds:schemaRefs>
-    <ds:schemaRef ds:uri="http://purl.org/dc/terms/"/>
-    <ds:schemaRef ds:uri="http://schemas.openxmlformats.org/package/2006/metadata/core-properties"/>
-    <ds:schemaRef ds:uri="http://purl.org/dc/dcmitype/"/>
-    <ds:schemaRef ds:uri="http://schemas.microsoft.com/office/infopath/2007/PartnerControls"/>
-    <ds:schemaRef ds:uri="http://purl.org/dc/elements/1.1/"/>
-    <ds:schemaRef ds:uri="http://schemas.microsoft.com/office/2006/metadata/properties"/>
-    <ds:schemaRef ds:uri="http://schemas.microsoft.com/office/2006/documentManagement/types"/>
-    <ds:schemaRef ds:uri="743be6eb-25c2-4da9-9fe1-7f1bf8fbe095"/>
-    <ds:schemaRef ds:uri="370397f0-7372-4438-83a9-d56962dada60"/>
-    <ds:schemaRef ds:uri="http://www.w3.org/XML/1998/namespace"/>
+    <ds:schemaRef ds:uri="http://schemas.microsoft.com/sharepoint/v3/contenttype/forms"/>
   </ds:schemaRefs>
 </ds:datastoreItem>
 </file>
@@ -12856,9 +13103,18 @@
 </file>
 
 <file path=customXml/itemProps3.xml><?xml version="1.0" encoding="utf-8"?>
-<ds:datastoreItem xmlns:ds="http://schemas.openxmlformats.org/officeDocument/2006/customXml" ds:itemID="{DE0C6FCC-D117-4483-8DEF-6D7839D43390}">
+<ds:datastoreItem xmlns:ds="http://schemas.openxmlformats.org/officeDocument/2006/customXml" ds:itemID="{42ECF84E-BC38-4F74-AFC3-C5959B4DF479}">
   <ds:schemaRefs>
-    <ds:schemaRef ds:uri="http://schemas.microsoft.com/sharepoint/v3/contenttype/forms"/>
+    <ds:schemaRef ds:uri="http://purl.org/dc/terms/"/>
+    <ds:schemaRef ds:uri="http://schemas.openxmlformats.org/package/2006/metadata/core-properties"/>
+    <ds:schemaRef ds:uri="http://purl.org/dc/dcmitype/"/>
+    <ds:schemaRef ds:uri="http://schemas.microsoft.com/office/infopath/2007/PartnerControls"/>
+    <ds:schemaRef ds:uri="http://purl.org/dc/elements/1.1/"/>
+    <ds:schemaRef ds:uri="http://schemas.microsoft.com/office/2006/metadata/properties"/>
+    <ds:schemaRef ds:uri="http://schemas.microsoft.com/office/2006/documentManagement/types"/>
+    <ds:schemaRef ds:uri="743be6eb-25c2-4da9-9fe1-7f1bf8fbe095"/>
+    <ds:schemaRef ds:uri="370397f0-7372-4438-83a9-d56962dada60"/>
+    <ds:schemaRef ds:uri="http://www.w3.org/XML/1998/namespace"/>
   </ds:schemaRefs>
 </ds:datastoreItem>
 </file>
--- a/Temp/EMB本部_中村洋太_290863_[HPC解析_CC&ECサービス].pptx
+++ b/Temp/EMB本部_中村洋太_290863_[HPC解析_CC&ECサービス].pptx
@@ -7413,6 +7413,9 @@
             <a:endParaRPr lang="en-US" altLang="ja-JP" dirty="0"/>
           </a:p>
           <a:p>
+            <a:pPr marL="0" indent="0">
+              <a:buNone/>
+            </a:pPr>
             <a:r>
               <a:rPr lang="ja-JP" altLang="en-US" dirty="0"/>
               <a:t>物資を一括で購入</a:t>
@@ -7428,6 +7431,9 @@
             <a:endParaRPr lang="en-US" altLang="ja-JP" dirty="0"/>
           </a:p>
           <a:p>
+            <a:pPr marL="0" indent="0">
+              <a:buNone/>
+            </a:pPr>
             <a:r>
               <a:rPr lang="ja-JP" altLang="en-US" dirty="0"/>
               <a:t>高齢化</a:t>
@@ -7453,6 +7459,9 @@
             <a:endParaRPr lang="en-US" altLang="ja-JP" dirty="0"/>
           </a:p>
           <a:p>
+            <a:pPr marL="0" indent="0">
+              <a:buNone/>
+            </a:pPr>
             <a:r>
               <a:rPr lang="ja-JP" altLang="en-US" dirty="0"/>
               <a:t>自宅のタブレット端末で診察し薬を処方できるため、</a:t>
@@ -7460,6 +7469,9 @@
             <a:endParaRPr lang="en-US" altLang="ja-JP" dirty="0"/>
           </a:p>
           <a:p>
+            <a:pPr marL="0" indent="0">
+              <a:buNone/>
+            </a:pPr>
             <a:r>
               <a:rPr lang="ja-JP" altLang="en-US" dirty="0"/>
               <a:t>軽度な症状であれば医療機関まで足を運ぶ必要がなくなり、</a:t>
@@ -7467,12 +7479,18 @@
             <a:endParaRPr lang="en-US" altLang="ja-JP" dirty="0"/>
           </a:p>
           <a:p>
+            <a:pPr marL="0" indent="0">
+              <a:buNone/>
+            </a:pPr>
             <a:r>
               <a:rPr lang="ja-JP" altLang="en-US" dirty="0"/>
               <a:t>医療機関の混雑解消や受診者の負担軽減が可能。</a:t>
             </a:r>
           </a:p>
           <a:p>
+            <a:pPr marL="0" indent="0">
+              <a:buNone/>
+            </a:pPr>
             <a:r>
               <a:rPr lang="ja-JP" altLang="en-US" dirty="0"/>
               <a:t>物資供給サービスと連動して薬の配達も可能。</a:t>
@@ -7490,6 +7508,9 @@
             <a:endParaRPr lang="en-US" altLang="ja-JP" dirty="0"/>
           </a:p>
           <a:p>
+            <a:pPr marL="0" indent="0">
+              <a:buNone/>
+            </a:pPr>
             <a:r>
               <a:rPr lang="ja-JP" altLang="en-US" dirty="0"/>
               <a:t>災害時の被害状況確認</a:t>
@@ -7512,6 +7533,9 @@
             </a:r>
           </a:p>
           <a:p>
+            <a:pPr marL="0" indent="0">
+              <a:buNone/>
+            </a:pPr>
             <a:r>
               <a:rPr lang="ja-JP" altLang="en-US" dirty="0"/>
               <a:t>悪天候状況や冬季の道路の道路状況の把握にも活用可能。</a:t>
@@ -7519,6 +7543,9 @@
             <a:endParaRPr lang="en-US" altLang="ja-JP" dirty="0"/>
           </a:p>
           <a:p>
+            <a:pPr marL="0" indent="0">
+              <a:buNone/>
+            </a:pPr>
             <a:r>
               <a:rPr lang="ja-JP" altLang="en-US" dirty="0"/>
               <a:t>統合インフラ情報アプリは全国の自治体へ展開可能。</a:t>
@@ -7529,6 +7556,9 @@
             <a:endParaRPr lang="en-US" altLang="ja-JP" dirty="0"/>
           </a:p>
           <a:p>
+            <a:pPr marL="0" indent="0">
+              <a:buNone/>
+            </a:pPr>
             <a:r>
               <a:rPr lang="ja-JP" altLang="en-US" dirty="0"/>
               <a:t>⇒地域貢献が主目的のため、極力利用コストを下げた生活基盤サービスとして展開する。</a:t>
@@ -12918,12 +12948,9 @@
 </file>
 
 <file path=customXml/item1.xml><?xml version="1.0" encoding="utf-8"?>
-<?mso-contentType ?>
-<FormTemplates xmlns="http://schemas.microsoft.com/sharepoint/v3/contenttype/forms">
-  <Display>DocumentLibraryForm</Display>
-  <Edit>DocumentLibraryForm</Edit>
-  <New>DocumentLibraryForm</New>
-</FormTemplates>
+<p:properties xmlns:p="http://schemas.microsoft.com/office/2006/metadata/properties" xmlns:xsi="http://www.w3.org/2001/XMLSchema-instance" xmlns:pc="http://schemas.microsoft.com/office/infopath/2007/PartnerControls">
+  <documentManagement/>
+</p:properties>
 </file>
 
 <file path=customXml/item2.xml><?xml version="1.0" encoding="utf-8"?>
@@ -13071,15 +13098,27 @@
 </file>
 
 <file path=customXml/item3.xml><?xml version="1.0" encoding="utf-8"?>
-<p:properties xmlns:p="http://schemas.microsoft.com/office/2006/metadata/properties" xmlns:xsi="http://www.w3.org/2001/XMLSchema-instance" xmlns:pc="http://schemas.microsoft.com/office/infopath/2007/PartnerControls">
-  <documentManagement/>
-</p:properties>
+<?mso-contentType ?>
+<FormTemplates xmlns="http://schemas.microsoft.com/sharepoint/v3/contenttype/forms">
+  <Display>DocumentLibraryForm</Display>
+  <Edit>DocumentLibraryForm</Edit>
+  <New>DocumentLibraryForm</New>
+</FormTemplates>
 </file>
 
 <file path=customXml/itemProps1.xml><?xml version="1.0" encoding="utf-8"?>
-<ds:datastoreItem xmlns:ds="http://schemas.openxmlformats.org/officeDocument/2006/customXml" ds:itemID="{DE0C6FCC-D117-4483-8DEF-6D7839D43390}">
+<ds:datastoreItem xmlns:ds="http://schemas.openxmlformats.org/officeDocument/2006/customXml" ds:itemID="{42ECF84E-BC38-4F74-AFC3-C5959B4DF479}">
   <ds:schemaRefs>
-    <ds:schemaRef ds:uri="http://schemas.microsoft.com/sharepoint/v3/contenttype/forms"/>
+    <ds:schemaRef ds:uri="http://purl.org/dc/terms/"/>
+    <ds:schemaRef ds:uri="http://schemas.openxmlformats.org/package/2006/metadata/core-properties"/>
+    <ds:schemaRef ds:uri="http://purl.org/dc/dcmitype/"/>
+    <ds:schemaRef ds:uri="http://schemas.microsoft.com/office/infopath/2007/PartnerControls"/>
+    <ds:schemaRef ds:uri="http://purl.org/dc/elements/1.1/"/>
+    <ds:schemaRef ds:uri="http://schemas.microsoft.com/office/2006/metadata/properties"/>
+    <ds:schemaRef ds:uri="http://schemas.microsoft.com/office/2006/documentManagement/types"/>
+    <ds:schemaRef ds:uri="743be6eb-25c2-4da9-9fe1-7f1bf8fbe095"/>
+    <ds:schemaRef ds:uri="370397f0-7372-4438-83a9-d56962dada60"/>
+    <ds:schemaRef ds:uri="http://www.w3.org/XML/1998/namespace"/>
   </ds:schemaRefs>
 </ds:datastoreItem>
 </file>
@@ -13103,18 +13142,9 @@
 </file>
 
 <file path=customXml/itemProps3.xml><?xml version="1.0" encoding="utf-8"?>
-<ds:datastoreItem xmlns:ds="http://schemas.openxmlformats.org/officeDocument/2006/customXml" ds:itemID="{42ECF84E-BC38-4F74-AFC3-C5959B4DF479}">
+<ds:datastoreItem xmlns:ds="http://schemas.openxmlformats.org/officeDocument/2006/customXml" ds:itemID="{DE0C6FCC-D117-4483-8DEF-6D7839D43390}">
   <ds:schemaRefs>
-    <ds:schemaRef ds:uri="http://purl.org/dc/terms/"/>
-    <ds:schemaRef ds:uri="http://schemas.openxmlformats.org/package/2006/metadata/core-properties"/>
-    <ds:schemaRef ds:uri="http://purl.org/dc/dcmitype/"/>
-    <ds:schemaRef ds:uri="http://schemas.microsoft.com/office/infopath/2007/PartnerControls"/>
-    <ds:schemaRef ds:uri="http://purl.org/dc/elements/1.1/"/>
-    <ds:schemaRef ds:uri="http://schemas.microsoft.com/office/2006/metadata/properties"/>
-    <ds:schemaRef ds:uri="http://schemas.microsoft.com/office/2006/documentManagement/types"/>
-    <ds:schemaRef ds:uri="743be6eb-25c2-4da9-9fe1-7f1bf8fbe095"/>
-    <ds:schemaRef ds:uri="370397f0-7372-4438-83a9-d56962dada60"/>
-    <ds:schemaRef ds:uri="http://www.w3.org/XML/1998/namespace"/>
+    <ds:schemaRef ds:uri="http://schemas.microsoft.com/sharepoint/v3/contenttype/forms"/>
   </ds:schemaRefs>
 </ds:datastoreItem>
 </file>